--- a/ant_sna_network_diagrams.pptx
+++ b/ant_sna_network_diagrams.pptx
@@ -11,6 +11,14 @@
     <p:sldId id="262" r:id="rId5"/>
     <p:sldId id="263" r:id="rId6"/>
     <p:sldId id="264" r:id="rId7"/>
+    <p:sldId id="265" r:id="rId8"/>
+    <p:sldId id="266" r:id="rId9"/>
+    <p:sldId id="267" r:id="rId10"/>
+    <p:sldId id="268" r:id="rId11"/>
+    <p:sldId id="269" r:id="rId12"/>
+    <p:sldId id="270" r:id="rId13"/>
+    <p:sldId id="271" r:id="rId14"/>
+    <p:sldId id="272" r:id="rId15"/>
   </p:sldIdLst>
   <p:sldSz cx="12192000" cy="6858000"/>
   <p:notesSz cx="6858000" cy="9144000"/>
@@ -109,6 +117,11 @@
       </a:defRPr>
     </a:lvl9pPr>
   </p:defaultTextStyle>
+  <p:extLst>
+    <p:ext uri="{EFAFB233-063F-42B5-8137-9DF3F51BA10A}">
+      <p15:sldGuideLst xmlns:p15="http://schemas.microsoft.com/office/powerpoint/2012/main"/>
+    </p:ext>
+  </p:extLst>
 </p:presentation>
 </file>
 
@@ -261,7 +274,7 @@
           <a:p>
             <a:fld id="{860C609C-6F01-41DE-9C81-127E5EFAB8EE}" type="datetimeFigureOut">
               <a:rPr lang="en-CA" smtClean="0"/>
-              <a:t>2022-04-24</a:t>
+              <a:t>2022-04-26</a:t>
             </a:fld>
             <a:endParaRPr lang="en-CA"/>
           </a:p>
@@ -461,7 +474,7 @@
           <a:p>
             <a:fld id="{860C609C-6F01-41DE-9C81-127E5EFAB8EE}" type="datetimeFigureOut">
               <a:rPr lang="en-CA" smtClean="0"/>
-              <a:t>2022-04-24</a:t>
+              <a:t>2022-04-26</a:t>
             </a:fld>
             <a:endParaRPr lang="en-CA"/>
           </a:p>
@@ -671,7 +684,7 @@
           <a:p>
             <a:fld id="{860C609C-6F01-41DE-9C81-127E5EFAB8EE}" type="datetimeFigureOut">
               <a:rPr lang="en-CA" smtClean="0"/>
-              <a:t>2022-04-24</a:t>
+              <a:t>2022-04-26</a:t>
             </a:fld>
             <a:endParaRPr lang="en-CA"/>
           </a:p>
@@ -871,7 +884,7 @@
           <a:p>
             <a:fld id="{860C609C-6F01-41DE-9C81-127E5EFAB8EE}" type="datetimeFigureOut">
               <a:rPr lang="en-CA" smtClean="0"/>
-              <a:t>2022-04-24</a:t>
+              <a:t>2022-04-26</a:t>
             </a:fld>
             <a:endParaRPr lang="en-CA"/>
           </a:p>
@@ -1147,7 +1160,7 @@
           <a:p>
             <a:fld id="{860C609C-6F01-41DE-9C81-127E5EFAB8EE}" type="datetimeFigureOut">
               <a:rPr lang="en-CA" smtClean="0"/>
-              <a:t>2022-04-24</a:t>
+              <a:t>2022-04-26</a:t>
             </a:fld>
             <a:endParaRPr lang="en-CA"/>
           </a:p>
@@ -1415,7 +1428,7 @@
           <a:p>
             <a:fld id="{860C609C-6F01-41DE-9C81-127E5EFAB8EE}" type="datetimeFigureOut">
               <a:rPr lang="en-CA" smtClean="0"/>
-              <a:t>2022-04-24</a:t>
+              <a:t>2022-04-26</a:t>
             </a:fld>
             <a:endParaRPr lang="en-CA"/>
           </a:p>
@@ -1830,7 +1843,7 @@
           <a:p>
             <a:fld id="{860C609C-6F01-41DE-9C81-127E5EFAB8EE}" type="datetimeFigureOut">
               <a:rPr lang="en-CA" smtClean="0"/>
-              <a:t>2022-04-24</a:t>
+              <a:t>2022-04-26</a:t>
             </a:fld>
             <a:endParaRPr lang="en-CA"/>
           </a:p>
@@ -1972,7 +1985,7 @@
           <a:p>
             <a:fld id="{860C609C-6F01-41DE-9C81-127E5EFAB8EE}" type="datetimeFigureOut">
               <a:rPr lang="en-CA" smtClean="0"/>
-              <a:t>2022-04-24</a:t>
+              <a:t>2022-04-26</a:t>
             </a:fld>
             <a:endParaRPr lang="en-CA"/>
           </a:p>
@@ -2085,7 +2098,7 @@
           <a:p>
             <a:fld id="{860C609C-6F01-41DE-9C81-127E5EFAB8EE}" type="datetimeFigureOut">
               <a:rPr lang="en-CA" smtClean="0"/>
-              <a:t>2022-04-24</a:t>
+              <a:t>2022-04-26</a:t>
             </a:fld>
             <a:endParaRPr lang="en-CA"/>
           </a:p>
@@ -2398,7 +2411,7 @@
           <a:p>
             <a:fld id="{860C609C-6F01-41DE-9C81-127E5EFAB8EE}" type="datetimeFigureOut">
               <a:rPr lang="en-CA" smtClean="0"/>
-              <a:t>2022-04-24</a:t>
+              <a:t>2022-04-26</a:t>
             </a:fld>
             <a:endParaRPr lang="en-CA"/>
           </a:p>
@@ -2687,7 +2700,7 @@
           <a:p>
             <a:fld id="{860C609C-6F01-41DE-9C81-127E5EFAB8EE}" type="datetimeFigureOut">
               <a:rPr lang="en-CA" smtClean="0"/>
-              <a:t>2022-04-24</a:t>
+              <a:t>2022-04-26</a:t>
             </a:fld>
             <a:endParaRPr lang="en-CA"/>
           </a:p>
@@ -2930,7 +2943,7 @@
           <a:p>
             <a:fld id="{860C609C-6F01-41DE-9C81-127E5EFAB8EE}" type="datetimeFigureOut">
               <a:rPr lang="en-CA" smtClean="0"/>
-              <a:t>2022-04-24</a:t>
+              <a:t>2022-04-26</a:t>
             </a:fld>
             <a:endParaRPr lang="en-CA"/>
           </a:p>
@@ -3513,6 +3526,795 @@
 </p:sld>
 </file>
 
+<file path=ppt/slides/slide10.xml><?xml version="1.0" encoding="utf-8"?>
+<p:sld xmlns:a="http://schemas.openxmlformats.org/drawingml/2006/main" xmlns:r="http://schemas.openxmlformats.org/officeDocument/2006/relationships" xmlns:p="http://schemas.openxmlformats.org/presentationml/2006/main">
+  <p:cSld>
+    <p:spTree>
+      <p:nvGrpSpPr>
+        <p:cNvPr id="1" name=""/>
+        <p:cNvGrpSpPr/>
+        <p:nvPr/>
+      </p:nvGrpSpPr>
+      <p:grpSpPr>
+        <a:xfrm>
+          <a:off x="0" y="0"/>
+          <a:ext cx="0" cy="0"/>
+          <a:chOff x="0" y="0"/>
+          <a:chExt cx="0" cy="0"/>
+        </a:xfrm>
+      </p:grpSpPr>
+      <p:pic>
+        <p:nvPicPr>
+          <p:cNvPr id="3" name="Picture 2">
+            <a:extLst>
+              <a:ext uri="{FF2B5EF4-FFF2-40B4-BE49-F238E27FC236}">
+                <a16:creationId xmlns:a16="http://schemas.microsoft.com/office/drawing/2014/main" id="{8E24DD40-6EE5-4E45-A1A2-5422D0A003B2}"/>
+              </a:ext>
+            </a:extLst>
+          </p:cNvPr>
+          <p:cNvPicPr>
+            <a:picLocks noChangeAspect="1"/>
+          </p:cNvPicPr>
+          <p:nvPr/>
+        </p:nvPicPr>
+        <p:blipFill>
+          <a:blip r:embed="rId2"/>
+          <a:stretch>
+            <a:fillRect/>
+          </a:stretch>
+        </p:blipFill>
+        <p:spPr>
+          <a:xfrm>
+            <a:off x="140834" y="1532404"/>
+            <a:ext cx="4210638" cy="4448796"/>
+          </a:xfrm>
+          <a:prstGeom prst="rect">
+            <a:avLst/>
+          </a:prstGeom>
+        </p:spPr>
+      </p:pic>
+      <p:pic>
+        <p:nvPicPr>
+          <p:cNvPr id="5" name="Picture 4">
+            <a:extLst>
+              <a:ext uri="{FF2B5EF4-FFF2-40B4-BE49-F238E27FC236}">
+                <a16:creationId xmlns:a16="http://schemas.microsoft.com/office/drawing/2014/main" id="{F7049116-E608-41F6-AF5D-B6E39DACD6A2}"/>
+              </a:ext>
+            </a:extLst>
+          </p:cNvPr>
+          <p:cNvPicPr>
+            <a:picLocks noChangeAspect="1"/>
+          </p:cNvPicPr>
+          <p:nvPr/>
+        </p:nvPicPr>
+        <p:blipFill>
+          <a:blip r:embed="rId3"/>
+          <a:stretch>
+            <a:fillRect/>
+          </a:stretch>
+        </p:blipFill>
+        <p:spPr>
+          <a:xfrm>
+            <a:off x="4351472" y="1656246"/>
+            <a:ext cx="3991532" cy="4201111"/>
+          </a:xfrm>
+          <a:prstGeom prst="rect">
+            <a:avLst/>
+          </a:prstGeom>
+        </p:spPr>
+      </p:pic>
+      <p:pic>
+        <p:nvPicPr>
+          <p:cNvPr id="7" name="Picture 6">
+            <a:extLst>
+              <a:ext uri="{FF2B5EF4-FFF2-40B4-BE49-F238E27FC236}">
+                <a16:creationId xmlns:a16="http://schemas.microsoft.com/office/drawing/2014/main" id="{CEDD8E31-D46C-4B5A-AFCE-B6F98A86E33A}"/>
+              </a:ext>
+            </a:extLst>
+          </p:cNvPr>
+          <p:cNvPicPr>
+            <a:picLocks noChangeAspect="1"/>
+          </p:cNvPicPr>
+          <p:nvPr/>
+        </p:nvPicPr>
+        <p:blipFill>
+          <a:blip r:embed="rId4"/>
+          <a:stretch>
+            <a:fillRect/>
+          </a:stretch>
+        </p:blipFill>
+        <p:spPr>
+          <a:xfrm>
+            <a:off x="8010123" y="1727693"/>
+            <a:ext cx="3858163" cy="4191585"/>
+          </a:xfrm>
+          <a:prstGeom prst="rect">
+            <a:avLst/>
+          </a:prstGeom>
+        </p:spPr>
+      </p:pic>
+      <p:sp>
+        <p:nvSpPr>
+          <p:cNvPr id="8" name="TextBox 7">
+            <a:extLst>
+              <a:ext uri="{FF2B5EF4-FFF2-40B4-BE49-F238E27FC236}">
+                <a16:creationId xmlns:a16="http://schemas.microsoft.com/office/drawing/2014/main" id="{61025945-BA99-4E6D-9A7A-8E8CA96A5D66}"/>
+              </a:ext>
+            </a:extLst>
+          </p:cNvPr>
+          <p:cNvSpPr txBox="1"/>
+          <p:nvPr/>
+        </p:nvSpPr>
+        <p:spPr>
+          <a:xfrm>
+            <a:off x="276045" y="396815"/>
+            <a:ext cx="7317829" cy="461665"/>
+          </a:xfrm>
+          <a:prstGeom prst="rect">
+            <a:avLst/>
+          </a:prstGeom>
+          <a:noFill/>
+        </p:spPr>
+        <p:txBody>
+          <a:bodyPr wrap="square" rtlCol="0">
+            <a:spAutoFit/>
+          </a:bodyPr>
+          <a:lstStyle/>
+          <a:p>
+            <a:r>
+              <a:rPr lang="en-CA" sz="2400" dirty="0"/>
+              <a:t>Colony 60 (No Choice) Out-strength distributions</a:t>
+            </a:r>
+          </a:p>
+        </p:txBody>
+      </p:sp>
+    </p:spTree>
+    <p:extLst>
+      <p:ext uri="{BB962C8B-B14F-4D97-AF65-F5344CB8AC3E}">
+        <p14:creationId xmlns:p14="http://schemas.microsoft.com/office/powerpoint/2010/main" val="3954940762"/>
+      </p:ext>
+    </p:extLst>
+  </p:cSld>
+  <p:clrMapOvr>
+    <a:masterClrMapping/>
+  </p:clrMapOvr>
+</p:sld>
+</file>
+
+<file path=ppt/slides/slide11.xml><?xml version="1.0" encoding="utf-8"?>
+<p:sld xmlns:a="http://schemas.openxmlformats.org/drawingml/2006/main" xmlns:r="http://schemas.openxmlformats.org/officeDocument/2006/relationships" xmlns:p="http://schemas.openxmlformats.org/presentationml/2006/main">
+  <p:cSld>
+    <p:spTree>
+      <p:nvGrpSpPr>
+        <p:cNvPr id="1" name=""/>
+        <p:cNvGrpSpPr/>
+        <p:nvPr/>
+      </p:nvGrpSpPr>
+      <p:grpSpPr>
+        <a:xfrm>
+          <a:off x="0" y="0"/>
+          <a:ext cx="0" cy="0"/>
+          <a:chOff x="0" y="0"/>
+          <a:chExt cx="0" cy="0"/>
+        </a:xfrm>
+      </p:grpSpPr>
+      <p:pic>
+        <p:nvPicPr>
+          <p:cNvPr id="3" name="Picture 2">
+            <a:extLst>
+              <a:ext uri="{FF2B5EF4-FFF2-40B4-BE49-F238E27FC236}">
+                <a16:creationId xmlns:a16="http://schemas.microsoft.com/office/drawing/2014/main" id="{1F354116-1DBF-4819-8FB9-8062BADDF855}"/>
+              </a:ext>
+            </a:extLst>
+          </p:cNvPr>
+          <p:cNvPicPr>
+            <a:picLocks noChangeAspect="1"/>
+          </p:cNvPicPr>
+          <p:nvPr/>
+        </p:nvPicPr>
+        <p:blipFill>
+          <a:blip r:embed="rId2"/>
+          <a:stretch>
+            <a:fillRect/>
+          </a:stretch>
+        </p:blipFill>
+        <p:spPr>
+          <a:xfrm>
+            <a:off x="184628" y="1511539"/>
+            <a:ext cx="3892753" cy="3849210"/>
+          </a:xfrm>
+          <a:prstGeom prst="rect">
+            <a:avLst/>
+          </a:prstGeom>
+        </p:spPr>
+      </p:pic>
+      <p:pic>
+        <p:nvPicPr>
+          <p:cNvPr id="5" name="Picture 4">
+            <a:extLst>
+              <a:ext uri="{FF2B5EF4-FFF2-40B4-BE49-F238E27FC236}">
+                <a16:creationId xmlns:a16="http://schemas.microsoft.com/office/drawing/2014/main" id="{ADD2B246-F7E4-4484-A965-B6F67503F4BE}"/>
+              </a:ext>
+            </a:extLst>
+          </p:cNvPr>
+          <p:cNvPicPr>
+            <a:picLocks noChangeAspect="1"/>
+          </p:cNvPicPr>
+          <p:nvPr/>
+        </p:nvPicPr>
+        <p:blipFill>
+          <a:blip r:embed="rId3"/>
+          <a:stretch>
+            <a:fillRect/>
+          </a:stretch>
+        </p:blipFill>
+        <p:spPr>
+          <a:xfrm>
+            <a:off x="4172932" y="1497250"/>
+            <a:ext cx="3846136" cy="3863500"/>
+          </a:xfrm>
+          <a:prstGeom prst="rect">
+            <a:avLst/>
+          </a:prstGeom>
+        </p:spPr>
+      </p:pic>
+      <p:pic>
+        <p:nvPicPr>
+          <p:cNvPr id="7" name="Picture 6">
+            <a:extLst>
+              <a:ext uri="{FF2B5EF4-FFF2-40B4-BE49-F238E27FC236}">
+                <a16:creationId xmlns:a16="http://schemas.microsoft.com/office/drawing/2014/main" id="{85DA29F0-518D-40B6-BCA7-503963EB6E09}"/>
+              </a:ext>
+            </a:extLst>
+          </p:cNvPr>
+          <p:cNvPicPr>
+            <a:picLocks noChangeAspect="1"/>
+          </p:cNvPicPr>
+          <p:nvPr/>
+        </p:nvPicPr>
+        <p:blipFill>
+          <a:blip r:embed="rId4"/>
+          <a:stretch>
+            <a:fillRect/>
+          </a:stretch>
+        </p:blipFill>
+        <p:spPr>
+          <a:xfrm>
+            <a:off x="8114618" y="1497249"/>
+            <a:ext cx="3828534" cy="3863499"/>
+          </a:xfrm>
+          <a:prstGeom prst="rect">
+            <a:avLst/>
+          </a:prstGeom>
+        </p:spPr>
+      </p:pic>
+      <p:sp>
+        <p:nvSpPr>
+          <p:cNvPr id="8" name="TextBox 7">
+            <a:extLst>
+              <a:ext uri="{FF2B5EF4-FFF2-40B4-BE49-F238E27FC236}">
+                <a16:creationId xmlns:a16="http://schemas.microsoft.com/office/drawing/2014/main" id="{23C148A7-85D4-4F3B-A551-8B8E56DE9BE3}"/>
+              </a:ext>
+            </a:extLst>
+          </p:cNvPr>
+          <p:cNvSpPr txBox="1"/>
+          <p:nvPr/>
+        </p:nvSpPr>
+        <p:spPr>
+          <a:xfrm>
+            <a:off x="115138" y="301021"/>
+            <a:ext cx="5819955" cy="830997"/>
+          </a:xfrm>
+          <a:prstGeom prst="rect">
+            <a:avLst/>
+          </a:prstGeom>
+          <a:noFill/>
+        </p:spPr>
+        <p:txBody>
+          <a:bodyPr wrap="square" rtlCol="0">
+            <a:spAutoFit/>
+          </a:bodyPr>
+          <a:lstStyle/>
+          <a:p>
+            <a:r>
+              <a:rPr lang="en-CA" sz="2400" dirty="0"/>
+              <a:t>Colony 59 (No-Choice) </a:t>
+            </a:r>
+            <a:br>
+              <a:rPr lang="en-CA" sz="2400" dirty="0"/>
+            </a:br>
+            <a:r>
+              <a:rPr lang="en-CA" sz="2400" dirty="0"/>
+              <a:t>Node size and edge width = out-strength</a:t>
+            </a:r>
+          </a:p>
+        </p:txBody>
+      </p:sp>
+    </p:spTree>
+    <p:extLst>
+      <p:ext uri="{BB962C8B-B14F-4D97-AF65-F5344CB8AC3E}">
+        <p14:creationId xmlns:p14="http://schemas.microsoft.com/office/powerpoint/2010/main" val="4038578512"/>
+      </p:ext>
+    </p:extLst>
+  </p:cSld>
+  <p:clrMapOvr>
+    <a:masterClrMapping/>
+  </p:clrMapOvr>
+</p:sld>
+</file>
+
+<file path=ppt/slides/slide12.xml><?xml version="1.0" encoding="utf-8"?>
+<p:sld xmlns:a="http://schemas.openxmlformats.org/drawingml/2006/main" xmlns:r="http://schemas.openxmlformats.org/officeDocument/2006/relationships" xmlns:p="http://schemas.openxmlformats.org/presentationml/2006/main">
+  <p:cSld>
+    <p:spTree>
+      <p:nvGrpSpPr>
+        <p:cNvPr id="1" name=""/>
+        <p:cNvGrpSpPr/>
+        <p:nvPr/>
+      </p:nvGrpSpPr>
+      <p:grpSpPr>
+        <a:xfrm>
+          <a:off x="0" y="0"/>
+          <a:ext cx="0" cy="0"/>
+          <a:chOff x="0" y="0"/>
+          <a:chExt cx="0" cy="0"/>
+        </a:xfrm>
+      </p:grpSpPr>
+      <p:sp>
+        <p:nvSpPr>
+          <p:cNvPr id="2" name="TextBox 1">
+            <a:extLst>
+              <a:ext uri="{FF2B5EF4-FFF2-40B4-BE49-F238E27FC236}">
+                <a16:creationId xmlns:a16="http://schemas.microsoft.com/office/drawing/2014/main" id="{E066F354-086E-4D8E-A8AA-A39A2EC99519}"/>
+              </a:ext>
+            </a:extLst>
+          </p:cNvPr>
+          <p:cNvSpPr txBox="1"/>
+          <p:nvPr/>
+        </p:nvSpPr>
+        <p:spPr>
+          <a:xfrm>
+            <a:off x="276045" y="396815"/>
+            <a:ext cx="7317829" cy="461665"/>
+          </a:xfrm>
+          <a:prstGeom prst="rect">
+            <a:avLst/>
+          </a:prstGeom>
+          <a:noFill/>
+        </p:spPr>
+        <p:txBody>
+          <a:bodyPr wrap="square" rtlCol="0">
+            <a:spAutoFit/>
+          </a:bodyPr>
+          <a:lstStyle/>
+          <a:p>
+            <a:r>
+              <a:rPr lang="en-CA" sz="2400" dirty="0"/>
+              <a:t>Colony 59 (No Choice) Out-strength distributions</a:t>
+            </a:r>
+          </a:p>
+        </p:txBody>
+      </p:sp>
+      <p:pic>
+        <p:nvPicPr>
+          <p:cNvPr id="4" name="Picture 3">
+            <a:extLst>
+              <a:ext uri="{FF2B5EF4-FFF2-40B4-BE49-F238E27FC236}">
+                <a16:creationId xmlns:a16="http://schemas.microsoft.com/office/drawing/2014/main" id="{C0460D53-C3B7-45AA-B1E5-0D02E96F803B}"/>
+              </a:ext>
+            </a:extLst>
+          </p:cNvPr>
+          <p:cNvPicPr>
+            <a:picLocks noChangeAspect="1"/>
+          </p:cNvPicPr>
+          <p:nvPr/>
+        </p:nvPicPr>
+        <p:blipFill>
+          <a:blip r:embed="rId2"/>
+          <a:stretch>
+            <a:fillRect/>
+          </a:stretch>
+        </p:blipFill>
+        <p:spPr>
+          <a:xfrm>
+            <a:off x="131047" y="1563575"/>
+            <a:ext cx="4067743" cy="4324954"/>
+          </a:xfrm>
+          <a:prstGeom prst="rect">
+            <a:avLst/>
+          </a:prstGeom>
+        </p:spPr>
+      </p:pic>
+      <p:pic>
+        <p:nvPicPr>
+          <p:cNvPr id="6" name="Picture 5">
+            <a:extLst>
+              <a:ext uri="{FF2B5EF4-FFF2-40B4-BE49-F238E27FC236}">
+                <a16:creationId xmlns:a16="http://schemas.microsoft.com/office/drawing/2014/main" id="{666083B8-8C99-4ED6-A5C9-8E936C7F9771}"/>
+              </a:ext>
+            </a:extLst>
+          </p:cNvPr>
+          <p:cNvPicPr>
+            <a:picLocks noChangeAspect="1"/>
+          </p:cNvPicPr>
+          <p:nvPr/>
+        </p:nvPicPr>
+        <p:blipFill>
+          <a:blip r:embed="rId3"/>
+          <a:stretch>
+            <a:fillRect/>
+          </a:stretch>
+        </p:blipFill>
+        <p:spPr>
+          <a:xfrm>
+            <a:off x="4198790" y="1549285"/>
+            <a:ext cx="3858163" cy="4353533"/>
+          </a:xfrm>
+          <a:prstGeom prst="rect">
+            <a:avLst/>
+          </a:prstGeom>
+        </p:spPr>
+      </p:pic>
+      <p:pic>
+        <p:nvPicPr>
+          <p:cNvPr id="8" name="Picture 7">
+            <a:extLst>
+              <a:ext uri="{FF2B5EF4-FFF2-40B4-BE49-F238E27FC236}">
+                <a16:creationId xmlns:a16="http://schemas.microsoft.com/office/drawing/2014/main" id="{F6F01E73-4320-4D6E-BE85-D6BC03088D44}"/>
+              </a:ext>
+            </a:extLst>
+          </p:cNvPr>
+          <p:cNvPicPr>
+            <a:picLocks noChangeAspect="1"/>
+          </p:cNvPicPr>
+          <p:nvPr/>
+        </p:nvPicPr>
+        <p:blipFill>
+          <a:blip r:embed="rId4"/>
+          <a:stretch>
+            <a:fillRect/>
+          </a:stretch>
+        </p:blipFill>
+        <p:spPr>
+          <a:xfrm>
+            <a:off x="8130137" y="1687418"/>
+            <a:ext cx="3791479" cy="4201111"/>
+          </a:xfrm>
+          <a:prstGeom prst="rect">
+            <a:avLst/>
+          </a:prstGeom>
+        </p:spPr>
+      </p:pic>
+    </p:spTree>
+    <p:extLst>
+      <p:ext uri="{BB962C8B-B14F-4D97-AF65-F5344CB8AC3E}">
+        <p14:creationId xmlns:p14="http://schemas.microsoft.com/office/powerpoint/2010/main" val="1942770822"/>
+      </p:ext>
+    </p:extLst>
+  </p:cSld>
+  <p:clrMapOvr>
+    <a:masterClrMapping/>
+  </p:clrMapOvr>
+</p:sld>
+</file>
+
+<file path=ppt/slides/slide13.xml><?xml version="1.0" encoding="utf-8"?>
+<p:sld xmlns:a="http://schemas.openxmlformats.org/drawingml/2006/main" xmlns:r="http://schemas.openxmlformats.org/officeDocument/2006/relationships" xmlns:p="http://schemas.openxmlformats.org/presentationml/2006/main">
+  <p:cSld>
+    <p:spTree>
+      <p:nvGrpSpPr>
+        <p:cNvPr id="1" name=""/>
+        <p:cNvGrpSpPr/>
+        <p:nvPr/>
+      </p:nvGrpSpPr>
+      <p:grpSpPr>
+        <a:xfrm>
+          <a:off x="0" y="0"/>
+          <a:ext cx="0" cy="0"/>
+          <a:chOff x="0" y="0"/>
+          <a:chExt cx="0" cy="0"/>
+        </a:xfrm>
+      </p:grpSpPr>
+      <p:sp>
+        <p:nvSpPr>
+          <p:cNvPr id="2" name="TextBox 1">
+            <a:extLst>
+              <a:ext uri="{FF2B5EF4-FFF2-40B4-BE49-F238E27FC236}">
+                <a16:creationId xmlns:a16="http://schemas.microsoft.com/office/drawing/2014/main" id="{3F85D553-D8C2-48EC-A2F9-303B64EEA259}"/>
+              </a:ext>
+            </a:extLst>
+          </p:cNvPr>
+          <p:cNvSpPr txBox="1"/>
+          <p:nvPr/>
+        </p:nvSpPr>
+        <p:spPr>
+          <a:xfrm>
+            <a:off x="115138" y="301021"/>
+            <a:ext cx="5819955" cy="830997"/>
+          </a:xfrm>
+          <a:prstGeom prst="rect">
+            <a:avLst/>
+          </a:prstGeom>
+          <a:noFill/>
+        </p:spPr>
+        <p:txBody>
+          <a:bodyPr wrap="square" rtlCol="0">
+            <a:spAutoFit/>
+          </a:bodyPr>
+          <a:lstStyle/>
+          <a:p>
+            <a:r>
+              <a:rPr lang="en-CA" sz="2400" dirty="0"/>
+              <a:t>Colony 59 (No-Choice) </a:t>
+            </a:r>
+            <a:br>
+              <a:rPr lang="en-CA" sz="2400" dirty="0"/>
+            </a:br>
+            <a:r>
+              <a:rPr lang="en-CA" sz="2400" dirty="0"/>
+              <a:t>Node size and edge width = out-strength</a:t>
+            </a:r>
+          </a:p>
+        </p:txBody>
+      </p:sp>
+      <p:pic>
+        <p:nvPicPr>
+          <p:cNvPr id="4" name="Picture 3">
+            <a:extLst>
+              <a:ext uri="{FF2B5EF4-FFF2-40B4-BE49-F238E27FC236}">
+                <a16:creationId xmlns:a16="http://schemas.microsoft.com/office/drawing/2014/main" id="{8855A9EA-DAE4-4DD5-8165-6F800722BFA2}"/>
+              </a:ext>
+            </a:extLst>
+          </p:cNvPr>
+          <p:cNvPicPr>
+            <a:picLocks noChangeAspect="1"/>
+          </p:cNvPicPr>
+          <p:nvPr/>
+        </p:nvPicPr>
+        <p:blipFill>
+          <a:blip r:embed="rId2"/>
+          <a:stretch>
+            <a:fillRect/>
+          </a:stretch>
+        </p:blipFill>
+        <p:spPr>
+          <a:xfrm>
+            <a:off x="115138" y="1767491"/>
+            <a:ext cx="3732243" cy="3740687"/>
+          </a:xfrm>
+          <a:prstGeom prst="rect">
+            <a:avLst/>
+          </a:prstGeom>
+        </p:spPr>
+      </p:pic>
+      <p:pic>
+        <p:nvPicPr>
+          <p:cNvPr id="6" name="Picture 5">
+            <a:extLst>
+              <a:ext uri="{FF2B5EF4-FFF2-40B4-BE49-F238E27FC236}">
+                <a16:creationId xmlns:a16="http://schemas.microsoft.com/office/drawing/2014/main" id="{EDDD6532-839B-4212-8F42-A969A2611586}"/>
+              </a:ext>
+            </a:extLst>
+          </p:cNvPr>
+          <p:cNvPicPr>
+            <a:picLocks noChangeAspect="1"/>
+          </p:cNvPicPr>
+          <p:nvPr/>
+        </p:nvPicPr>
+        <p:blipFill>
+          <a:blip r:embed="rId3"/>
+          <a:stretch>
+            <a:fillRect/>
+          </a:stretch>
+        </p:blipFill>
+        <p:spPr>
+          <a:xfrm>
+            <a:off x="3937587" y="1757965"/>
+            <a:ext cx="3753826" cy="3745353"/>
+          </a:xfrm>
+          <a:prstGeom prst="rect">
+            <a:avLst/>
+          </a:prstGeom>
+        </p:spPr>
+      </p:pic>
+      <p:pic>
+        <p:nvPicPr>
+          <p:cNvPr id="8" name="Picture 7">
+            <a:extLst>
+              <a:ext uri="{FF2B5EF4-FFF2-40B4-BE49-F238E27FC236}">
+                <a16:creationId xmlns:a16="http://schemas.microsoft.com/office/drawing/2014/main" id="{05317A3B-4968-4497-8664-62D6567FFE10}"/>
+              </a:ext>
+            </a:extLst>
+          </p:cNvPr>
+          <p:cNvPicPr>
+            <a:picLocks noChangeAspect="1"/>
+          </p:cNvPicPr>
+          <p:nvPr/>
+        </p:nvPicPr>
+        <p:blipFill>
+          <a:blip r:embed="rId4"/>
+          <a:stretch>
+            <a:fillRect/>
+          </a:stretch>
+        </p:blipFill>
+        <p:spPr>
+          <a:xfrm>
+            <a:off x="7866224" y="1757965"/>
+            <a:ext cx="3753846" cy="3745353"/>
+          </a:xfrm>
+          <a:prstGeom prst="rect">
+            <a:avLst/>
+          </a:prstGeom>
+        </p:spPr>
+      </p:pic>
+    </p:spTree>
+    <p:extLst>
+      <p:ext uri="{BB962C8B-B14F-4D97-AF65-F5344CB8AC3E}">
+        <p14:creationId xmlns:p14="http://schemas.microsoft.com/office/powerpoint/2010/main" val="1818028940"/>
+      </p:ext>
+    </p:extLst>
+  </p:cSld>
+  <p:clrMapOvr>
+    <a:masterClrMapping/>
+  </p:clrMapOvr>
+</p:sld>
+</file>
+
+<file path=ppt/slides/slide14.xml><?xml version="1.0" encoding="utf-8"?>
+<p:sld xmlns:a="http://schemas.openxmlformats.org/drawingml/2006/main" xmlns:r="http://schemas.openxmlformats.org/officeDocument/2006/relationships" xmlns:p="http://schemas.openxmlformats.org/presentationml/2006/main">
+  <p:cSld>
+    <p:spTree>
+      <p:nvGrpSpPr>
+        <p:cNvPr id="1" name=""/>
+        <p:cNvGrpSpPr/>
+        <p:nvPr/>
+      </p:nvGrpSpPr>
+      <p:grpSpPr>
+        <a:xfrm>
+          <a:off x="0" y="0"/>
+          <a:ext cx="0" cy="0"/>
+          <a:chOff x="0" y="0"/>
+          <a:chExt cx="0" cy="0"/>
+        </a:xfrm>
+      </p:grpSpPr>
+      <p:pic>
+        <p:nvPicPr>
+          <p:cNvPr id="3" name="Picture 2">
+            <a:extLst>
+              <a:ext uri="{FF2B5EF4-FFF2-40B4-BE49-F238E27FC236}">
+                <a16:creationId xmlns:a16="http://schemas.microsoft.com/office/drawing/2014/main" id="{1440CF21-8133-4CE9-B27F-5616CCDAAE97}"/>
+              </a:ext>
+            </a:extLst>
+          </p:cNvPr>
+          <p:cNvPicPr>
+            <a:picLocks noChangeAspect="1"/>
+          </p:cNvPicPr>
+          <p:nvPr/>
+        </p:nvPicPr>
+        <p:blipFill>
+          <a:blip r:embed="rId2"/>
+          <a:stretch>
+            <a:fillRect/>
+          </a:stretch>
+        </p:blipFill>
+        <p:spPr>
+          <a:xfrm>
+            <a:off x="89869" y="1626770"/>
+            <a:ext cx="4096322" cy="4277322"/>
+          </a:xfrm>
+          <a:prstGeom prst="rect">
+            <a:avLst/>
+          </a:prstGeom>
+        </p:spPr>
+      </p:pic>
+      <p:pic>
+        <p:nvPicPr>
+          <p:cNvPr id="5" name="Picture 4">
+            <a:extLst>
+              <a:ext uri="{FF2B5EF4-FFF2-40B4-BE49-F238E27FC236}">
+                <a16:creationId xmlns:a16="http://schemas.microsoft.com/office/drawing/2014/main" id="{801ACA9E-2B66-426A-8953-6A3E2CE1286C}"/>
+              </a:ext>
+            </a:extLst>
+          </p:cNvPr>
+          <p:cNvPicPr>
+            <a:picLocks noChangeAspect="1"/>
+          </p:cNvPicPr>
+          <p:nvPr/>
+        </p:nvPicPr>
+        <p:blipFill>
+          <a:blip r:embed="rId3"/>
+          <a:stretch>
+            <a:fillRect/>
+          </a:stretch>
+        </p:blipFill>
+        <p:spPr>
+          <a:xfrm>
+            <a:off x="4204806" y="1583901"/>
+            <a:ext cx="3801005" cy="4363059"/>
+          </a:xfrm>
+          <a:prstGeom prst="rect">
+            <a:avLst/>
+          </a:prstGeom>
+        </p:spPr>
+      </p:pic>
+      <p:pic>
+        <p:nvPicPr>
+          <p:cNvPr id="7" name="Picture 6">
+            <a:extLst>
+              <a:ext uri="{FF2B5EF4-FFF2-40B4-BE49-F238E27FC236}">
+                <a16:creationId xmlns:a16="http://schemas.microsoft.com/office/drawing/2014/main" id="{7028DE9E-B3CC-499A-B62D-40C77C65E1F6}"/>
+              </a:ext>
+            </a:extLst>
+          </p:cNvPr>
+          <p:cNvPicPr>
+            <a:picLocks noChangeAspect="1"/>
+          </p:cNvPicPr>
+          <p:nvPr/>
+        </p:nvPicPr>
+        <p:blipFill>
+          <a:blip r:embed="rId4"/>
+          <a:stretch>
+            <a:fillRect/>
+          </a:stretch>
+        </p:blipFill>
+        <p:spPr>
+          <a:xfrm>
+            <a:off x="8024426" y="1679164"/>
+            <a:ext cx="3829584" cy="4267796"/>
+          </a:xfrm>
+          <a:prstGeom prst="rect">
+            <a:avLst/>
+          </a:prstGeom>
+        </p:spPr>
+      </p:pic>
+      <p:sp>
+        <p:nvSpPr>
+          <p:cNvPr id="8" name="TextBox 7">
+            <a:extLst>
+              <a:ext uri="{FF2B5EF4-FFF2-40B4-BE49-F238E27FC236}">
+                <a16:creationId xmlns:a16="http://schemas.microsoft.com/office/drawing/2014/main" id="{CE74092B-7992-41BE-BFB0-985E508ABD3A}"/>
+              </a:ext>
+            </a:extLst>
+          </p:cNvPr>
+          <p:cNvSpPr txBox="1"/>
+          <p:nvPr/>
+        </p:nvSpPr>
+        <p:spPr>
+          <a:xfrm>
+            <a:off x="276045" y="396815"/>
+            <a:ext cx="7317829" cy="461665"/>
+          </a:xfrm>
+          <a:prstGeom prst="rect">
+            <a:avLst/>
+          </a:prstGeom>
+          <a:noFill/>
+        </p:spPr>
+        <p:txBody>
+          <a:bodyPr wrap="square" rtlCol="0">
+            <a:spAutoFit/>
+          </a:bodyPr>
+          <a:lstStyle/>
+          <a:p>
+            <a:r>
+              <a:rPr lang="en-CA" sz="2400" dirty="0"/>
+              <a:t>Colony 59 (No Choice) Out-strength distributions</a:t>
+            </a:r>
+          </a:p>
+        </p:txBody>
+      </p:sp>
+    </p:spTree>
+    <p:extLst>
+      <p:ext uri="{BB962C8B-B14F-4D97-AF65-F5344CB8AC3E}">
+        <p14:creationId xmlns:p14="http://schemas.microsoft.com/office/powerpoint/2010/main" val="270700745"/>
+      </p:ext>
+    </p:extLst>
+  </p:cSld>
+  <p:clrMapOvr>
+    <a:masterClrMapping/>
+  </p:clrMapOvr>
+</p:sld>
+</file>
+
 <file path=ppt/slides/slide2.xml><?xml version="1.0" encoding="utf-8"?>
 <p:sld xmlns:a="http://schemas.openxmlformats.org/drawingml/2006/main" xmlns:r="http://schemas.openxmlformats.org/officeDocument/2006/relationships" xmlns:p="http://schemas.openxmlformats.org/presentationml/2006/main">
   <p:cSld>
@@ -4289,6 +5091,483 @@
     <p:extLst>
       <p:ext uri="{BB962C8B-B14F-4D97-AF65-F5344CB8AC3E}">
         <p14:creationId xmlns:p14="http://schemas.microsoft.com/office/powerpoint/2010/main" val="3726361480"/>
+      </p:ext>
+    </p:extLst>
+  </p:cSld>
+  <p:clrMapOvr>
+    <a:masterClrMapping/>
+  </p:clrMapOvr>
+</p:sld>
+</file>
+
+<file path=ppt/slides/slide7.xml><?xml version="1.0" encoding="utf-8"?>
+<p:sld xmlns:a="http://schemas.openxmlformats.org/drawingml/2006/main" xmlns:r="http://schemas.openxmlformats.org/officeDocument/2006/relationships" xmlns:p="http://schemas.openxmlformats.org/presentationml/2006/main">
+  <p:cSld>
+    <p:spTree>
+      <p:nvGrpSpPr>
+        <p:cNvPr id="1" name=""/>
+        <p:cNvGrpSpPr/>
+        <p:nvPr/>
+      </p:nvGrpSpPr>
+      <p:grpSpPr>
+        <a:xfrm>
+          <a:off x="0" y="0"/>
+          <a:ext cx="0" cy="0"/>
+          <a:chOff x="0" y="0"/>
+          <a:chExt cx="0" cy="0"/>
+        </a:xfrm>
+      </p:grpSpPr>
+      <p:pic>
+        <p:nvPicPr>
+          <p:cNvPr id="3" name="Picture 2">
+            <a:extLst>
+              <a:ext uri="{FF2B5EF4-FFF2-40B4-BE49-F238E27FC236}">
+                <a16:creationId xmlns:a16="http://schemas.microsoft.com/office/drawing/2014/main" id="{8EB5A6EB-5D11-4975-B469-D9C55D199FAA}"/>
+              </a:ext>
+            </a:extLst>
+          </p:cNvPr>
+          <p:cNvPicPr>
+            <a:picLocks noChangeAspect="1"/>
+          </p:cNvPicPr>
+          <p:nvPr/>
+        </p:nvPicPr>
+        <p:blipFill>
+          <a:blip r:embed="rId2"/>
+          <a:stretch>
+            <a:fillRect/>
+          </a:stretch>
+        </p:blipFill>
+        <p:spPr>
+          <a:xfrm>
+            <a:off x="1161792" y="1844753"/>
+            <a:ext cx="3247949" cy="3233252"/>
+          </a:xfrm>
+          <a:prstGeom prst="rect">
+            <a:avLst/>
+          </a:prstGeom>
+        </p:spPr>
+      </p:pic>
+      <p:pic>
+        <p:nvPicPr>
+          <p:cNvPr id="5" name="Picture 4">
+            <a:extLst>
+              <a:ext uri="{FF2B5EF4-FFF2-40B4-BE49-F238E27FC236}">
+                <a16:creationId xmlns:a16="http://schemas.microsoft.com/office/drawing/2014/main" id="{1C6674CB-0805-427F-B2AE-84AEAEC3BE33}"/>
+              </a:ext>
+            </a:extLst>
+          </p:cNvPr>
+          <p:cNvPicPr>
+            <a:picLocks noChangeAspect="1"/>
+          </p:cNvPicPr>
+          <p:nvPr/>
+        </p:nvPicPr>
+        <p:blipFill>
+          <a:blip r:embed="rId3"/>
+          <a:stretch>
+            <a:fillRect/>
+          </a:stretch>
+        </p:blipFill>
+        <p:spPr>
+          <a:xfrm>
+            <a:off x="4515394" y="1844752"/>
+            <a:ext cx="3161212" cy="3168495"/>
+          </a:xfrm>
+          <a:prstGeom prst="rect">
+            <a:avLst/>
+          </a:prstGeom>
+        </p:spPr>
+      </p:pic>
+      <p:pic>
+        <p:nvPicPr>
+          <p:cNvPr id="7" name="Picture 6">
+            <a:extLst>
+              <a:ext uri="{FF2B5EF4-FFF2-40B4-BE49-F238E27FC236}">
+                <a16:creationId xmlns:a16="http://schemas.microsoft.com/office/drawing/2014/main" id="{AEF3B082-E494-414C-89D4-7C65646EDAA8}"/>
+              </a:ext>
+            </a:extLst>
+          </p:cNvPr>
+          <p:cNvPicPr>
+            <a:picLocks noChangeAspect="1"/>
+          </p:cNvPicPr>
+          <p:nvPr/>
+        </p:nvPicPr>
+        <p:blipFill>
+          <a:blip r:embed="rId4"/>
+          <a:stretch>
+            <a:fillRect/>
+          </a:stretch>
+        </p:blipFill>
+        <p:spPr>
+          <a:xfrm>
+            <a:off x="7782259" y="1844752"/>
+            <a:ext cx="3204748" cy="3168495"/>
+          </a:xfrm>
+          <a:prstGeom prst="rect">
+            <a:avLst/>
+          </a:prstGeom>
+        </p:spPr>
+      </p:pic>
+      <p:sp>
+        <p:nvSpPr>
+          <p:cNvPr id="8" name="TextBox 7">
+            <a:extLst>
+              <a:ext uri="{FF2B5EF4-FFF2-40B4-BE49-F238E27FC236}">
+                <a16:creationId xmlns:a16="http://schemas.microsoft.com/office/drawing/2014/main" id="{154644AB-A9E6-44F6-BDB0-D0C431C80D7E}"/>
+              </a:ext>
+            </a:extLst>
+          </p:cNvPr>
+          <p:cNvSpPr txBox="1"/>
+          <p:nvPr/>
+        </p:nvSpPr>
+        <p:spPr>
+          <a:xfrm>
+            <a:off x="97720" y="257478"/>
+            <a:ext cx="5819955" cy="830997"/>
+          </a:xfrm>
+          <a:prstGeom prst="rect">
+            <a:avLst/>
+          </a:prstGeom>
+          <a:noFill/>
+        </p:spPr>
+        <p:txBody>
+          <a:bodyPr wrap="square" rtlCol="0">
+            <a:spAutoFit/>
+          </a:bodyPr>
+          <a:lstStyle/>
+          <a:p>
+            <a:r>
+              <a:rPr lang="en-CA" sz="2400" dirty="0"/>
+              <a:t>Colony 53 (Choice) </a:t>
+            </a:r>
+            <a:br>
+              <a:rPr lang="en-CA" sz="2400" dirty="0"/>
+            </a:br>
+            <a:r>
+              <a:rPr lang="en-CA" sz="2400" dirty="0"/>
+              <a:t>Node size and edge width = out-strength</a:t>
+            </a:r>
+          </a:p>
+        </p:txBody>
+      </p:sp>
+    </p:spTree>
+    <p:extLst>
+      <p:ext uri="{BB962C8B-B14F-4D97-AF65-F5344CB8AC3E}">
+        <p14:creationId xmlns:p14="http://schemas.microsoft.com/office/powerpoint/2010/main" val="1390489208"/>
+      </p:ext>
+    </p:extLst>
+  </p:cSld>
+  <p:clrMapOvr>
+    <a:masterClrMapping/>
+  </p:clrMapOvr>
+</p:sld>
+</file>
+
+<file path=ppt/slides/slide8.xml><?xml version="1.0" encoding="utf-8"?>
+<p:sld xmlns:a="http://schemas.openxmlformats.org/drawingml/2006/main" xmlns:r="http://schemas.openxmlformats.org/officeDocument/2006/relationships" xmlns:p="http://schemas.openxmlformats.org/presentationml/2006/main">
+  <p:cSld>
+    <p:spTree>
+      <p:nvGrpSpPr>
+        <p:cNvPr id="1" name=""/>
+        <p:cNvGrpSpPr/>
+        <p:nvPr/>
+      </p:nvGrpSpPr>
+      <p:grpSpPr>
+        <a:xfrm>
+          <a:off x="0" y="0"/>
+          <a:ext cx="0" cy="0"/>
+          <a:chOff x="0" y="0"/>
+          <a:chExt cx="0" cy="0"/>
+        </a:xfrm>
+      </p:grpSpPr>
+      <p:sp>
+        <p:nvSpPr>
+          <p:cNvPr id="2" name="TextBox 1">
+            <a:extLst>
+              <a:ext uri="{FF2B5EF4-FFF2-40B4-BE49-F238E27FC236}">
+                <a16:creationId xmlns:a16="http://schemas.microsoft.com/office/drawing/2014/main" id="{15472C81-D789-4592-AEF6-7B747860E6F3}"/>
+              </a:ext>
+            </a:extLst>
+          </p:cNvPr>
+          <p:cNvSpPr txBox="1"/>
+          <p:nvPr/>
+        </p:nvSpPr>
+        <p:spPr>
+          <a:xfrm>
+            <a:off x="276045" y="396815"/>
+            <a:ext cx="5819955" cy="461665"/>
+          </a:xfrm>
+          <a:prstGeom prst="rect">
+            <a:avLst/>
+          </a:prstGeom>
+          <a:noFill/>
+        </p:spPr>
+        <p:txBody>
+          <a:bodyPr wrap="square" rtlCol="0">
+            <a:spAutoFit/>
+          </a:bodyPr>
+          <a:lstStyle/>
+          <a:p>
+            <a:r>
+              <a:rPr lang="en-CA" sz="2400" dirty="0"/>
+              <a:t>Colony 53 (Choice) Out-strength distributions</a:t>
+            </a:r>
+          </a:p>
+        </p:txBody>
+      </p:sp>
+      <p:pic>
+        <p:nvPicPr>
+          <p:cNvPr id="4" name="Picture 3">
+            <a:extLst>
+              <a:ext uri="{FF2B5EF4-FFF2-40B4-BE49-F238E27FC236}">
+                <a16:creationId xmlns:a16="http://schemas.microsoft.com/office/drawing/2014/main" id="{41B3C44E-EE41-49A6-9FEF-DC5F980D1515}"/>
+              </a:ext>
+            </a:extLst>
+          </p:cNvPr>
+          <p:cNvPicPr>
+            <a:picLocks noChangeAspect="1"/>
+          </p:cNvPicPr>
+          <p:nvPr/>
+        </p:nvPicPr>
+        <p:blipFill rotWithShape="1">
+          <a:blip r:embed="rId2"/>
+          <a:srcRect r="27424"/>
+          <a:stretch/>
+        </p:blipFill>
+        <p:spPr>
+          <a:xfrm>
+            <a:off x="543749" y="1688633"/>
+            <a:ext cx="3513680" cy="3510169"/>
+          </a:xfrm>
+          <a:prstGeom prst="rect">
+            <a:avLst/>
+          </a:prstGeom>
+        </p:spPr>
+      </p:pic>
+      <p:pic>
+        <p:nvPicPr>
+          <p:cNvPr id="6" name="Picture 5">
+            <a:extLst>
+              <a:ext uri="{FF2B5EF4-FFF2-40B4-BE49-F238E27FC236}">
+                <a16:creationId xmlns:a16="http://schemas.microsoft.com/office/drawing/2014/main" id="{CC7F1287-1257-414F-8080-2CE52D1352E4}"/>
+              </a:ext>
+            </a:extLst>
+          </p:cNvPr>
+          <p:cNvPicPr>
+            <a:picLocks noChangeAspect="1"/>
+          </p:cNvPicPr>
+          <p:nvPr/>
+        </p:nvPicPr>
+        <p:blipFill rotWithShape="1">
+          <a:blip r:embed="rId3"/>
+          <a:srcRect r="14791"/>
+          <a:stretch/>
+        </p:blipFill>
+        <p:spPr>
+          <a:xfrm>
+            <a:off x="4314524" y="1595016"/>
+            <a:ext cx="3342685" cy="3667966"/>
+          </a:xfrm>
+          <a:prstGeom prst="rect">
+            <a:avLst/>
+          </a:prstGeom>
+        </p:spPr>
+      </p:pic>
+      <p:pic>
+        <p:nvPicPr>
+          <p:cNvPr id="8" name="Picture 7">
+            <a:extLst>
+              <a:ext uri="{FF2B5EF4-FFF2-40B4-BE49-F238E27FC236}">
+                <a16:creationId xmlns:a16="http://schemas.microsoft.com/office/drawing/2014/main" id="{80EAB107-8CF6-4CB0-B26A-43725C29DA3B}"/>
+              </a:ext>
+            </a:extLst>
+          </p:cNvPr>
+          <p:cNvPicPr>
+            <a:picLocks noChangeAspect="1"/>
+          </p:cNvPicPr>
+          <p:nvPr/>
+        </p:nvPicPr>
+        <p:blipFill>
+          <a:blip r:embed="rId4"/>
+          <a:stretch>
+            <a:fillRect/>
+          </a:stretch>
+        </p:blipFill>
+        <p:spPr>
+          <a:xfrm>
+            <a:off x="7689112" y="1595016"/>
+            <a:ext cx="3537259" cy="3667966"/>
+          </a:xfrm>
+          <a:prstGeom prst="rect">
+            <a:avLst/>
+          </a:prstGeom>
+        </p:spPr>
+      </p:pic>
+    </p:spTree>
+    <p:extLst>
+      <p:ext uri="{BB962C8B-B14F-4D97-AF65-F5344CB8AC3E}">
+        <p14:creationId xmlns:p14="http://schemas.microsoft.com/office/powerpoint/2010/main" val="2586672540"/>
+      </p:ext>
+    </p:extLst>
+  </p:cSld>
+  <p:clrMapOvr>
+    <a:masterClrMapping/>
+  </p:clrMapOvr>
+</p:sld>
+</file>
+
+<file path=ppt/slides/slide9.xml><?xml version="1.0" encoding="utf-8"?>
+<p:sld xmlns:a="http://schemas.openxmlformats.org/drawingml/2006/main" xmlns:r="http://schemas.openxmlformats.org/officeDocument/2006/relationships" xmlns:p="http://schemas.openxmlformats.org/presentationml/2006/main">
+  <p:cSld>
+    <p:spTree>
+      <p:nvGrpSpPr>
+        <p:cNvPr id="1" name=""/>
+        <p:cNvGrpSpPr/>
+        <p:nvPr/>
+      </p:nvGrpSpPr>
+      <p:grpSpPr>
+        <a:xfrm>
+          <a:off x="0" y="0"/>
+          <a:ext cx="0" cy="0"/>
+          <a:chOff x="0" y="0"/>
+          <a:chExt cx="0" cy="0"/>
+        </a:xfrm>
+      </p:grpSpPr>
+      <p:pic>
+        <p:nvPicPr>
+          <p:cNvPr id="3" name="Picture 2">
+            <a:extLst>
+              <a:ext uri="{FF2B5EF4-FFF2-40B4-BE49-F238E27FC236}">
+                <a16:creationId xmlns:a16="http://schemas.microsoft.com/office/drawing/2014/main" id="{A0D58741-9B07-4E36-AC29-7B9A949B35CF}"/>
+              </a:ext>
+            </a:extLst>
+          </p:cNvPr>
+          <p:cNvPicPr>
+            <a:picLocks noChangeAspect="1"/>
+          </p:cNvPicPr>
+          <p:nvPr/>
+        </p:nvPicPr>
+        <p:blipFill>
+          <a:blip r:embed="rId2"/>
+          <a:stretch>
+            <a:fillRect/>
+          </a:stretch>
+        </p:blipFill>
+        <p:spPr>
+          <a:xfrm>
+            <a:off x="983901" y="1748850"/>
+            <a:ext cx="3277057" cy="3029373"/>
+          </a:xfrm>
+          <a:prstGeom prst="rect">
+            <a:avLst/>
+          </a:prstGeom>
+        </p:spPr>
+      </p:pic>
+      <p:pic>
+        <p:nvPicPr>
+          <p:cNvPr id="7" name="Picture 6">
+            <a:extLst>
+              <a:ext uri="{FF2B5EF4-FFF2-40B4-BE49-F238E27FC236}">
+                <a16:creationId xmlns:a16="http://schemas.microsoft.com/office/drawing/2014/main" id="{A9571C71-A87D-4C1C-9BCF-A3C8003CBB3A}"/>
+              </a:ext>
+            </a:extLst>
+          </p:cNvPr>
+          <p:cNvPicPr>
+            <a:picLocks noChangeAspect="1"/>
+          </p:cNvPicPr>
+          <p:nvPr/>
+        </p:nvPicPr>
+        <p:blipFill>
+          <a:blip r:embed="rId3"/>
+          <a:stretch>
+            <a:fillRect/>
+          </a:stretch>
+        </p:blipFill>
+        <p:spPr>
+          <a:xfrm>
+            <a:off x="7810623" y="1748850"/>
+            <a:ext cx="3175808" cy="3029373"/>
+          </a:xfrm>
+          <a:prstGeom prst="rect">
+            <a:avLst/>
+          </a:prstGeom>
+        </p:spPr>
+      </p:pic>
+      <p:pic>
+        <p:nvPicPr>
+          <p:cNvPr id="9" name="Picture 8">
+            <a:extLst>
+              <a:ext uri="{FF2B5EF4-FFF2-40B4-BE49-F238E27FC236}">
+                <a16:creationId xmlns:a16="http://schemas.microsoft.com/office/drawing/2014/main" id="{B0AAFE15-C099-47C1-A10E-82E5105D23F2}"/>
+              </a:ext>
+            </a:extLst>
+          </p:cNvPr>
+          <p:cNvPicPr>
+            <a:picLocks noChangeAspect="1"/>
+          </p:cNvPicPr>
+          <p:nvPr/>
+        </p:nvPicPr>
+        <p:blipFill>
+          <a:blip r:embed="rId4"/>
+          <a:stretch>
+            <a:fillRect/>
+          </a:stretch>
+        </p:blipFill>
+        <p:spPr>
+          <a:xfrm>
+            <a:off x="4363026" y="1748850"/>
+            <a:ext cx="3240722" cy="2990059"/>
+          </a:xfrm>
+          <a:prstGeom prst="rect">
+            <a:avLst/>
+          </a:prstGeom>
+        </p:spPr>
+      </p:pic>
+      <p:sp>
+        <p:nvSpPr>
+          <p:cNvPr id="10" name="TextBox 9">
+            <a:extLst>
+              <a:ext uri="{FF2B5EF4-FFF2-40B4-BE49-F238E27FC236}">
+                <a16:creationId xmlns:a16="http://schemas.microsoft.com/office/drawing/2014/main" id="{B82E68FD-A873-46FB-9E59-C912140D82B5}"/>
+              </a:ext>
+            </a:extLst>
+          </p:cNvPr>
+          <p:cNvSpPr txBox="1"/>
+          <p:nvPr/>
+        </p:nvSpPr>
+        <p:spPr>
+          <a:xfrm>
+            <a:off x="97720" y="257478"/>
+            <a:ext cx="5819955" cy="830997"/>
+          </a:xfrm>
+          <a:prstGeom prst="rect">
+            <a:avLst/>
+          </a:prstGeom>
+          <a:noFill/>
+        </p:spPr>
+        <p:txBody>
+          <a:bodyPr wrap="square" rtlCol="0">
+            <a:spAutoFit/>
+          </a:bodyPr>
+          <a:lstStyle/>
+          <a:p>
+            <a:r>
+              <a:rPr lang="en-CA" sz="2400" dirty="0"/>
+              <a:t>Colony 60 (No-Choice) </a:t>
+            </a:r>
+            <a:br>
+              <a:rPr lang="en-CA" sz="2400" dirty="0"/>
+            </a:br>
+            <a:r>
+              <a:rPr lang="en-CA" sz="2400" dirty="0"/>
+              <a:t>Node size and edge width = out-strength</a:t>
+            </a:r>
+          </a:p>
+        </p:txBody>
+      </p:sp>
+    </p:spTree>
+    <p:extLst>
+      <p:ext uri="{BB962C8B-B14F-4D97-AF65-F5344CB8AC3E}">
+        <p14:creationId xmlns:p14="http://schemas.microsoft.com/office/powerpoint/2010/main" val="3610900390"/>
       </p:ext>
     </p:extLst>
   </p:cSld>

--- a/ant_sna_network_diagrams.pptx
+++ b/ant_sna_network_diagrams.pptx
@@ -15,10 +15,12 @@
     <p:sldId id="266" r:id="rId9"/>
     <p:sldId id="267" r:id="rId10"/>
     <p:sldId id="268" r:id="rId11"/>
-    <p:sldId id="269" r:id="rId12"/>
-    <p:sldId id="270" r:id="rId13"/>
-    <p:sldId id="271" r:id="rId14"/>
-    <p:sldId id="272" r:id="rId15"/>
+    <p:sldId id="271" r:id="rId12"/>
+    <p:sldId id="272" r:id="rId13"/>
+    <p:sldId id="273" r:id="rId14"/>
+    <p:sldId id="274" r:id="rId15"/>
+    <p:sldId id="275" r:id="rId16"/>
+    <p:sldId id="276" r:id="rId17"/>
   </p:sldIdLst>
   <p:sldSz cx="12192000" cy="6858000"/>
   <p:notesSz cx="6858000" cy="9144000"/>
@@ -274,7 +276,7 @@
           <a:p>
             <a:fld id="{860C609C-6F01-41DE-9C81-127E5EFAB8EE}" type="datetimeFigureOut">
               <a:rPr lang="en-CA" smtClean="0"/>
-              <a:t>2022-04-26</a:t>
+              <a:t>2022-05-15</a:t>
             </a:fld>
             <a:endParaRPr lang="en-CA"/>
           </a:p>
@@ -474,7 +476,7 @@
           <a:p>
             <a:fld id="{860C609C-6F01-41DE-9C81-127E5EFAB8EE}" type="datetimeFigureOut">
               <a:rPr lang="en-CA" smtClean="0"/>
-              <a:t>2022-04-26</a:t>
+              <a:t>2022-05-15</a:t>
             </a:fld>
             <a:endParaRPr lang="en-CA"/>
           </a:p>
@@ -684,7 +686,7 @@
           <a:p>
             <a:fld id="{860C609C-6F01-41DE-9C81-127E5EFAB8EE}" type="datetimeFigureOut">
               <a:rPr lang="en-CA" smtClean="0"/>
-              <a:t>2022-04-26</a:t>
+              <a:t>2022-05-15</a:t>
             </a:fld>
             <a:endParaRPr lang="en-CA"/>
           </a:p>
@@ -884,7 +886,7 @@
           <a:p>
             <a:fld id="{860C609C-6F01-41DE-9C81-127E5EFAB8EE}" type="datetimeFigureOut">
               <a:rPr lang="en-CA" smtClean="0"/>
-              <a:t>2022-04-26</a:t>
+              <a:t>2022-05-15</a:t>
             </a:fld>
             <a:endParaRPr lang="en-CA"/>
           </a:p>
@@ -1160,7 +1162,7 @@
           <a:p>
             <a:fld id="{860C609C-6F01-41DE-9C81-127E5EFAB8EE}" type="datetimeFigureOut">
               <a:rPr lang="en-CA" smtClean="0"/>
-              <a:t>2022-04-26</a:t>
+              <a:t>2022-05-15</a:t>
             </a:fld>
             <a:endParaRPr lang="en-CA"/>
           </a:p>
@@ -1428,7 +1430,7 @@
           <a:p>
             <a:fld id="{860C609C-6F01-41DE-9C81-127E5EFAB8EE}" type="datetimeFigureOut">
               <a:rPr lang="en-CA" smtClean="0"/>
-              <a:t>2022-04-26</a:t>
+              <a:t>2022-05-15</a:t>
             </a:fld>
             <a:endParaRPr lang="en-CA"/>
           </a:p>
@@ -1843,7 +1845,7 @@
           <a:p>
             <a:fld id="{860C609C-6F01-41DE-9C81-127E5EFAB8EE}" type="datetimeFigureOut">
               <a:rPr lang="en-CA" smtClean="0"/>
-              <a:t>2022-04-26</a:t>
+              <a:t>2022-05-15</a:t>
             </a:fld>
             <a:endParaRPr lang="en-CA"/>
           </a:p>
@@ -1985,7 +1987,7 @@
           <a:p>
             <a:fld id="{860C609C-6F01-41DE-9C81-127E5EFAB8EE}" type="datetimeFigureOut">
               <a:rPr lang="en-CA" smtClean="0"/>
-              <a:t>2022-04-26</a:t>
+              <a:t>2022-05-15</a:t>
             </a:fld>
             <a:endParaRPr lang="en-CA"/>
           </a:p>
@@ -2098,7 +2100,7 @@
           <a:p>
             <a:fld id="{860C609C-6F01-41DE-9C81-127E5EFAB8EE}" type="datetimeFigureOut">
               <a:rPr lang="en-CA" smtClean="0"/>
-              <a:t>2022-04-26</a:t>
+              <a:t>2022-05-15</a:t>
             </a:fld>
             <a:endParaRPr lang="en-CA"/>
           </a:p>
@@ -2411,7 +2413,7 @@
           <a:p>
             <a:fld id="{860C609C-6F01-41DE-9C81-127E5EFAB8EE}" type="datetimeFigureOut">
               <a:rPr lang="en-CA" smtClean="0"/>
-              <a:t>2022-04-26</a:t>
+              <a:t>2022-05-15</a:t>
             </a:fld>
             <a:endParaRPr lang="en-CA"/>
           </a:p>
@@ -2700,7 +2702,7 @@
           <a:p>
             <a:fld id="{860C609C-6F01-41DE-9C81-127E5EFAB8EE}" type="datetimeFigureOut">
               <a:rPr lang="en-CA" smtClean="0"/>
-              <a:t>2022-04-26</a:t>
+              <a:t>2022-05-15</a:t>
             </a:fld>
             <a:endParaRPr lang="en-CA"/>
           </a:p>
@@ -2943,7 +2945,7 @@
           <a:p>
             <a:fld id="{860C609C-6F01-41DE-9C81-127E5EFAB8EE}" type="datetimeFigureOut">
               <a:rPr lang="en-CA" smtClean="0"/>
-              <a:t>2022-04-26</a:t>
+              <a:t>2022-05-15</a:t>
             </a:fld>
             <a:endParaRPr lang="en-CA"/>
           </a:p>
@@ -3698,12 +3700,54 @@
           <a:chExt cx="0" cy="0"/>
         </a:xfrm>
       </p:grpSpPr>
+      <p:sp>
+        <p:nvSpPr>
+          <p:cNvPr id="2" name="TextBox 1">
+            <a:extLst>
+              <a:ext uri="{FF2B5EF4-FFF2-40B4-BE49-F238E27FC236}">
+                <a16:creationId xmlns:a16="http://schemas.microsoft.com/office/drawing/2014/main" id="{3F85D553-D8C2-48EC-A2F9-303B64EEA259}"/>
+              </a:ext>
+            </a:extLst>
+          </p:cNvPr>
+          <p:cNvSpPr txBox="1"/>
+          <p:nvPr/>
+        </p:nvSpPr>
+        <p:spPr>
+          <a:xfrm>
+            <a:off x="115138" y="301021"/>
+            <a:ext cx="5819955" cy="830997"/>
+          </a:xfrm>
+          <a:prstGeom prst="rect">
+            <a:avLst/>
+          </a:prstGeom>
+          <a:noFill/>
+        </p:spPr>
+        <p:txBody>
+          <a:bodyPr wrap="square" rtlCol="0">
+            <a:spAutoFit/>
+          </a:bodyPr>
+          <a:lstStyle/>
+          <a:p>
+            <a:r>
+              <a:rPr lang="en-CA" sz="2400" dirty="0"/>
+              <a:t>Colony 59 (No-Choice) </a:t>
+            </a:r>
+            <a:br>
+              <a:rPr lang="en-CA" sz="2400" dirty="0"/>
+            </a:br>
+            <a:r>
+              <a:rPr lang="en-CA" sz="2400" dirty="0"/>
+              <a:t>Node size and edge width = out-strength</a:t>
+            </a:r>
+          </a:p>
+        </p:txBody>
+      </p:sp>
       <p:pic>
         <p:nvPicPr>
-          <p:cNvPr id="3" name="Picture 2">
-            <a:extLst>
-              <a:ext uri="{FF2B5EF4-FFF2-40B4-BE49-F238E27FC236}">
-                <a16:creationId xmlns:a16="http://schemas.microsoft.com/office/drawing/2014/main" id="{1F354116-1DBF-4819-8FB9-8062BADDF855}"/>
+          <p:cNvPr id="4" name="Picture 3">
+            <a:extLst>
+              <a:ext uri="{FF2B5EF4-FFF2-40B4-BE49-F238E27FC236}">
+                <a16:creationId xmlns:a16="http://schemas.microsoft.com/office/drawing/2014/main" id="{8855A9EA-DAE4-4DD5-8165-6F800722BFA2}"/>
               </a:ext>
             </a:extLst>
           </p:cNvPr>
@@ -3720,8 +3764,8 @@
         </p:blipFill>
         <p:spPr>
           <a:xfrm>
-            <a:off x="184628" y="1511539"/>
-            <a:ext cx="3892753" cy="3849210"/>
+            <a:off x="115138" y="1767491"/>
+            <a:ext cx="3732243" cy="3740687"/>
           </a:xfrm>
           <a:prstGeom prst="rect">
             <a:avLst/>
@@ -3730,10 +3774,10 @@
       </p:pic>
       <p:pic>
         <p:nvPicPr>
-          <p:cNvPr id="5" name="Picture 4">
-            <a:extLst>
-              <a:ext uri="{FF2B5EF4-FFF2-40B4-BE49-F238E27FC236}">
-                <a16:creationId xmlns:a16="http://schemas.microsoft.com/office/drawing/2014/main" id="{ADD2B246-F7E4-4484-A965-B6F67503F4BE}"/>
+          <p:cNvPr id="6" name="Picture 5">
+            <a:extLst>
+              <a:ext uri="{FF2B5EF4-FFF2-40B4-BE49-F238E27FC236}">
+                <a16:creationId xmlns:a16="http://schemas.microsoft.com/office/drawing/2014/main" id="{EDDD6532-839B-4212-8F42-A969A2611586}"/>
               </a:ext>
             </a:extLst>
           </p:cNvPr>
@@ -3750,8 +3794,8 @@
         </p:blipFill>
         <p:spPr>
           <a:xfrm>
-            <a:off x="4172932" y="1497250"/>
-            <a:ext cx="3846136" cy="3863500"/>
+            <a:off x="3937587" y="1757965"/>
+            <a:ext cx="3753826" cy="3745353"/>
           </a:xfrm>
           <a:prstGeom prst="rect">
             <a:avLst/>
@@ -3760,10 +3804,10 @@
       </p:pic>
       <p:pic>
         <p:nvPicPr>
-          <p:cNvPr id="7" name="Picture 6">
-            <a:extLst>
-              <a:ext uri="{FF2B5EF4-FFF2-40B4-BE49-F238E27FC236}">
-                <a16:creationId xmlns:a16="http://schemas.microsoft.com/office/drawing/2014/main" id="{85DA29F0-518D-40B6-BCA7-503963EB6E09}"/>
+          <p:cNvPr id="8" name="Picture 7">
+            <a:extLst>
+              <a:ext uri="{FF2B5EF4-FFF2-40B4-BE49-F238E27FC236}">
+                <a16:creationId xmlns:a16="http://schemas.microsoft.com/office/drawing/2014/main" id="{05317A3B-4968-4497-8664-62D6567FFE10}"/>
               </a:ext>
             </a:extLst>
           </p:cNvPr>
@@ -3780,60 +3824,18 @@
         </p:blipFill>
         <p:spPr>
           <a:xfrm>
-            <a:off x="8114618" y="1497249"/>
-            <a:ext cx="3828534" cy="3863499"/>
+            <a:off x="7866224" y="1757965"/>
+            <a:ext cx="3753846" cy="3745353"/>
           </a:xfrm>
           <a:prstGeom prst="rect">
             <a:avLst/>
           </a:prstGeom>
         </p:spPr>
       </p:pic>
-      <p:sp>
-        <p:nvSpPr>
-          <p:cNvPr id="8" name="TextBox 7">
-            <a:extLst>
-              <a:ext uri="{FF2B5EF4-FFF2-40B4-BE49-F238E27FC236}">
-                <a16:creationId xmlns:a16="http://schemas.microsoft.com/office/drawing/2014/main" id="{23C148A7-85D4-4F3B-A551-8B8E56DE9BE3}"/>
-              </a:ext>
-            </a:extLst>
-          </p:cNvPr>
-          <p:cNvSpPr txBox="1"/>
-          <p:nvPr/>
-        </p:nvSpPr>
-        <p:spPr>
-          <a:xfrm>
-            <a:off x="115138" y="301021"/>
-            <a:ext cx="5819955" cy="830997"/>
-          </a:xfrm>
-          <a:prstGeom prst="rect">
-            <a:avLst/>
-          </a:prstGeom>
-          <a:noFill/>
-        </p:spPr>
-        <p:txBody>
-          <a:bodyPr wrap="square" rtlCol="0">
-            <a:spAutoFit/>
-          </a:bodyPr>
-          <a:lstStyle/>
-          <a:p>
-            <a:r>
-              <a:rPr lang="en-CA" sz="2400" dirty="0"/>
-              <a:t>Colony 59 (No-Choice) </a:t>
-            </a:r>
-            <a:br>
-              <a:rPr lang="en-CA" sz="2400" dirty="0"/>
-            </a:br>
-            <a:r>
-              <a:rPr lang="en-CA" sz="2400" dirty="0"/>
-              <a:t>Node size and edge width = out-strength</a:t>
-            </a:r>
-          </a:p>
-        </p:txBody>
-      </p:sp>
     </p:spTree>
     <p:extLst>
       <p:ext uri="{BB962C8B-B14F-4D97-AF65-F5344CB8AC3E}">
-        <p14:creationId xmlns:p14="http://schemas.microsoft.com/office/powerpoint/2010/main" val="4038578512"/>
+        <p14:creationId xmlns:p14="http://schemas.microsoft.com/office/powerpoint/2010/main" val="1818028940"/>
       </p:ext>
     </p:extLst>
   </p:cSld>
@@ -3860,47 +3862,12 @@
           <a:chExt cx="0" cy="0"/>
         </a:xfrm>
       </p:grpSpPr>
-      <p:sp>
-        <p:nvSpPr>
-          <p:cNvPr id="2" name="TextBox 1">
-            <a:extLst>
-              <a:ext uri="{FF2B5EF4-FFF2-40B4-BE49-F238E27FC236}">
-                <a16:creationId xmlns:a16="http://schemas.microsoft.com/office/drawing/2014/main" id="{E066F354-086E-4D8E-A8AA-A39A2EC99519}"/>
-              </a:ext>
-            </a:extLst>
-          </p:cNvPr>
-          <p:cNvSpPr txBox="1"/>
-          <p:nvPr/>
-        </p:nvSpPr>
-        <p:spPr>
-          <a:xfrm>
-            <a:off x="276045" y="396815"/>
-            <a:ext cx="7317829" cy="461665"/>
-          </a:xfrm>
-          <a:prstGeom prst="rect">
-            <a:avLst/>
-          </a:prstGeom>
-          <a:noFill/>
-        </p:spPr>
-        <p:txBody>
-          <a:bodyPr wrap="square" rtlCol="0">
-            <a:spAutoFit/>
-          </a:bodyPr>
-          <a:lstStyle/>
-          <a:p>
-            <a:r>
-              <a:rPr lang="en-CA" sz="2400" dirty="0"/>
-              <a:t>Colony 59 (No Choice) Out-strength distributions</a:t>
-            </a:r>
-          </a:p>
-        </p:txBody>
-      </p:sp>
       <p:pic>
         <p:nvPicPr>
-          <p:cNvPr id="4" name="Picture 3">
-            <a:extLst>
-              <a:ext uri="{FF2B5EF4-FFF2-40B4-BE49-F238E27FC236}">
-                <a16:creationId xmlns:a16="http://schemas.microsoft.com/office/drawing/2014/main" id="{C0460D53-C3B7-45AA-B1E5-0D02E96F803B}"/>
+          <p:cNvPr id="3" name="Picture 2">
+            <a:extLst>
+              <a:ext uri="{FF2B5EF4-FFF2-40B4-BE49-F238E27FC236}">
+                <a16:creationId xmlns:a16="http://schemas.microsoft.com/office/drawing/2014/main" id="{1440CF21-8133-4CE9-B27F-5616CCDAAE97}"/>
               </a:ext>
             </a:extLst>
           </p:cNvPr>
@@ -3917,8 +3884,8 @@
         </p:blipFill>
         <p:spPr>
           <a:xfrm>
-            <a:off x="131047" y="1563575"/>
-            <a:ext cx="4067743" cy="4324954"/>
+            <a:off x="89869" y="1626770"/>
+            <a:ext cx="4096322" cy="4277322"/>
           </a:xfrm>
           <a:prstGeom prst="rect">
             <a:avLst/>
@@ -3927,10 +3894,10 @@
       </p:pic>
       <p:pic>
         <p:nvPicPr>
-          <p:cNvPr id="6" name="Picture 5">
-            <a:extLst>
-              <a:ext uri="{FF2B5EF4-FFF2-40B4-BE49-F238E27FC236}">
-                <a16:creationId xmlns:a16="http://schemas.microsoft.com/office/drawing/2014/main" id="{666083B8-8C99-4ED6-A5C9-8E936C7F9771}"/>
+          <p:cNvPr id="5" name="Picture 4">
+            <a:extLst>
+              <a:ext uri="{FF2B5EF4-FFF2-40B4-BE49-F238E27FC236}">
+                <a16:creationId xmlns:a16="http://schemas.microsoft.com/office/drawing/2014/main" id="{801ACA9E-2B66-426A-8953-6A3E2CE1286C}"/>
               </a:ext>
             </a:extLst>
           </p:cNvPr>
@@ -3947,8 +3914,8 @@
         </p:blipFill>
         <p:spPr>
           <a:xfrm>
-            <a:off x="4198790" y="1549285"/>
-            <a:ext cx="3858163" cy="4353533"/>
+            <a:off x="4204806" y="1583901"/>
+            <a:ext cx="3801005" cy="4363059"/>
           </a:xfrm>
           <a:prstGeom prst="rect">
             <a:avLst/>
@@ -3957,10 +3924,10 @@
       </p:pic>
       <p:pic>
         <p:nvPicPr>
-          <p:cNvPr id="8" name="Picture 7">
-            <a:extLst>
-              <a:ext uri="{FF2B5EF4-FFF2-40B4-BE49-F238E27FC236}">
-                <a16:creationId xmlns:a16="http://schemas.microsoft.com/office/drawing/2014/main" id="{F6F01E73-4320-4D6E-BE85-D6BC03088D44}"/>
+          <p:cNvPr id="7" name="Picture 6">
+            <a:extLst>
+              <a:ext uri="{FF2B5EF4-FFF2-40B4-BE49-F238E27FC236}">
+                <a16:creationId xmlns:a16="http://schemas.microsoft.com/office/drawing/2014/main" id="{7028DE9E-B3CC-499A-B62D-40C77C65E1F6}"/>
               </a:ext>
             </a:extLst>
           </p:cNvPr>
@@ -3977,18 +3944,53 @@
         </p:blipFill>
         <p:spPr>
           <a:xfrm>
-            <a:off x="8130137" y="1687418"/>
-            <a:ext cx="3791479" cy="4201111"/>
+            <a:off x="8024426" y="1679164"/>
+            <a:ext cx="3829584" cy="4267796"/>
           </a:xfrm>
           <a:prstGeom prst="rect">
             <a:avLst/>
           </a:prstGeom>
         </p:spPr>
       </p:pic>
+      <p:sp>
+        <p:nvSpPr>
+          <p:cNvPr id="8" name="TextBox 7">
+            <a:extLst>
+              <a:ext uri="{FF2B5EF4-FFF2-40B4-BE49-F238E27FC236}">
+                <a16:creationId xmlns:a16="http://schemas.microsoft.com/office/drawing/2014/main" id="{CE74092B-7992-41BE-BFB0-985E508ABD3A}"/>
+              </a:ext>
+            </a:extLst>
+          </p:cNvPr>
+          <p:cNvSpPr txBox="1"/>
+          <p:nvPr/>
+        </p:nvSpPr>
+        <p:spPr>
+          <a:xfrm>
+            <a:off x="276045" y="396815"/>
+            <a:ext cx="7317829" cy="461665"/>
+          </a:xfrm>
+          <a:prstGeom prst="rect">
+            <a:avLst/>
+          </a:prstGeom>
+          <a:noFill/>
+        </p:spPr>
+        <p:txBody>
+          <a:bodyPr wrap="square" rtlCol="0">
+            <a:spAutoFit/>
+          </a:bodyPr>
+          <a:lstStyle/>
+          <a:p>
+            <a:r>
+              <a:rPr lang="en-CA" sz="2400" dirty="0"/>
+              <a:t>Colony 59 (No Choice) Out-strength distributions</a:t>
+            </a:r>
+          </a:p>
+        </p:txBody>
+      </p:sp>
     </p:spTree>
     <p:extLst>
       <p:ext uri="{BB962C8B-B14F-4D97-AF65-F5344CB8AC3E}">
-        <p14:creationId xmlns:p14="http://schemas.microsoft.com/office/powerpoint/2010/main" val="1942770822"/>
+        <p14:creationId xmlns:p14="http://schemas.microsoft.com/office/powerpoint/2010/main" val="270700745"/>
       </p:ext>
     </p:extLst>
   </p:cSld>
@@ -4015,54 +4017,12 @@
           <a:chExt cx="0" cy="0"/>
         </a:xfrm>
       </p:grpSpPr>
-      <p:sp>
-        <p:nvSpPr>
-          <p:cNvPr id="2" name="TextBox 1">
-            <a:extLst>
-              <a:ext uri="{FF2B5EF4-FFF2-40B4-BE49-F238E27FC236}">
-                <a16:creationId xmlns:a16="http://schemas.microsoft.com/office/drawing/2014/main" id="{3F85D553-D8C2-48EC-A2F9-303B64EEA259}"/>
-              </a:ext>
-            </a:extLst>
-          </p:cNvPr>
-          <p:cNvSpPr txBox="1"/>
-          <p:nvPr/>
-        </p:nvSpPr>
-        <p:spPr>
-          <a:xfrm>
-            <a:off x="115138" y="301021"/>
-            <a:ext cx="5819955" cy="830997"/>
-          </a:xfrm>
-          <a:prstGeom prst="rect">
-            <a:avLst/>
-          </a:prstGeom>
-          <a:noFill/>
-        </p:spPr>
-        <p:txBody>
-          <a:bodyPr wrap="square" rtlCol="0">
-            <a:spAutoFit/>
-          </a:bodyPr>
-          <a:lstStyle/>
-          <a:p>
-            <a:r>
-              <a:rPr lang="en-CA" sz="2400" dirty="0"/>
-              <a:t>Colony 59 (No-Choice) </a:t>
-            </a:r>
-            <a:br>
-              <a:rPr lang="en-CA" sz="2400" dirty="0"/>
-            </a:br>
-            <a:r>
-              <a:rPr lang="en-CA" sz="2400" dirty="0"/>
-              <a:t>Node size and edge width = out-strength</a:t>
-            </a:r>
-          </a:p>
-        </p:txBody>
-      </p:sp>
       <p:pic>
         <p:nvPicPr>
-          <p:cNvPr id="4" name="Picture 3">
-            <a:extLst>
-              <a:ext uri="{FF2B5EF4-FFF2-40B4-BE49-F238E27FC236}">
-                <a16:creationId xmlns:a16="http://schemas.microsoft.com/office/drawing/2014/main" id="{8855A9EA-DAE4-4DD5-8165-6F800722BFA2}"/>
+          <p:cNvPr id="3" name="Picture 2">
+            <a:extLst>
+              <a:ext uri="{FF2B5EF4-FFF2-40B4-BE49-F238E27FC236}">
+                <a16:creationId xmlns:a16="http://schemas.microsoft.com/office/drawing/2014/main" id="{A186DC00-3AD8-B050-AD43-00D3AECD6DFD}"/>
               </a:ext>
             </a:extLst>
           </p:cNvPr>
@@ -4079,8 +4039,8 @@
         </p:blipFill>
         <p:spPr>
           <a:xfrm>
-            <a:off x="115138" y="1767491"/>
-            <a:ext cx="3732243" cy="3740687"/>
+            <a:off x="460436" y="1592213"/>
+            <a:ext cx="3690307" cy="3690307"/>
           </a:xfrm>
           <a:prstGeom prst="rect">
             <a:avLst/>
@@ -4089,10 +4049,10 @@
       </p:pic>
       <p:pic>
         <p:nvPicPr>
-          <p:cNvPr id="6" name="Picture 5">
-            <a:extLst>
-              <a:ext uri="{FF2B5EF4-FFF2-40B4-BE49-F238E27FC236}">
-                <a16:creationId xmlns:a16="http://schemas.microsoft.com/office/drawing/2014/main" id="{EDDD6532-839B-4212-8F42-A969A2611586}"/>
+          <p:cNvPr id="5" name="Picture 4">
+            <a:extLst>
+              <a:ext uri="{FF2B5EF4-FFF2-40B4-BE49-F238E27FC236}">
+                <a16:creationId xmlns:a16="http://schemas.microsoft.com/office/drawing/2014/main" id="{567E9BD1-7184-18FA-31AB-72249B8D2AA6}"/>
               </a:ext>
             </a:extLst>
           </p:cNvPr>
@@ -4109,8 +4069,8 @@
         </p:blipFill>
         <p:spPr>
           <a:xfrm>
-            <a:off x="3937587" y="1757965"/>
-            <a:ext cx="3753826" cy="3745353"/>
+            <a:off x="4310909" y="1592213"/>
+            <a:ext cx="3690307" cy="3657211"/>
           </a:xfrm>
           <a:prstGeom prst="rect">
             <a:avLst/>
@@ -4119,10 +4079,10 @@
       </p:pic>
       <p:pic>
         <p:nvPicPr>
-          <p:cNvPr id="8" name="Picture 7">
-            <a:extLst>
-              <a:ext uri="{FF2B5EF4-FFF2-40B4-BE49-F238E27FC236}">
-                <a16:creationId xmlns:a16="http://schemas.microsoft.com/office/drawing/2014/main" id="{05317A3B-4968-4497-8664-62D6567FFE10}"/>
+          <p:cNvPr id="7" name="Picture 6">
+            <a:extLst>
+              <a:ext uri="{FF2B5EF4-FFF2-40B4-BE49-F238E27FC236}">
+                <a16:creationId xmlns:a16="http://schemas.microsoft.com/office/drawing/2014/main" id="{22CF92A5-0498-9629-4963-81B24B786145}"/>
               </a:ext>
             </a:extLst>
           </p:cNvPr>
@@ -4139,18 +4099,60 @@
         </p:blipFill>
         <p:spPr>
           <a:xfrm>
-            <a:off x="7866224" y="1757965"/>
-            <a:ext cx="3753846" cy="3745353"/>
+            <a:off x="8096901" y="1592214"/>
+            <a:ext cx="3690307" cy="3673572"/>
           </a:xfrm>
           <a:prstGeom prst="rect">
             <a:avLst/>
           </a:prstGeom>
         </p:spPr>
       </p:pic>
+      <p:sp>
+        <p:nvSpPr>
+          <p:cNvPr id="8" name="TextBox 7">
+            <a:extLst>
+              <a:ext uri="{FF2B5EF4-FFF2-40B4-BE49-F238E27FC236}">
+                <a16:creationId xmlns:a16="http://schemas.microsoft.com/office/drawing/2014/main" id="{F4675F2C-10A0-8681-AE19-67AC8F443F2F}"/>
+              </a:ext>
+            </a:extLst>
+          </p:cNvPr>
+          <p:cNvSpPr txBox="1"/>
+          <p:nvPr/>
+        </p:nvSpPr>
+        <p:spPr>
+          <a:xfrm>
+            <a:off x="115138" y="301021"/>
+            <a:ext cx="5819955" cy="830997"/>
+          </a:xfrm>
+          <a:prstGeom prst="rect">
+            <a:avLst/>
+          </a:prstGeom>
+          <a:noFill/>
+        </p:spPr>
+        <p:txBody>
+          <a:bodyPr wrap="square" rtlCol="0">
+            <a:spAutoFit/>
+          </a:bodyPr>
+          <a:lstStyle/>
+          <a:p>
+            <a:r>
+              <a:rPr lang="en-CA" sz="2400" dirty="0"/>
+              <a:t>Colony 45 (No-Choice) </a:t>
+            </a:r>
+            <a:br>
+              <a:rPr lang="en-CA" sz="2400" dirty="0"/>
+            </a:br>
+            <a:r>
+              <a:rPr lang="en-CA" sz="2400" dirty="0"/>
+              <a:t>Node size and edge width = out-strength</a:t>
+            </a:r>
+          </a:p>
+        </p:txBody>
+      </p:sp>
     </p:spTree>
     <p:extLst>
       <p:ext uri="{BB962C8B-B14F-4D97-AF65-F5344CB8AC3E}">
-        <p14:creationId xmlns:p14="http://schemas.microsoft.com/office/powerpoint/2010/main" val="1818028940"/>
+        <p14:creationId xmlns:p14="http://schemas.microsoft.com/office/powerpoint/2010/main" val="873420916"/>
       </p:ext>
     </p:extLst>
   </p:cSld>
@@ -4182,7 +4184,7 @@
           <p:cNvPr id="3" name="Picture 2">
             <a:extLst>
               <a:ext uri="{FF2B5EF4-FFF2-40B4-BE49-F238E27FC236}">
-                <a16:creationId xmlns:a16="http://schemas.microsoft.com/office/drawing/2014/main" id="{1440CF21-8133-4CE9-B27F-5616CCDAAE97}"/>
+                <a16:creationId xmlns:a16="http://schemas.microsoft.com/office/drawing/2014/main" id="{FC469D9B-CB31-B5A7-E809-73397F505B66}"/>
               </a:ext>
             </a:extLst>
           </p:cNvPr>
@@ -4199,20 +4201,55 @@
         </p:blipFill>
         <p:spPr>
           <a:xfrm>
-            <a:off x="89869" y="1626770"/>
-            <a:ext cx="4096322" cy="4277322"/>
+            <a:off x="339753" y="1641696"/>
+            <a:ext cx="3886742" cy="4143953"/>
           </a:xfrm>
           <a:prstGeom prst="rect">
             <a:avLst/>
           </a:prstGeom>
         </p:spPr>
       </p:pic>
+      <p:sp>
+        <p:nvSpPr>
+          <p:cNvPr id="4" name="TextBox 3">
+            <a:extLst>
+              <a:ext uri="{FF2B5EF4-FFF2-40B4-BE49-F238E27FC236}">
+                <a16:creationId xmlns:a16="http://schemas.microsoft.com/office/drawing/2014/main" id="{E801D2D0-AED4-04E7-3FAD-801913734852}"/>
+              </a:ext>
+            </a:extLst>
+          </p:cNvPr>
+          <p:cNvSpPr txBox="1"/>
+          <p:nvPr/>
+        </p:nvSpPr>
+        <p:spPr>
+          <a:xfrm>
+            <a:off x="276045" y="396815"/>
+            <a:ext cx="7317829" cy="461665"/>
+          </a:xfrm>
+          <a:prstGeom prst="rect">
+            <a:avLst/>
+          </a:prstGeom>
+          <a:noFill/>
+        </p:spPr>
+        <p:txBody>
+          <a:bodyPr wrap="square" rtlCol="0">
+            <a:spAutoFit/>
+          </a:bodyPr>
+          <a:lstStyle/>
+          <a:p>
+            <a:r>
+              <a:rPr lang="en-CA" sz="2400" dirty="0"/>
+              <a:t>Colony 45 (No Choice) Out-strength distributions</a:t>
+            </a:r>
+          </a:p>
+        </p:txBody>
+      </p:sp>
       <p:pic>
         <p:nvPicPr>
-          <p:cNvPr id="5" name="Picture 4">
-            <a:extLst>
-              <a:ext uri="{FF2B5EF4-FFF2-40B4-BE49-F238E27FC236}">
-                <a16:creationId xmlns:a16="http://schemas.microsoft.com/office/drawing/2014/main" id="{801ACA9E-2B66-426A-8953-6A3E2CE1286C}"/>
+          <p:cNvPr id="6" name="Picture 5">
+            <a:extLst>
+              <a:ext uri="{FF2B5EF4-FFF2-40B4-BE49-F238E27FC236}">
+                <a16:creationId xmlns:a16="http://schemas.microsoft.com/office/drawing/2014/main" id="{D4E953AA-6CC5-50B8-30F9-E7CB71D68081}"/>
               </a:ext>
             </a:extLst>
           </p:cNvPr>
@@ -4229,8 +4266,8 @@
         </p:blipFill>
         <p:spPr>
           <a:xfrm>
-            <a:off x="4204806" y="1583901"/>
-            <a:ext cx="3801005" cy="4363059"/>
+            <a:off x="4276538" y="1434289"/>
+            <a:ext cx="3429479" cy="4334480"/>
           </a:xfrm>
           <a:prstGeom prst="rect">
             <a:avLst/>
@@ -4239,10 +4276,10 @@
       </p:pic>
       <p:pic>
         <p:nvPicPr>
-          <p:cNvPr id="7" name="Picture 6">
-            <a:extLst>
-              <a:ext uri="{FF2B5EF4-FFF2-40B4-BE49-F238E27FC236}">
-                <a16:creationId xmlns:a16="http://schemas.microsoft.com/office/drawing/2014/main" id="{7028DE9E-B3CC-499A-B62D-40C77C65E1F6}"/>
+          <p:cNvPr id="8" name="Picture 7">
+            <a:extLst>
+              <a:ext uri="{FF2B5EF4-FFF2-40B4-BE49-F238E27FC236}">
+                <a16:creationId xmlns:a16="http://schemas.microsoft.com/office/drawing/2014/main" id="{89DFDEE6-6065-B9FA-C0EF-F8239074A74B}"/>
               </a:ext>
             </a:extLst>
           </p:cNvPr>
@@ -4259,20 +4296,110 @@
         </p:blipFill>
         <p:spPr>
           <a:xfrm>
-            <a:off x="8024426" y="1679164"/>
-            <a:ext cx="3829584" cy="4267796"/>
+            <a:off x="7984293" y="1548605"/>
+            <a:ext cx="3762900" cy="4220164"/>
           </a:xfrm>
           <a:prstGeom prst="rect">
             <a:avLst/>
           </a:prstGeom>
         </p:spPr>
       </p:pic>
-      <p:sp>
-        <p:nvSpPr>
-          <p:cNvPr id="8" name="TextBox 7">
-            <a:extLst>
-              <a:ext uri="{FF2B5EF4-FFF2-40B4-BE49-F238E27FC236}">
-                <a16:creationId xmlns:a16="http://schemas.microsoft.com/office/drawing/2014/main" id="{CE74092B-7992-41BE-BFB0-985E508ABD3A}"/>
+    </p:spTree>
+    <p:extLst>
+      <p:ext uri="{BB962C8B-B14F-4D97-AF65-F5344CB8AC3E}">
+        <p14:creationId xmlns:p14="http://schemas.microsoft.com/office/powerpoint/2010/main" val="3535751779"/>
+      </p:ext>
+    </p:extLst>
+  </p:cSld>
+  <p:clrMapOvr>
+    <a:masterClrMapping/>
+  </p:clrMapOvr>
+</p:sld>
+</file>
+
+<file path=ppt/slides/slide15.xml><?xml version="1.0" encoding="utf-8"?>
+<p:sld xmlns:a="http://schemas.openxmlformats.org/drawingml/2006/main" xmlns:r="http://schemas.openxmlformats.org/officeDocument/2006/relationships" xmlns:p="http://schemas.openxmlformats.org/presentationml/2006/main">
+  <p:cSld>
+    <p:spTree>
+      <p:nvGrpSpPr>
+        <p:cNvPr id="1" name=""/>
+        <p:cNvGrpSpPr/>
+        <p:nvPr/>
+      </p:nvGrpSpPr>
+      <p:grpSpPr>
+        <a:xfrm>
+          <a:off x="0" y="0"/>
+          <a:ext cx="0" cy="0"/>
+          <a:chOff x="0" y="0"/>
+          <a:chExt cx="0" cy="0"/>
+        </a:xfrm>
+      </p:grpSpPr>
+      <p:pic>
+        <p:nvPicPr>
+          <p:cNvPr id="3" name="Picture 2">
+            <a:extLst>
+              <a:ext uri="{FF2B5EF4-FFF2-40B4-BE49-F238E27FC236}">
+                <a16:creationId xmlns:a16="http://schemas.microsoft.com/office/drawing/2014/main" id="{7C642770-CAC4-1590-36EB-4A98458D7BFA}"/>
+              </a:ext>
+            </a:extLst>
+          </p:cNvPr>
+          <p:cNvPicPr>
+            <a:picLocks noChangeAspect="1"/>
+          </p:cNvPicPr>
+          <p:nvPr/>
+        </p:nvPicPr>
+        <p:blipFill>
+          <a:blip r:embed="rId2"/>
+          <a:stretch>
+            <a:fillRect/>
+          </a:stretch>
+        </p:blipFill>
+        <p:spPr>
+          <a:xfrm>
+            <a:off x="3897854" y="1673524"/>
+            <a:ext cx="3926574" cy="3891437"/>
+          </a:xfrm>
+          <a:prstGeom prst="rect">
+            <a:avLst/>
+          </a:prstGeom>
+        </p:spPr>
+      </p:pic>
+      <p:pic>
+        <p:nvPicPr>
+          <p:cNvPr id="5" name="Picture 4">
+            <a:extLst>
+              <a:ext uri="{FF2B5EF4-FFF2-40B4-BE49-F238E27FC236}">
+                <a16:creationId xmlns:a16="http://schemas.microsoft.com/office/drawing/2014/main" id="{F8D7FCB3-3F7D-112D-3AB2-B91A82B37B24}"/>
+              </a:ext>
+            </a:extLst>
+          </p:cNvPr>
+          <p:cNvPicPr>
+            <a:picLocks noChangeAspect="1"/>
+          </p:cNvPicPr>
+          <p:nvPr/>
+        </p:nvPicPr>
+        <p:blipFill>
+          <a:blip r:embed="rId3"/>
+          <a:stretch>
+            <a:fillRect/>
+          </a:stretch>
+        </p:blipFill>
+        <p:spPr>
+          <a:xfrm>
+            <a:off x="8022836" y="1673524"/>
+            <a:ext cx="3926574" cy="3891437"/>
+          </a:xfrm>
+          <a:prstGeom prst="rect">
+            <a:avLst/>
+          </a:prstGeom>
+        </p:spPr>
+      </p:pic>
+      <p:sp>
+        <p:nvSpPr>
+          <p:cNvPr id="6" name="TextBox 5">
+            <a:extLst>
+              <a:ext uri="{FF2B5EF4-FFF2-40B4-BE49-F238E27FC236}">
+                <a16:creationId xmlns:a16="http://schemas.microsoft.com/office/drawing/2014/main" id="{ADF34DA6-E682-AFFD-CB70-1A04E58BA44B}"/>
               </a:ext>
             </a:extLst>
           </p:cNvPr>
@@ -4281,8 +4408,8 @@
         </p:nvSpPr>
         <p:spPr>
           <a:xfrm>
-            <a:off x="276045" y="396815"/>
-            <a:ext cx="7317829" cy="461665"/>
+            <a:off x="115138" y="301021"/>
+            <a:ext cx="9865624" cy="1200329"/>
           </a:xfrm>
           <a:prstGeom prst="rect">
             <a:avLst/>
@@ -4297,7 +4424,25 @@
           <a:p>
             <a:r>
               <a:rPr lang="en-CA" sz="2400" dirty="0"/>
-              <a:t>Colony 59 (No Choice) Out-strength distributions</a:t>
+              <a:t>Colony 47 (No-Choice) </a:t>
+            </a:r>
+            <a:br>
+              <a:rPr lang="en-CA" sz="2400" dirty="0"/>
+            </a:br>
+            <a:r>
+              <a:rPr lang="en-CA" sz="2400" dirty="0"/>
+              <a:t>Node size and edge width = out-strength</a:t>
+            </a:r>
+            <a:br>
+              <a:rPr lang="en-CA" sz="2400" dirty="0"/>
+            </a:br>
+            <a:r>
+              <a:rPr lang="en-CA" sz="2400" dirty="0">
+                <a:highlight>
+                  <a:srgbClr val="FFFF00"/>
+                </a:highlight>
+              </a:rPr>
+              <a:t>Data from Trial #1 not recoverable due to missing videos</a:t>
             </a:r>
           </a:p>
         </p:txBody>
@@ -4305,7 +4450,144 @@
     </p:spTree>
     <p:extLst>
       <p:ext uri="{BB962C8B-B14F-4D97-AF65-F5344CB8AC3E}">
-        <p14:creationId xmlns:p14="http://schemas.microsoft.com/office/powerpoint/2010/main" val="270700745"/>
+        <p14:creationId xmlns:p14="http://schemas.microsoft.com/office/powerpoint/2010/main" val="2143164178"/>
+      </p:ext>
+    </p:extLst>
+  </p:cSld>
+  <p:clrMapOvr>
+    <a:masterClrMapping/>
+  </p:clrMapOvr>
+</p:sld>
+</file>
+
+<file path=ppt/slides/slide16.xml><?xml version="1.0" encoding="utf-8"?>
+<p:sld xmlns:a="http://schemas.openxmlformats.org/drawingml/2006/main" xmlns:r="http://schemas.openxmlformats.org/officeDocument/2006/relationships" xmlns:p="http://schemas.openxmlformats.org/presentationml/2006/main">
+  <p:cSld>
+    <p:spTree>
+      <p:nvGrpSpPr>
+        <p:cNvPr id="1" name=""/>
+        <p:cNvGrpSpPr/>
+        <p:nvPr/>
+      </p:nvGrpSpPr>
+      <p:grpSpPr>
+        <a:xfrm>
+          <a:off x="0" y="0"/>
+          <a:ext cx="0" cy="0"/>
+          <a:chOff x="0" y="0"/>
+          <a:chExt cx="0" cy="0"/>
+        </a:xfrm>
+      </p:grpSpPr>
+      <p:pic>
+        <p:nvPicPr>
+          <p:cNvPr id="3" name="Picture 2">
+            <a:extLst>
+              <a:ext uri="{FF2B5EF4-FFF2-40B4-BE49-F238E27FC236}">
+                <a16:creationId xmlns:a16="http://schemas.microsoft.com/office/drawing/2014/main" id="{215D77BB-E750-A279-9561-1FF9E016D01F}"/>
+              </a:ext>
+            </a:extLst>
+          </p:cNvPr>
+          <p:cNvPicPr>
+            <a:picLocks noChangeAspect="1"/>
+          </p:cNvPicPr>
+          <p:nvPr/>
+        </p:nvPicPr>
+        <p:blipFill>
+          <a:blip r:embed="rId2"/>
+          <a:stretch>
+            <a:fillRect/>
+          </a:stretch>
+        </p:blipFill>
+        <p:spPr>
+          <a:xfrm>
+            <a:off x="3594875" y="1485629"/>
+            <a:ext cx="3915321" cy="3886742"/>
+          </a:xfrm>
+          <a:prstGeom prst="rect">
+            <a:avLst/>
+          </a:prstGeom>
+        </p:spPr>
+      </p:pic>
+      <p:pic>
+        <p:nvPicPr>
+          <p:cNvPr id="5" name="Picture 4">
+            <a:extLst>
+              <a:ext uri="{FF2B5EF4-FFF2-40B4-BE49-F238E27FC236}">
+                <a16:creationId xmlns:a16="http://schemas.microsoft.com/office/drawing/2014/main" id="{D28F3ECD-3584-1FA0-8C11-3C9680741245}"/>
+              </a:ext>
+            </a:extLst>
+          </p:cNvPr>
+          <p:cNvPicPr>
+            <a:picLocks noChangeAspect="1"/>
+          </p:cNvPicPr>
+          <p:nvPr/>
+        </p:nvPicPr>
+        <p:blipFill>
+          <a:blip r:embed="rId3"/>
+          <a:stretch>
+            <a:fillRect/>
+          </a:stretch>
+        </p:blipFill>
+        <p:spPr>
+          <a:xfrm>
+            <a:off x="7835581" y="1485629"/>
+            <a:ext cx="3715268" cy="4124901"/>
+          </a:xfrm>
+          <a:prstGeom prst="rect">
+            <a:avLst/>
+          </a:prstGeom>
+        </p:spPr>
+      </p:pic>
+      <p:sp>
+        <p:nvSpPr>
+          <p:cNvPr id="6" name="TextBox 5">
+            <a:extLst>
+              <a:ext uri="{FF2B5EF4-FFF2-40B4-BE49-F238E27FC236}">
+                <a16:creationId xmlns:a16="http://schemas.microsoft.com/office/drawing/2014/main" id="{010FA93D-95F5-7C29-2D45-BC25121A8DAA}"/>
+              </a:ext>
+            </a:extLst>
+          </p:cNvPr>
+          <p:cNvSpPr txBox="1"/>
+          <p:nvPr/>
+        </p:nvSpPr>
+        <p:spPr>
+          <a:xfrm>
+            <a:off x="192367" y="207034"/>
+            <a:ext cx="7317829" cy="830997"/>
+          </a:xfrm>
+          <a:prstGeom prst="rect">
+            <a:avLst/>
+          </a:prstGeom>
+          <a:noFill/>
+        </p:spPr>
+        <p:txBody>
+          <a:bodyPr wrap="square" rtlCol="0">
+            <a:spAutoFit/>
+          </a:bodyPr>
+          <a:lstStyle/>
+          <a:p>
+            <a:r>
+              <a:rPr lang="en-CA" sz="2400" dirty="0"/>
+              <a:t>Colony 47 (No Choice) Out-strength distributions</a:t>
+            </a:r>
+            <a:br>
+              <a:rPr lang="en-CA" sz="2400" dirty="0"/>
+            </a:br>
+            <a:r>
+              <a:rPr lang="en-CA" sz="2400" dirty="0">
+                <a:highlight>
+                  <a:srgbClr val="FFFF00"/>
+                </a:highlight>
+              </a:rPr>
+              <a:t>Data from Trial #1 not recoverable due to missing videos</a:t>
+            </a:r>
+            <a:endParaRPr lang="en-CA" sz="2400" dirty="0"/>
+          </a:p>
+        </p:txBody>
+      </p:sp>
+    </p:spTree>
+    <p:extLst>
+      <p:ext uri="{BB962C8B-B14F-4D97-AF65-F5344CB8AC3E}">
+        <p14:creationId xmlns:p14="http://schemas.microsoft.com/office/powerpoint/2010/main" val="2959445256"/>
       </p:ext>
     </p:extLst>
   </p:cSld>

--- a/ant_sna_network_diagrams.pptx
+++ b/ant_sna_network_diagrams.pptx
@@ -276,7 +276,7 @@
           <a:p>
             <a:fld id="{860C609C-6F01-41DE-9C81-127E5EFAB8EE}" type="datetimeFigureOut">
               <a:rPr lang="en-CA" smtClean="0"/>
-              <a:t>2022-05-15</a:t>
+              <a:t>2022-05-16</a:t>
             </a:fld>
             <a:endParaRPr lang="en-CA"/>
           </a:p>
@@ -476,7 +476,7 @@
           <a:p>
             <a:fld id="{860C609C-6F01-41DE-9C81-127E5EFAB8EE}" type="datetimeFigureOut">
               <a:rPr lang="en-CA" smtClean="0"/>
-              <a:t>2022-05-15</a:t>
+              <a:t>2022-05-16</a:t>
             </a:fld>
             <a:endParaRPr lang="en-CA"/>
           </a:p>
@@ -686,7 +686,7 @@
           <a:p>
             <a:fld id="{860C609C-6F01-41DE-9C81-127E5EFAB8EE}" type="datetimeFigureOut">
               <a:rPr lang="en-CA" smtClean="0"/>
-              <a:t>2022-05-15</a:t>
+              <a:t>2022-05-16</a:t>
             </a:fld>
             <a:endParaRPr lang="en-CA"/>
           </a:p>
@@ -886,7 +886,7 @@
           <a:p>
             <a:fld id="{860C609C-6F01-41DE-9C81-127E5EFAB8EE}" type="datetimeFigureOut">
               <a:rPr lang="en-CA" smtClean="0"/>
-              <a:t>2022-05-15</a:t>
+              <a:t>2022-05-16</a:t>
             </a:fld>
             <a:endParaRPr lang="en-CA"/>
           </a:p>
@@ -1162,7 +1162,7 @@
           <a:p>
             <a:fld id="{860C609C-6F01-41DE-9C81-127E5EFAB8EE}" type="datetimeFigureOut">
               <a:rPr lang="en-CA" smtClean="0"/>
-              <a:t>2022-05-15</a:t>
+              <a:t>2022-05-16</a:t>
             </a:fld>
             <a:endParaRPr lang="en-CA"/>
           </a:p>
@@ -1430,7 +1430,7 @@
           <a:p>
             <a:fld id="{860C609C-6F01-41DE-9C81-127E5EFAB8EE}" type="datetimeFigureOut">
               <a:rPr lang="en-CA" smtClean="0"/>
-              <a:t>2022-05-15</a:t>
+              <a:t>2022-05-16</a:t>
             </a:fld>
             <a:endParaRPr lang="en-CA"/>
           </a:p>
@@ -1845,7 +1845,7 @@
           <a:p>
             <a:fld id="{860C609C-6F01-41DE-9C81-127E5EFAB8EE}" type="datetimeFigureOut">
               <a:rPr lang="en-CA" smtClean="0"/>
-              <a:t>2022-05-15</a:t>
+              <a:t>2022-05-16</a:t>
             </a:fld>
             <a:endParaRPr lang="en-CA"/>
           </a:p>
@@ -1987,7 +1987,7 @@
           <a:p>
             <a:fld id="{860C609C-6F01-41DE-9C81-127E5EFAB8EE}" type="datetimeFigureOut">
               <a:rPr lang="en-CA" smtClean="0"/>
-              <a:t>2022-05-15</a:t>
+              <a:t>2022-05-16</a:t>
             </a:fld>
             <a:endParaRPr lang="en-CA"/>
           </a:p>
@@ -2100,7 +2100,7 @@
           <a:p>
             <a:fld id="{860C609C-6F01-41DE-9C81-127E5EFAB8EE}" type="datetimeFigureOut">
               <a:rPr lang="en-CA" smtClean="0"/>
-              <a:t>2022-05-15</a:t>
+              <a:t>2022-05-16</a:t>
             </a:fld>
             <a:endParaRPr lang="en-CA"/>
           </a:p>
@@ -2413,7 +2413,7 @@
           <a:p>
             <a:fld id="{860C609C-6F01-41DE-9C81-127E5EFAB8EE}" type="datetimeFigureOut">
               <a:rPr lang="en-CA" smtClean="0"/>
-              <a:t>2022-05-15</a:t>
+              <a:t>2022-05-16</a:t>
             </a:fld>
             <a:endParaRPr lang="en-CA"/>
           </a:p>
@@ -2702,7 +2702,7 @@
           <a:p>
             <a:fld id="{860C609C-6F01-41DE-9C81-127E5EFAB8EE}" type="datetimeFigureOut">
               <a:rPr lang="en-CA" smtClean="0"/>
-              <a:t>2022-05-15</a:t>
+              <a:t>2022-05-16</a:t>
             </a:fld>
             <a:endParaRPr lang="en-CA"/>
           </a:p>
@@ -2945,7 +2945,7 @@
           <a:p>
             <a:fld id="{860C609C-6F01-41DE-9C81-127E5EFAB8EE}" type="datetimeFigureOut">
               <a:rPr lang="en-CA" smtClean="0"/>
-              <a:t>2022-05-15</a:t>
+              <a:t>2022-05-16</a:t>
             </a:fld>
             <a:endParaRPr lang="en-CA"/>
           </a:p>

--- a/ant_sna_network_diagrams.pptx
+++ b/ant_sna_network_diagrams.pptx
@@ -6,21 +6,22 @@
   </p:sldMasterIdLst>
   <p:sldIdLst>
     <p:sldId id="258" r:id="rId2"/>
-    <p:sldId id="260" r:id="rId3"/>
-    <p:sldId id="261" r:id="rId4"/>
-    <p:sldId id="262" r:id="rId5"/>
-    <p:sldId id="263" r:id="rId6"/>
-    <p:sldId id="264" r:id="rId7"/>
-    <p:sldId id="265" r:id="rId8"/>
-    <p:sldId id="266" r:id="rId9"/>
-    <p:sldId id="267" r:id="rId10"/>
-    <p:sldId id="268" r:id="rId11"/>
-    <p:sldId id="271" r:id="rId12"/>
-    <p:sldId id="272" r:id="rId13"/>
-    <p:sldId id="273" r:id="rId14"/>
-    <p:sldId id="274" r:id="rId15"/>
-    <p:sldId id="275" r:id="rId16"/>
-    <p:sldId id="276" r:id="rId17"/>
+    <p:sldId id="277" r:id="rId3"/>
+    <p:sldId id="260" r:id="rId4"/>
+    <p:sldId id="261" r:id="rId5"/>
+    <p:sldId id="262" r:id="rId6"/>
+    <p:sldId id="263" r:id="rId7"/>
+    <p:sldId id="264" r:id="rId8"/>
+    <p:sldId id="265" r:id="rId9"/>
+    <p:sldId id="266" r:id="rId10"/>
+    <p:sldId id="267" r:id="rId11"/>
+    <p:sldId id="268" r:id="rId12"/>
+    <p:sldId id="271" r:id="rId13"/>
+    <p:sldId id="272" r:id="rId14"/>
+    <p:sldId id="273" r:id="rId15"/>
+    <p:sldId id="274" r:id="rId16"/>
+    <p:sldId id="275" r:id="rId17"/>
+    <p:sldId id="276" r:id="rId18"/>
   </p:sldIdLst>
   <p:sldSz cx="12192000" cy="6858000"/>
   <p:notesSz cx="6858000" cy="9144000"/>
@@ -276,7 +277,7 @@
           <a:p>
             <a:fld id="{860C609C-6F01-41DE-9C81-127E5EFAB8EE}" type="datetimeFigureOut">
               <a:rPr lang="en-CA" smtClean="0"/>
-              <a:t>2022-05-16</a:t>
+              <a:t>2022-08-01</a:t>
             </a:fld>
             <a:endParaRPr lang="en-CA"/>
           </a:p>
@@ -476,7 +477,7 @@
           <a:p>
             <a:fld id="{860C609C-6F01-41DE-9C81-127E5EFAB8EE}" type="datetimeFigureOut">
               <a:rPr lang="en-CA" smtClean="0"/>
-              <a:t>2022-05-16</a:t>
+              <a:t>2022-08-01</a:t>
             </a:fld>
             <a:endParaRPr lang="en-CA"/>
           </a:p>
@@ -686,7 +687,7 @@
           <a:p>
             <a:fld id="{860C609C-6F01-41DE-9C81-127E5EFAB8EE}" type="datetimeFigureOut">
               <a:rPr lang="en-CA" smtClean="0"/>
-              <a:t>2022-05-16</a:t>
+              <a:t>2022-08-01</a:t>
             </a:fld>
             <a:endParaRPr lang="en-CA"/>
           </a:p>
@@ -886,7 +887,7 @@
           <a:p>
             <a:fld id="{860C609C-6F01-41DE-9C81-127E5EFAB8EE}" type="datetimeFigureOut">
               <a:rPr lang="en-CA" smtClean="0"/>
-              <a:t>2022-05-16</a:t>
+              <a:t>2022-08-01</a:t>
             </a:fld>
             <a:endParaRPr lang="en-CA"/>
           </a:p>
@@ -1162,7 +1163,7 @@
           <a:p>
             <a:fld id="{860C609C-6F01-41DE-9C81-127E5EFAB8EE}" type="datetimeFigureOut">
               <a:rPr lang="en-CA" smtClean="0"/>
-              <a:t>2022-05-16</a:t>
+              <a:t>2022-08-01</a:t>
             </a:fld>
             <a:endParaRPr lang="en-CA"/>
           </a:p>
@@ -1430,7 +1431,7 @@
           <a:p>
             <a:fld id="{860C609C-6F01-41DE-9C81-127E5EFAB8EE}" type="datetimeFigureOut">
               <a:rPr lang="en-CA" smtClean="0"/>
-              <a:t>2022-05-16</a:t>
+              <a:t>2022-08-01</a:t>
             </a:fld>
             <a:endParaRPr lang="en-CA"/>
           </a:p>
@@ -1845,7 +1846,7 @@
           <a:p>
             <a:fld id="{860C609C-6F01-41DE-9C81-127E5EFAB8EE}" type="datetimeFigureOut">
               <a:rPr lang="en-CA" smtClean="0"/>
-              <a:t>2022-05-16</a:t>
+              <a:t>2022-08-01</a:t>
             </a:fld>
             <a:endParaRPr lang="en-CA"/>
           </a:p>
@@ -1987,7 +1988,7 @@
           <a:p>
             <a:fld id="{860C609C-6F01-41DE-9C81-127E5EFAB8EE}" type="datetimeFigureOut">
               <a:rPr lang="en-CA" smtClean="0"/>
-              <a:t>2022-05-16</a:t>
+              <a:t>2022-08-01</a:t>
             </a:fld>
             <a:endParaRPr lang="en-CA"/>
           </a:p>
@@ -2100,7 +2101,7 @@
           <a:p>
             <a:fld id="{860C609C-6F01-41DE-9C81-127E5EFAB8EE}" type="datetimeFigureOut">
               <a:rPr lang="en-CA" smtClean="0"/>
-              <a:t>2022-05-16</a:t>
+              <a:t>2022-08-01</a:t>
             </a:fld>
             <a:endParaRPr lang="en-CA"/>
           </a:p>
@@ -2413,7 +2414,7 @@
           <a:p>
             <a:fld id="{860C609C-6F01-41DE-9C81-127E5EFAB8EE}" type="datetimeFigureOut">
               <a:rPr lang="en-CA" smtClean="0"/>
-              <a:t>2022-05-16</a:t>
+              <a:t>2022-08-01</a:t>
             </a:fld>
             <a:endParaRPr lang="en-CA"/>
           </a:p>
@@ -2702,7 +2703,7 @@
           <a:p>
             <a:fld id="{860C609C-6F01-41DE-9C81-127E5EFAB8EE}" type="datetimeFigureOut">
               <a:rPr lang="en-CA" smtClean="0"/>
-              <a:t>2022-05-16</a:t>
+              <a:t>2022-08-01</a:t>
             </a:fld>
             <a:endParaRPr lang="en-CA"/>
           </a:p>
@@ -2945,7 +2946,7 @@
           <a:p>
             <a:fld id="{860C609C-6F01-41DE-9C81-127E5EFAB8EE}" type="datetimeFigureOut">
               <a:rPr lang="en-CA" smtClean="0"/>
-              <a:t>2022-05-16</a:t>
+              <a:t>2022-08-01</a:t>
             </a:fld>
             <a:endParaRPr lang="en-CA"/>
           </a:p>
@@ -3550,7 +3551,7 @@
           <p:cNvPr id="3" name="Picture 2">
             <a:extLst>
               <a:ext uri="{FF2B5EF4-FFF2-40B4-BE49-F238E27FC236}">
-                <a16:creationId xmlns:a16="http://schemas.microsoft.com/office/drawing/2014/main" id="{8E24DD40-6EE5-4E45-A1A2-5422D0A003B2}"/>
+                <a16:creationId xmlns:a16="http://schemas.microsoft.com/office/drawing/2014/main" id="{A0D58741-9B07-4E36-AC29-7B9A949B35CF}"/>
               </a:ext>
             </a:extLst>
           </p:cNvPr>
@@ -3567,8 +3568,8 @@
         </p:blipFill>
         <p:spPr>
           <a:xfrm>
-            <a:off x="140834" y="1532404"/>
-            <a:ext cx="4210638" cy="4448796"/>
+            <a:off x="983901" y="1748850"/>
+            <a:ext cx="3277057" cy="3029373"/>
           </a:xfrm>
           <a:prstGeom prst="rect">
             <a:avLst/>
@@ -3577,10 +3578,10 @@
       </p:pic>
       <p:pic>
         <p:nvPicPr>
-          <p:cNvPr id="5" name="Picture 4">
-            <a:extLst>
-              <a:ext uri="{FF2B5EF4-FFF2-40B4-BE49-F238E27FC236}">
-                <a16:creationId xmlns:a16="http://schemas.microsoft.com/office/drawing/2014/main" id="{F7049116-E608-41F6-AF5D-B6E39DACD6A2}"/>
+          <p:cNvPr id="7" name="Picture 6">
+            <a:extLst>
+              <a:ext uri="{FF2B5EF4-FFF2-40B4-BE49-F238E27FC236}">
+                <a16:creationId xmlns:a16="http://schemas.microsoft.com/office/drawing/2014/main" id="{A9571C71-A87D-4C1C-9BCF-A3C8003CBB3A}"/>
               </a:ext>
             </a:extLst>
           </p:cNvPr>
@@ -3597,8 +3598,8 @@
         </p:blipFill>
         <p:spPr>
           <a:xfrm>
-            <a:off x="4351472" y="1656246"/>
-            <a:ext cx="3991532" cy="4201111"/>
+            <a:off x="7810623" y="1748850"/>
+            <a:ext cx="3175808" cy="3029373"/>
           </a:xfrm>
           <a:prstGeom prst="rect">
             <a:avLst/>
@@ -3607,10 +3608,10 @@
       </p:pic>
       <p:pic>
         <p:nvPicPr>
-          <p:cNvPr id="7" name="Picture 6">
-            <a:extLst>
-              <a:ext uri="{FF2B5EF4-FFF2-40B4-BE49-F238E27FC236}">
-                <a16:creationId xmlns:a16="http://schemas.microsoft.com/office/drawing/2014/main" id="{CEDD8E31-D46C-4B5A-AFCE-B6F98A86E33A}"/>
+          <p:cNvPr id="9" name="Picture 8">
+            <a:extLst>
+              <a:ext uri="{FF2B5EF4-FFF2-40B4-BE49-F238E27FC236}">
+                <a16:creationId xmlns:a16="http://schemas.microsoft.com/office/drawing/2014/main" id="{B0AAFE15-C099-47C1-A10E-82E5105D23F2}"/>
               </a:ext>
             </a:extLst>
           </p:cNvPr>
@@ -3627,8 +3628,8 @@
         </p:blipFill>
         <p:spPr>
           <a:xfrm>
-            <a:off x="8010123" y="1727693"/>
-            <a:ext cx="3858163" cy="4191585"/>
+            <a:off x="4363026" y="1748850"/>
+            <a:ext cx="3240722" cy="2990059"/>
           </a:xfrm>
           <a:prstGeom prst="rect">
             <a:avLst/>
@@ -3637,10 +3638,10 @@
       </p:pic>
       <p:sp>
         <p:nvSpPr>
-          <p:cNvPr id="8" name="TextBox 7">
-            <a:extLst>
-              <a:ext uri="{FF2B5EF4-FFF2-40B4-BE49-F238E27FC236}">
-                <a16:creationId xmlns:a16="http://schemas.microsoft.com/office/drawing/2014/main" id="{61025945-BA99-4E6D-9A7A-8E8CA96A5D66}"/>
+          <p:cNvPr id="10" name="TextBox 9">
+            <a:extLst>
+              <a:ext uri="{FF2B5EF4-FFF2-40B4-BE49-F238E27FC236}">
+                <a16:creationId xmlns:a16="http://schemas.microsoft.com/office/drawing/2014/main" id="{B82E68FD-A873-46FB-9E59-C912140D82B5}"/>
               </a:ext>
             </a:extLst>
           </p:cNvPr>
@@ -3649,8 +3650,8 @@
         </p:nvSpPr>
         <p:spPr>
           <a:xfrm>
-            <a:off x="276045" y="396815"/>
-            <a:ext cx="7317829" cy="461665"/>
+            <a:off x="97720" y="257478"/>
+            <a:ext cx="5819955" cy="830997"/>
           </a:xfrm>
           <a:prstGeom prst="rect">
             <a:avLst/>
@@ -3665,7 +3666,14 @@
           <a:p>
             <a:r>
               <a:rPr lang="en-CA" sz="2400" dirty="0"/>
-              <a:t>Colony 60 (No Choice) Out-strength distributions</a:t>
+              <a:t>Colony 60 (No-Choice) </a:t>
+            </a:r>
+            <a:br>
+              <a:rPr lang="en-CA" sz="2400" dirty="0"/>
+            </a:br>
+            <a:r>
+              <a:rPr lang="en-CA" sz="2400" dirty="0"/>
+              <a:t>Node size and edge width = out-strength</a:t>
             </a:r>
           </a:p>
         </p:txBody>
@@ -3673,7 +3681,7 @@
     </p:spTree>
     <p:extLst>
       <p:ext uri="{BB962C8B-B14F-4D97-AF65-F5344CB8AC3E}">
-        <p14:creationId xmlns:p14="http://schemas.microsoft.com/office/powerpoint/2010/main" val="3954940762"/>
+        <p14:creationId xmlns:p14="http://schemas.microsoft.com/office/powerpoint/2010/main" val="3610900390"/>
       </p:ext>
     </p:extLst>
   </p:cSld>
@@ -3700,54 +3708,12 @@
           <a:chExt cx="0" cy="0"/>
         </a:xfrm>
       </p:grpSpPr>
-      <p:sp>
-        <p:nvSpPr>
-          <p:cNvPr id="2" name="TextBox 1">
-            <a:extLst>
-              <a:ext uri="{FF2B5EF4-FFF2-40B4-BE49-F238E27FC236}">
-                <a16:creationId xmlns:a16="http://schemas.microsoft.com/office/drawing/2014/main" id="{3F85D553-D8C2-48EC-A2F9-303B64EEA259}"/>
-              </a:ext>
-            </a:extLst>
-          </p:cNvPr>
-          <p:cNvSpPr txBox="1"/>
-          <p:nvPr/>
-        </p:nvSpPr>
-        <p:spPr>
-          <a:xfrm>
-            <a:off x="115138" y="301021"/>
-            <a:ext cx="5819955" cy="830997"/>
-          </a:xfrm>
-          <a:prstGeom prst="rect">
-            <a:avLst/>
-          </a:prstGeom>
-          <a:noFill/>
-        </p:spPr>
-        <p:txBody>
-          <a:bodyPr wrap="square" rtlCol="0">
-            <a:spAutoFit/>
-          </a:bodyPr>
-          <a:lstStyle/>
-          <a:p>
-            <a:r>
-              <a:rPr lang="en-CA" sz="2400" dirty="0"/>
-              <a:t>Colony 59 (No-Choice) </a:t>
-            </a:r>
-            <a:br>
-              <a:rPr lang="en-CA" sz="2400" dirty="0"/>
-            </a:br>
-            <a:r>
-              <a:rPr lang="en-CA" sz="2400" dirty="0"/>
-              <a:t>Node size and edge width = out-strength</a:t>
-            </a:r>
-          </a:p>
-        </p:txBody>
-      </p:sp>
       <p:pic>
         <p:nvPicPr>
-          <p:cNvPr id="4" name="Picture 3">
-            <a:extLst>
-              <a:ext uri="{FF2B5EF4-FFF2-40B4-BE49-F238E27FC236}">
-                <a16:creationId xmlns:a16="http://schemas.microsoft.com/office/drawing/2014/main" id="{8855A9EA-DAE4-4DD5-8165-6F800722BFA2}"/>
+          <p:cNvPr id="3" name="Picture 2">
+            <a:extLst>
+              <a:ext uri="{FF2B5EF4-FFF2-40B4-BE49-F238E27FC236}">
+                <a16:creationId xmlns:a16="http://schemas.microsoft.com/office/drawing/2014/main" id="{8E24DD40-6EE5-4E45-A1A2-5422D0A003B2}"/>
               </a:ext>
             </a:extLst>
           </p:cNvPr>
@@ -3764,8 +3730,8 @@
         </p:blipFill>
         <p:spPr>
           <a:xfrm>
-            <a:off x="115138" y="1767491"/>
-            <a:ext cx="3732243" cy="3740687"/>
+            <a:off x="140834" y="1532404"/>
+            <a:ext cx="4210638" cy="4448796"/>
           </a:xfrm>
           <a:prstGeom prst="rect">
             <a:avLst/>
@@ -3774,10 +3740,10 @@
       </p:pic>
       <p:pic>
         <p:nvPicPr>
-          <p:cNvPr id="6" name="Picture 5">
-            <a:extLst>
-              <a:ext uri="{FF2B5EF4-FFF2-40B4-BE49-F238E27FC236}">
-                <a16:creationId xmlns:a16="http://schemas.microsoft.com/office/drawing/2014/main" id="{EDDD6532-839B-4212-8F42-A969A2611586}"/>
+          <p:cNvPr id="5" name="Picture 4">
+            <a:extLst>
+              <a:ext uri="{FF2B5EF4-FFF2-40B4-BE49-F238E27FC236}">
+                <a16:creationId xmlns:a16="http://schemas.microsoft.com/office/drawing/2014/main" id="{F7049116-E608-41F6-AF5D-B6E39DACD6A2}"/>
               </a:ext>
             </a:extLst>
           </p:cNvPr>
@@ -3794,8 +3760,8 @@
         </p:blipFill>
         <p:spPr>
           <a:xfrm>
-            <a:off x="3937587" y="1757965"/>
-            <a:ext cx="3753826" cy="3745353"/>
+            <a:off x="4351472" y="1656246"/>
+            <a:ext cx="3991532" cy="4201111"/>
           </a:xfrm>
           <a:prstGeom prst="rect">
             <a:avLst/>
@@ -3804,10 +3770,10 @@
       </p:pic>
       <p:pic>
         <p:nvPicPr>
-          <p:cNvPr id="8" name="Picture 7">
-            <a:extLst>
-              <a:ext uri="{FF2B5EF4-FFF2-40B4-BE49-F238E27FC236}">
-                <a16:creationId xmlns:a16="http://schemas.microsoft.com/office/drawing/2014/main" id="{05317A3B-4968-4497-8664-62D6567FFE10}"/>
+          <p:cNvPr id="7" name="Picture 6">
+            <a:extLst>
+              <a:ext uri="{FF2B5EF4-FFF2-40B4-BE49-F238E27FC236}">
+                <a16:creationId xmlns:a16="http://schemas.microsoft.com/office/drawing/2014/main" id="{CEDD8E31-D46C-4B5A-AFCE-B6F98A86E33A}"/>
               </a:ext>
             </a:extLst>
           </p:cNvPr>
@@ -3824,18 +3790,53 @@
         </p:blipFill>
         <p:spPr>
           <a:xfrm>
-            <a:off x="7866224" y="1757965"/>
-            <a:ext cx="3753846" cy="3745353"/>
+            <a:off x="8010123" y="1727693"/>
+            <a:ext cx="3858163" cy="4191585"/>
           </a:xfrm>
           <a:prstGeom prst="rect">
             <a:avLst/>
           </a:prstGeom>
         </p:spPr>
       </p:pic>
+      <p:sp>
+        <p:nvSpPr>
+          <p:cNvPr id="8" name="TextBox 7">
+            <a:extLst>
+              <a:ext uri="{FF2B5EF4-FFF2-40B4-BE49-F238E27FC236}">
+                <a16:creationId xmlns:a16="http://schemas.microsoft.com/office/drawing/2014/main" id="{61025945-BA99-4E6D-9A7A-8E8CA96A5D66}"/>
+              </a:ext>
+            </a:extLst>
+          </p:cNvPr>
+          <p:cNvSpPr txBox="1"/>
+          <p:nvPr/>
+        </p:nvSpPr>
+        <p:spPr>
+          <a:xfrm>
+            <a:off x="276045" y="396815"/>
+            <a:ext cx="7317829" cy="461665"/>
+          </a:xfrm>
+          <a:prstGeom prst="rect">
+            <a:avLst/>
+          </a:prstGeom>
+          <a:noFill/>
+        </p:spPr>
+        <p:txBody>
+          <a:bodyPr wrap="square" rtlCol="0">
+            <a:spAutoFit/>
+          </a:bodyPr>
+          <a:lstStyle/>
+          <a:p>
+            <a:r>
+              <a:rPr lang="en-CA" sz="2400" dirty="0"/>
+              <a:t>Colony 60 (No Choice) Out-strength distributions</a:t>
+            </a:r>
+          </a:p>
+        </p:txBody>
+      </p:sp>
     </p:spTree>
     <p:extLst>
       <p:ext uri="{BB962C8B-B14F-4D97-AF65-F5344CB8AC3E}">
-        <p14:creationId xmlns:p14="http://schemas.microsoft.com/office/powerpoint/2010/main" val="1818028940"/>
+        <p14:creationId xmlns:p14="http://schemas.microsoft.com/office/powerpoint/2010/main" val="3954940762"/>
       </p:ext>
     </p:extLst>
   </p:cSld>
@@ -3862,12 +3863,54 @@
           <a:chExt cx="0" cy="0"/>
         </a:xfrm>
       </p:grpSpPr>
+      <p:sp>
+        <p:nvSpPr>
+          <p:cNvPr id="2" name="TextBox 1">
+            <a:extLst>
+              <a:ext uri="{FF2B5EF4-FFF2-40B4-BE49-F238E27FC236}">
+                <a16:creationId xmlns:a16="http://schemas.microsoft.com/office/drawing/2014/main" id="{3F85D553-D8C2-48EC-A2F9-303B64EEA259}"/>
+              </a:ext>
+            </a:extLst>
+          </p:cNvPr>
+          <p:cNvSpPr txBox="1"/>
+          <p:nvPr/>
+        </p:nvSpPr>
+        <p:spPr>
+          <a:xfrm>
+            <a:off x="115138" y="301021"/>
+            <a:ext cx="5819955" cy="830997"/>
+          </a:xfrm>
+          <a:prstGeom prst="rect">
+            <a:avLst/>
+          </a:prstGeom>
+          <a:noFill/>
+        </p:spPr>
+        <p:txBody>
+          <a:bodyPr wrap="square" rtlCol="0">
+            <a:spAutoFit/>
+          </a:bodyPr>
+          <a:lstStyle/>
+          <a:p>
+            <a:r>
+              <a:rPr lang="en-CA" sz="2400" dirty="0"/>
+              <a:t>Colony 59 (No-Choice) </a:t>
+            </a:r>
+            <a:br>
+              <a:rPr lang="en-CA" sz="2400" dirty="0"/>
+            </a:br>
+            <a:r>
+              <a:rPr lang="en-CA" sz="2400" dirty="0"/>
+              <a:t>Node size and edge width = out-strength</a:t>
+            </a:r>
+          </a:p>
+        </p:txBody>
+      </p:sp>
       <p:pic>
         <p:nvPicPr>
-          <p:cNvPr id="3" name="Picture 2">
-            <a:extLst>
-              <a:ext uri="{FF2B5EF4-FFF2-40B4-BE49-F238E27FC236}">
-                <a16:creationId xmlns:a16="http://schemas.microsoft.com/office/drawing/2014/main" id="{1440CF21-8133-4CE9-B27F-5616CCDAAE97}"/>
+          <p:cNvPr id="4" name="Picture 3">
+            <a:extLst>
+              <a:ext uri="{FF2B5EF4-FFF2-40B4-BE49-F238E27FC236}">
+                <a16:creationId xmlns:a16="http://schemas.microsoft.com/office/drawing/2014/main" id="{8855A9EA-DAE4-4DD5-8165-6F800722BFA2}"/>
               </a:ext>
             </a:extLst>
           </p:cNvPr>
@@ -3884,8 +3927,8 @@
         </p:blipFill>
         <p:spPr>
           <a:xfrm>
-            <a:off x="89869" y="1626770"/>
-            <a:ext cx="4096322" cy="4277322"/>
+            <a:off x="115138" y="1767491"/>
+            <a:ext cx="3732243" cy="3740687"/>
           </a:xfrm>
           <a:prstGeom prst="rect">
             <a:avLst/>
@@ -3894,10 +3937,10 @@
       </p:pic>
       <p:pic>
         <p:nvPicPr>
-          <p:cNvPr id="5" name="Picture 4">
-            <a:extLst>
-              <a:ext uri="{FF2B5EF4-FFF2-40B4-BE49-F238E27FC236}">
-                <a16:creationId xmlns:a16="http://schemas.microsoft.com/office/drawing/2014/main" id="{801ACA9E-2B66-426A-8953-6A3E2CE1286C}"/>
+          <p:cNvPr id="6" name="Picture 5">
+            <a:extLst>
+              <a:ext uri="{FF2B5EF4-FFF2-40B4-BE49-F238E27FC236}">
+                <a16:creationId xmlns:a16="http://schemas.microsoft.com/office/drawing/2014/main" id="{EDDD6532-839B-4212-8F42-A969A2611586}"/>
               </a:ext>
             </a:extLst>
           </p:cNvPr>
@@ -3914,8 +3957,8 @@
         </p:blipFill>
         <p:spPr>
           <a:xfrm>
-            <a:off x="4204806" y="1583901"/>
-            <a:ext cx="3801005" cy="4363059"/>
+            <a:off x="3937587" y="1757965"/>
+            <a:ext cx="3753826" cy="3745353"/>
           </a:xfrm>
           <a:prstGeom prst="rect">
             <a:avLst/>
@@ -3924,10 +3967,10 @@
       </p:pic>
       <p:pic>
         <p:nvPicPr>
-          <p:cNvPr id="7" name="Picture 6">
-            <a:extLst>
-              <a:ext uri="{FF2B5EF4-FFF2-40B4-BE49-F238E27FC236}">
-                <a16:creationId xmlns:a16="http://schemas.microsoft.com/office/drawing/2014/main" id="{7028DE9E-B3CC-499A-B62D-40C77C65E1F6}"/>
+          <p:cNvPr id="8" name="Picture 7">
+            <a:extLst>
+              <a:ext uri="{FF2B5EF4-FFF2-40B4-BE49-F238E27FC236}">
+                <a16:creationId xmlns:a16="http://schemas.microsoft.com/office/drawing/2014/main" id="{05317A3B-4968-4497-8664-62D6567FFE10}"/>
               </a:ext>
             </a:extLst>
           </p:cNvPr>
@@ -3944,53 +3987,18 @@
         </p:blipFill>
         <p:spPr>
           <a:xfrm>
-            <a:off x="8024426" y="1679164"/>
-            <a:ext cx="3829584" cy="4267796"/>
+            <a:off x="7866224" y="1757965"/>
+            <a:ext cx="3753846" cy="3745353"/>
           </a:xfrm>
           <a:prstGeom prst="rect">
             <a:avLst/>
           </a:prstGeom>
         </p:spPr>
       </p:pic>
-      <p:sp>
-        <p:nvSpPr>
-          <p:cNvPr id="8" name="TextBox 7">
-            <a:extLst>
-              <a:ext uri="{FF2B5EF4-FFF2-40B4-BE49-F238E27FC236}">
-                <a16:creationId xmlns:a16="http://schemas.microsoft.com/office/drawing/2014/main" id="{CE74092B-7992-41BE-BFB0-985E508ABD3A}"/>
-              </a:ext>
-            </a:extLst>
-          </p:cNvPr>
-          <p:cNvSpPr txBox="1"/>
-          <p:nvPr/>
-        </p:nvSpPr>
-        <p:spPr>
-          <a:xfrm>
-            <a:off x="276045" y="396815"/>
-            <a:ext cx="7317829" cy="461665"/>
-          </a:xfrm>
-          <a:prstGeom prst="rect">
-            <a:avLst/>
-          </a:prstGeom>
-          <a:noFill/>
-        </p:spPr>
-        <p:txBody>
-          <a:bodyPr wrap="square" rtlCol="0">
-            <a:spAutoFit/>
-          </a:bodyPr>
-          <a:lstStyle/>
-          <a:p>
-            <a:r>
-              <a:rPr lang="en-CA" sz="2400" dirty="0"/>
-              <a:t>Colony 59 (No Choice) Out-strength distributions</a:t>
-            </a:r>
-          </a:p>
-        </p:txBody>
-      </p:sp>
     </p:spTree>
     <p:extLst>
       <p:ext uri="{BB962C8B-B14F-4D97-AF65-F5344CB8AC3E}">
-        <p14:creationId xmlns:p14="http://schemas.microsoft.com/office/powerpoint/2010/main" val="270700745"/>
+        <p14:creationId xmlns:p14="http://schemas.microsoft.com/office/powerpoint/2010/main" val="1818028940"/>
       </p:ext>
     </p:extLst>
   </p:cSld>
@@ -4022,7 +4030,7 @@
           <p:cNvPr id="3" name="Picture 2">
             <a:extLst>
               <a:ext uri="{FF2B5EF4-FFF2-40B4-BE49-F238E27FC236}">
-                <a16:creationId xmlns:a16="http://schemas.microsoft.com/office/drawing/2014/main" id="{A186DC00-3AD8-B050-AD43-00D3AECD6DFD}"/>
+                <a16:creationId xmlns:a16="http://schemas.microsoft.com/office/drawing/2014/main" id="{1440CF21-8133-4CE9-B27F-5616CCDAAE97}"/>
               </a:ext>
             </a:extLst>
           </p:cNvPr>
@@ -4039,8 +4047,8 @@
         </p:blipFill>
         <p:spPr>
           <a:xfrm>
-            <a:off x="460436" y="1592213"/>
-            <a:ext cx="3690307" cy="3690307"/>
+            <a:off x="89869" y="1626770"/>
+            <a:ext cx="4096322" cy="4277322"/>
           </a:xfrm>
           <a:prstGeom prst="rect">
             <a:avLst/>
@@ -4052,7 +4060,7 @@
           <p:cNvPr id="5" name="Picture 4">
             <a:extLst>
               <a:ext uri="{FF2B5EF4-FFF2-40B4-BE49-F238E27FC236}">
-                <a16:creationId xmlns:a16="http://schemas.microsoft.com/office/drawing/2014/main" id="{567E9BD1-7184-18FA-31AB-72249B8D2AA6}"/>
+                <a16:creationId xmlns:a16="http://schemas.microsoft.com/office/drawing/2014/main" id="{801ACA9E-2B66-426A-8953-6A3E2CE1286C}"/>
               </a:ext>
             </a:extLst>
           </p:cNvPr>
@@ -4069,8 +4077,8 @@
         </p:blipFill>
         <p:spPr>
           <a:xfrm>
-            <a:off x="4310909" y="1592213"/>
-            <a:ext cx="3690307" cy="3657211"/>
+            <a:off x="4204806" y="1583901"/>
+            <a:ext cx="3801005" cy="4363059"/>
           </a:xfrm>
           <a:prstGeom prst="rect">
             <a:avLst/>
@@ -4082,7 +4090,7 @@
           <p:cNvPr id="7" name="Picture 6">
             <a:extLst>
               <a:ext uri="{FF2B5EF4-FFF2-40B4-BE49-F238E27FC236}">
-                <a16:creationId xmlns:a16="http://schemas.microsoft.com/office/drawing/2014/main" id="{22CF92A5-0498-9629-4963-81B24B786145}"/>
+                <a16:creationId xmlns:a16="http://schemas.microsoft.com/office/drawing/2014/main" id="{7028DE9E-B3CC-499A-B62D-40C77C65E1F6}"/>
               </a:ext>
             </a:extLst>
           </p:cNvPr>
@@ -4099,8 +4107,8 @@
         </p:blipFill>
         <p:spPr>
           <a:xfrm>
-            <a:off x="8096901" y="1592214"/>
-            <a:ext cx="3690307" cy="3673572"/>
+            <a:off x="8024426" y="1679164"/>
+            <a:ext cx="3829584" cy="4267796"/>
           </a:xfrm>
           <a:prstGeom prst="rect">
             <a:avLst/>
@@ -4112,7 +4120,7 @@
           <p:cNvPr id="8" name="TextBox 7">
             <a:extLst>
               <a:ext uri="{FF2B5EF4-FFF2-40B4-BE49-F238E27FC236}">
-                <a16:creationId xmlns:a16="http://schemas.microsoft.com/office/drawing/2014/main" id="{F4675F2C-10A0-8681-AE19-67AC8F443F2F}"/>
+                <a16:creationId xmlns:a16="http://schemas.microsoft.com/office/drawing/2014/main" id="{CE74092B-7992-41BE-BFB0-985E508ABD3A}"/>
               </a:ext>
             </a:extLst>
           </p:cNvPr>
@@ -4121,8 +4129,8 @@
         </p:nvSpPr>
         <p:spPr>
           <a:xfrm>
-            <a:off x="115138" y="301021"/>
-            <a:ext cx="5819955" cy="830997"/>
+            <a:off x="276045" y="396815"/>
+            <a:ext cx="7317829" cy="461665"/>
           </a:xfrm>
           <a:prstGeom prst="rect">
             <a:avLst/>
@@ -4137,14 +4145,7 @@
           <a:p>
             <a:r>
               <a:rPr lang="en-CA" sz="2400" dirty="0"/>
-              <a:t>Colony 45 (No-Choice) </a:t>
-            </a:r>
-            <a:br>
-              <a:rPr lang="en-CA" sz="2400" dirty="0"/>
-            </a:br>
-            <a:r>
-              <a:rPr lang="en-CA" sz="2400" dirty="0"/>
-              <a:t>Node size and edge width = out-strength</a:t>
+              <a:t>Colony 59 (No Choice) Out-strength distributions</a:t>
             </a:r>
           </a:p>
         </p:txBody>
@@ -4152,7 +4153,7 @@
     </p:spTree>
     <p:extLst>
       <p:ext uri="{BB962C8B-B14F-4D97-AF65-F5344CB8AC3E}">
-        <p14:creationId xmlns:p14="http://schemas.microsoft.com/office/powerpoint/2010/main" val="873420916"/>
+        <p14:creationId xmlns:p14="http://schemas.microsoft.com/office/powerpoint/2010/main" val="270700745"/>
       </p:ext>
     </p:extLst>
   </p:cSld>
@@ -4184,7 +4185,7 @@
           <p:cNvPr id="3" name="Picture 2">
             <a:extLst>
               <a:ext uri="{FF2B5EF4-FFF2-40B4-BE49-F238E27FC236}">
-                <a16:creationId xmlns:a16="http://schemas.microsoft.com/office/drawing/2014/main" id="{FC469D9B-CB31-B5A7-E809-73397F505B66}"/>
+                <a16:creationId xmlns:a16="http://schemas.microsoft.com/office/drawing/2014/main" id="{A186DC00-3AD8-B050-AD43-00D3AECD6DFD}"/>
               </a:ext>
             </a:extLst>
           </p:cNvPr>
@@ -4201,55 +4202,20 @@
         </p:blipFill>
         <p:spPr>
           <a:xfrm>
-            <a:off x="339753" y="1641696"/>
-            <a:ext cx="3886742" cy="4143953"/>
+            <a:off x="460436" y="1592213"/>
+            <a:ext cx="3690307" cy="3690307"/>
           </a:xfrm>
           <a:prstGeom prst="rect">
             <a:avLst/>
           </a:prstGeom>
         </p:spPr>
       </p:pic>
-      <p:sp>
-        <p:nvSpPr>
-          <p:cNvPr id="4" name="TextBox 3">
-            <a:extLst>
-              <a:ext uri="{FF2B5EF4-FFF2-40B4-BE49-F238E27FC236}">
-                <a16:creationId xmlns:a16="http://schemas.microsoft.com/office/drawing/2014/main" id="{E801D2D0-AED4-04E7-3FAD-801913734852}"/>
-              </a:ext>
-            </a:extLst>
-          </p:cNvPr>
-          <p:cNvSpPr txBox="1"/>
-          <p:nvPr/>
-        </p:nvSpPr>
-        <p:spPr>
-          <a:xfrm>
-            <a:off x="276045" y="396815"/>
-            <a:ext cx="7317829" cy="461665"/>
-          </a:xfrm>
-          <a:prstGeom prst="rect">
-            <a:avLst/>
-          </a:prstGeom>
-          <a:noFill/>
-        </p:spPr>
-        <p:txBody>
-          <a:bodyPr wrap="square" rtlCol="0">
-            <a:spAutoFit/>
-          </a:bodyPr>
-          <a:lstStyle/>
-          <a:p>
-            <a:r>
-              <a:rPr lang="en-CA" sz="2400" dirty="0"/>
-              <a:t>Colony 45 (No Choice) Out-strength distributions</a:t>
-            </a:r>
-          </a:p>
-        </p:txBody>
-      </p:sp>
       <p:pic>
         <p:nvPicPr>
-          <p:cNvPr id="6" name="Picture 5">
-            <a:extLst>
-              <a:ext uri="{FF2B5EF4-FFF2-40B4-BE49-F238E27FC236}">
-                <a16:creationId xmlns:a16="http://schemas.microsoft.com/office/drawing/2014/main" id="{D4E953AA-6CC5-50B8-30F9-E7CB71D68081}"/>
+          <p:cNvPr id="5" name="Picture 4">
+            <a:extLst>
+              <a:ext uri="{FF2B5EF4-FFF2-40B4-BE49-F238E27FC236}">
+                <a16:creationId xmlns:a16="http://schemas.microsoft.com/office/drawing/2014/main" id="{567E9BD1-7184-18FA-31AB-72249B8D2AA6}"/>
               </a:ext>
             </a:extLst>
           </p:cNvPr>
@@ -4266,8 +4232,8 @@
         </p:blipFill>
         <p:spPr>
           <a:xfrm>
-            <a:off x="4276538" y="1434289"/>
-            <a:ext cx="3429479" cy="4334480"/>
+            <a:off x="4310909" y="1592213"/>
+            <a:ext cx="3690307" cy="3657211"/>
           </a:xfrm>
           <a:prstGeom prst="rect">
             <a:avLst/>
@@ -4276,10 +4242,10 @@
       </p:pic>
       <p:pic>
         <p:nvPicPr>
-          <p:cNvPr id="8" name="Picture 7">
-            <a:extLst>
-              <a:ext uri="{FF2B5EF4-FFF2-40B4-BE49-F238E27FC236}">
-                <a16:creationId xmlns:a16="http://schemas.microsoft.com/office/drawing/2014/main" id="{89DFDEE6-6065-B9FA-C0EF-F8239074A74B}"/>
+          <p:cNvPr id="7" name="Picture 6">
+            <a:extLst>
+              <a:ext uri="{FF2B5EF4-FFF2-40B4-BE49-F238E27FC236}">
+                <a16:creationId xmlns:a16="http://schemas.microsoft.com/office/drawing/2014/main" id="{22CF92A5-0498-9629-4963-81B24B786145}"/>
               </a:ext>
             </a:extLst>
           </p:cNvPr>
@@ -4296,18 +4262,60 @@
         </p:blipFill>
         <p:spPr>
           <a:xfrm>
-            <a:off x="7984293" y="1548605"/>
-            <a:ext cx="3762900" cy="4220164"/>
+            <a:off x="8096901" y="1592214"/>
+            <a:ext cx="3690307" cy="3673572"/>
           </a:xfrm>
           <a:prstGeom prst="rect">
             <a:avLst/>
           </a:prstGeom>
         </p:spPr>
       </p:pic>
+      <p:sp>
+        <p:nvSpPr>
+          <p:cNvPr id="8" name="TextBox 7">
+            <a:extLst>
+              <a:ext uri="{FF2B5EF4-FFF2-40B4-BE49-F238E27FC236}">
+                <a16:creationId xmlns:a16="http://schemas.microsoft.com/office/drawing/2014/main" id="{F4675F2C-10A0-8681-AE19-67AC8F443F2F}"/>
+              </a:ext>
+            </a:extLst>
+          </p:cNvPr>
+          <p:cNvSpPr txBox="1"/>
+          <p:nvPr/>
+        </p:nvSpPr>
+        <p:spPr>
+          <a:xfrm>
+            <a:off x="115138" y="301021"/>
+            <a:ext cx="5819955" cy="830997"/>
+          </a:xfrm>
+          <a:prstGeom prst="rect">
+            <a:avLst/>
+          </a:prstGeom>
+          <a:noFill/>
+        </p:spPr>
+        <p:txBody>
+          <a:bodyPr wrap="square" rtlCol="0">
+            <a:spAutoFit/>
+          </a:bodyPr>
+          <a:lstStyle/>
+          <a:p>
+            <a:r>
+              <a:rPr lang="en-CA" sz="2400" dirty="0"/>
+              <a:t>Colony 45 (No-Choice) </a:t>
+            </a:r>
+            <a:br>
+              <a:rPr lang="en-CA" sz="2400" dirty="0"/>
+            </a:br>
+            <a:r>
+              <a:rPr lang="en-CA" sz="2400" dirty="0"/>
+              <a:t>Node size and edge width = out-strength</a:t>
+            </a:r>
+          </a:p>
+        </p:txBody>
+      </p:sp>
     </p:spTree>
     <p:extLst>
       <p:ext uri="{BB962C8B-B14F-4D97-AF65-F5344CB8AC3E}">
-        <p14:creationId xmlns:p14="http://schemas.microsoft.com/office/powerpoint/2010/main" val="3535751779"/>
+        <p14:creationId xmlns:p14="http://schemas.microsoft.com/office/powerpoint/2010/main" val="873420916"/>
       </p:ext>
     </p:extLst>
   </p:cSld>
@@ -4339,6 +4347,161 @@
           <p:cNvPr id="3" name="Picture 2">
             <a:extLst>
               <a:ext uri="{FF2B5EF4-FFF2-40B4-BE49-F238E27FC236}">
+                <a16:creationId xmlns:a16="http://schemas.microsoft.com/office/drawing/2014/main" id="{FC469D9B-CB31-B5A7-E809-73397F505B66}"/>
+              </a:ext>
+            </a:extLst>
+          </p:cNvPr>
+          <p:cNvPicPr>
+            <a:picLocks noChangeAspect="1"/>
+          </p:cNvPicPr>
+          <p:nvPr/>
+        </p:nvPicPr>
+        <p:blipFill>
+          <a:blip r:embed="rId2"/>
+          <a:stretch>
+            <a:fillRect/>
+          </a:stretch>
+        </p:blipFill>
+        <p:spPr>
+          <a:xfrm>
+            <a:off x="339753" y="1641696"/>
+            <a:ext cx="3886742" cy="4143953"/>
+          </a:xfrm>
+          <a:prstGeom prst="rect">
+            <a:avLst/>
+          </a:prstGeom>
+        </p:spPr>
+      </p:pic>
+      <p:sp>
+        <p:nvSpPr>
+          <p:cNvPr id="4" name="TextBox 3">
+            <a:extLst>
+              <a:ext uri="{FF2B5EF4-FFF2-40B4-BE49-F238E27FC236}">
+                <a16:creationId xmlns:a16="http://schemas.microsoft.com/office/drawing/2014/main" id="{E801D2D0-AED4-04E7-3FAD-801913734852}"/>
+              </a:ext>
+            </a:extLst>
+          </p:cNvPr>
+          <p:cNvSpPr txBox="1"/>
+          <p:nvPr/>
+        </p:nvSpPr>
+        <p:spPr>
+          <a:xfrm>
+            <a:off x="276045" y="396815"/>
+            <a:ext cx="7317829" cy="461665"/>
+          </a:xfrm>
+          <a:prstGeom prst="rect">
+            <a:avLst/>
+          </a:prstGeom>
+          <a:noFill/>
+        </p:spPr>
+        <p:txBody>
+          <a:bodyPr wrap="square" rtlCol="0">
+            <a:spAutoFit/>
+          </a:bodyPr>
+          <a:lstStyle/>
+          <a:p>
+            <a:r>
+              <a:rPr lang="en-CA" sz="2400" dirty="0"/>
+              <a:t>Colony 45 (No Choice) Out-strength distributions</a:t>
+            </a:r>
+          </a:p>
+        </p:txBody>
+      </p:sp>
+      <p:pic>
+        <p:nvPicPr>
+          <p:cNvPr id="6" name="Picture 5">
+            <a:extLst>
+              <a:ext uri="{FF2B5EF4-FFF2-40B4-BE49-F238E27FC236}">
+                <a16:creationId xmlns:a16="http://schemas.microsoft.com/office/drawing/2014/main" id="{D4E953AA-6CC5-50B8-30F9-E7CB71D68081}"/>
+              </a:ext>
+            </a:extLst>
+          </p:cNvPr>
+          <p:cNvPicPr>
+            <a:picLocks noChangeAspect="1"/>
+          </p:cNvPicPr>
+          <p:nvPr/>
+        </p:nvPicPr>
+        <p:blipFill>
+          <a:blip r:embed="rId3"/>
+          <a:stretch>
+            <a:fillRect/>
+          </a:stretch>
+        </p:blipFill>
+        <p:spPr>
+          <a:xfrm>
+            <a:off x="4276538" y="1434289"/>
+            <a:ext cx="3429479" cy="4334480"/>
+          </a:xfrm>
+          <a:prstGeom prst="rect">
+            <a:avLst/>
+          </a:prstGeom>
+        </p:spPr>
+      </p:pic>
+      <p:pic>
+        <p:nvPicPr>
+          <p:cNvPr id="8" name="Picture 7">
+            <a:extLst>
+              <a:ext uri="{FF2B5EF4-FFF2-40B4-BE49-F238E27FC236}">
+                <a16:creationId xmlns:a16="http://schemas.microsoft.com/office/drawing/2014/main" id="{89DFDEE6-6065-B9FA-C0EF-F8239074A74B}"/>
+              </a:ext>
+            </a:extLst>
+          </p:cNvPr>
+          <p:cNvPicPr>
+            <a:picLocks noChangeAspect="1"/>
+          </p:cNvPicPr>
+          <p:nvPr/>
+        </p:nvPicPr>
+        <p:blipFill>
+          <a:blip r:embed="rId4"/>
+          <a:stretch>
+            <a:fillRect/>
+          </a:stretch>
+        </p:blipFill>
+        <p:spPr>
+          <a:xfrm>
+            <a:off x="7984293" y="1548605"/>
+            <a:ext cx="3762900" cy="4220164"/>
+          </a:xfrm>
+          <a:prstGeom prst="rect">
+            <a:avLst/>
+          </a:prstGeom>
+        </p:spPr>
+      </p:pic>
+    </p:spTree>
+    <p:extLst>
+      <p:ext uri="{BB962C8B-B14F-4D97-AF65-F5344CB8AC3E}">
+        <p14:creationId xmlns:p14="http://schemas.microsoft.com/office/powerpoint/2010/main" val="3535751779"/>
+      </p:ext>
+    </p:extLst>
+  </p:cSld>
+  <p:clrMapOvr>
+    <a:masterClrMapping/>
+  </p:clrMapOvr>
+</p:sld>
+</file>
+
+<file path=ppt/slides/slide16.xml><?xml version="1.0" encoding="utf-8"?>
+<p:sld xmlns:a="http://schemas.openxmlformats.org/drawingml/2006/main" xmlns:r="http://schemas.openxmlformats.org/officeDocument/2006/relationships" xmlns:p="http://schemas.openxmlformats.org/presentationml/2006/main">
+  <p:cSld>
+    <p:spTree>
+      <p:nvGrpSpPr>
+        <p:cNvPr id="1" name=""/>
+        <p:cNvGrpSpPr/>
+        <p:nvPr/>
+      </p:nvGrpSpPr>
+      <p:grpSpPr>
+        <a:xfrm>
+          <a:off x="0" y="0"/>
+          <a:ext cx="0" cy="0"/>
+          <a:chOff x="0" y="0"/>
+          <a:chExt cx="0" cy="0"/>
+        </a:xfrm>
+      </p:grpSpPr>
+      <p:pic>
+        <p:nvPicPr>
+          <p:cNvPr id="3" name="Picture 2">
+            <a:extLst>
+              <a:ext uri="{FF2B5EF4-FFF2-40B4-BE49-F238E27FC236}">
                 <a16:creationId xmlns:a16="http://schemas.microsoft.com/office/drawing/2014/main" id="{7C642770-CAC4-1590-36EB-4A98458D7BFA}"/>
               </a:ext>
             </a:extLst>
@@ -4460,7 +4623,7 @@
 </p:sld>
 </file>
 
-<file path=ppt/slides/slide16.xml><?xml version="1.0" encoding="utf-8"?>
+<file path=ppt/slides/slide17.xml><?xml version="1.0" encoding="utf-8"?>
 <p:sld xmlns:a="http://schemas.openxmlformats.org/drawingml/2006/main" xmlns:r="http://schemas.openxmlformats.org/officeDocument/2006/relationships" xmlns:p="http://schemas.openxmlformats.org/presentationml/2006/main">
   <p:cSld>
     <p:spTree>
@@ -4614,47 +4777,41 @@
           <a:chExt cx="0" cy="0"/>
         </a:xfrm>
       </p:grpSpPr>
-      <p:sp>
-        <p:nvSpPr>
-          <p:cNvPr id="2" name="TextBox 1">
-            <a:extLst>
-              <a:ext uri="{FF2B5EF4-FFF2-40B4-BE49-F238E27FC236}">
-                <a16:creationId xmlns:a16="http://schemas.microsoft.com/office/drawing/2014/main" id="{B4F91EB7-659B-4EA1-93A0-DC127E30B6B4}"/>
-              </a:ext>
-            </a:extLst>
-          </p:cNvPr>
-          <p:cNvSpPr txBox="1"/>
-          <p:nvPr/>
-        </p:nvSpPr>
-        <p:spPr>
-          <a:xfrm>
-            <a:off x="276045" y="396815"/>
-            <a:ext cx="5819955" cy="461665"/>
-          </a:xfrm>
-          <a:prstGeom prst="rect">
-            <a:avLst/>
-          </a:prstGeom>
-          <a:noFill/>
-        </p:spPr>
-        <p:txBody>
-          <a:bodyPr wrap="square" rtlCol="0">
-            <a:spAutoFit/>
-          </a:bodyPr>
-          <a:lstStyle/>
-          <a:p>
-            <a:r>
-              <a:rPr lang="en-CA" sz="2400" dirty="0"/>
-              <a:t>Colony 42 (Choice) Out-strength distributions</a:t>
-            </a:r>
-          </a:p>
-        </p:txBody>
-      </p:sp>
       <p:pic>
         <p:nvPicPr>
-          <p:cNvPr id="4" name="Picture 3">
-            <a:extLst>
-              <a:ext uri="{FF2B5EF4-FFF2-40B4-BE49-F238E27FC236}">
-                <a16:creationId xmlns:a16="http://schemas.microsoft.com/office/drawing/2014/main" id="{D4A40DBE-3894-453A-968D-F58B93BFA155}"/>
+          <p:cNvPr id="5" name="Picture 4">
+            <a:extLst>
+              <a:ext uri="{FF2B5EF4-FFF2-40B4-BE49-F238E27FC236}">
+                <a16:creationId xmlns:a16="http://schemas.microsoft.com/office/drawing/2014/main" id="{E62410F2-103E-3EAA-9DF3-0FBE9B26F4FE}"/>
+              </a:ext>
+            </a:extLst>
+          </p:cNvPr>
+          <p:cNvPicPr>
+            <a:picLocks noChangeAspect="1"/>
+          </p:cNvPicPr>
+          <p:nvPr/>
+        </p:nvPicPr>
+        <p:blipFill rotWithShape="1">
+          <a:blip r:embed="rId2"/>
+          <a:srcRect t="3868"/>
+          <a:stretch/>
+        </p:blipFill>
+        <p:spPr>
+          <a:xfrm>
+            <a:off x="164631" y="1428251"/>
+            <a:ext cx="4047266" cy="3785184"/>
+          </a:xfrm>
+          <a:prstGeom prst="rect">
+            <a:avLst/>
+          </a:prstGeom>
+        </p:spPr>
+      </p:pic>
+      <p:pic>
+        <p:nvPicPr>
+          <p:cNvPr id="7" name="Picture 6">
+            <a:extLst>
+              <a:ext uri="{FF2B5EF4-FFF2-40B4-BE49-F238E27FC236}">
+                <a16:creationId xmlns:a16="http://schemas.microsoft.com/office/drawing/2014/main" id="{0547CD50-9492-8141-D9CA-1684559294A0}"/>
               </a:ext>
             </a:extLst>
           </p:cNvPr>
@@ -4664,15 +4821,15 @@
           <p:nvPr/>
         </p:nvPicPr>
         <p:blipFill>
-          <a:blip r:embed="rId2"/>
+          <a:blip r:embed="rId3"/>
           <a:stretch>
             <a:fillRect/>
           </a:stretch>
         </p:blipFill>
         <p:spPr>
           <a:xfrm>
-            <a:off x="0" y="1924539"/>
-            <a:ext cx="4204247" cy="3008921"/>
+            <a:off x="4072367" y="1347743"/>
+            <a:ext cx="4047266" cy="4082006"/>
           </a:xfrm>
           <a:prstGeom prst="rect">
             <a:avLst/>
@@ -4681,39 +4838,10 @@
       </p:pic>
       <p:pic>
         <p:nvPicPr>
-          <p:cNvPr id="6" name="Picture 5">
-            <a:extLst>
-              <a:ext uri="{FF2B5EF4-FFF2-40B4-BE49-F238E27FC236}">
-                <a16:creationId xmlns:a16="http://schemas.microsoft.com/office/drawing/2014/main" id="{44A90EFA-C000-4482-AA4C-0B770AF9271F}"/>
-              </a:ext>
-            </a:extLst>
-          </p:cNvPr>
-          <p:cNvPicPr>
-            <a:picLocks noChangeAspect="1"/>
-          </p:cNvPicPr>
-          <p:nvPr/>
-        </p:nvPicPr>
-        <p:blipFill rotWithShape="1">
-          <a:blip r:embed="rId3"/>
-          <a:srcRect r="12597"/>
-          <a:stretch/>
-        </p:blipFill>
-        <p:spPr>
-          <a:xfrm>
-            <a:off x="4082351" y="1794150"/>
-            <a:ext cx="3692934" cy="3310841"/>
-          </a:xfrm>
-          <a:prstGeom prst="rect">
-            <a:avLst/>
-          </a:prstGeom>
-        </p:spPr>
-      </p:pic>
-      <p:pic>
-        <p:nvPicPr>
-          <p:cNvPr id="8" name="Picture 7">
-            <a:extLst>
-              <a:ext uri="{FF2B5EF4-FFF2-40B4-BE49-F238E27FC236}">
-                <a16:creationId xmlns:a16="http://schemas.microsoft.com/office/drawing/2014/main" id="{47A745C0-3E3E-44CC-8764-216C20B9FB2E}"/>
+          <p:cNvPr id="11" name="Picture 10">
+            <a:extLst>
+              <a:ext uri="{FF2B5EF4-FFF2-40B4-BE49-F238E27FC236}">
+                <a16:creationId xmlns:a16="http://schemas.microsoft.com/office/drawing/2014/main" id="{5773FE4E-9BC7-4F64-6C2B-478BC57DE8B8}"/>
               </a:ext>
             </a:extLst>
           </p:cNvPr>
@@ -4730,18 +4858,60 @@
         </p:blipFill>
         <p:spPr>
           <a:xfrm>
-            <a:off x="7852921" y="1834145"/>
-            <a:ext cx="4204247" cy="3230850"/>
+            <a:off x="8371306" y="1674184"/>
+            <a:ext cx="3481388" cy="3539251"/>
           </a:xfrm>
           <a:prstGeom prst="rect">
             <a:avLst/>
           </a:prstGeom>
         </p:spPr>
       </p:pic>
+      <p:sp>
+        <p:nvSpPr>
+          <p:cNvPr id="12" name="TextBox 11">
+            <a:extLst>
+              <a:ext uri="{FF2B5EF4-FFF2-40B4-BE49-F238E27FC236}">
+                <a16:creationId xmlns:a16="http://schemas.microsoft.com/office/drawing/2014/main" id="{BF903655-3F84-23F7-37F9-F4C1199ACAAA}"/>
+              </a:ext>
+            </a:extLst>
+          </p:cNvPr>
+          <p:cNvSpPr txBox="1"/>
+          <p:nvPr/>
+        </p:nvSpPr>
+        <p:spPr>
+          <a:xfrm>
+            <a:off x="276045" y="396815"/>
+            <a:ext cx="5819955" cy="830997"/>
+          </a:xfrm>
+          <a:prstGeom prst="rect">
+            <a:avLst/>
+          </a:prstGeom>
+          <a:noFill/>
+        </p:spPr>
+        <p:txBody>
+          <a:bodyPr wrap="square" rtlCol="0">
+            <a:spAutoFit/>
+          </a:bodyPr>
+          <a:lstStyle/>
+          <a:p>
+            <a:r>
+              <a:rPr lang="en-CA" sz="2400" dirty="0"/>
+              <a:t>Colony 42 (Choice) </a:t>
+            </a:r>
+            <a:br>
+              <a:rPr lang="en-CA" sz="2400" dirty="0"/>
+            </a:br>
+            <a:r>
+              <a:rPr lang="en-CA" sz="2400" dirty="0"/>
+              <a:t>Node size and edge width = out-strength</a:t>
+            </a:r>
+          </a:p>
+        </p:txBody>
+      </p:sp>
     </p:spTree>
     <p:extLst>
       <p:ext uri="{BB962C8B-B14F-4D97-AF65-F5344CB8AC3E}">
-        <p14:creationId xmlns:p14="http://schemas.microsoft.com/office/powerpoint/2010/main" val="2526662059"/>
+        <p14:creationId xmlns:p14="http://schemas.microsoft.com/office/powerpoint/2010/main" val="3017436826"/>
       </p:ext>
     </p:extLst>
   </p:cSld>
@@ -4768,12 +4938,77 @@
           <a:chExt cx="0" cy="0"/>
         </a:xfrm>
       </p:grpSpPr>
+      <p:sp>
+        <p:nvSpPr>
+          <p:cNvPr id="2" name="TextBox 1">
+            <a:extLst>
+              <a:ext uri="{FF2B5EF4-FFF2-40B4-BE49-F238E27FC236}">
+                <a16:creationId xmlns:a16="http://schemas.microsoft.com/office/drawing/2014/main" id="{B4F91EB7-659B-4EA1-93A0-DC127E30B6B4}"/>
+              </a:ext>
+            </a:extLst>
+          </p:cNvPr>
+          <p:cNvSpPr txBox="1"/>
+          <p:nvPr/>
+        </p:nvSpPr>
+        <p:spPr>
+          <a:xfrm>
+            <a:off x="276045" y="396815"/>
+            <a:ext cx="5819955" cy="461665"/>
+          </a:xfrm>
+          <a:prstGeom prst="rect">
+            <a:avLst/>
+          </a:prstGeom>
+          <a:noFill/>
+        </p:spPr>
+        <p:txBody>
+          <a:bodyPr wrap="square" rtlCol="0">
+            <a:spAutoFit/>
+          </a:bodyPr>
+          <a:lstStyle/>
+          <a:p>
+            <a:r>
+              <a:rPr lang="en-CA" sz="2400" dirty="0"/>
+              <a:t>Colony 42 (Choice) Out-strength distributions</a:t>
+            </a:r>
+          </a:p>
+        </p:txBody>
+      </p:sp>
       <p:pic>
         <p:nvPicPr>
-          <p:cNvPr id="13" name="Picture 12">
-            <a:extLst>
-              <a:ext uri="{FF2B5EF4-FFF2-40B4-BE49-F238E27FC236}">
-                <a16:creationId xmlns:a16="http://schemas.microsoft.com/office/drawing/2014/main" id="{41450CB3-946B-495B-B169-D271D7AF2BD5}"/>
+          <p:cNvPr id="4" name="Picture 3">
+            <a:extLst>
+              <a:ext uri="{FF2B5EF4-FFF2-40B4-BE49-F238E27FC236}">
+                <a16:creationId xmlns:a16="http://schemas.microsoft.com/office/drawing/2014/main" id="{D4A40DBE-3894-453A-968D-F58B93BFA155}"/>
+              </a:ext>
+            </a:extLst>
+          </p:cNvPr>
+          <p:cNvPicPr>
+            <a:picLocks noChangeAspect="1"/>
+          </p:cNvPicPr>
+          <p:nvPr/>
+        </p:nvPicPr>
+        <p:blipFill>
+          <a:blip r:embed="rId2"/>
+          <a:stretch>
+            <a:fillRect/>
+          </a:stretch>
+        </p:blipFill>
+        <p:spPr>
+          <a:xfrm>
+            <a:off x="0" y="1924539"/>
+            <a:ext cx="4204247" cy="3008921"/>
+          </a:xfrm>
+          <a:prstGeom prst="rect">
+            <a:avLst/>
+          </a:prstGeom>
+        </p:spPr>
+      </p:pic>
+      <p:pic>
+        <p:nvPicPr>
+          <p:cNvPr id="6" name="Picture 5">
+            <a:extLst>
+              <a:ext uri="{FF2B5EF4-FFF2-40B4-BE49-F238E27FC236}">
+                <a16:creationId xmlns:a16="http://schemas.microsoft.com/office/drawing/2014/main" id="{44A90EFA-C000-4482-AA4C-0B770AF9271F}"/>
               </a:ext>
             </a:extLst>
           </p:cNvPr>
@@ -4783,14 +5018,14 @@
           <p:nvPr/>
         </p:nvPicPr>
         <p:blipFill rotWithShape="1">
-          <a:blip r:embed="rId2"/>
-          <a:srcRect t="-1" b="205"/>
+          <a:blip r:embed="rId3"/>
+          <a:srcRect r="12597"/>
           <a:stretch/>
         </p:blipFill>
         <p:spPr>
           <a:xfrm>
-            <a:off x="8023041" y="1292364"/>
-            <a:ext cx="3958091" cy="3967613"/>
+            <a:off x="4082351" y="1794150"/>
+            <a:ext cx="3692934" cy="3310841"/>
           </a:xfrm>
           <a:prstGeom prst="rect">
             <a:avLst/>
@@ -4799,40 +5034,10 @@
       </p:pic>
       <p:pic>
         <p:nvPicPr>
-          <p:cNvPr id="15" name="Picture 14">
-            <a:extLst>
-              <a:ext uri="{FF2B5EF4-FFF2-40B4-BE49-F238E27FC236}">
-                <a16:creationId xmlns:a16="http://schemas.microsoft.com/office/drawing/2014/main" id="{FADEA677-9A5A-4561-95D5-50822D578C27}"/>
-              </a:ext>
-            </a:extLst>
-          </p:cNvPr>
-          <p:cNvPicPr>
-            <a:picLocks noChangeAspect="1"/>
-          </p:cNvPicPr>
-          <p:nvPr/>
-        </p:nvPicPr>
-        <p:blipFill>
-          <a:blip r:embed="rId3"/>
-          <a:stretch>
-            <a:fillRect/>
-          </a:stretch>
-        </p:blipFill>
-        <p:spPr>
-          <a:xfrm>
-            <a:off x="4038329" y="1292364"/>
-            <a:ext cx="3976003" cy="3966947"/>
-          </a:xfrm>
-          <a:prstGeom prst="rect">
-            <a:avLst/>
-          </a:prstGeom>
-        </p:spPr>
-      </p:pic>
-      <p:pic>
-        <p:nvPicPr>
-          <p:cNvPr id="17" name="Picture 16">
-            <a:extLst>
-              <a:ext uri="{FF2B5EF4-FFF2-40B4-BE49-F238E27FC236}">
-                <a16:creationId xmlns:a16="http://schemas.microsoft.com/office/drawing/2014/main" id="{1F34889E-F23D-4D4C-AA15-496D7985B624}"/>
+          <p:cNvPr id="8" name="Picture 7">
+            <a:extLst>
+              <a:ext uri="{FF2B5EF4-FFF2-40B4-BE49-F238E27FC236}">
+                <a16:creationId xmlns:a16="http://schemas.microsoft.com/office/drawing/2014/main" id="{47A745C0-3E3E-44CC-8764-216C20B9FB2E}"/>
               </a:ext>
             </a:extLst>
           </p:cNvPr>
@@ -4849,60 +5054,18 @@
         </p:blipFill>
         <p:spPr>
           <a:xfrm>
-            <a:off x="97720" y="1292364"/>
-            <a:ext cx="3958091" cy="3966947"/>
+            <a:off x="7852921" y="1834145"/>
+            <a:ext cx="4204247" cy="3230850"/>
           </a:xfrm>
           <a:prstGeom prst="rect">
             <a:avLst/>
           </a:prstGeom>
         </p:spPr>
       </p:pic>
-      <p:sp>
-        <p:nvSpPr>
-          <p:cNvPr id="18" name="TextBox 17">
-            <a:extLst>
-              <a:ext uri="{FF2B5EF4-FFF2-40B4-BE49-F238E27FC236}">
-                <a16:creationId xmlns:a16="http://schemas.microsoft.com/office/drawing/2014/main" id="{224D3460-8BC3-4EA4-A1C2-85A0C3526B2E}"/>
-              </a:ext>
-            </a:extLst>
-          </p:cNvPr>
-          <p:cNvSpPr txBox="1"/>
-          <p:nvPr/>
-        </p:nvSpPr>
-        <p:spPr>
-          <a:xfrm>
-            <a:off x="97720" y="257478"/>
-            <a:ext cx="5819955" cy="830997"/>
-          </a:xfrm>
-          <a:prstGeom prst="rect">
-            <a:avLst/>
-          </a:prstGeom>
-          <a:noFill/>
-        </p:spPr>
-        <p:txBody>
-          <a:bodyPr wrap="square" rtlCol="0">
-            <a:spAutoFit/>
-          </a:bodyPr>
-          <a:lstStyle/>
-          <a:p>
-            <a:r>
-              <a:rPr lang="en-CA" sz="2400" dirty="0"/>
-              <a:t>Colony 55 (Choice) </a:t>
-            </a:r>
-            <a:br>
-              <a:rPr lang="en-CA" sz="2400" dirty="0"/>
-            </a:br>
-            <a:r>
-              <a:rPr lang="en-CA" sz="2400" dirty="0"/>
-              <a:t>Node size and edge width = out-strength</a:t>
-            </a:r>
-          </a:p>
-        </p:txBody>
-      </p:sp>
     </p:spTree>
     <p:extLst>
       <p:ext uri="{BB962C8B-B14F-4D97-AF65-F5344CB8AC3E}">
-        <p14:creationId xmlns:p14="http://schemas.microsoft.com/office/powerpoint/2010/main" val="1962464281"/>
+        <p14:creationId xmlns:p14="http://schemas.microsoft.com/office/powerpoint/2010/main" val="2526662059"/>
       </p:ext>
     </p:extLst>
   </p:cSld>
@@ -4929,47 +5092,41 @@
           <a:chExt cx="0" cy="0"/>
         </a:xfrm>
       </p:grpSpPr>
-      <p:sp>
-        <p:nvSpPr>
-          <p:cNvPr id="2" name="TextBox 1">
-            <a:extLst>
-              <a:ext uri="{FF2B5EF4-FFF2-40B4-BE49-F238E27FC236}">
-                <a16:creationId xmlns:a16="http://schemas.microsoft.com/office/drawing/2014/main" id="{B60215E8-44CC-4515-BE41-43049CA361D7}"/>
-              </a:ext>
-            </a:extLst>
-          </p:cNvPr>
-          <p:cNvSpPr txBox="1"/>
-          <p:nvPr/>
-        </p:nvSpPr>
-        <p:spPr>
-          <a:xfrm>
-            <a:off x="276045" y="396815"/>
-            <a:ext cx="5819955" cy="461665"/>
-          </a:xfrm>
-          <a:prstGeom prst="rect">
-            <a:avLst/>
-          </a:prstGeom>
-          <a:noFill/>
-        </p:spPr>
-        <p:txBody>
-          <a:bodyPr wrap="square" rtlCol="0">
-            <a:spAutoFit/>
-          </a:bodyPr>
-          <a:lstStyle/>
-          <a:p>
-            <a:r>
-              <a:rPr lang="en-CA" sz="2400" dirty="0"/>
-              <a:t>Colony 55 (Choice) Out-strength distributions</a:t>
-            </a:r>
-          </a:p>
-        </p:txBody>
-      </p:sp>
       <p:pic>
         <p:nvPicPr>
-          <p:cNvPr id="4" name="Picture 3">
-            <a:extLst>
-              <a:ext uri="{FF2B5EF4-FFF2-40B4-BE49-F238E27FC236}">
-                <a16:creationId xmlns:a16="http://schemas.microsoft.com/office/drawing/2014/main" id="{E2BF022B-CBCC-4D21-8767-00BB0C738BBE}"/>
+          <p:cNvPr id="13" name="Picture 12">
+            <a:extLst>
+              <a:ext uri="{FF2B5EF4-FFF2-40B4-BE49-F238E27FC236}">
+                <a16:creationId xmlns:a16="http://schemas.microsoft.com/office/drawing/2014/main" id="{41450CB3-946B-495B-B169-D271D7AF2BD5}"/>
+              </a:ext>
+            </a:extLst>
+          </p:cNvPr>
+          <p:cNvPicPr>
+            <a:picLocks noChangeAspect="1"/>
+          </p:cNvPicPr>
+          <p:nvPr/>
+        </p:nvPicPr>
+        <p:blipFill rotWithShape="1">
+          <a:blip r:embed="rId2"/>
+          <a:srcRect t="-1" b="205"/>
+          <a:stretch/>
+        </p:blipFill>
+        <p:spPr>
+          <a:xfrm>
+            <a:off x="8023041" y="1292364"/>
+            <a:ext cx="3958091" cy="3967613"/>
+          </a:xfrm>
+          <a:prstGeom prst="rect">
+            <a:avLst/>
+          </a:prstGeom>
+        </p:spPr>
+      </p:pic>
+      <p:pic>
+        <p:nvPicPr>
+          <p:cNvPr id="15" name="Picture 14">
+            <a:extLst>
+              <a:ext uri="{FF2B5EF4-FFF2-40B4-BE49-F238E27FC236}">
+                <a16:creationId xmlns:a16="http://schemas.microsoft.com/office/drawing/2014/main" id="{FADEA677-9A5A-4561-95D5-50822D578C27}"/>
               </a:ext>
             </a:extLst>
           </p:cNvPr>
@@ -4979,15 +5136,15 @@
           <p:nvPr/>
         </p:nvPicPr>
         <p:blipFill>
-          <a:blip r:embed="rId2"/>
+          <a:blip r:embed="rId3"/>
           <a:stretch>
             <a:fillRect/>
           </a:stretch>
         </p:blipFill>
         <p:spPr>
           <a:xfrm>
-            <a:off x="101048" y="1613644"/>
-            <a:ext cx="4030616" cy="3585374"/>
+            <a:off x="4038329" y="1292364"/>
+            <a:ext cx="3976003" cy="3966947"/>
           </a:xfrm>
           <a:prstGeom prst="rect">
             <a:avLst/>
@@ -4996,39 +5153,10 @@
       </p:pic>
       <p:pic>
         <p:nvPicPr>
-          <p:cNvPr id="6" name="Picture 5">
-            <a:extLst>
-              <a:ext uri="{FF2B5EF4-FFF2-40B4-BE49-F238E27FC236}">
-                <a16:creationId xmlns:a16="http://schemas.microsoft.com/office/drawing/2014/main" id="{E5C201F8-3862-48AA-B3BB-FA320904B71F}"/>
-              </a:ext>
-            </a:extLst>
-          </p:cNvPr>
-          <p:cNvPicPr>
-            <a:picLocks noChangeAspect="1"/>
-          </p:cNvPicPr>
-          <p:nvPr/>
-        </p:nvPicPr>
-        <p:blipFill rotWithShape="1">
-          <a:blip r:embed="rId3"/>
-          <a:srcRect l="7007"/>
-          <a:stretch/>
-        </p:blipFill>
-        <p:spPr>
-          <a:xfrm>
-            <a:off x="4130361" y="1547497"/>
-            <a:ext cx="3885460" cy="3693334"/>
-          </a:xfrm>
-          <a:prstGeom prst="rect">
-            <a:avLst/>
-          </a:prstGeom>
-        </p:spPr>
-      </p:pic>
-      <p:pic>
-        <p:nvPicPr>
-          <p:cNvPr id="8" name="Picture 7">
-            <a:extLst>
-              <a:ext uri="{FF2B5EF4-FFF2-40B4-BE49-F238E27FC236}">
-                <a16:creationId xmlns:a16="http://schemas.microsoft.com/office/drawing/2014/main" id="{2E6B849C-23B7-45B1-AEED-D08DF9604A1F}"/>
+          <p:cNvPr id="17" name="Picture 16">
+            <a:extLst>
+              <a:ext uri="{FF2B5EF4-FFF2-40B4-BE49-F238E27FC236}">
+                <a16:creationId xmlns:a16="http://schemas.microsoft.com/office/drawing/2014/main" id="{1F34889E-F23D-4D4C-AA15-496D7985B624}"/>
               </a:ext>
             </a:extLst>
           </p:cNvPr>
@@ -5045,18 +5173,60 @@
         </p:blipFill>
         <p:spPr>
           <a:xfrm>
-            <a:off x="8043824" y="1638039"/>
-            <a:ext cx="4001310" cy="3585374"/>
+            <a:off x="97720" y="1292364"/>
+            <a:ext cx="3958091" cy="3966947"/>
           </a:xfrm>
           <a:prstGeom prst="rect">
             <a:avLst/>
           </a:prstGeom>
         </p:spPr>
       </p:pic>
+      <p:sp>
+        <p:nvSpPr>
+          <p:cNvPr id="18" name="TextBox 17">
+            <a:extLst>
+              <a:ext uri="{FF2B5EF4-FFF2-40B4-BE49-F238E27FC236}">
+                <a16:creationId xmlns:a16="http://schemas.microsoft.com/office/drawing/2014/main" id="{224D3460-8BC3-4EA4-A1C2-85A0C3526B2E}"/>
+              </a:ext>
+            </a:extLst>
+          </p:cNvPr>
+          <p:cNvSpPr txBox="1"/>
+          <p:nvPr/>
+        </p:nvSpPr>
+        <p:spPr>
+          <a:xfrm>
+            <a:off x="97720" y="257478"/>
+            <a:ext cx="5819955" cy="830997"/>
+          </a:xfrm>
+          <a:prstGeom prst="rect">
+            <a:avLst/>
+          </a:prstGeom>
+          <a:noFill/>
+        </p:spPr>
+        <p:txBody>
+          <a:bodyPr wrap="square" rtlCol="0">
+            <a:spAutoFit/>
+          </a:bodyPr>
+          <a:lstStyle/>
+          <a:p>
+            <a:r>
+              <a:rPr lang="en-CA" sz="2400" dirty="0"/>
+              <a:t>Colony 55 (Choice) </a:t>
+            </a:r>
+            <a:br>
+              <a:rPr lang="en-CA" sz="2400" dirty="0"/>
+            </a:br>
+            <a:r>
+              <a:rPr lang="en-CA" sz="2400" dirty="0"/>
+              <a:t>Node size and edge width = out-strength</a:t>
+            </a:r>
+          </a:p>
+        </p:txBody>
+      </p:sp>
     </p:spTree>
     <p:extLst>
       <p:ext uri="{BB962C8B-B14F-4D97-AF65-F5344CB8AC3E}">
-        <p14:creationId xmlns:p14="http://schemas.microsoft.com/office/powerpoint/2010/main" val="3826365856"/>
+        <p14:creationId xmlns:p14="http://schemas.microsoft.com/office/powerpoint/2010/main" val="1962464281"/>
       </p:ext>
     </p:extLst>
   </p:cSld>
@@ -5083,12 +5253,47 @@
           <a:chExt cx="0" cy="0"/>
         </a:xfrm>
       </p:grpSpPr>
+      <p:sp>
+        <p:nvSpPr>
+          <p:cNvPr id="2" name="TextBox 1">
+            <a:extLst>
+              <a:ext uri="{FF2B5EF4-FFF2-40B4-BE49-F238E27FC236}">
+                <a16:creationId xmlns:a16="http://schemas.microsoft.com/office/drawing/2014/main" id="{B60215E8-44CC-4515-BE41-43049CA361D7}"/>
+              </a:ext>
+            </a:extLst>
+          </p:cNvPr>
+          <p:cNvSpPr txBox="1"/>
+          <p:nvPr/>
+        </p:nvSpPr>
+        <p:spPr>
+          <a:xfrm>
+            <a:off x="276045" y="396815"/>
+            <a:ext cx="5819955" cy="461665"/>
+          </a:xfrm>
+          <a:prstGeom prst="rect">
+            <a:avLst/>
+          </a:prstGeom>
+          <a:noFill/>
+        </p:spPr>
+        <p:txBody>
+          <a:bodyPr wrap="square" rtlCol="0">
+            <a:spAutoFit/>
+          </a:bodyPr>
+          <a:lstStyle/>
+          <a:p>
+            <a:r>
+              <a:rPr lang="en-CA" sz="2400" dirty="0"/>
+              <a:t>Colony 55 (Choice) Out-strength distributions</a:t>
+            </a:r>
+          </a:p>
+        </p:txBody>
+      </p:sp>
       <p:pic>
         <p:nvPicPr>
-          <p:cNvPr id="13" name="Picture 12">
-            <a:extLst>
-              <a:ext uri="{FF2B5EF4-FFF2-40B4-BE49-F238E27FC236}">
-                <a16:creationId xmlns:a16="http://schemas.microsoft.com/office/drawing/2014/main" id="{96B42C38-7A84-424D-93A9-D795B13D9218}"/>
+          <p:cNvPr id="4" name="Picture 3">
+            <a:extLst>
+              <a:ext uri="{FF2B5EF4-FFF2-40B4-BE49-F238E27FC236}">
+                <a16:creationId xmlns:a16="http://schemas.microsoft.com/office/drawing/2014/main" id="{E2BF022B-CBCC-4D21-8767-00BB0C738BBE}"/>
               </a:ext>
             </a:extLst>
           </p:cNvPr>
@@ -5105,8 +5310,8 @@
         </p:blipFill>
         <p:spPr>
           <a:xfrm>
-            <a:off x="7774595" y="1795374"/>
-            <a:ext cx="3354767" cy="3267251"/>
+            <a:off x="101048" y="1613644"/>
+            <a:ext cx="4030616" cy="3585374"/>
           </a:xfrm>
           <a:prstGeom prst="rect">
             <a:avLst/>
@@ -5115,10 +5320,10 @@
       </p:pic>
       <p:pic>
         <p:nvPicPr>
-          <p:cNvPr id="15" name="Picture 14">
-            <a:extLst>
-              <a:ext uri="{FF2B5EF4-FFF2-40B4-BE49-F238E27FC236}">
-                <a16:creationId xmlns:a16="http://schemas.microsoft.com/office/drawing/2014/main" id="{55033C64-BF9A-4C0A-8603-EDE0D309A5B6}"/>
+          <p:cNvPr id="6" name="Picture 5">
+            <a:extLst>
+              <a:ext uri="{FF2B5EF4-FFF2-40B4-BE49-F238E27FC236}">
+                <a16:creationId xmlns:a16="http://schemas.microsoft.com/office/drawing/2014/main" id="{E5C201F8-3862-48AA-B3BB-FA320904B71F}"/>
               </a:ext>
             </a:extLst>
           </p:cNvPr>
@@ -5129,13 +5334,13 @@
         </p:nvPicPr>
         <p:blipFill rotWithShape="1">
           <a:blip r:embed="rId3"/>
-          <a:srcRect b="624"/>
+          <a:srcRect l="7007"/>
           <a:stretch/>
         </p:blipFill>
         <p:spPr>
           <a:xfrm>
-            <a:off x="921927" y="1795376"/>
-            <a:ext cx="3286584" cy="3246888"/>
+            <a:off x="4130361" y="1547497"/>
+            <a:ext cx="3885460" cy="3693334"/>
           </a:xfrm>
           <a:prstGeom prst="rect">
             <a:avLst/>
@@ -5144,10 +5349,10 @@
       </p:pic>
       <p:pic>
         <p:nvPicPr>
-          <p:cNvPr id="17" name="Picture 16">
-            <a:extLst>
-              <a:ext uri="{FF2B5EF4-FFF2-40B4-BE49-F238E27FC236}">
-                <a16:creationId xmlns:a16="http://schemas.microsoft.com/office/drawing/2014/main" id="{A00AC703-615A-42B3-B03C-042C34A5C63D}"/>
+          <p:cNvPr id="8" name="Picture 7">
+            <a:extLst>
+              <a:ext uri="{FF2B5EF4-FFF2-40B4-BE49-F238E27FC236}">
+                <a16:creationId xmlns:a16="http://schemas.microsoft.com/office/drawing/2014/main" id="{2E6B849C-23B7-45B1-AEED-D08DF9604A1F}"/>
               </a:ext>
             </a:extLst>
           </p:cNvPr>
@@ -5164,60 +5369,18 @@
         </p:blipFill>
         <p:spPr>
           <a:xfrm>
-            <a:off x="4208510" y="1795374"/>
-            <a:ext cx="3566085" cy="3267251"/>
+            <a:off x="8043824" y="1638039"/>
+            <a:ext cx="4001310" cy="3585374"/>
           </a:xfrm>
           <a:prstGeom prst="rect">
             <a:avLst/>
           </a:prstGeom>
         </p:spPr>
       </p:pic>
-      <p:sp>
-        <p:nvSpPr>
-          <p:cNvPr id="18" name="TextBox 17">
-            <a:extLst>
-              <a:ext uri="{FF2B5EF4-FFF2-40B4-BE49-F238E27FC236}">
-                <a16:creationId xmlns:a16="http://schemas.microsoft.com/office/drawing/2014/main" id="{16BC4561-7E9B-476E-A041-3D06E494B06D}"/>
-              </a:ext>
-            </a:extLst>
-          </p:cNvPr>
-          <p:cNvSpPr txBox="1"/>
-          <p:nvPr/>
-        </p:nvSpPr>
-        <p:spPr>
-          <a:xfrm>
-            <a:off x="97720" y="257478"/>
-            <a:ext cx="5819955" cy="830997"/>
-          </a:xfrm>
-          <a:prstGeom prst="rect">
-            <a:avLst/>
-          </a:prstGeom>
-          <a:noFill/>
-        </p:spPr>
-        <p:txBody>
-          <a:bodyPr wrap="square" rtlCol="0">
-            <a:spAutoFit/>
-          </a:bodyPr>
-          <a:lstStyle/>
-          <a:p>
-            <a:r>
-              <a:rPr lang="en-CA" sz="2400" dirty="0"/>
-              <a:t>Colony 41 (Choice) </a:t>
-            </a:r>
-            <a:br>
-              <a:rPr lang="en-CA" sz="2400" dirty="0"/>
-            </a:br>
-            <a:r>
-              <a:rPr lang="en-CA" sz="2400" dirty="0"/>
-              <a:t>Node size and edge width = out-strength</a:t>
-            </a:r>
-          </a:p>
-        </p:txBody>
-      </p:sp>
     </p:spTree>
     <p:extLst>
       <p:ext uri="{BB962C8B-B14F-4D97-AF65-F5344CB8AC3E}">
-        <p14:creationId xmlns:p14="http://schemas.microsoft.com/office/powerpoint/2010/main" val="894331755"/>
+        <p14:creationId xmlns:p14="http://schemas.microsoft.com/office/powerpoint/2010/main" val="3826365856"/>
       </p:ext>
     </p:extLst>
   </p:cSld>
@@ -5244,47 +5407,12 @@
           <a:chExt cx="0" cy="0"/>
         </a:xfrm>
       </p:grpSpPr>
-      <p:sp>
-        <p:nvSpPr>
-          <p:cNvPr id="2" name="TextBox 1">
-            <a:extLst>
-              <a:ext uri="{FF2B5EF4-FFF2-40B4-BE49-F238E27FC236}">
-                <a16:creationId xmlns:a16="http://schemas.microsoft.com/office/drawing/2014/main" id="{F10855BD-AFEE-438A-A05C-98E53CA0BCBB}"/>
-              </a:ext>
-            </a:extLst>
-          </p:cNvPr>
-          <p:cNvSpPr txBox="1"/>
-          <p:nvPr/>
-        </p:nvSpPr>
-        <p:spPr>
-          <a:xfrm>
-            <a:off x="276045" y="396815"/>
-            <a:ext cx="5819955" cy="461665"/>
-          </a:xfrm>
-          <a:prstGeom prst="rect">
-            <a:avLst/>
-          </a:prstGeom>
-          <a:noFill/>
-        </p:spPr>
-        <p:txBody>
-          <a:bodyPr wrap="square" rtlCol="0">
-            <a:spAutoFit/>
-          </a:bodyPr>
-          <a:lstStyle/>
-          <a:p>
-            <a:r>
-              <a:rPr lang="en-CA" sz="2400" dirty="0"/>
-              <a:t>Colony 41 (Choice) Out-strength distributions</a:t>
-            </a:r>
-          </a:p>
-        </p:txBody>
-      </p:sp>
       <p:pic>
         <p:nvPicPr>
-          <p:cNvPr id="4" name="Picture 3">
-            <a:extLst>
-              <a:ext uri="{FF2B5EF4-FFF2-40B4-BE49-F238E27FC236}">
-                <a16:creationId xmlns:a16="http://schemas.microsoft.com/office/drawing/2014/main" id="{E8E16093-F15D-4563-A540-CEB73CC5596D}"/>
+          <p:cNvPr id="13" name="Picture 12">
+            <a:extLst>
+              <a:ext uri="{FF2B5EF4-FFF2-40B4-BE49-F238E27FC236}">
+                <a16:creationId xmlns:a16="http://schemas.microsoft.com/office/drawing/2014/main" id="{96B42C38-7A84-424D-93A9-D795B13D9218}"/>
               </a:ext>
             </a:extLst>
           </p:cNvPr>
@@ -5301,8 +5429,8 @@
         </p:blipFill>
         <p:spPr>
           <a:xfrm>
-            <a:off x="432800" y="1740695"/>
-            <a:ext cx="4011055" cy="3658620"/>
+            <a:off x="7774595" y="1795374"/>
+            <a:ext cx="3354767" cy="3267251"/>
           </a:xfrm>
           <a:prstGeom prst="rect">
             <a:avLst/>
@@ -5311,10 +5439,10 @@
       </p:pic>
       <p:pic>
         <p:nvPicPr>
-          <p:cNvPr id="6" name="Picture 5">
-            <a:extLst>
-              <a:ext uri="{FF2B5EF4-FFF2-40B4-BE49-F238E27FC236}">
-                <a16:creationId xmlns:a16="http://schemas.microsoft.com/office/drawing/2014/main" id="{AF6D2442-4A95-4598-9D2F-696B42743964}"/>
+          <p:cNvPr id="15" name="Picture 14">
+            <a:extLst>
+              <a:ext uri="{FF2B5EF4-FFF2-40B4-BE49-F238E27FC236}">
+                <a16:creationId xmlns:a16="http://schemas.microsoft.com/office/drawing/2014/main" id="{55033C64-BF9A-4C0A-8603-EDE0D309A5B6}"/>
               </a:ext>
             </a:extLst>
           </p:cNvPr>
@@ -5323,16 +5451,15 @@
           </p:cNvPicPr>
           <p:nvPr/>
         </p:nvPicPr>
-        <p:blipFill>
+        <p:blipFill rotWithShape="1">
           <a:blip r:embed="rId3"/>
-          <a:stretch>
-            <a:fillRect/>
-          </a:stretch>
+          <a:srcRect b="624"/>
+          <a:stretch/>
         </p:blipFill>
         <p:spPr>
           <a:xfrm>
-            <a:off x="4471164" y="1448120"/>
-            <a:ext cx="3445303" cy="3951195"/>
+            <a:off x="921927" y="1795376"/>
+            <a:ext cx="3286584" cy="3246888"/>
           </a:xfrm>
           <a:prstGeom prst="rect">
             <a:avLst/>
@@ -5341,10 +5468,10 @@
       </p:pic>
       <p:pic>
         <p:nvPicPr>
-          <p:cNvPr id="8" name="Picture 7">
-            <a:extLst>
-              <a:ext uri="{FF2B5EF4-FFF2-40B4-BE49-F238E27FC236}">
-                <a16:creationId xmlns:a16="http://schemas.microsoft.com/office/drawing/2014/main" id="{975C0F9A-6D2C-4A4A-BD89-BBBCCEE4CC41}"/>
+          <p:cNvPr id="17" name="Picture 16">
+            <a:extLst>
+              <a:ext uri="{FF2B5EF4-FFF2-40B4-BE49-F238E27FC236}">
+                <a16:creationId xmlns:a16="http://schemas.microsoft.com/office/drawing/2014/main" id="{A00AC703-615A-42B3-B03C-042C34A5C63D}"/>
               </a:ext>
             </a:extLst>
           </p:cNvPr>
@@ -5361,18 +5488,60 @@
         </p:blipFill>
         <p:spPr>
           <a:xfrm>
-            <a:off x="8061657" y="1572780"/>
-            <a:ext cx="3520298" cy="3864387"/>
+            <a:off x="4208510" y="1795374"/>
+            <a:ext cx="3566085" cy="3267251"/>
           </a:xfrm>
           <a:prstGeom prst="rect">
             <a:avLst/>
           </a:prstGeom>
         </p:spPr>
       </p:pic>
+      <p:sp>
+        <p:nvSpPr>
+          <p:cNvPr id="18" name="TextBox 17">
+            <a:extLst>
+              <a:ext uri="{FF2B5EF4-FFF2-40B4-BE49-F238E27FC236}">
+                <a16:creationId xmlns:a16="http://schemas.microsoft.com/office/drawing/2014/main" id="{16BC4561-7E9B-476E-A041-3D06E494B06D}"/>
+              </a:ext>
+            </a:extLst>
+          </p:cNvPr>
+          <p:cNvSpPr txBox="1"/>
+          <p:nvPr/>
+        </p:nvSpPr>
+        <p:spPr>
+          <a:xfrm>
+            <a:off x="97720" y="257478"/>
+            <a:ext cx="5819955" cy="830997"/>
+          </a:xfrm>
+          <a:prstGeom prst="rect">
+            <a:avLst/>
+          </a:prstGeom>
+          <a:noFill/>
+        </p:spPr>
+        <p:txBody>
+          <a:bodyPr wrap="square" rtlCol="0">
+            <a:spAutoFit/>
+          </a:bodyPr>
+          <a:lstStyle/>
+          <a:p>
+            <a:r>
+              <a:rPr lang="en-CA" sz="2400" dirty="0"/>
+              <a:t>Colony 41 (Choice) </a:t>
+            </a:r>
+            <a:br>
+              <a:rPr lang="en-CA" sz="2400" dirty="0"/>
+            </a:br>
+            <a:r>
+              <a:rPr lang="en-CA" sz="2400" dirty="0"/>
+              <a:t>Node size and edge width = out-strength</a:t>
+            </a:r>
+          </a:p>
+        </p:txBody>
+      </p:sp>
     </p:spTree>
     <p:extLst>
       <p:ext uri="{BB962C8B-B14F-4D97-AF65-F5344CB8AC3E}">
-        <p14:creationId xmlns:p14="http://schemas.microsoft.com/office/powerpoint/2010/main" val="3726361480"/>
+        <p14:creationId xmlns:p14="http://schemas.microsoft.com/office/powerpoint/2010/main" val="894331755"/>
       </p:ext>
     </p:extLst>
   </p:cSld>
@@ -5399,12 +5568,47 @@
           <a:chExt cx="0" cy="0"/>
         </a:xfrm>
       </p:grpSpPr>
+      <p:sp>
+        <p:nvSpPr>
+          <p:cNvPr id="2" name="TextBox 1">
+            <a:extLst>
+              <a:ext uri="{FF2B5EF4-FFF2-40B4-BE49-F238E27FC236}">
+                <a16:creationId xmlns:a16="http://schemas.microsoft.com/office/drawing/2014/main" id="{F10855BD-AFEE-438A-A05C-98E53CA0BCBB}"/>
+              </a:ext>
+            </a:extLst>
+          </p:cNvPr>
+          <p:cNvSpPr txBox="1"/>
+          <p:nvPr/>
+        </p:nvSpPr>
+        <p:spPr>
+          <a:xfrm>
+            <a:off x="276045" y="396815"/>
+            <a:ext cx="5819955" cy="461665"/>
+          </a:xfrm>
+          <a:prstGeom prst="rect">
+            <a:avLst/>
+          </a:prstGeom>
+          <a:noFill/>
+        </p:spPr>
+        <p:txBody>
+          <a:bodyPr wrap="square" rtlCol="0">
+            <a:spAutoFit/>
+          </a:bodyPr>
+          <a:lstStyle/>
+          <a:p>
+            <a:r>
+              <a:rPr lang="en-CA" sz="2400" dirty="0"/>
+              <a:t>Colony 41 (Choice) Out-strength distributions</a:t>
+            </a:r>
+          </a:p>
+        </p:txBody>
+      </p:sp>
       <p:pic>
         <p:nvPicPr>
-          <p:cNvPr id="3" name="Picture 2">
-            <a:extLst>
-              <a:ext uri="{FF2B5EF4-FFF2-40B4-BE49-F238E27FC236}">
-                <a16:creationId xmlns:a16="http://schemas.microsoft.com/office/drawing/2014/main" id="{8EB5A6EB-5D11-4975-B469-D9C55D199FAA}"/>
+          <p:cNvPr id="4" name="Picture 3">
+            <a:extLst>
+              <a:ext uri="{FF2B5EF4-FFF2-40B4-BE49-F238E27FC236}">
+                <a16:creationId xmlns:a16="http://schemas.microsoft.com/office/drawing/2014/main" id="{E8E16093-F15D-4563-A540-CEB73CC5596D}"/>
               </a:ext>
             </a:extLst>
           </p:cNvPr>
@@ -5421,8 +5625,8 @@
         </p:blipFill>
         <p:spPr>
           <a:xfrm>
-            <a:off x="1161792" y="1844753"/>
-            <a:ext cx="3247949" cy="3233252"/>
+            <a:off x="432800" y="1740695"/>
+            <a:ext cx="4011055" cy="3658620"/>
           </a:xfrm>
           <a:prstGeom prst="rect">
             <a:avLst/>
@@ -5431,10 +5635,10 @@
       </p:pic>
       <p:pic>
         <p:nvPicPr>
-          <p:cNvPr id="5" name="Picture 4">
-            <a:extLst>
-              <a:ext uri="{FF2B5EF4-FFF2-40B4-BE49-F238E27FC236}">
-                <a16:creationId xmlns:a16="http://schemas.microsoft.com/office/drawing/2014/main" id="{1C6674CB-0805-427F-B2AE-84AEAEC3BE33}"/>
+          <p:cNvPr id="6" name="Picture 5">
+            <a:extLst>
+              <a:ext uri="{FF2B5EF4-FFF2-40B4-BE49-F238E27FC236}">
+                <a16:creationId xmlns:a16="http://schemas.microsoft.com/office/drawing/2014/main" id="{AF6D2442-4A95-4598-9D2F-696B42743964}"/>
               </a:ext>
             </a:extLst>
           </p:cNvPr>
@@ -5451,8 +5655,8 @@
         </p:blipFill>
         <p:spPr>
           <a:xfrm>
-            <a:off x="4515394" y="1844752"/>
-            <a:ext cx="3161212" cy="3168495"/>
+            <a:off x="4471164" y="1448120"/>
+            <a:ext cx="3445303" cy="3951195"/>
           </a:xfrm>
           <a:prstGeom prst="rect">
             <a:avLst/>
@@ -5461,10 +5665,10 @@
       </p:pic>
       <p:pic>
         <p:nvPicPr>
-          <p:cNvPr id="7" name="Picture 6">
-            <a:extLst>
-              <a:ext uri="{FF2B5EF4-FFF2-40B4-BE49-F238E27FC236}">
-                <a16:creationId xmlns:a16="http://schemas.microsoft.com/office/drawing/2014/main" id="{AEF3B082-E494-414C-89D4-7C65646EDAA8}"/>
+          <p:cNvPr id="8" name="Picture 7">
+            <a:extLst>
+              <a:ext uri="{FF2B5EF4-FFF2-40B4-BE49-F238E27FC236}">
+                <a16:creationId xmlns:a16="http://schemas.microsoft.com/office/drawing/2014/main" id="{975C0F9A-6D2C-4A4A-BD89-BBBCCEE4CC41}"/>
               </a:ext>
             </a:extLst>
           </p:cNvPr>
@@ -5481,60 +5685,18 @@
         </p:blipFill>
         <p:spPr>
           <a:xfrm>
-            <a:off x="7782259" y="1844752"/>
-            <a:ext cx="3204748" cy="3168495"/>
+            <a:off x="8061657" y="1572780"/>
+            <a:ext cx="3520298" cy="3864387"/>
           </a:xfrm>
           <a:prstGeom prst="rect">
             <a:avLst/>
           </a:prstGeom>
         </p:spPr>
       </p:pic>
-      <p:sp>
-        <p:nvSpPr>
-          <p:cNvPr id="8" name="TextBox 7">
-            <a:extLst>
-              <a:ext uri="{FF2B5EF4-FFF2-40B4-BE49-F238E27FC236}">
-                <a16:creationId xmlns:a16="http://schemas.microsoft.com/office/drawing/2014/main" id="{154644AB-A9E6-44F6-BDB0-D0C431C80D7E}"/>
-              </a:ext>
-            </a:extLst>
-          </p:cNvPr>
-          <p:cNvSpPr txBox="1"/>
-          <p:nvPr/>
-        </p:nvSpPr>
-        <p:spPr>
-          <a:xfrm>
-            <a:off x="97720" y="257478"/>
-            <a:ext cx="5819955" cy="830997"/>
-          </a:xfrm>
-          <a:prstGeom prst="rect">
-            <a:avLst/>
-          </a:prstGeom>
-          <a:noFill/>
-        </p:spPr>
-        <p:txBody>
-          <a:bodyPr wrap="square" rtlCol="0">
-            <a:spAutoFit/>
-          </a:bodyPr>
-          <a:lstStyle/>
-          <a:p>
-            <a:r>
-              <a:rPr lang="en-CA" sz="2400" dirty="0"/>
-              <a:t>Colony 53 (Choice) </a:t>
-            </a:r>
-            <a:br>
-              <a:rPr lang="en-CA" sz="2400" dirty="0"/>
-            </a:br>
-            <a:r>
-              <a:rPr lang="en-CA" sz="2400" dirty="0"/>
-              <a:t>Node size and edge width = out-strength</a:t>
-            </a:r>
-          </a:p>
-        </p:txBody>
-      </p:sp>
     </p:spTree>
     <p:extLst>
       <p:ext uri="{BB962C8B-B14F-4D97-AF65-F5344CB8AC3E}">
-        <p14:creationId xmlns:p14="http://schemas.microsoft.com/office/powerpoint/2010/main" val="1390489208"/>
+        <p14:creationId xmlns:p14="http://schemas.microsoft.com/office/powerpoint/2010/main" val="3726361480"/>
       </p:ext>
     </p:extLst>
   </p:cSld>
@@ -5561,47 +5723,12 @@
           <a:chExt cx="0" cy="0"/>
         </a:xfrm>
       </p:grpSpPr>
-      <p:sp>
-        <p:nvSpPr>
-          <p:cNvPr id="2" name="TextBox 1">
-            <a:extLst>
-              <a:ext uri="{FF2B5EF4-FFF2-40B4-BE49-F238E27FC236}">
-                <a16:creationId xmlns:a16="http://schemas.microsoft.com/office/drawing/2014/main" id="{15472C81-D789-4592-AEF6-7B747860E6F3}"/>
-              </a:ext>
-            </a:extLst>
-          </p:cNvPr>
-          <p:cNvSpPr txBox="1"/>
-          <p:nvPr/>
-        </p:nvSpPr>
-        <p:spPr>
-          <a:xfrm>
-            <a:off x="276045" y="396815"/>
-            <a:ext cx="5819955" cy="461665"/>
-          </a:xfrm>
-          <a:prstGeom prst="rect">
-            <a:avLst/>
-          </a:prstGeom>
-          <a:noFill/>
-        </p:spPr>
-        <p:txBody>
-          <a:bodyPr wrap="square" rtlCol="0">
-            <a:spAutoFit/>
-          </a:bodyPr>
-          <a:lstStyle/>
-          <a:p>
-            <a:r>
-              <a:rPr lang="en-CA" sz="2400" dirty="0"/>
-              <a:t>Colony 53 (Choice) Out-strength distributions</a:t>
-            </a:r>
-          </a:p>
-        </p:txBody>
-      </p:sp>
       <p:pic>
         <p:nvPicPr>
-          <p:cNvPr id="4" name="Picture 3">
-            <a:extLst>
-              <a:ext uri="{FF2B5EF4-FFF2-40B4-BE49-F238E27FC236}">
-                <a16:creationId xmlns:a16="http://schemas.microsoft.com/office/drawing/2014/main" id="{41B3C44E-EE41-49A6-9FEF-DC5F980D1515}"/>
+          <p:cNvPr id="3" name="Picture 2">
+            <a:extLst>
+              <a:ext uri="{FF2B5EF4-FFF2-40B4-BE49-F238E27FC236}">
+                <a16:creationId xmlns:a16="http://schemas.microsoft.com/office/drawing/2014/main" id="{8EB5A6EB-5D11-4975-B469-D9C55D199FAA}"/>
               </a:ext>
             </a:extLst>
           </p:cNvPr>
@@ -5610,15 +5737,16 @@
           </p:cNvPicPr>
           <p:nvPr/>
         </p:nvPicPr>
-        <p:blipFill rotWithShape="1">
+        <p:blipFill>
           <a:blip r:embed="rId2"/>
-          <a:srcRect r="27424"/>
-          <a:stretch/>
+          <a:stretch>
+            <a:fillRect/>
+          </a:stretch>
         </p:blipFill>
         <p:spPr>
           <a:xfrm>
-            <a:off x="543749" y="1688633"/>
-            <a:ext cx="3513680" cy="3510169"/>
+            <a:off x="1161792" y="1844753"/>
+            <a:ext cx="3247949" cy="3233252"/>
           </a:xfrm>
           <a:prstGeom prst="rect">
             <a:avLst/>
@@ -5627,10 +5755,10 @@
       </p:pic>
       <p:pic>
         <p:nvPicPr>
-          <p:cNvPr id="6" name="Picture 5">
-            <a:extLst>
-              <a:ext uri="{FF2B5EF4-FFF2-40B4-BE49-F238E27FC236}">
-                <a16:creationId xmlns:a16="http://schemas.microsoft.com/office/drawing/2014/main" id="{CC7F1287-1257-414F-8080-2CE52D1352E4}"/>
+          <p:cNvPr id="5" name="Picture 4">
+            <a:extLst>
+              <a:ext uri="{FF2B5EF4-FFF2-40B4-BE49-F238E27FC236}">
+                <a16:creationId xmlns:a16="http://schemas.microsoft.com/office/drawing/2014/main" id="{1C6674CB-0805-427F-B2AE-84AEAEC3BE33}"/>
               </a:ext>
             </a:extLst>
           </p:cNvPr>
@@ -5639,15 +5767,16 @@
           </p:cNvPicPr>
           <p:nvPr/>
         </p:nvPicPr>
-        <p:blipFill rotWithShape="1">
+        <p:blipFill>
           <a:blip r:embed="rId3"/>
-          <a:srcRect r="14791"/>
-          <a:stretch/>
+          <a:stretch>
+            <a:fillRect/>
+          </a:stretch>
         </p:blipFill>
         <p:spPr>
           <a:xfrm>
-            <a:off x="4314524" y="1595016"/>
-            <a:ext cx="3342685" cy="3667966"/>
+            <a:off x="4515394" y="1844752"/>
+            <a:ext cx="3161212" cy="3168495"/>
           </a:xfrm>
           <a:prstGeom prst="rect">
             <a:avLst/>
@@ -5656,10 +5785,10 @@
       </p:pic>
       <p:pic>
         <p:nvPicPr>
-          <p:cNvPr id="8" name="Picture 7">
-            <a:extLst>
-              <a:ext uri="{FF2B5EF4-FFF2-40B4-BE49-F238E27FC236}">
-                <a16:creationId xmlns:a16="http://schemas.microsoft.com/office/drawing/2014/main" id="{80EAB107-8CF6-4CB0-B26A-43725C29DA3B}"/>
+          <p:cNvPr id="7" name="Picture 6">
+            <a:extLst>
+              <a:ext uri="{FF2B5EF4-FFF2-40B4-BE49-F238E27FC236}">
+                <a16:creationId xmlns:a16="http://schemas.microsoft.com/office/drawing/2014/main" id="{AEF3B082-E494-414C-89D4-7C65646EDAA8}"/>
               </a:ext>
             </a:extLst>
           </p:cNvPr>
@@ -5676,18 +5805,60 @@
         </p:blipFill>
         <p:spPr>
           <a:xfrm>
-            <a:off x="7689112" y="1595016"/>
-            <a:ext cx="3537259" cy="3667966"/>
+            <a:off x="7782259" y="1844752"/>
+            <a:ext cx="3204748" cy="3168495"/>
           </a:xfrm>
           <a:prstGeom prst="rect">
             <a:avLst/>
           </a:prstGeom>
         </p:spPr>
       </p:pic>
+      <p:sp>
+        <p:nvSpPr>
+          <p:cNvPr id="8" name="TextBox 7">
+            <a:extLst>
+              <a:ext uri="{FF2B5EF4-FFF2-40B4-BE49-F238E27FC236}">
+                <a16:creationId xmlns:a16="http://schemas.microsoft.com/office/drawing/2014/main" id="{154644AB-A9E6-44F6-BDB0-D0C431C80D7E}"/>
+              </a:ext>
+            </a:extLst>
+          </p:cNvPr>
+          <p:cNvSpPr txBox="1"/>
+          <p:nvPr/>
+        </p:nvSpPr>
+        <p:spPr>
+          <a:xfrm>
+            <a:off x="97720" y="257478"/>
+            <a:ext cx="5819955" cy="830997"/>
+          </a:xfrm>
+          <a:prstGeom prst="rect">
+            <a:avLst/>
+          </a:prstGeom>
+          <a:noFill/>
+        </p:spPr>
+        <p:txBody>
+          <a:bodyPr wrap="square" rtlCol="0">
+            <a:spAutoFit/>
+          </a:bodyPr>
+          <a:lstStyle/>
+          <a:p>
+            <a:r>
+              <a:rPr lang="en-CA" sz="2400" dirty="0"/>
+              <a:t>Colony 53 (Choice) </a:t>
+            </a:r>
+            <a:br>
+              <a:rPr lang="en-CA" sz="2400" dirty="0"/>
+            </a:br>
+            <a:r>
+              <a:rPr lang="en-CA" sz="2400" dirty="0"/>
+              <a:t>Node size and edge width = out-strength</a:t>
+            </a:r>
+          </a:p>
+        </p:txBody>
+      </p:sp>
     </p:spTree>
     <p:extLst>
       <p:ext uri="{BB962C8B-B14F-4D97-AF65-F5344CB8AC3E}">
-        <p14:creationId xmlns:p14="http://schemas.microsoft.com/office/powerpoint/2010/main" val="2586672540"/>
+        <p14:creationId xmlns:p14="http://schemas.microsoft.com/office/powerpoint/2010/main" val="1390489208"/>
       </p:ext>
     </p:extLst>
   </p:cSld>
@@ -5714,12 +5885,47 @@
           <a:chExt cx="0" cy="0"/>
         </a:xfrm>
       </p:grpSpPr>
+      <p:sp>
+        <p:nvSpPr>
+          <p:cNvPr id="2" name="TextBox 1">
+            <a:extLst>
+              <a:ext uri="{FF2B5EF4-FFF2-40B4-BE49-F238E27FC236}">
+                <a16:creationId xmlns:a16="http://schemas.microsoft.com/office/drawing/2014/main" id="{15472C81-D789-4592-AEF6-7B747860E6F3}"/>
+              </a:ext>
+            </a:extLst>
+          </p:cNvPr>
+          <p:cNvSpPr txBox="1"/>
+          <p:nvPr/>
+        </p:nvSpPr>
+        <p:spPr>
+          <a:xfrm>
+            <a:off x="276045" y="396815"/>
+            <a:ext cx="5819955" cy="461665"/>
+          </a:xfrm>
+          <a:prstGeom prst="rect">
+            <a:avLst/>
+          </a:prstGeom>
+          <a:noFill/>
+        </p:spPr>
+        <p:txBody>
+          <a:bodyPr wrap="square" rtlCol="0">
+            <a:spAutoFit/>
+          </a:bodyPr>
+          <a:lstStyle/>
+          <a:p>
+            <a:r>
+              <a:rPr lang="en-CA" sz="2400" dirty="0"/>
+              <a:t>Colony 53 (Choice) Out-strength distributions</a:t>
+            </a:r>
+          </a:p>
+        </p:txBody>
+      </p:sp>
       <p:pic>
         <p:nvPicPr>
-          <p:cNvPr id="3" name="Picture 2">
-            <a:extLst>
-              <a:ext uri="{FF2B5EF4-FFF2-40B4-BE49-F238E27FC236}">
-                <a16:creationId xmlns:a16="http://schemas.microsoft.com/office/drawing/2014/main" id="{A0D58741-9B07-4E36-AC29-7B9A949B35CF}"/>
+          <p:cNvPr id="4" name="Picture 3">
+            <a:extLst>
+              <a:ext uri="{FF2B5EF4-FFF2-40B4-BE49-F238E27FC236}">
+                <a16:creationId xmlns:a16="http://schemas.microsoft.com/office/drawing/2014/main" id="{41B3C44E-EE41-49A6-9FEF-DC5F980D1515}"/>
               </a:ext>
             </a:extLst>
           </p:cNvPr>
@@ -5728,16 +5934,15 @@
           </p:cNvPicPr>
           <p:nvPr/>
         </p:nvPicPr>
-        <p:blipFill>
+        <p:blipFill rotWithShape="1">
           <a:blip r:embed="rId2"/>
-          <a:stretch>
-            <a:fillRect/>
-          </a:stretch>
+          <a:srcRect r="27424"/>
+          <a:stretch/>
         </p:blipFill>
         <p:spPr>
           <a:xfrm>
-            <a:off x="983901" y="1748850"/>
-            <a:ext cx="3277057" cy="3029373"/>
+            <a:off x="543749" y="1688633"/>
+            <a:ext cx="3513680" cy="3510169"/>
           </a:xfrm>
           <a:prstGeom prst="rect">
             <a:avLst/>
@@ -5746,10 +5951,10 @@
       </p:pic>
       <p:pic>
         <p:nvPicPr>
-          <p:cNvPr id="7" name="Picture 6">
-            <a:extLst>
-              <a:ext uri="{FF2B5EF4-FFF2-40B4-BE49-F238E27FC236}">
-                <a16:creationId xmlns:a16="http://schemas.microsoft.com/office/drawing/2014/main" id="{A9571C71-A87D-4C1C-9BCF-A3C8003CBB3A}"/>
+          <p:cNvPr id="6" name="Picture 5">
+            <a:extLst>
+              <a:ext uri="{FF2B5EF4-FFF2-40B4-BE49-F238E27FC236}">
+                <a16:creationId xmlns:a16="http://schemas.microsoft.com/office/drawing/2014/main" id="{CC7F1287-1257-414F-8080-2CE52D1352E4}"/>
               </a:ext>
             </a:extLst>
           </p:cNvPr>
@@ -5758,16 +5963,15 @@
           </p:cNvPicPr>
           <p:nvPr/>
         </p:nvPicPr>
-        <p:blipFill>
+        <p:blipFill rotWithShape="1">
           <a:blip r:embed="rId3"/>
-          <a:stretch>
-            <a:fillRect/>
-          </a:stretch>
+          <a:srcRect r="14791"/>
+          <a:stretch/>
         </p:blipFill>
         <p:spPr>
           <a:xfrm>
-            <a:off x="7810623" y="1748850"/>
-            <a:ext cx="3175808" cy="3029373"/>
+            <a:off x="4314524" y="1595016"/>
+            <a:ext cx="3342685" cy="3667966"/>
           </a:xfrm>
           <a:prstGeom prst="rect">
             <a:avLst/>
@@ -5776,10 +5980,10 @@
       </p:pic>
       <p:pic>
         <p:nvPicPr>
-          <p:cNvPr id="9" name="Picture 8">
-            <a:extLst>
-              <a:ext uri="{FF2B5EF4-FFF2-40B4-BE49-F238E27FC236}">
-                <a16:creationId xmlns:a16="http://schemas.microsoft.com/office/drawing/2014/main" id="{B0AAFE15-C099-47C1-A10E-82E5105D23F2}"/>
+          <p:cNvPr id="8" name="Picture 7">
+            <a:extLst>
+              <a:ext uri="{FF2B5EF4-FFF2-40B4-BE49-F238E27FC236}">
+                <a16:creationId xmlns:a16="http://schemas.microsoft.com/office/drawing/2014/main" id="{80EAB107-8CF6-4CB0-B26A-43725C29DA3B}"/>
               </a:ext>
             </a:extLst>
           </p:cNvPr>
@@ -5796,60 +6000,18 @@
         </p:blipFill>
         <p:spPr>
           <a:xfrm>
-            <a:off x="4363026" y="1748850"/>
-            <a:ext cx="3240722" cy="2990059"/>
+            <a:off x="7689112" y="1595016"/>
+            <a:ext cx="3537259" cy="3667966"/>
           </a:xfrm>
           <a:prstGeom prst="rect">
             <a:avLst/>
           </a:prstGeom>
         </p:spPr>
       </p:pic>
-      <p:sp>
-        <p:nvSpPr>
-          <p:cNvPr id="10" name="TextBox 9">
-            <a:extLst>
-              <a:ext uri="{FF2B5EF4-FFF2-40B4-BE49-F238E27FC236}">
-                <a16:creationId xmlns:a16="http://schemas.microsoft.com/office/drawing/2014/main" id="{B82E68FD-A873-46FB-9E59-C912140D82B5}"/>
-              </a:ext>
-            </a:extLst>
-          </p:cNvPr>
-          <p:cNvSpPr txBox="1"/>
-          <p:nvPr/>
-        </p:nvSpPr>
-        <p:spPr>
-          <a:xfrm>
-            <a:off x="97720" y="257478"/>
-            <a:ext cx="5819955" cy="830997"/>
-          </a:xfrm>
-          <a:prstGeom prst="rect">
-            <a:avLst/>
-          </a:prstGeom>
-          <a:noFill/>
-        </p:spPr>
-        <p:txBody>
-          <a:bodyPr wrap="square" rtlCol="0">
-            <a:spAutoFit/>
-          </a:bodyPr>
-          <a:lstStyle/>
-          <a:p>
-            <a:r>
-              <a:rPr lang="en-CA" sz="2400" dirty="0"/>
-              <a:t>Colony 60 (No-Choice) </a:t>
-            </a:r>
-            <a:br>
-              <a:rPr lang="en-CA" sz="2400" dirty="0"/>
-            </a:br>
-            <a:r>
-              <a:rPr lang="en-CA" sz="2400" dirty="0"/>
-              <a:t>Node size and edge width = out-strength</a:t>
-            </a:r>
-          </a:p>
-        </p:txBody>
-      </p:sp>
     </p:spTree>
     <p:extLst>
       <p:ext uri="{BB962C8B-B14F-4D97-AF65-F5344CB8AC3E}">
-        <p14:creationId xmlns:p14="http://schemas.microsoft.com/office/powerpoint/2010/main" val="3610900390"/>
+        <p14:creationId xmlns:p14="http://schemas.microsoft.com/office/powerpoint/2010/main" val="2586672540"/>
       </p:ext>
     </p:extLst>
   </p:cSld>

--- a/ant_sna_network_diagrams.pptx
+++ b/ant_sna_network_diagrams.pptx
@@ -5,23 +5,22 @@
     <p:sldMasterId id="2147483648" r:id="rId1"/>
   </p:sldMasterIdLst>
   <p:sldIdLst>
-    <p:sldId id="258" r:id="rId2"/>
-    <p:sldId id="277" r:id="rId3"/>
-    <p:sldId id="260" r:id="rId4"/>
-    <p:sldId id="261" r:id="rId5"/>
-    <p:sldId id="262" r:id="rId6"/>
-    <p:sldId id="263" r:id="rId7"/>
-    <p:sldId id="264" r:id="rId8"/>
-    <p:sldId id="265" r:id="rId9"/>
-    <p:sldId id="266" r:id="rId10"/>
-    <p:sldId id="267" r:id="rId11"/>
-    <p:sldId id="268" r:id="rId12"/>
-    <p:sldId id="271" r:id="rId13"/>
-    <p:sldId id="272" r:id="rId14"/>
-    <p:sldId id="273" r:id="rId15"/>
-    <p:sldId id="274" r:id="rId16"/>
-    <p:sldId id="275" r:id="rId17"/>
-    <p:sldId id="276" r:id="rId18"/>
+    <p:sldId id="279" r:id="rId2"/>
+    <p:sldId id="260" r:id="rId3"/>
+    <p:sldId id="278" r:id="rId4"/>
+    <p:sldId id="262" r:id="rId5"/>
+    <p:sldId id="280" r:id="rId6"/>
+    <p:sldId id="264" r:id="rId7"/>
+    <p:sldId id="281" r:id="rId8"/>
+    <p:sldId id="266" r:id="rId9"/>
+    <p:sldId id="282" r:id="rId10"/>
+    <p:sldId id="268" r:id="rId11"/>
+    <p:sldId id="271" r:id="rId12"/>
+    <p:sldId id="272" r:id="rId13"/>
+    <p:sldId id="273" r:id="rId14"/>
+    <p:sldId id="274" r:id="rId15"/>
+    <p:sldId id="275" r:id="rId16"/>
+    <p:sldId id="276" r:id="rId17"/>
   </p:sldIdLst>
   <p:sldSz cx="12192000" cy="6858000"/>
   <p:notesSz cx="6858000" cy="9144000"/>
@@ -277,7 +276,7 @@
           <a:p>
             <a:fld id="{860C609C-6F01-41DE-9C81-127E5EFAB8EE}" type="datetimeFigureOut">
               <a:rPr lang="en-CA" smtClean="0"/>
-              <a:t>2022-08-01</a:t>
+              <a:t>2022-08-13</a:t>
             </a:fld>
             <a:endParaRPr lang="en-CA"/>
           </a:p>
@@ -477,7 +476,7 @@
           <a:p>
             <a:fld id="{860C609C-6F01-41DE-9C81-127E5EFAB8EE}" type="datetimeFigureOut">
               <a:rPr lang="en-CA" smtClean="0"/>
-              <a:t>2022-08-01</a:t>
+              <a:t>2022-08-13</a:t>
             </a:fld>
             <a:endParaRPr lang="en-CA"/>
           </a:p>
@@ -687,7 +686,7 @@
           <a:p>
             <a:fld id="{860C609C-6F01-41DE-9C81-127E5EFAB8EE}" type="datetimeFigureOut">
               <a:rPr lang="en-CA" smtClean="0"/>
-              <a:t>2022-08-01</a:t>
+              <a:t>2022-08-13</a:t>
             </a:fld>
             <a:endParaRPr lang="en-CA"/>
           </a:p>
@@ -887,7 +886,7 @@
           <a:p>
             <a:fld id="{860C609C-6F01-41DE-9C81-127E5EFAB8EE}" type="datetimeFigureOut">
               <a:rPr lang="en-CA" smtClean="0"/>
-              <a:t>2022-08-01</a:t>
+              <a:t>2022-08-13</a:t>
             </a:fld>
             <a:endParaRPr lang="en-CA"/>
           </a:p>
@@ -1163,7 +1162,7 @@
           <a:p>
             <a:fld id="{860C609C-6F01-41DE-9C81-127E5EFAB8EE}" type="datetimeFigureOut">
               <a:rPr lang="en-CA" smtClean="0"/>
-              <a:t>2022-08-01</a:t>
+              <a:t>2022-08-13</a:t>
             </a:fld>
             <a:endParaRPr lang="en-CA"/>
           </a:p>
@@ -1431,7 +1430,7 @@
           <a:p>
             <a:fld id="{860C609C-6F01-41DE-9C81-127E5EFAB8EE}" type="datetimeFigureOut">
               <a:rPr lang="en-CA" smtClean="0"/>
-              <a:t>2022-08-01</a:t>
+              <a:t>2022-08-13</a:t>
             </a:fld>
             <a:endParaRPr lang="en-CA"/>
           </a:p>
@@ -1846,7 +1845,7 @@
           <a:p>
             <a:fld id="{860C609C-6F01-41DE-9C81-127E5EFAB8EE}" type="datetimeFigureOut">
               <a:rPr lang="en-CA" smtClean="0"/>
-              <a:t>2022-08-01</a:t>
+              <a:t>2022-08-13</a:t>
             </a:fld>
             <a:endParaRPr lang="en-CA"/>
           </a:p>
@@ -1988,7 +1987,7 @@
           <a:p>
             <a:fld id="{860C609C-6F01-41DE-9C81-127E5EFAB8EE}" type="datetimeFigureOut">
               <a:rPr lang="en-CA" smtClean="0"/>
-              <a:t>2022-08-01</a:t>
+              <a:t>2022-08-13</a:t>
             </a:fld>
             <a:endParaRPr lang="en-CA"/>
           </a:p>
@@ -2101,7 +2100,7 @@
           <a:p>
             <a:fld id="{860C609C-6F01-41DE-9C81-127E5EFAB8EE}" type="datetimeFigureOut">
               <a:rPr lang="en-CA" smtClean="0"/>
-              <a:t>2022-08-01</a:t>
+              <a:t>2022-08-13</a:t>
             </a:fld>
             <a:endParaRPr lang="en-CA"/>
           </a:p>
@@ -2414,7 +2413,7 @@
           <a:p>
             <a:fld id="{860C609C-6F01-41DE-9C81-127E5EFAB8EE}" type="datetimeFigureOut">
               <a:rPr lang="en-CA" smtClean="0"/>
-              <a:t>2022-08-01</a:t>
+              <a:t>2022-08-13</a:t>
             </a:fld>
             <a:endParaRPr lang="en-CA"/>
           </a:p>
@@ -2703,7 +2702,7 @@
           <a:p>
             <a:fld id="{860C609C-6F01-41DE-9C81-127E5EFAB8EE}" type="datetimeFigureOut">
               <a:rPr lang="en-CA" smtClean="0"/>
-              <a:t>2022-08-01</a:t>
+              <a:t>2022-08-13</a:t>
             </a:fld>
             <a:endParaRPr lang="en-CA"/>
           </a:p>
@@ -2946,7 +2945,7 @@
           <a:p>
             <a:fld id="{860C609C-6F01-41DE-9C81-127E5EFAB8EE}" type="datetimeFigureOut">
               <a:rPr lang="en-CA" smtClean="0"/>
-              <a:t>2022-08-01</a:t>
+              <a:t>2022-08-13</a:t>
             </a:fld>
             <a:endParaRPr lang="en-CA"/>
           </a:p>
@@ -3363,123 +3362,101 @@
           <a:chExt cx="0" cy="0"/>
         </a:xfrm>
       </p:grpSpPr>
-      <p:grpSp>
-        <p:nvGrpSpPr>
-          <p:cNvPr id="18" name="Group 17">
-            <a:extLst>
-              <a:ext uri="{FF2B5EF4-FFF2-40B4-BE49-F238E27FC236}">
-                <a16:creationId xmlns:a16="http://schemas.microsoft.com/office/drawing/2014/main" id="{15E070B7-4355-4044-A960-40B66AB874C2}"/>
-              </a:ext>
-            </a:extLst>
-          </p:cNvPr>
-          <p:cNvGrpSpPr/>
+      <p:pic>
+        <p:nvPicPr>
+          <p:cNvPr id="5" name="Picture 4">
+            <a:extLst>
+              <a:ext uri="{FF2B5EF4-FFF2-40B4-BE49-F238E27FC236}">
+                <a16:creationId xmlns:a16="http://schemas.microsoft.com/office/drawing/2014/main" id="{70CEB6A3-77A8-6D73-7FC5-0414E118673E}"/>
+              </a:ext>
+            </a:extLst>
+          </p:cNvPr>
+          <p:cNvPicPr>
+            <a:picLocks noChangeAspect="1"/>
+          </p:cNvPicPr>
           <p:nvPr/>
-        </p:nvGrpSpPr>
-        <p:grpSpPr>
+        </p:nvPicPr>
+        <p:blipFill>
+          <a:blip r:embed="rId2"/>
+          <a:stretch>
+            <a:fillRect/>
+          </a:stretch>
+        </p:blipFill>
+        <p:spPr>
           <a:xfrm>
-            <a:off x="437288" y="1464845"/>
-            <a:ext cx="11317423" cy="3669811"/>
-            <a:chOff x="470957" y="1499351"/>
-            <a:chExt cx="11317423" cy="3669811"/>
+            <a:off x="4010305" y="802767"/>
+            <a:ext cx="3927997" cy="3914476"/>
           </a:xfrm>
-        </p:grpSpPr>
-        <p:pic>
-          <p:nvPicPr>
-            <p:cNvPr id="13" name="Picture 12">
-              <a:extLst>
-                <a:ext uri="{FF2B5EF4-FFF2-40B4-BE49-F238E27FC236}">
-                  <a16:creationId xmlns:a16="http://schemas.microsoft.com/office/drawing/2014/main" id="{875404D3-4224-41BB-A4FA-B5C6F592D05F}"/>
-                </a:ext>
-              </a:extLst>
-            </p:cNvPr>
-            <p:cNvPicPr>
-              <a:picLocks noChangeAspect="1"/>
-            </p:cNvPicPr>
-            <p:nvPr/>
-          </p:nvPicPr>
-          <p:blipFill>
-            <a:blip r:embed="rId2"/>
-            <a:stretch>
-              <a:fillRect/>
-            </a:stretch>
-          </p:blipFill>
-          <p:spPr>
-            <a:xfrm>
-              <a:off x="7860393" y="1499352"/>
-              <a:ext cx="3927987" cy="3669810"/>
-            </a:xfrm>
-            <a:prstGeom prst="rect">
-              <a:avLst/>
-            </a:prstGeom>
-          </p:spPr>
-        </p:pic>
-        <p:pic>
-          <p:nvPicPr>
-            <p:cNvPr id="15" name="Picture 14">
-              <a:extLst>
-                <a:ext uri="{FF2B5EF4-FFF2-40B4-BE49-F238E27FC236}">
-                  <a16:creationId xmlns:a16="http://schemas.microsoft.com/office/drawing/2014/main" id="{6A658DDF-E95E-4641-A97C-F5EB1A136B25}"/>
-                </a:ext>
-              </a:extLst>
-            </p:cNvPr>
-            <p:cNvPicPr>
-              <a:picLocks noChangeAspect="1"/>
-            </p:cNvPicPr>
-            <p:nvPr/>
-          </p:nvPicPr>
-          <p:blipFill>
-            <a:blip r:embed="rId3"/>
-            <a:stretch>
-              <a:fillRect/>
-            </a:stretch>
-          </p:blipFill>
-          <p:spPr>
-            <a:xfrm>
-              <a:off x="4165675" y="1499351"/>
-              <a:ext cx="3711043" cy="3669810"/>
-            </a:xfrm>
-            <a:prstGeom prst="rect">
-              <a:avLst/>
-            </a:prstGeom>
-          </p:spPr>
-        </p:pic>
-        <p:pic>
-          <p:nvPicPr>
-            <p:cNvPr id="17" name="Picture 16">
-              <a:extLst>
-                <a:ext uri="{FF2B5EF4-FFF2-40B4-BE49-F238E27FC236}">
-                  <a16:creationId xmlns:a16="http://schemas.microsoft.com/office/drawing/2014/main" id="{09E47BE4-B803-468E-86A1-24DD34C19925}"/>
-                </a:ext>
-              </a:extLst>
-            </p:cNvPr>
-            <p:cNvPicPr>
-              <a:picLocks noChangeAspect="1"/>
-            </p:cNvPicPr>
-            <p:nvPr/>
-          </p:nvPicPr>
-          <p:blipFill>
-            <a:blip r:embed="rId4"/>
-            <a:stretch>
-              <a:fillRect/>
-            </a:stretch>
-          </p:blipFill>
-          <p:spPr>
-            <a:xfrm>
-              <a:off x="470957" y="1499351"/>
-              <a:ext cx="3694718" cy="3669810"/>
-            </a:xfrm>
-            <a:prstGeom prst="rect">
-              <a:avLst/>
-            </a:prstGeom>
-          </p:spPr>
-        </p:pic>
-      </p:grpSp>
+          <a:prstGeom prst="rect">
+            <a:avLst/>
+          </a:prstGeom>
+        </p:spPr>
+      </p:pic>
+      <p:pic>
+        <p:nvPicPr>
+          <p:cNvPr id="7" name="Picture 6">
+            <a:extLst>
+              <a:ext uri="{FF2B5EF4-FFF2-40B4-BE49-F238E27FC236}">
+                <a16:creationId xmlns:a16="http://schemas.microsoft.com/office/drawing/2014/main" id="{C27C6F3B-A784-DF58-F8AD-059C7108FDA0}"/>
+              </a:ext>
+            </a:extLst>
+          </p:cNvPr>
+          <p:cNvPicPr>
+            <a:picLocks noChangeAspect="1"/>
+          </p:cNvPicPr>
+          <p:nvPr/>
+        </p:nvPicPr>
+        <p:blipFill>
+          <a:blip r:embed="rId3"/>
+          <a:stretch>
+            <a:fillRect/>
+          </a:stretch>
+        </p:blipFill>
+        <p:spPr>
+          <a:xfrm>
+            <a:off x="52656" y="674136"/>
+            <a:ext cx="4002779" cy="4017229"/>
+          </a:xfrm>
+          <a:prstGeom prst="rect">
+            <a:avLst/>
+          </a:prstGeom>
+        </p:spPr>
+      </p:pic>
+      <p:pic>
+        <p:nvPicPr>
+          <p:cNvPr id="11" name="Picture 10">
+            <a:extLst>
+              <a:ext uri="{FF2B5EF4-FFF2-40B4-BE49-F238E27FC236}">
+                <a16:creationId xmlns:a16="http://schemas.microsoft.com/office/drawing/2014/main" id="{8B12A9AB-5259-00B5-A523-1CEBC07DF114}"/>
+              </a:ext>
+            </a:extLst>
+          </p:cNvPr>
+          <p:cNvPicPr>
+            <a:picLocks noChangeAspect="1"/>
+          </p:cNvPicPr>
+          <p:nvPr/>
+        </p:nvPicPr>
+        <p:blipFill rotWithShape="1">
+          <a:blip r:embed="rId4"/>
+          <a:srcRect l="1408"/>
+          <a:stretch/>
+        </p:blipFill>
+        <p:spPr>
+          <a:xfrm>
+            <a:off x="7938302" y="799441"/>
+            <a:ext cx="4067900" cy="3891924"/>
+          </a:xfrm>
+          <a:prstGeom prst="rect">
+            <a:avLst/>
+          </a:prstGeom>
+        </p:spPr>
+      </p:pic>
       <p:sp>
         <p:nvSpPr>
-          <p:cNvPr id="19" name="TextBox 18">
-            <a:extLst>
-              <a:ext uri="{FF2B5EF4-FFF2-40B4-BE49-F238E27FC236}">
-                <a16:creationId xmlns:a16="http://schemas.microsoft.com/office/drawing/2014/main" id="{FE3DB4CF-1F9D-493C-A299-9D4ABD7617F7}"/>
+          <p:cNvPr id="12" name="TextBox 11">
+            <a:extLst>
+              <a:ext uri="{FF2B5EF4-FFF2-40B4-BE49-F238E27FC236}">
+                <a16:creationId xmlns:a16="http://schemas.microsoft.com/office/drawing/2014/main" id="{CC714DFA-D239-FFF4-A0DD-CFAC88F7E44B}"/>
               </a:ext>
             </a:extLst>
           </p:cNvPr>
@@ -3488,8 +3465,8 @@
         </p:nvSpPr>
         <p:spPr>
           <a:xfrm>
-            <a:off x="276045" y="396815"/>
-            <a:ext cx="5819955" cy="830997"/>
+            <a:off x="154348" y="149754"/>
+            <a:ext cx="5819955" cy="461665"/>
           </a:xfrm>
           <a:prstGeom prst="rect">
             <a:avLst/>
@@ -3506,20 +3483,622 @@
               <a:rPr lang="en-CA" sz="2400" dirty="0"/>
               <a:t>Colony 42 (Choice) </a:t>
             </a:r>
-            <a:br>
-              <a:rPr lang="en-CA" sz="2400" dirty="0"/>
-            </a:br>
+          </a:p>
+        </p:txBody>
+      </p:sp>
+      <p:grpSp>
+        <p:nvGrpSpPr>
+          <p:cNvPr id="13" name="Group 12">
+            <a:extLst>
+              <a:ext uri="{FF2B5EF4-FFF2-40B4-BE49-F238E27FC236}">
+                <a16:creationId xmlns:a16="http://schemas.microsoft.com/office/drawing/2014/main" id="{826549F4-EE7B-86E1-996B-4F84AD475187}"/>
+              </a:ext>
+            </a:extLst>
+          </p:cNvPr>
+          <p:cNvGrpSpPr/>
+          <p:nvPr/>
+        </p:nvGrpSpPr>
+        <p:grpSpPr>
+          <a:xfrm>
+            <a:off x="5293712" y="5213675"/>
+            <a:ext cx="6599210" cy="697040"/>
+            <a:chOff x="3657598" y="5555443"/>
+            <a:chExt cx="6599210" cy="697040"/>
+          </a:xfrm>
+        </p:grpSpPr>
+        <p:cxnSp>
+          <p:nvCxnSpPr>
+            <p:cNvPr id="14" name="Straight Arrow Connector 13">
+              <a:extLst>
+                <a:ext uri="{FF2B5EF4-FFF2-40B4-BE49-F238E27FC236}">
+                  <a16:creationId xmlns:a16="http://schemas.microsoft.com/office/drawing/2014/main" id="{4F22AAD0-96B3-2B84-4AAF-D00765AB7CA9}"/>
+                </a:ext>
+              </a:extLst>
+            </p:cNvPr>
+            <p:cNvCxnSpPr/>
+            <p:nvPr/>
+          </p:nvCxnSpPr>
+          <p:spPr>
+            <a:xfrm flipH="1">
+              <a:off x="3657598" y="5755788"/>
+              <a:ext cx="646981" cy="0"/>
+            </a:xfrm>
+            <a:prstGeom prst="straightConnector1">
+              <a:avLst/>
+            </a:prstGeom>
+            <a:ln w="38100" cap="flat" cmpd="sng" algn="ctr">
+              <a:solidFill>
+                <a:schemeClr val="tx1"/>
+              </a:solidFill>
+              <a:prstDash val="dash"/>
+              <a:round/>
+              <a:headEnd type="none" w="med" len="med"/>
+              <a:tailEnd type="none" w="med" len="med"/>
+            </a:ln>
+          </p:spPr>
+          <p:style>
+            <a:lnRef idx="0">
+              <a:scrgbClr r="0" g="0" b="0"/>
+            </a:lnRef>
+            <a:fillRef idx="0">
+              <a:scrgbClr r="0" g="0" b="0"/>
+            </a:fillRef>
+            <a:effectRef idx="0">
+              <a:scrgbClr r="0" g="0" b="0"/>
+            </a:effectRef>
+            <a:fontRef idx="minor">
+              <a:schemeClr val="tx1"/>
+            </a:fontRef>
+          </p:style>
+        </p:cxnSp>
+        <p:cxnSp>
+          <p:nvCxnSpPr>
+            <p:cNvPr id="15" name="Straight Arrow Connector 14">
+              <a:extLst>
+                <a:ext uri="{FF2B5EF4-FFF2-40B4-BE49-F238E27FC236}">
+                  <a16:creationId xmlns:a16="http://schemas.microsoft.com/office/drawing/2014/main" id="{3BA2EF28-80DF-48C2-2FCD-4ED87C61584C}"/>
+                </a:ext>
+              </a:extLst>
+            </p:cNvPr>
+            <p:cNvCxnSpPr/>
+            <p:nvPr/>
+          </p:nvCxnSpPr>
+          <p:spPr>
+            <a:xfrm flipH="1">
+              <a:off x="3657598" y="6106596"/>
+              <a:ext cx="646981" cy="0"/>
+            </a:xfrm>
+            <a:prstGeom prst="straightConnector1">
+              <a:avLst/>
+            </a:prstGeom>
+            <a:ln w="28575">
+              <a:headEnd type="none" w="med" len="med"/>
+              <a:tailEnd type="none" w="med" len="med"/>
+            </a:ln>
+          </p:spPr>
+          <p:style>
+            <a:lnRef idx="1">
+              <a:schemeClr val="dk1"/>
+            </a:lnRef>
+            <a:fillRef idx="0">
+              <a:schemeClr val="dk1"/>
+            </a:fillRef>
+            <a:effectRef idx="0">
+              <a:schemeClr val="dk1"/>
+            </a:effectRef>
+            <a:fontRef idx="minor">
+              <a:schemeClr val="tx1"/>
+            </a:fontRef>
+          </p:style>
+        </p:cxnSp>
+        <p:sp>
+          <p:nvSpPr>
+            <p:cNvPr id="16" name="TextBox 15">
+              <a:extLst>
+                <a:ext uri="{FF2B5EF4-FFF2-40B4-BE49-F238E27FC236}">
+                  <a16:creationId xmlns:a16="http://schemas.microsoft.com/office/drawing/2014/main" id="{B426C484-BC93-1055-7E17-5F111516272D}"/>
+                </a:ext>
+              </a:extLst>
+            </p:cNvPr>
+            <p:cNvSpPr txBox="1"/>
+            <p:nvPr/>
+          </p:nvSpPr>
+          <p:spPr>
+            <a:xfrm>
+              <a:off x="4346256" y="5555443"/>
+              <a:ext cx="5910552" cy="369332"/>
+            </a:xfrm>
+            <a:prstGeom prst="rect">
+              <a:avLst/>
+            </a:prstGeom>
+            <a:noFill/>
+          </p:spPr>
+          <p:txBody>
+            <a:bodyPr wrap="square">
+              <a:spAutoFit/>
+            </a:bodyPr>
+            <a:lstStyle/>
+            <a:p>
+              <a:r>
+                <a:rPr lang="en-CA" dirty="0"/>
+                <a:t>Tandem run (blue = to dark nest, yellow = to light nest)</a:t>
+              </a:r>
+            </a:p>
+          </p:txBody>
+        </p:sp>
+        <p:sp>
+          <p:nvSpPr>
+            <p:cNvPr id="17" name="TextBox 16">
+              <a:extLst>
+                <a:ext uri="{FF2B5EF4-FFF2-40B4-BE49-F238E27FC236}">
+                  <a16:creationId xmlns:a16="http://schemas.microsoft.com/office/drawing/2014/main" id="{02930CE1-AF77-6751-165D-FFFDC30C2B08}"/>
+                </a:ext>
+              </a:extLst>
+            </p:cNvPr>
+            <p:cNvSpPr txBox="1"/>
+            <p:nvPr/>
+          </p:nvSpPr>
+          <p:spPr>
+            <a:xfrm>
+              <a:off x="4346256" y="5883151"/>
+              <a:ext cx="5617253" cy="369332"/>
+            </a:xfrm>
+            <a:prstGeom prst="rect">
+              <a:avLst/>
+            </a:prstGeom>
+            <a:noFill/>
+          </p:spPr>
+          <p:txBody>
+            <a:bodyPr wrap="square">
+              <a:spAutoFit/>
+            </a:bodyPr>
+            <a:lstStyle/>
+            <a:p>
+              <a:r>
+                <a:rPr lang="en-CA" dirty="0"/>
+                <a:t>Transport (blue = to dark nest, yellow = to light nest)</a:t>
+              </a:r>
+            </a:p>
+          </p:txBody>
+        </p:sp>
+      </p:grpSp>
+      <p:sp>
+        <p:nvSpPr>
+          <p:cNvPr id="18" name="TextBox 17">
+            <a:extLst>
+              <a:ext uri="{FF2B5EF4-FFF2-40B4-BE49-F238E27FC236}">
+                <a16:creationId xmlns:a16="http://schemas.microsoft.com/office/drawing/2014/main" id="{D6404821-9F63-BBF9-A1B2-8E90717A0C4B}"/>
+              </a:ext>
+            </a:extLst>
+          </p:cNvPr>
+          <p:cNvSpPr txBox="1"/>
+          <p:nvPr/>
+        </p:nvSpPr>
+        <p:spPr>
+          <a:xfrm>
+            <a:off x="120768" y="6319872"/>
+            <a:ext cx="4531743" cy="369332"/>
+          </a:xfrm>
+          <a:prstGeom prst="rect">
+            <a:avLst/>
+          </a:prstGeom>
+          <a:noFill/>
+        </p:spPr>
+        <p:txBody>
+          <a:bodyPr wrap="square">
+            <a:spAutoFit/>
+          </a:bodyPr>
+          <a:lstStyle/>
+          <a:p>
             <a:r>
-              <a:rPr lang="en-CA" sz="2400" dirty="0"/>
+              <a:rPr lang="en-CA" dirty="0"/>
               <a:t>Node size and edge width = out-strength</a:t>
             </a:r>
           </a:p>
         </p:txBody>
       </p:sp>
+      <p:grpSp>
+        <p:nvGrpSpPr>
+          <p:cNvPr id="19" name="Group 18">
+            <a:extLst>
+              <a:ext uri="{FF2B5EF4-FFF2-40B4-BE49-F238E27FC236}">
+                <a16:creationId xmlns:a16="http://schemas.microsoft.com/office/drawing/2014/main" id="{221302AD-A46E-C375-7875-12A80E0B4A5C}"/>
+              </a:ext>
+            </a:extLst>
+          </p:cNvPr>
+          <p:cNvGrpSpPr/>
+          <p:nvPr/>
+        </p:nvGrpSpPr>
+        <p:grpSpPr>
+          <a:xfrm>
+            <a:off x="204158" y="4896023"/>
+            <a:ext cx="4687019" cy="1406023"/>
+            <a:chOff x="212785" y="4700108"/>
+            <a:chExt cx="4687019" cy="1406023"/>
+          </a:xfrm>
+        </p:grpSpPr>
+        <p:grpSp>
+          <p:nvGrpSpPr>
+            <p:cNvPr id="20" name="Group 19">
+              <a:extLst>
+                <a:ext uri="{FF2B5EF4-FFF2-40B4-BE49-F238E27FC236}">
+                  <a16:creationId xmlns:a16="http://schemas.microsoft.com/office/drawing/2014/main" id="{BD66D268-F0F5-BB7B-5534-D9499D0F5F56}"/>
+                </a:ext>
+              </a:extLst>
+            </p:cNvPr>
+            <p:cNvGrpSpPr/>
+            <p:nvPr/>
+          </p:nvGrpSpPr>
+          <p:grpSpPr>
+            <a:xfrm>
+              <a:off x="212785" y="4700108"/>
+              <a:ext cx="3048001" cy="1044130"/>
+              <a:chOff x="204159" y="5406760"/>
+              <a:chExt cx="3146713" cy="1044130"/>
+            </a:xfrm>
+          </p:grpSpPr>
+          <p:sp>
+            <p:nvSpPr>
+              <p:cNvPr id="23" name="Oval 22">
+                <a:extLst>
+                  <a:ext uri="{FF2B5EF4-FFF2-40B4-BE49-F238E27FC236}">
+                    <a16:creationId xmlns:a16="http://schemas.microsoft.com/office/drawing/2014/main" id="{05DE14F0-4777-0B75-2172-29DF479A24D9}"/>
+                  </a:ext>
+                </a:extLst>
+              </p:cNvPr>
+              <p:cNvSpPr/>
+              <p:nvPr/>
+            </p:nvSpPr>
+            <p:spPr>
+              <a:xfrm>
+                <a:off x="204159" y="5479251"/>
+                <a:ext cx="276045" cy="267419"/>
+              </a:xfrm>
+              <a:prstGeom prst="ellipse">
+                <a:avLst/>
+              </a:prstGeom>
+              <a:solidFill>
+                <a:srgbClr val="E9C46A"/>
+              </a:solidFill>
+              <a:ln>
+                <a:solidFill>
+                  <a:schemeClr val="tx1"/>
+                </a:solidFill>
+              </a:ln>
+            </p:spPr>
+            <p:style>
+              <a:lnRef idx="2">
+                <a:schemeClr val="accent1">
+                  <a:shade val="50000"/>
+                </a:schemeClr>
+              </a:lnRef>
+              <a:fillRef idx="1">
+                <a:schemeClr val="accent1"/>
+              </a:fillRef>
+              <a:effectRef idx="0">
+                <a:schemeClr val="accent1"/>
+              </a:effectRef>
+              <a:fontRef idx="minor">
+                <a:schemeClr val="lt1"/>
+              </a:fontRef>
+            </p:style>
+            <p:txBody>
+              <a:bodyPr rtlCol="0" anchor="ctr"/>
+              <a:lstStyle/>
+              <a:p>
+                <a:pPr algn="ctr"/>
+                <a:endParaRPr lang="en-CA"/>
+              </a:p>
+            </p:txBody>
+          </p:sp>
+          <p:sp>
+            <p:nvSpPr>
+              <p:cNvPr id="24" name="Oval 23">
+                <a:extLst>
+                  <a:ext uri="{FF2B5EF4-FFF2-40B4-BE49-F238E27FC236}">
+                    <a16:creationId xmlns:a16="http://schemas.microsoft.com/office/drawing/2014/main" id="{D9925946-8A6A-E8F5-67C4-1BBC08FE05D2}"/>
+                  </a:ext>
+                </a:extLst>
+              </p:cNvPr>
+              <p:cNvSpPr/>
+              <p:nvPr/>
+            </p:nvSpPr>
+            <p:spPr>
+              <a:xfrm>
+                <a:off x="204159" y="5805513"/>
+                <a:ext cx="276045" cy="267419"/>
+              </a:xfrm>
+              <a:prstGeom prst="ellipse">
+                <a:avLst/>
+              </a:prstGeom>
+              <a:solidFill>
+                <a:srgbClr val="108AB2"/>
+              </a:solidFill>
+              <a:ln>
+                <a:solidFill>
+                  <a:schemeClr val="tx1"/>
+                </a:solidFill>
+              </a:ln>
+            </p:spPr>
+            <p:style>
+              <a:lnRef idx="2">
+                <a:schemeClr val="accent1">
+                  <a:shade val="50000"/>
+                </a:schemeClr>
+              </a:lnRef>
+              <a:fillRef idx="1">
+                <a:schemeClr val="accent1"/>
+              </a:fillRef>
+              <a:effectRef idx="0">
+                <a:schemeClr val="accent1"/>
+              </a:effectRef>
+              <a:fontRef idx="minor">
+                <a:schemeClr val="lt1"/>
+              </a:fontRef>
+            </p:style>
+            <p:txBody>
+              <a:bodyPr rtlCol="0" anchor="ctr"/>
+              <a:lstStyle/>
+              <a:p>
+                <a:pPr algn="ctr"/>
+                <a:endParaRPr lang="en-CA" dirty="0"/>
+              </a:p>
+            </p:txBody>
+          </p:sp>
+          <p:sp>
+            <p:nvSpPr>
+              <p:cNvPr id="25" name="Oval 24">
+                <a:extLst>
+                  <a:ext uri="{FF2B5EF4-FFF2-40B4-BE49-F238E27FC236}">
+                    <a16:creationId xmlns:a16="http://schemas.microsoft.com/office/drawing/2014/main" id="{851574AD-F5B4-E09F-1635-82C5FF0C2DC7}"/>
+                  </a:ext>
+                </a:extLst>
+              </p:cNvPr>
+              <p:cNvSpPr/>
+              <p:nvPr/>
+            </p:nvSpPr>
+            <p:spPr>
+              <a:xfrm>
+                <a:off x="204159" y="6140401"/>
+                <a:ext cx="276046" cy="267419"/>
+              </a:xfrm>
+              <a:prstGeom prst="ellipse">
+                <a:avLst/>
+              </a:prstGeom>
+              <a:solidFill>
+                <a:srgbClr val="A6C48A"/>
+              </a:solidFill>
+              <a:ln>
+                <a:solidFill>
+                  <a:schemeClr val="tx1"/>
+                </a:solidFill>
+              </a:ln>
+            </p:spPr>
+            <p:style>
+              <a:lnRef idx="2">
+                <a:schemeClr val="accent1">
+                  <a:shade val="50000"/>
+                </a:schemeClr>
+              </a:lnRef>
+              <a:fillRef idx="1">
+                <a:schemeClr val="accent1"/>
+              </a:fillRef>
+              <a:effectRef idx="0">
+                <a:schemeClr val="accent1"/>
+              </a:effectRef>
+              <a:fontRef idx="minor">
+                <a:schemeClr val="lt1"/>
+              </a:fontRef>
+            </p:style>
+            <p:txBody>
+              <a:bodyPr rtlCol="0" anchor="ctr"/>
+              <a:lstStyle/>
+              <a:p>
+                <a:pPr algn="ctr"/>
+                <a:endParaRPr lang="en-CA"/>
+              </a:p>
+            </p:txBody>
+          </p:sp>
+          <p:sp>
+            <p:nvSpPr>
+              <p:cNvPr id="26" name="TextBox 25">
+                <a:extLst>
+                  <a:ext uri="{FF2B5EF4-FFF2-40B4-BE49-F238E27FC236}">
+                    <a16:creationId xmlns:a16="http://schemas.microsoft.com/office/drawing/2014/main" id="{B47DFF5B-E448-B2A6-4839-47B126B63F6B}"/>
+                  </a:ext>
+                </a:extLst>
+              </p:cNvPr>
+              <p:cNvSpPr txBox="1"/>
+              <p:nvPr/>
+            </p:nvSpPr>
+            <p:spPr>
+              <a:xfrm>
+                <a:off x="480204" y="5406760"/>
+                <a:ext cx="2870668" cy="369332"/>
+              </a:xfrm>
+              <a:prstGeom prst="rect">
+                <a:avLst/>
+              </a:prstGeom>
+              <a:noFill/>
+            </p:spPr>
+            <p:txBody>
+              <a:bodyPr wrap="square">
+                <a:spAutoFit/>
+              </a:bodyPr>
+              <a:lstStyle/>
+              <a:p>
+                <a:r>
+                  <a:rPr lang="en-CA" dirty="0"/>
+                  <a:t>Interacted with light nest</a:t>
+                </a:r>
+              </a:p>
+            </p:txBody>
+          </p:sp>
+          <p:sp>
+            <p:nvSpPr>
+              <p:cNvPr id="27" name="TextBox 26">
+                <a:extLst>
+                  <a:ext uri="{FF2B5EF4-FFF2-40B4-BE49-F238E27FC236}">
+                    <a16:creationId xmlns:a16="http://schemas.microsoft.com/office/drawing/2014/main" id="{D4DB58AE-DFDD-6230-DE24-CA4B234C1DFE}"/>
+                  </a:ext>
+                </a:extLst>
+              </p:cNvPr>
+              <p:cNvSpPr txBox="1"/>
+              <p:nvPr/>
+            </p:nvSpPr>
+            <p:spPr>
+              <a:xfrm>
+                <a:off x="480204" y="5746670"/>
+                <a:ext cx="2665834" cy="369332"/>
+              </a:xfrm>
+              <a:prstGeom prst="rect">
+                <a:avLst/>
+              </a:prstGeom>
+              <a:noFill/>
+            </p:spPr>
+            <p:txBody>
+              <a:bodyPr wrap="square">
+                <a:spAutoFit/>
+              </a:bodyPr>
+              <a:lstStyle/>
+              <a:p>
+                <a:r>
+                  <a:rPr lang="en-CA" dirty="0"/>
+                  <a:t>Interacted with dark nest</a:t>
+                </a:r>
+              </a:p>
+            </p:txBody>
+          </p:sp>
+          <p:sp>
+            <p:nvSpPr>
+              <p:cNvPr id="28" name="TextBox 27">
+                <a:extLst>
+                  <a:ext uri="{FF2B5EF4-FFF2-40B4-BE49-F238E27FC236}">
+                    <a16:creationId xmlns:a16="http://schemas.microsoft.com/office/drawing/2014/main" id="{AF9322FB-969D-6E1D-F7DB-1E83A1D875FA}"/>
+                  </a:ext>
+                </a:extLst>
+              </p:cNvPr>
+              <p:cNvSpPr txBox="1"/>
+              <p:nvPr/>
+            </p:nvSpPr>
+            <p:spPr>
+              <a:xfrm>
+                <a:off x="480205" y="6081558"/>
+                <a:ext cx="2870667" cy="369332"/>
+              </a:xfrm>
+              <a:prstGeom prst="rect">
+                <a:avLst/>
+              </a:prstGeom>
+              <a:noFill/>
+            </p:spPr>
+            <p:txBody>
+              <a:bodyPr wrap="square">
+                <a:spAutoFit/>
+              </a:bodyPr>
+              <a:lstStyle/>
+              <a:p>
+                <a:r>
+                  <a:rPr lang="en-CA" dirty="0"/>
+                  <a:t>Interacted with both nests</a:t>
+                </a:r>
+              </a:p>
+            </p:txBody>
+          </p:sp>
+        </p:grpSp>
+        <p:sp>
+          <p:nvSpPr>
+            <p:cNvPr id="21" name="Oval 20">
+              <a:extLst>
+                <a:ext uri="{FF2B5EF4-FFF2-40B4-BE49-F238E27FC236}">
+                  <a16:creationId xmlns:a16="http://schemas.microsoft.com/office/drawing/2014/main" id="{AF4EF539-DA7C-FAA6-F716-910DDEFCCB39}"/>
+                </a:ext>
+              </a:extLst>
+            </p:cNvPr>
+            <p:cNvSpPr/>
+            <p:nvPr/>
+          </p:nvSpPr>
+          <p:spPr>
+            <a:xfrm>
+              <a:off x="212785" y="5777845"/>
+              <a:ext cx="267386" cy="267419"/>
+            </a:xfrm>
+            <a:prstGeom prst="ellipse">
+              <a:avLst/>
+            </a:prstGeom>
+            <a:solidFill>
+              <a:srgbClr val="D9DCD6"/>
+            </a:solidFill>
+            <a:ln>
+              <a:solidFill>
+                <a:schemeClr val="tx1"/>
+              </a:solidFill>
+            </a:ln>
+          </p:spPr>
+          <p:style>
+            <a:lnRef idx="2">
+              <a:schemeClr val="accent1">
+                <a:shade val="50000"/>
+              </a:schemeClr>
+            </a:lnRef>
+            <a:fillRef idx="1">
+              <a:schemeClr val="accent1"/>
+            </a:fillRef>
+            <a:effectRef idx="0">
+              <a:schemeClr val="accent1"/>
+            </a:effectRef>
+            <a:fontRef idx="minor">
+              <a:schemeClr val="lt1"/>
+            </a:fontRef>
+          </p:style>
+          <p:txBody>
+            <a:bodyPr rtlCol="0" anchor="ctr"/>
+            <a:lstStyle/>
+            <a:p>
+              <a:pPr algn="ctr"/>
+              <a:endParaRPr lang="en-CA"/>
+            </a:p>
+          </p:txBody>
+        </p:sp>
+        <p:sp>
+          <p:nvSpPr>
+            <p:cNvPr id="22" name="TextBox 21">
+              <a:extLst>
+                <a:ext uri="{FF2B5EF4-FFF2-40B4-BE49-F238E27FC236}">
+                  <a16:creationId xmlns:a16="http://schemas.microsoft.com/office/drawing/2014/main" id="{E9CC04A8-0F00-A7AE-2C1E-2C10F98AE3EF}"/>
+                </a:ext>
+              </a:extLst>
+            </p:cNvPr>
+            <p:cNvSpPr txBox="1"/>
+            <p:nvPr/>
+          </p:nvSpPr>
+          <p:spPr>
+            <a:xfrm>
+              <a:off x="480171" y="5736799"/>
+              <a:ext cx="4419633" cy="369332"/>
+            </a:xfrm>
+            <a:prstGeom prst="rect">
+              <a:avLst/>
+            </a:prstGeom>
+            <a:noFill/>
+          </p:spPr>
+          <p:txBody>
+            <a:bodyPr wrap="square">
+              <a:spAutoFit/>
+            </a:bodyPr>
+            <a:lstStyle/>
+            <a:p>
+              <a:r>
+                <a:rPr lang="en-CA" dirty="0"/>
+                <a:t>Not involved in tandem runs or transports</a:t>
+              </a:r>
+            </a:p>
+          </p:txBody>
+        </p:sp>
+      </p:grpSp>
     </p:spTree>
     <p:extLst>
       <p:ext uri="{BB962C8B-B14F-4D97-AF65-F5344CB8AC3E}">
-        <p14:creationId xmlns:p14="http://schemas.microsoft.com/office/powerpoint/2010/main" val="1193637412"/>
+        <p14:creationId xmlns:p14="http://schemas.microsoft.com/office/powerpoint/2010/main" val="2460903150"/>
       </p:ext>
     </p:extLst>
   </p:cSld>
@@ -3551,168 +4130,6 @@
           <p:cNvPr id="3" name="Picture 2">
             <a:extLst>
               <a:ext uri="{FF2B5EF4-FFF2-40B4-BE49-F238E27FC236}">
-                <a16:creationId xmlns:a16="http://schemas.microsoft.com/office/drawing/2014/main" id="{A0D58741-9B07-4E36-AC29-7B9A949B35CF}"/>
-              </a:ext>
-            </a:extLst>
-          </p:cNvPr>
-          <p:cNvPicPr>
-            <a:picLocks noChangeAspect="1"/>
-          </p:cNvPicPr>
-          <p:nvPr/>
-        </p:nvPicPr>
-        <p:blipFill>
-          <a:blip r:embed="rId2"/>
-          <a:stretch>
-            <a:fillRect/>
-          </a:stretch>
-        </p:blipFill>
-        <p:spPr>
-          <a:xfrm>
-            <a:off x="983901" y="1748850"/>
-            <a:ext cx="3277057" cy="3029373"/>
-          </a:xfrm>
-          <a:prstGeom prst="rect">
-            <a:avLst/>
-          </a:prstGeom>
-        </p:spPr>
-      </p:pic>
-      <p:pic>
-        <p:nvPicPr>
-          <p:cNvPr id="7" name="Picture 6">
-            <a:extLst>
-              <a:ext uri="{FF2B5EF4-FFF2-40B4-BE49-F238E27FC236}">
-                <a16:creationId xmlns:a16="http://schemas.microsoft.com/office/drawing/2014/main" id="{A9571C71-A87D-4C1C-9BCF-A3C8003CBB3A}"/>
-              </a:ext>
-            </a:extLst>
-          </p:cNvPr>
-          <p:cNvPicPr>
-            <a:picLocks noChangeAspect="1"/>
-          </p:cNvPicPr>
-          <p:nvPr/>
-        </p:nvPicPr>
-        <p:blipFill>
-          <a:blip r:embed="rId3"/>
-          <a:stretch>
-            <a:fillRect/>
-          </a:stretch>
-        </p:blipFill>
-        <p:spPr>
-          <a:xfrm>
-            <a:off x="7810623" y="1748850"/>
-            <a:ext cx="3175808" cy="3029373"/>
-          </a:xfrm>
-          <a:prstGeom prst="rect">
-            <a:avLst/>
-          </a:prstGeom>
-        </p:spPr>
-      </p:pic>
-      <p:pic>
-        <p:nvPicPr>
-          <p:cNvPr id="9" name="Picture 8">
-            <a:extLst>
-              <a:ext uri="{FF2B5EF4-FFF2-40B4-BE49-F238E27FC236}">
-                <a16:creationId xmlns:a16="http://schemas.microsoft.com/office/drawing/2014/main" id="{B0AAFE15-C099-47C1-A10E-82E5105D23F2}"/>
-              </a:ext>
-            </a:extLst>
-          </p:cNvPr>
-          <p:cNvPicPr>
-            <a:picLocks noChangeAspect="1"/>
-          </p:cNvPicPr>
-          <p:nvPr/>
-        </p:nvPicPr>
-        <p:blipFill>
-          <a:blip r:embed="rId4"/>
-          <a:stretch>
-            <a:fillRect/>
-          </a:stretch>
-        </p:blipFill>
-        <p:spPr>
-          <a:xfrm>
-            <a:off x="4363026" y="1748850"/>
-            <a:ext cx="3240722" cy="2990059"/>
-          </a:xfrm>
-          <a:prstGeom prst="rect">
-            <a:avLst/>
-          </a:prstGeom>
-        </p:spPr>
-      </p:pic>
-      <p:sp>
-        <p:nvSpPr>
-          <p:cNvPr id="10" name="TextBox 9">
-            <a:extLst>
-              <a:ext uri="{FF2B5EF4-FFF2-40B4-BE49-F238E27FC236}">
-                <a16:creationId xmlns:a16="http://schemas.microsoft.com/office/drawing/2014/main" id="{B82E68FD-A873-46FB-9E59-C912140D82B5}"/>
-              </a:ext>
-            </a:extLst>
-          </p:cNvPr>
-          <p:cNvSpPr txBox="1"/>
-          <p:nvPr/>
-        </p:nvSpPr>
-        <p:spPr>
-          <a:xfrm>
-            <a:off x="97720" y="257478"/>
-            <a:ext cx="5819955" cy="830997"/>
-          </a:xfrm>
-          <a:prstGeom prst="rect">
-            <a:avLst/>
-          </a:prstGeom>
-          <a:noFill/>
-        </p:spPr>
-        <p:txBody>
-          <a:bodyPr wrap="square" rtlCol="0">
-            <a:spAutoFit/>
-          </a:bodyPr>
-          <a:lstStyle/>
-          <a:p>
-            <a:r>
-              <a:rPr lang="en-CA" sz="2400" dirty="0"/>
-              <a:t>Colony 60 (No-Choice) </a:t>
-            </a:r>
-            <a:br>
-              <a:rPr lang="en-CA" sz="2400" dirty="0"/>
-            </a:br>
-            <a:r>
-              <a:rPr lang="en-CA" sz="2400" dirty="0"/>
-              <a:t>Node size and edge width = out-strength</a:t>
-            </a:r>
-          </a:p>
-        </p:txBody>
-      </p:sp>
-    </p:spTree>
-    <p:extLst>
-      <p:ext uri="{BB962C8B-B14F-4D97-AF65-F5344CB8AC3E}">
-        <p14:creationId xmlns:p14="http://schemas.microsoft.com/office/powerpoint/2010/main" val="3610900390"/>
-      </p:ext>
-    </p:extLst>
-  </p:cSld>
-  <p:clrMapOvr>
-    <a:masterClrMapping/>
-  </p:clrMapOvr>
-</p:sld>
-</file>
-
-<file path=ppt/slides/slide11.xml><?xml version="1.0" encoding="utf-8"?>
-<p:sld xmlns:a="http://schemas.openxmlformats.org/drawingml/2006/main" xmlns:r="http://schemas.openxmlformats.org/officeDocument/2006/relationships" xmlns:p="http://schemas.openxmlformats.org/presentationml/2006/main">
-  <p:cSld>
-    <p:spTree>
-      <p:nvGrpSpPr>
-        <p:cNvPr id="1" name=""/>
-        <p:cNvGrpSpPr/>
-        <p:nvPr/>
-      </p:nvGrpSpPr>
-      <p:grpSpPr>
-        <a:xfrm>
-          <a:off x="0" y="0"/>
-          <a:ext cx="0" cy="0"/>
-          <a:chOff x="0" y="0"/>
-          <a:chExt cx="0" cy="0"/>
-        </a:xfrm>
-      </p:grpSpPr>
-      <p:pic>
-        <p:nvPicPr>
-          <p:cNvPr id="3" name="Picture 2">
-            <a:extLst>
-              <a:ext uri="{FF2B5EF4-FFF2-40B4-BE49-F238E27FC236}">
                 <a16:creationId xmlns:a16="http://schemas.microsoft.com/office/drawing/2014/main" id="{8E24DD40-6EE5-4E45-A1A2-5422D0A003B2}"/>
               </a:ext>
             </a:extLst>
@@ -3846,7 +4263,7 @@
 </p:sld>
 </file>
 
-<file path=ppt/slides/slide12.xml><?xml version="1.0" encoding="utf-8"?>
+<file path=ppt/slides/slide11.xml><?xml version="1.0" encoding="utf-8"?>
 <p:sld xmlns:a="http://schemas.openxmlformats.org/drawingml/2006/main" xmlns:r="http://schemas.openxmlformats.org/officeDocument/2006/relationships" xmlns:p="http://schemas.openxmlformats.org/presentationml/2006/main">
   <p:cSld>
     <p:spTree>
@@ -4008,7 +4425,7 @@
 </p:sld>
 </file>
 
-<file path=ppt/slides/slide13.xml><?xml version="1.0" encoding="utf-8"?>
+<file path=ppt/slides/slide12.xml><?xml version="1.0" encoding="utf-8"?>
 <p:sld xmlns:a="http://schemas.openxmlformats.org/drawingml/2006/main" xmlns:r="http://schemas.openxmlformats.org/officeDocument/2006/relationships" xmlns:p="http://schemas.openxmlformats.org/presentationml/2006/main">
   <p:cSld>
     <p:spTree>
@@ -4163,7 +4580,7 @@
 </p:sld>
 </file>
 
-<file path=ppt/slides/slide14.xml><?xml version="1.0" encoding="utf-8"?>
+<file path=ppt/slides/slide13.xml><?xml version="1.0" encoding="utf-8"?>
 <p:sld xmlns:a="http://schemas.openxmlformats.org/drawingml/2006/main" xmlns:r="http://schemas.openxmlformats.org/officeDocument/2006/relationships" xmlns:p="http://schemas.openxmlformats.org/presentationml/2006/main">
   <p:cSld>
     <p:spTree>
@@ -4325,7 +4742,7 @@
 </p:sld>
 </file>
 
-<file path=ppt/slides/slide15.xml><?xml version="1.0" encoding="utf-8"?>
+<file path=ppt/slides/slide14.xml><?xml version="1.0" encoding="utf-8"?>
 <p:sld xmlns:a="http://schemas.openxmlformats.org/drawingml/2006/main" xmlns:r="http://schemas.openxmlformats.org/officeDocument/2006/relationships" xmlns:p="http://schemas.openxmlformats.org/presentationml/2006/main">
   <p:cSld>
     <p:spTree>
@@ -4480,7 +4897,7 @@
 </p:sld>
 </file>
 
-<file path=ppt/slides/slide16.xml><?xml version="1.0" encoding="utf-8"?>
+<file path=ppt/slides/slide15.xml><?xml version="1.0" encoding="utf-8"?>
 <p:sld xmlns:a="http://schemas.openxmlformats.org/drawingml/2006/main" xmlns:r="http://schemas.openxmlformats.org/officeDocument/2006/relationships" xmlns:p="http://schemas.openxmlformats.org/presentationml/2006/main">
   <p:cSld>
     <p:spTree>
@@ -4623,7 +5040,7 @@
 </p:sld>
 </file>
 
-<file path=ppt/slides/slide17.xml><?xml version="1.0" encoding="utf-8"?>
+<file path=ppt/slides/slide16.xml><?xml version="1.0" encoding="utf-8"?>
 <p:sld xmlns:a="http://schemas.openxmlformats.org/drawingml/2006/main" xmlns:r="http://schemas.openxmlformats.org/officeDocument/2006/relationships" xmlns:p="http://schemas.openxmlformats.org/presentationml/2006/main">
   <p:cSld>
     <p:spTree>
@@ -4761,167 +5178,6 @@
 </file>
 
 <file path=ppt/slides/slide2.xml><?xml version="1.0" encoding="utf-8"?>
-<p:sld xmlns:a="http://schemas.openxmlformats.org/drawingml/2006/main" xmlns:r="http://schemas.openxmlformats.org/officeDocument/2006/relationships" xmlns:p="http://schemas.openxmlformats.org/presentationml/2006/main">
-  <p:cSld>
-    <p:spTree>
-      <p:nvGrpSpPr>
-        <p:cNvPr id="1" name=""/>
-        <p:cNvGrpSpPr/>
-        <p:nvPr/>
-      </p:nvGrpSpPr>
-      <p:grpSpPr>
-        <a:xfrm>
-          <a:off x="0" y="0"/>
-          <a:ext cx="0" cy="0"/>
-          <a:chOff x="0" y="0"/>
-          <a:chExt cx="0" cy="0"/>
-        </a:xfrm>
-      </p:grpSpPr>
-      <p:pic>
-        <p:nvPicPr>
-          <p:cNvPr id="5" name="Picture 4">
-            <a:extLst>
-              <a:ext uri="{FF2B5EF4-FFF2-40B4-BE49-F238E27FC236}">
-                <a16:creationId xmlns:a16="http://schemas.microsoft.com/office/drawing/2014/main" id="{E62410F2-103E-3EAA-9DF3-0FBE9B26F4FE}"/>
-              </a:ext>
-            </a:extLst>
-          </p:cNvPr>
-          <p:cNvPicPr>
-            <a:picLocks noChangeAspect="1"/>
-          </p:cNvPicPr>
-          <p:nvPr/>
-        </p:nvPicPr>
-        <p:blipFill rotWithShape="1">
-          <a:blip r:embed="rId2"/>
-          <a:srcRect t="3868"/>
-          <a:stretch/>
-        </p:blipFill>
-        <p:spPr>
-          <a:xfrm>
-            <a:off x="164631" y="1428251"/>
-            <a:ext cx="4047266" cy="3785184"/>
-          </a:xfrm>
-          <a:prstGeom prst="rect">
-            <a:avLst/>
-          </a:prstGeom>
-        </p:spPr>
-      </p:pic>
-      <p:pic>
-        <p:nvPicPr>
-          <p:cNvPr id="7" name="Picture 6">
-            <a:extLst>
-              <a:ext uri="{FF2B5EF4-FFF2-40B4-BE49-F238E27FC236}">
-                <a16:creationId xmlns:a16="http://schemas.microsoft.com/office/drawing/2014/main" id="{0547CD50-9492-8141-D9CA-1684559294A0}"/>
-              </a:ext>
-            </a:extLst>
-          </p:cNvPr>
-          <p:cNvPicPr>
-            <a:picLocks noChangeAspect="1"/>
-          </p:cNvPicPr>
-          <p:nvPr/>
-        </p:nvPicPr>
-        <p:blipFill>
-          <a:blip r:embed="rId3"/>
-          <a:stretch>
-            <a:fillRect/>
-          </a:stretch>
-        </p:blipFill>
-        <p:spPr>
-          <a:xfrm>
-            <a:off x="4072367" y="1347743"/>
-            <a:ext cx="4047266" cy="4082006"/>
-          </a:xfrm>
-          <a:prstGeom prst="rect">
-            <a:avLst/>
-          </a:prstGeom>
-        </p:spPr>
-      </p:pic>
-      <p:pic>
-        <p:nvPicPr>
-          <p:cNvPr id="11" name="Picture 10">
-            <a:extLst>
-              <a:ext uri="{FF2B5EF4-FFF2-40B4-BE49-F238E27FC236}">
-                <a16:creationId xmlns:a16="http://schemas.microsoft.com/office/drawing/2014/main" id="{5773FE4E-9BC7-4F64-6C2B-478BC57DE8B8}"/>
-              </a:ext>
-            </a:extLst>
-          </p:cNvPr>
-          <p:cNvPicPr>
-            <a:picLocks noChangeAspect="1"/>
-          </p:cNvPicPr>
-          <p:nvPr/>
-        </p:nvPicPr>
-        <p:blipFill>
-          <a:blip r:embed="rId4"/>
-          <a:stretch>
-            <a:fillRect/>
-          </a:stretch>
-        </p:blipFill>
-        <p:spPr>
-          <a:xfrm>
-            <a:off x="8371306" y="1674184"/>
-            <a:ext cx="3481388" cy="3539251"/>
-          </a:xfrm>
-          <a:prstGeom prst="rect">
-            <a:avLst/>
-          </a:prstGeom>
-        </p:spPr>
-      </p:pic>
-      <p:sp>
-        <p:nvSpPr>
-          <p:cNvPr id="12" name="TextBox 11">
-            <a:extLst>
-              <a:ext uri="{FF2B5EF4-FFF2-40B4-BE49-F238E27FC236}">
-                <a16:creationId xmlns:a16="http://schemas.microsoft.com/office/drawing/2014/main" id="{BF903655-3F84-23F7-37F9-F4C1199ACAAA}"/>
-              </a:ext>
-            </a:extLst>
-          </p:cNvPr>
-          <p:cNvSpPr txBox="1"/>
-          <p:nvPr/>
-        </p:nvSpPr>
-        <p:spPr>
-          <a:xfrm>
-            <a:off x="276045" y="396815"/>
-            <a:ext cx="5819955" cy="830997"/>
-          </a:xfrm>
-          <a:prstGeom prst="rect">
-            <a:avLst/>
-          </a:prstGeom>
-          <a:noFill/>
-        </p:spPr>
-        <p:txBody>
-          <a:bodyPr wrap="square" rtlCol="0">
-            <a:spAutoFit/>
-          </a:bodyPr>
-          <a:lstStyle/>
-          <a:p>
-            <a:r>
-              <a:rPr lang="en-CA" sz="2400" dirty="0"/>
-              <a:t>Colony 42 (Choice) </a:t>
-            </a:r>
-            <a:br>
-              <a:rPr lang="en-CA" sz="2400" dirty="0"/>
-            </a:br>
-            <a:r>
-              <a:rPr lang="en-CA" sz="2400" dirty="0"/>
-              <a:t>Node size and edge width = out-strength</a:t>
-            </a:r>
-          </a:p>
-        </p:txBody>
-      </p:sp>
-    </p:spTree>
-    <p:extLst>
-      <p:ext uri="{BB962C8B-B14F-4D97-AF65-F5344CB8AC3E}">
-        <p14:creationId xmlns:p14="http://schemas.microsoft.com/office/powerpoint/2010/main" val="3017436826"/>
-      </p:ext>
-    </p:extLst>
-  </p:cSld>
-  <p:clrMapOvr>
-    <a:masterClrMapping/>
-  </p:clrMapOvr>
-</p:sld>
-</file>
-
-<file path=ppt/slides/slide3.xml><?xml version="1.0" encoding="utf-8"?>
 <p:sld xmlns:a="http://schemas.openxmlformats.org/drawingml/2006/main" xmlns:r="http://schemas.openxmlformats.org/officeDocument/2006/relationships" xmlns:p="http://schemas.openxmlformats.org/presentationml/2006/main">
   <p:cSld>
     <p:spTree>
@@ -5075,7 +5331,7 @@
 </p:sld>
 </file>
 
-<file path=ppt/slides/slide4.xml><?xml version="1.0" encoding="utf-8"?>
+<file path=ppt/slides/slide3.xml><?xml version="1.0" encoding="utf-8"?>
 <p:sld xmlns:a="http://schemas.openxmlformats.org/drawingml/2006/main" xmlns:r="http://schemas.openxmlformats.org/officeDocument/2006/relationships" xmlns:p="http://schemas.openxmlformats.org/presentationml/2006/main">
   <p:cSld>
     <p:spTree>
@@ -5092,12 +5348,677 @@
           <a:chExt cx="0" cy="0"/>
         </a:xfrm>
       </p:grpSpPr>
+      <p:sp>
+        <p:nvSpPr>
+          <p:cNvPr id="8" name="TextBox 7">
+            <a:extLst>
+              <a:ext uri="{FF2B5EF4-FFF2-40B4-BE49-F238E27FC236}">
+                <a16:creationId xmlns:a16="http://schemas.microsoft.com/office/drawing/2014/main" id="{A66161C2-C31C-9A55-06C5-364E4ABCD3F8}"/>
+              </a:ext>
+            </a:extLst>
+          </p:cNvPr>
+          <p:cNvSpPr txBox="1"/>
+          <p:nvPr/>
+        </p:nvSpPr>
+        <p:spPr>
+          <a:xfrm>
+            <a:off x="94890" y="222270"/>
+            <a:ext cx="2584515" cy="461665"/>
+          </a:xfrm>
+          <a:prstGeom prst="rect">
+            <a:avLst/>
+          </a:prstGeom>
+          <a:noFill/>
+        </p:spPr>
+        <p:txBody>
+          <a:bodyPr wrap="square" rtlCol="0">
+            <a:spAutoFit/>
+          </a:bodyPr>
+          <a:lstStyle/>
+          <a:p>
+            <a:r>
+              <a:rPr lang="en-CA" sz="2400" dirty="0"/>
+              <a:t>Colony 55 (Choice) </a:t>
+            </a:r>
+          </a:p>
+        </p:txBody>
+      </p:sp>
+      <p:grpSp>
+        <p:nvGrpSpPr>
+          <p:cNvPr id="30" name="Group 29">
+            <a:extLst>
+              <a:ext uri="{FF2B5EF4-FFF2-40B4-BE49-F238E27FC236}">
+                <a16:creationId xmlns:a16="http://schemas.microsoft.com/office/drawing/2014/main" id="{36C7ED0C-ED11-D6E4-7B78-6E5643D81A13}"/>
+              </a:ext>
+            </a:extLst>
+          </p:cNvPr>
+          <p:cNvGrpSpPr/>
+          <p:nvPr/>
+        </p:nvGrpSpPr>
+        <p:grpSpPr>
+          <a:xfrm>
+            <a:off x="120768" y="4896023"/>
+            <a:ext cx="11772154" cy="1793181"/>
+            <a:chOff x="120768" y="4896023"/>
+            <a:chExt cx="11772154" cy="1793181"/>
+          </a:xfrm>
+        </p:grpSpPr>
+        <p:grpSp>
+          <p:nvGrpSpPr>
+            <p:cNvPr id="22" name="Group 21">
+              <a:extLst>
+                <a:ext uri="{FF2B5EF4-FFF2-40B4-BE49-F238E27FC236}">
+                  <a16:creationId xmlns:a16="http://schemas.microsoft.com/office/drawing/2014/main" id="{AF0DF51E-B446-C3F7-6254-AAA9FE6C974A}"/>
+                </a:ext>
+              </a:extLst>
+            </p:cNvPr>
+            <p:cNvGrpSpPr/>
+            <p:nvPr/>
+          </p:nvGrpSpPr>
+          <p:grpSpPr>
+            <a:xfrm>
+              <a:off x="5293712" y="5213675"/>
+              <a:ext cx="6599210" cy="697040"/>
+              <a:chOff x="3657598" y="5555443"/>
+              <a:chExt cx="6599210" cy="697040"/>
+            </a:xfrm>
+          </p:grpSpPr>
+          <p:cxnSp>
+            <p:nvCxnSpPr>
+              <p:cNvPr id="18" name="Straight Arrow Connector 17">
+                <a:extLst>
+                  <a:ext uri="{FF2B5EF4-FFF2-40B4-BE49-F238E27FC236}">
+                    <a16:creationId xmlns:a16="http://schemas.microsoft.com/office/drawing/2014/main" id="{CFDC3963-CDE7-BB37-2FCF-9CFBAAEAFE1B}"/>
+                  </a:ext>
+                </a:extLst>
+              </p:cNvPr>
+              <p:cNvCxnSpPr/>
+              <p:nvPr/>
+            </p:nvCxnSpPr>
+            <p:spPr>
+              <a:xfrm flipH="1">
+                <a:off x="3657598" y="5755788"/>
+                <a:ext cx="646981" cy="0"/>
+              </a:xfrm>
+              <a:prstGeom prst="straightConnector1">
+                <a:avLst/>
+              </a:prstGeom>
+              <a:ln w="38100" cap="flat" cmpd="sng" algn="ctr">
+                <a:solidFill>
+                  <a:schemeClr val="tx1"/>
+                </a:solidFill>
+                <a:prstDash val="dash"/>
+                <a:round/>
+                <a:headEnd type="none" w="med" len="med"/>
+                <a:tailEnd type="none" w="med" len="med"/>
+              </a:ln>
+            </p:spPr>
+            <p:style>
+              <a:lnRef idx="0">
+                <a:scrgbClr r="0" g="0" b="0"/>
+              </a:lnRef>
+              <a:fillRef idx="0">
+                <a:scrgbClr r="0" g="0" b="0"/>
+              </a:fillRef>
+              <a:effectRef idx="0">
+                <a:scrgbClr r="0" g="0" b="0"/>
+              </a:effectRef>
+              <a:fontRef idx="minor">
+                <a:schemeClr val="tx1"/>
+              </a:fontRef>
+            </p:style>
+          </p:cxnSp>
+          <p:cxnSp>
+            <p:nvCxnSpPr>
+              <p:cNvPr id="19" name="Straight Arrow Connector 18">
+                <a:extLst>
+                  <a:ext uri="{FF2B5EF4-FFF2-40B4-BE49-F238E27FC236}">
+                    <a16:creationId xmlns:a16="http://schemas.microsoft.com/office/drawing/2014/main" id="{593985F2-6655-15B4-CEE2-F229C89FD9D2}"/>
+                  </a:ext>
+                </a:extLst>
+              </p:cNvPr>
+              <p:cNvCxnSpPr/>
+              <p:nvPr/>
+            </p:nvCxnSpPr>
+            <p:spPr>
+              <a:xfrm flipH="1">
+                <a:off x="3657598" y="6106596"/>
+                <a:ext cx="646981" cy="0"/>
+              </a:xfrm>
+              <a:prstGeom prst="straightConnector1">
+                <a:avLst/>
+              </a:prstGeom>
+              <a:ln w="28575">
+                <a:headEnd type="none" w="med" len="med"/>
+                <a:tailEnd type="none" w="med" len="med"/>
+              </a:ln>
+            </p:spPr>
+            <p:style>
+              <a:lnRef idx="1">
+                <a:schemeClr val="dk1"/>
+              </a:lnRef>
+              <a:fillRef idx="0">
+                <a:schemeClr val="dk1"/>
+              </a:fillRef>
+              <a:effectRef idx="0">
+                <a:schemeClr val="dk1"/>
+              </a:effectRef>
+              <a:fontRef idx="minor">
+                <a:schemeClr val="tx1"/>
+              </a:fontRef>
+            </p:style>
+          </p:cxnSp>
+          <p:sp>
+            <p:nvSpPr>
+              <p:cNvPr id="20" name="TextBox 19">
+                <a:extLst>
+                  <a:ext uri="{FF2B5EF4-FFF2-40B4-BE49-F238E27FC236}">
+                    <a16:creationId xmlns:a16="http://schemas.microsoft.com/office/drawing/2014/main" id="{3803426C-BBFD-6E20-99B2-C587B584F99A}"/>
+                  </a:ext>
+                </a:extLst>
+              </p:cNvPr>
+              <p:cNvSpPr txBox="1"/>
+              <p:nvPr/>
+            </p:nvSpPr>
+            <p:spPr>
+              <a:xfrm>
+                <a:off x="4346256" y="5555443"/>
+                <a:ext cx="5910552" cy="369332"/>
+              </a:xfrm>
+              <a:prstGeom prst="rect">
+                <a:avLst/>
+              </a:prstGeom>
+              <a:noFill/>
+            </p:spPr>
+            <p:txBody>
+              <a:bodyPr wrap="square">
+                <a:spAutoFit/>
+              </a:bodyPr>
+              <a:lstStyle/>
+              <a:p>
+                <a:r>
+                  <a:rPr lang="en-CA" dirty="0"/>
+                  <a:t>Tandem run (blue = to dark nest, yellow = to light nest)</a:t>
+                </a:r>
+              </a:p>
+            </p:txBody>
+          </p:sp>
+          <p:sp>
+            <p:nvSpPr>
+              <p:cNvPr id="21" name="TextBox 20">
+                <a:extLst>
+                  <a:ext uri="{FF2B5EF4-FFF2-40B4-BE49-F238E27FC236}">
+                    <a16:creationId xmlns:a16="http://schemas.microsoft.com/office/drawing/2014/main" id="{87450D18-EE1B-98AF-CADE-16FEE11F19F8}"/>
+                  </a:ext>
+                </a:extLst>
+              </p:cNvPr>
+              <p:cNvSpPr txBox="1"/>
+              <p:nvPr/>
+            </p:nvSpPr>
+            <p:spPr>
+              <a:xfrm>
+                <a:off x="4346256" y="5883151"/>
+                <a:ext cx="5617253" cy="369332"/>
+              </a:xfrm>
+              <a:prstGeom prst="rect">
+                <a:avLst/>
+              </a:prstGeom>
+              <a:noFill/>
+            </p:spPr>
+            <p:txBody>
+              <a:bodyPr wrap="square">
+                <a:spAutoFit/>
+              </a:bodyPr>
+              <a:lstStyle/>
+              <a:p>
+                <a:r>
+                  <a:rPr lang="en-CA" dirty="0"/>
+                  <a:t>Transport (blue = to dark nest, yellow = to light nest)</a:t>
+                </a:r>
+              </a:p>
+            </p:txBody>
+          </p:sp>
+        </p:grpSp>
+        <p:sp>
+          <p:nvSpPr>
+            <p:cNvPr id="24" name="TextBox 23">
+              <a:extLst>
+                <a:ext uri="{FF2B5EF4-FFF2-40B4-BE49-F238E27FC236}">
+                  <a16:creationId xmlns:a16="http://schemas.microsoft.com/office/drawing/2014/main" id="{522E8137-35A7-73EE-1602-6C5602907DE6}"/>
+                </a:ext>
+              </a:extLst>
+            </p:cNvPr>
+            <p:cNvSpPr txBox="1"/>
+            <p:nvPr/>
+          </p:nvSpPr>
+          <p:spPr>
+            <a:xfrm>
+              <a:off x="120768" y="6319872"/>
+              <a:ext cx="4531743" cy="369332"/>
+            </a:xfrm>
+            <a:prstGeom prst="rect">
+              <a:avLst/>
+            </a:prstGeom>
+            <a:noFill/>
+          </p:spPr>
+          <p:txBody>
+            <a:bodyPr wrap="square">
+              <a:spAutoFit/>
+            </a:bodyPr>
+            <a:lstStyle/>
+            <a:p>
+              <a:r>
+                <a:rPr lang="en-CA" dirty="0"/>
+                <a:t>Node size and edge width = out-strength</a:t>
+              </a:r>
+            </a:p>
+          </p:txBody>
+        </p:sp>
+        <p:grpSp>
+          <p:nvGrpSpPr>
+            <p:cNvPr id="27" name="Group 26">
+              <a:extLst>
+                <a:ext uri="{FF2B5EF4-FFF2-40B4-BE49-F238E27FC236}">
+                  <a16:creationId xmlns:a16="http://schemas.microsoft.com/office/drawing/2014/main" id="{2BF4F7A3-2394-12E4-C02D-14CEEBE882AD}"/>
+                </a:ext>
+              </a:extLst>
+            </p:cNvPr>
+            <p:cNvGrpSpPr/>
+            <p:nvPr/>
+          </p:nvGrpSpPr>
+          <p:grpSpPr>
+            <a:xfrm>
+              <a:off x="204158" y="4896023"/>
+              <a:ext cx="4687019" cy="1406023"/>
+              <a:chOff x="212785" y="4700108"/>
+              <a:chExt cx="4687019" cy="1406023"/>
+            </a:xfrm>
+          </p:grpSpPr>
+          <p:grpSp>
+            <p:nvGrpSpPr>
+              <p:cNvPr id="16" name="Group 15">
+                <a:extLst>
+                  <a:ext uri="{FF2B5EF4-FFF2-40B4-BE49-F238E27FC236}">
+                    <a16:creationId xmlns:a16="http://schemas.microsoft.com/office/drawing/2014/main" id="{AE3CBF6A-8152-81C7-80E8-34E635851322}"/>
+                  </a:ext>
+                </a:extLst>
+              </p:cNvPr>
+              <p:cNvGrpSpPr/>
+              <p:nvPr/>
+            </p:nvGrpSpPr>
+            <p:grpSpPr>
+              <a:xfrm>
+                <a:off x="212785" y="4700108"/>
+                <a:ext cx="3048001" cy="1044130"/>
+                <a:chOff x="204159" y="5406760"/>
+                <a:chExt cx="3146713" cy="1044130"/>
+              </a:xfrm>
+            </p:grpSpPr>
+            <p:sp>
+              <p:nvSpPr>
+                <p:cNvPr id="9" name="Oval 8">
+                  <a:extLst>
+                    <a:ext uri="{FF2B5EF4-FFF2-40B4-BE49-F238E27FC236}">
+                      <a16:creationId xmlns:a16="http://schemas.microsoft.com/office/drawing/2014/main" id="{92F93D7A-D736-4B40-2A5D-C7595813C803}"/>
+                    </a:ext>
+                  </a:extLst>
+                </p:cNvPr>
+                <p:cNvSpPr/>
+                <p:nvPr/>
+              </p:nvSpPr>
+              <p:spPr>
+                <a:xfrm>
+                  <a:off x="204159" y="5479251"/>
+                  <a:ext cx="276045" cy="267419"/>
+                </a:xfrm>
+                <a:prstGeom prst="ellipse">
+                  <a:avLst/>
+                </a:prstGeom>
+                <a:solidFill>
+                  <a:srgbClr val="E9C46A"/>
+                </a:solidFill>
+                <a:ln>
+                  <a:solidFill>
+                    <a:schemeClr val="tx1"/>
+                  </a:solidFill>
+                </a:ln>
+              </p:spPr>
+              <p:style>
+                <a:lnRef idx="2">
+                  <a:schemeClr val="accent1">
+                    <a:shade val="50000"/>
+                  </a:schemeClr>
+                </a:lnRef>
+                <a:fillRef idx="1">
+                  <a:schemeClr val="accent1"/>
+                </a:fillRef>
+                <a:effectRef idx="0">
+                  <a:schemeClr val="accent1"/>
+                </a:effectRef>
+                <a:fontRef idx="minor">
+                  <a:schemeClr val="lt1"/>
+                </a:fontRef>
+              </p:style>
+              <p:txBody>
+                <a:bodyPr rtlCol="0" anchor="ctr"/>
+                <a:lstStyle/>
+                <a:p>
+                  <a:pPr algn="ctr"/>
+                  <a:endParaRPr lang="en-CA"/>
+                </a:p>
+              </p:txBody>
+            </p:sp>
+            <p:sp>
+              <p:nvSpPr>
+                <p:cNvPr id="10" name="Oval 9">
+                  <a:extLst>
+                    <a:ext uri="{FF2B5EF4-FFF2-40B4-BE49-F238E27FC236}">
+                      <a16:creationId xmlns:a16="http://schemas.microsoft.com/office/drawing/2014/main" id="{3DF91119-B966-F921-51E9-1584EA92974B}"/>
+                    </a:ext>
+                  </a:extLst>
+                </p:cNvPr>
+                <p:cNvSpPr/>
+                <p:nvPr/>
+              </p:nvSpPr>
+              <p:spPr>
+                <a:xfrm>
+                  <a:off x="204159" y="5805513"/>
+                  <a:ext cx="276045" cy="267419"/>
+                </a:xfrm>
+                <a:prstGeom prst="ellipse">
+                  <a:avLst/>
+                </a:prstGeom>
+                <a:solidFill>
+                  <a:srgbClr val="108AB2"/>
+                </a:solidFill>
+                <a:ln>
+                  <a:solidFill>
+                    <a:schemeClr val="tx1"/>
+                  </a:solidFill>
+                </a:ln>
+              </p:spPr>
+              <p:style>
+                <a:lnRef idx="2">
+                  <a:schemeClr val="accent1">
+                    <a:shade val="50000"/>
+                  </a:schemeClr>
+                </a:lnRef>
+                <a:fillRef idx="1">
+                  <a:schemeClr val="accent1"/>
+                </a:fillRef>
+                <a:effectRef idx="0">
+                  <a:schemeClr val="accent1"/>
+                </a:effectRef>
+                <a:fontRef idx="minor">
+                  <a:schemeClr val="lt1"/>
+                </a:fontRef>
+              </p:style>
+              <p:txBody>
+                <a:bodyPr rtlCol="0" anchor="ctr"/>
+                <a:lstStyle/>
+                <a:p>
+                  <a:pPr algn="ctr"/>
+                  <a:endParaRPr lang="en-CA" dirty="0"/>
+                </a:p>
+              </p:txBody>
+            </p:sp>
+            <p:sp>
+              <p:nvSpPr>
+                <p:cNvPr id="11" name="Oval 10">
+                  <a:extLst>
+                    <a:ext uri="{FF2B5EF4-FFF2-40B4-BE49-F238E27FC236}">
+                      <a16:creationId xmlns:a16="http://schemas.microsoft.com/office/drawing/2014/main" id="{D66316B9-F2C2-1A00-00F9-35FBE9CF09D4}"/>
+                    </a:ext>
+                  </a:extLst>
+                </p:cNvPr>
+                <p:cNvSpPr/>
+                <p:nvPr/>
+              </p:nvSpPr>
+              <p:spPr>
+                <a:xfrm>
+                  <a:off x="204159" y="6140401"/>
+                  <a:ext cx="276046" cy="267419"/>
+                </a:xfrm>
+                <a:prstGeom prst="ellipse">
+                  <a:avLst/>
+                </a:prstGeom>
+                <a:solidFill>
+                  <a:srgbClr val="A6C48A"/>
+                </a:solidFill>
+                <a:ln>
+                  <a:solidFill>
+                    <a:schemeClr val="tx1"/>
+                  </a:solidFill>
+                </a:ln>
+              </p:spPr>
+              <p:style>
+                <a:lnRef idx="2">
+                  <a:schemeClr val="accent1">
+                    <a:shade val="50000"/>
+                  </a:schemeClr>
+                </a:lnRef>
+                <a:fillRef idx="1">
+                  <a:schemeClr val="accent1"/>
+                </a:fillRef>
+                <a:effectRef idx="0">
+                  <a:schemeClr val="accent1"/>
+                </a:effectRef>
+                <a:fontRef idx="minor">
+                  <a:schemeClr val="lt1"/>
+                </a:fontRef>
+              </p:style>
+              <p:txBody>
+                <a:bodyPr rtlCol="0" anchor="ctr"/>
+                <a:lstStyle/>
+                <a:p>
+                  <a:pPr algn="ctr"/>
+                  <a:endParaRPr lang="en-CA"/>
+                </a:p>
+              </p:txBody>
+            </p:sp>
+            <p:sp>
+              <p:nvSpPr>
+                <p:cNvPr id="13" name="TextBox 12">
+                  <a:extLst>
+                    <a:ext uri="{FF2B5EF4-FFF2-40B4-BE49-F238E27FC236}">
+                      <a16:creationId xmlns:a16="http://schemas.microsoft.com/office/drawing/2014/main" id="{880EEE6A-C70B-EA9D-C8CE-77D72CB13B4A}"/>
+                    </a:ext>
+                  </a:extLst>
+                </p:cNvPr>
+                <p:cNvSpPr txBox="1"/>
+                <p:nvPr/>
+              </p:nvSpPr>
+              <p:spPr>
+                <a:xfrm>
+                  <a:off x="480204" y="5406760"/>
+                  <a:ext cx="2870668" cy="369332"/>
+                </a:xfrm>
+                <a:prstGeom prst="rect">
+                  <a:avLst/>
+                </a:prstGeom>
+                <a:noFill/>
+              </p:spPr>
+              <p:txBody>
+                <a:bodyPr wrap="square">
+                  <a:spAutoFit/>
+                </a:bodyPr>
+                <a:lstStyle/>
+                <a:p>
+                  <a:r>
+                    <a:rPr lang="en-CA" dirty="0"/>
+                    <a:t>Interacted with light nest</a:t>
+                  </a:r>
+                </a:p>
+              </p:txBody>
+            </p:sp>
+            <p:sp>
+              <p:nvSpPr>
+                <p:cNvPr id="14" name="TextBox 13">
+                  <a:extLst>
+                    <a:ext uri="{FF2B5EF4-FFF2-40B4-BE49-F238E27FC236}">
+                      <a16:creationId xmlns:a16="http://schemas.microsoft.com/office/drawing/2014/main" id="{A8A9B901-7B4B-2BDF-2B28-D182644C21D2}"/>
+                    </a:ext>
+                  </a:extLst>
+                </p:cNvPr>
+                <p:cNvSpPr txBox="1"/>
+                <p:nvPr/>
+              </p:nvSpPr>
+              <p:spPr>
+                <a:xfrm>
+                  <a:off x="480204" y="5746670"/>
+                  <a:ext cx="2665834" cy="369332"/>
+                </a:xfrm>
+                <a:prstGeom prst="rect">
+                  <a:avLst/>
+                </a:prstGeom>
+                <a:noFill/>
+              </p:spPr>
+              <p:txBody>
+                <a:bodyPr wrap="square">
+                  <a:spAutoFit/>
+                </a:bodyPr>
+                <a:lstStyle/>
+                <a:p>
+                  <a:r>
+                    <a:rPr lang="en-CA" dirty="0"/>
+                    <a:t>Interacted with dark nest</a:t>
+                  </a:r>
+                </a:p>
+              </p:txBody>
+            </p:sp>
+            <p:sp>
+              <p:nvSpPr>
+                <p:cNvPr id="15" name="TextBox 14">
+                  <a:extLst>
+                    <a:ext uri="{FF2B5EF4-FFF2-40B4-BE49-F238E27FC236}">
+                      <a16:creationId xmlns:a16="http://schemas.microsoft.com/office/drawing/2014/main" id="{8EC2937F-5D94-957B-5CA0-4DEDFCBBBC4F}"/>
+                    </a:ext>
+                  </a:extLst>
+                </p:cNvPr>
+                <p:cNvSpPr txBox="1"/>
+                <p:nvPr/>
+              </p:nvSpPr>
+              <p:spPr>
+                <a:xfrm>
+                  <a:off x="480205" y="6081558"/>
+                  <a:ext cx="2870667" cy="369332"/>
+                </a:xfrm>
+                <a:prstGeom prst="rect">
+                  <a:avLst/>
+                </a:prstGeom>
+                <a:noFill/>
+              </p:spPr>
+              <p:txBody>
+                <a:bodyPr wrap="square">
+                  <a:spAutoFit/>
+                </a:bodyPr>
+                <a:lstStyle/>
+                <a:p>
+                  <a:r>
+                    <a:rPr lang="en-CA" dirty="0"/>
+                    <a:t>Interacted with both nests</a:t>
+                  </a:r>
+                </a:p>
+              </p:txBody>
+            </p:sp>
+          </p:grpSp>
+          <p:sp>
+            <p:nvSpPr>
+              <p:cNvPr id="25" name="Oval 24">
+                <a:extLst>
+                  <a:ext uri="{FF2B5EF4-FFF2-40B4-BE49-F238E27FC236}">
+                    <a16:creationId xmlns:a16="http://schemas.microsoft.com/office/drawing/2014/main" id="{08B9EF67-69C0-7F23-268F-7E73C69BD849}"/>
+                  </a:ext>
+                </a:extLst>
+              </p:cNvPr>
+              <p:cNvSpPr/>
+              <p:nvPr/>
+            </p:nvSpPr>
+            <p:spPr>
+              <a:xfrm>
+                <a:off x="212785" y="5777845"/>
+                <a:ext cx="267386" cy="267419"/>
+              </a:xfrm>
+              <a:prstGeom prst="ellipse">
+                <a:avLst/>
+              </a:prstGeom>
+              <a:solidFill>
+                <a:srgbClr val="D9DCD6"/>
+              </a:solidFill>
+              <a:ln>
+                <a:solidFill>
+                  <a:schemeClr val="tx1"/>
+                </a:solidFill>
+              </a:ln>
+            </p:spPr>
+            <p:style>
+              <a:lnRef idx="2">
+                <a:schemeClr val="accent1">
+                  <a:shade val="50000"/>
+                </a:schemeClr>
+              </a:lnRef>
+              <a:fillRef idx="1">
+                <a:schemeClr val="accent1"/>
+              </a:fillRef>
+              <a:effectRef idx="0">
+                <a:schemeClr val="accent1"/>
+              </a:effectRef>
+              <a:fontRef idx="minor">
+                <a:schemeClr val="lt1"/>
+              </a:fontRef>
+            </p:style>
+            <p:txBody>
+              <a:bodyPr rtlCol="0" anchor="ctr"/>
+              <a:lstStyle/>
+              <a:p>
+                <a:pPr algn="ctr"/>
+                <a:endParaRPr lang="en-CA"/>
+              </a:p>
+            </p:txBody>
+          </p:sp>
+          <p:sp>
+            <p:nvSpPr>
+              <p:cNvPr id="26" name="TextBox 25">
+                <a:extLst>
+                  <a:ext uri="{FF2B5EF4-FFF2-40B4-BE49-F238E27FC236}">
+                    <a16:creationId xmlns:a16="http://schemas.microsoft.com/office/drawing/2014/main" id="{4023EBD3-C2B9-2A1D-769F-77A55D9101C6}"/>
+                  </a:ext>
+                </a:extLst>
+              </p:cNvPr>
+              <p:cNvSpPr txBox="1"/>
+              <p:nvPr/>
+            </p:nvSpPr>
+            <p:spPr>
+              <a:xfrm>
+                <a:off x="480171" y="5736799"/>
+                <a:ext cx="4419633" cy="369332"/>
+              </a:xfrm>
+              <a:prstGeom prst="rect">
+                <a:avLst/>
+              </a:prstGeom>
+              <a:noFill/>
+            </p:spPr>
+            <p:txBody>
+              <a:bodyPr wrap="square">
+                <a:spAutoFit/>
+              </a:bodyPr>
+              <a:lstStyle/>
+              <a:p>
+                <a:r>
+                  <a:rPr lang="en-CA" dirty="0"/>
+                  <a:t>Not involved in tandem runs or transports</a:t>
+                </a:r>
+              </a:p>
+            </p:txBody>
+          </p:sp>
+        </p:grpSp>
+      </p:grpSp>
       <p:pic>
         <p:nvPicPr>
-          <p:cNvPr id="13" name="Picture 12">
-            <a:extLst>
-              <a:ext uri="{FF2B5EF4-FFF2-40B4-BE49-F238E27FC236}">
-                <a16:creationId xmlns:a16="http://schemas.microsoft.com/office/drawing/2014/main" id="{41450CB3-946B-495B-B169-D271D7AF2BD5}"/>
+          <p:cNvPr id="4" name="Picture 3">
+            <a:extLst>
+              <a:ext uri="{FF2B5EF4-FFF2-40B4-BE49-F238E27FC236}">
+                <a16:creationId xmlns:a16="http://schemas.microsoft.com/office/drawing/2014/main" id="{188A10F0-1790-4137-157B-62484A20BCEF}"/>
               </a:ext>
             </a:extLst>
           </p:cNvPr>
@@ -5106,15 +6027,16 @@
           </p:cNvPicPr>
           <p:nvPr/>
         </p:nvPicPr>
-        <p:blipFill rotWithShape="1">
+        <p:blipFill>
           <a:blip r:embed="rId2"/>
-          <a:srcRect t="-1" b="205"/>
-          <a:stretch/>
+          <a:stretch>
+            <a:fillRect/>
+          </a:stretch>
         </p:blipFill>
         <p:spPr>
           <a:xfrm>
-            <a:off x="8023041" y="1292364"/>
-            <a:ext cx="3958091" cy="3967613"/>
+            <a:off x="94890" y="736758"/>
+            <a:ext cx="4005238" cy="3725989"/>
           </a:xfrm>
           <a:prstGeom prst="rect">
             <a:avLst/>
@@ -5123,10 +6045,10 @@
       </p:pic>
       <p:pic>
         <p:nvPicPr>
-          <p:cNvPr id="15" name="Picture 14">
-            <a:extLst>
-              <a:ext uri="{FF2B5EF4-FFF2-40B4-BE49-F238E27FC236}">
-                <a16:creationId xmlns:a16="http://schemas.microsoft.com/office/drawing/2014/main" id="{FADEA677-9A5A-4561-95D5-50822D578C27}"/>
+          <p:cNvPr id="12" name="Picture 11">
+            <a:extLst>
+              <a:ext uri="{FF2B5EF4-FFF2-40B4-BE49-F238E27FC236}">
+                <a16:creationId xmlns:a16="http://schemas.microsoft.com/office/drawing/2014/main" id="{79F3C68D-9F63-B541-5955-AE4FA6839E69}"/>
               </a:ext>
             </a:extLst>
           </p:cNvPr>
@@ -5143,8 +6065,8 @@
         </p:blipFill>
         <p:spPr>
           <a:xfrm>
-            <a:off x="4038329" y="1292364"/>
-            <a:ext cx="3976003" cy="3966947"/>
+            <a:off x="4028397" y="679616"/>
+            <a:ext cx="4005238" cy="3717943"/>
           </a:xfrm>
           <a:prstGeom prst="rect">
             <a:avLst/>
@@ -5153,10 +6075,10 @@
       </p:pic>
       <p:pic>
         <p:nvPicPr>
-          <p:cNvPr id="17" name="Picture 16">
-            <a:extLst>
-              <a:ext uri="{FF2B5EF4-FFF2-40B4-BE49-F238E27FC236}">
-                <a16:creationId xmlns:a16="http://schemas.microsoft.com/office/drawing/2014/main" id="{1F34889E-F23D-4D4C-AA15-496D7985B624}"/>
+          <p:cNvPr id="29" name="Picture 28">
+            <a:extLst>
+              <a:ext uri="{FF2B5EF4-FFF2-40B4-BE49-F238E27FC236}">
+                <a16:creationId xmlns:a16="http://schemas.microsoft.com/office/drawing/2014/main" id="{8C9B75F1-D3F2-41EE-9B7B-EC0963897E79}"/>
               </a:ext>
             </a:extLst>
           </p:cNvPr>
@@ -5173,60 +6095,18 @@
         </p:blipFill>
         <p:spPr>
           <a:xfrm>
-            <a:off x="97720" y="1292364"/>
-            <a:ext cx="3958091" cy="3966947"/>
+            <a:off x="8045364" y="679615"/>
+            <a:ext cx="3921777" cy="3717943"/>
           </a:xfrm>
           <a:prstGeom prst="rect">
             <a:avLst/>
           </a:prstGeom>
         </p:spPr>
       </p:pic>
-      <p:sp>
-        <p:nvSpPr>
-          <p:cNvPr id="18" name="TextBox 17">
-            <a:extLst>
-              <a:ext uri="{FF2B5EF4-FFF2-40B4-BE49-F238E27FC236}">
-                <a16:creationId xmlns:a16="http://schemas.microsoft.com/office/drawing/2014/main" id="{224D3460-8BC3-4EA4-A1C2-85A0C3526B2E}"/>
-              </a:ext>
-            </a:extLst>
-          </p:cNvPr>
-          <p:cNvSpPr txBox="1"/>
-          <p:nvPr/>
-        </p:nvSpPr>
-        <p:spPr>
-          <a:xfrm>
-            <a:off x="97720" y="257478"/>
-            <a:ext cx="5819955" cy="830997"/>
-          </a:xfrm>
-          <a:prstGeom prst="rect">
-            <a:avLst/>
-          </a:prstGeom>
-          <a:noFill/>
-        </p:spPr>
-        <p:txBody>
-          <a:bodyPr wrap="square" rtlCol="0">
-            <a:spAutoFit/>
-          </a:bodyPr>
-          <a:lstStyle/>
-          <a:p>
-            <a:r>
-              <a:rPr lang="en-CA" sz="2400" dirty="0"/>
-              <a:t>Colony 55 (Choice) </a:t>
-            </a:r>
-            <a:br>
-              <a:rPr lang="en-CA" sz="2400" dirty="0"/>
-            </a:br>
-            <a:r>
-              <a:rPr lang="en-CA" sz="2400" dirty="0"/>
-              <a:t>Node size and edge width = out-strength</a:t>
-            </a:r>
-          </a:p>
-        </p:txBody>
-      </p:sp>
     </p:spTree>
     <p:extLst>
       <p:ext uri="{BB962C8B-B14F-4D97-AF65-F5344CB8AC3E}">
-        <p14:creationId xmlns:p14="http://schemas.microsoft.com/office/powerpoint/2010/main" val="1962464281"/>
+        <p14:creationId xmlns:p14="http://schemas.microsoft.com/office/powerpoint/2010/main" val="3259087889"/>
       </p:ext>
     </p:extLst>
   </p:cSld>
@@ -5236,7 +6116,7 @@
 </p:sld>
 </file>
 
-<file path=ppt/slides/slide5.xml><?xml version="1.0" encoding="utf-8"?>
+<file path=ppt/slides/slide4.xml><?xml version="1.0" encoding="utf-8"?>
 <p:sld xmlns:a="http://schemas.openxmlformats.org/drawingml/2006/main" xmlns:r="http://schemas.openxmlformats.org/officeDocument/2006/relationships" xmlns:p="http://schemas.openxmlformats.org/presentationml/2006/main">
   <p:cSld>
     <p:spTree>
@@ -5390,7 +6270,7 @@
 </p:sld>
 </file>
 
-<file path=ppt/slides/slide6.xml><?xml version="1.0" encoding="utf-8"?>
+<file path=ppt/slides/slide5.xml><?xml version="1.0" encoding="utf-8"?>
 <p:sld xmlns:a="http://schemas.openxmlformats.org/drawingml/2006/main" xmlns:r="http://schemas.openxmlformats.org/officeDocument/2006/relationships" xmlns:p="http://schemas.openxmlformats.org/presentationml/2006/main">
   <p:cSld>
     <p:spTree>
@@ -5407,101 +6287,12 @@
           <a:chExt cx="0" cy="0"/>
         </a:xfrm>
       </p:grpSpPr>
-      <p:pic>
-        <p:nvPicPr>
-          <p:cNvPr id="13" name="Picture 12">
-            <a:extLst>
-              <a:ext uri="{FF2B5EF4-FFF2-40B4-BE49-F238E27FC236}">
-                <a16:creationId xmlns:a16="http://schemas.microsoft.com/office/drawing/2014/main" id="{96B42C38-7A84-424D-93A9-D795B13D9218}"/>
-              </a:ext>
-            </a:extLst>
-          </p:cNvPr>
-          <p:cNvPicPr>
-            <a:picLocks noChangeAspect="1"/>
-          </p:cNvPicPr>
-          <p:nvPr/>
-        </p:nvPicPr>
-        <p:blipFill>
-          <a:blip r:embed="rId2"/>
-          <a:stretch>
-            <a:fillRect/>
-          </a:stretch>
-        </p:blipFill>
-        <p:spPr>
-          <a:xfrm>
-            <a:off x="7774595" y="1795374"/>
-            <a:ext cx="3354767" cy="3267251"/>
-          </a:xfrm>
-          <a:prstGeom prst="rect">
-            <a:avLst/>
-          </a:prstGeom>
-        </p:spPr>
-      </p:pic>
-      <p:pic>
-        <p:nvPicPr>
-          <p:cNvPr id="15" name="Picture 14">
-            <a:extLst>
-              <a:ext uri="{FF2B5EF4-FFF2-40B4-BE49-F238E27FC236}">
-                <a16:creationId xmlns:a16="http://schemas.microsoft.com/office/drawing/2014/main" id="{55033C64-BF9A-4C0A-8603-EDE0D309A5B6}"/>
-              </a:ext>
-            </a:extLst>
-          </p:cNvPr>
-          <p:cNvPicPr>
-            <a:picLocks noChangeAspect="1"/>
-          </p:cNvPicPr>
-          <p:nvPr/>
-        </p:nvPicPr>
-        <p:blipFill rotWithShape="1">
-          <a:blip r:embed="rId3"/>
-          <a:srcRect b="624"/>
-          <a:stretch/>
-        </p:blipFill>
-        <p:spPr>
-          <a:xfrm>
-            <a:off x="921927" y="1795376"/>
-            <a:ext cx="3286584" cy="3246888"/>
-          </a:xfrm>
-          <a:prstGeom prst="rect">
-            <a:avLst/>
-          </a:prstGeom>
-        </p:spPr>
-      </p:pic>
-      <p:pic>
-        <p:nvPicPr>
-          <p:cNvPr id="17" name="Picture 16">
-            <a:extLst>
-              <a:ext uri="{FF2B5EF4-FFF2-40B4-BE49-F238E27FC236}">
-                <a16:creationId xmlns:a16="http://schemas.microsoft.com/office/drawing/2014/main" id="{A00AC703-615A-42B3-B03C-042C34A5C63D}"/>
-              </a:ext>
-            </a:extLst>
-          </p:cNvPr>
-          <p:cNvPicPr>
-            <a:picLocks noChangeAspect="1"/>
-          </p:cNvPicPr>
-          <p:nvPr/>
-        </p:nvPicPr>
-        <p:blipFill>
-          <a:blip r:embed="rId4"/>
-          <a:stretch>
-            <a:fillRect/>
-          </a:stretch>
-        </p:blipFill>
-        <p:spPr>
-          <a:xfrm>
-            <a:off x="4208510" y="1795374"/>
-            <a:ext cx="3566085" cy="3267251"/>
-          </a:xfrm>
-          <a:prstGeom prst="rect">
-            <a:avLst/>
-          </a:prstGeom>
-        </p:spPr>
-      </p:pic>
       <p:sp>
         <p:nvSpPr>
-          <p:cNvPr id="18" name="TextBox 17">
-            <a:extLst>
-              <a:ext uri="{FF2B5EF4-FFF2-40B4-BE49-F238E27FC236}">
-                <a16:creationId xmlns:a16="http://schemas.microsoft.com/office/drawing/2014/main" id="{16BC4561-7E9B-476E-A041-3D06E494B06D}"/>
+          <p:cNvPr id="4" name="TextBox 3">
+            <a:extLst>
+              <a:ext uri="{FF2B5EF4-FFF2-40B4-BE49-F238E27FC236}">
+                <a16:creationId xmlns:a16="http://schemas.microsoft.com/office/drawing/2014/main" id="{E2D59EF4-1FE5-B08B-4E0B-94677DDD810C}"/>
               </a:ext>
             </a:extLst>
           </p:cNvPr>
@@ -5511,7 +6302,7 @@
         <p:spPr>
           <a:xfrm>
             <a:off x="97720" y="257478"/>
-            <a:ext cx="5819955" cy="830997"/>
+            <a:ext cx="5819955" cy="461665"/>
           </a:xfrm>
           <a:prstGeom prst="rect">
             <a:avLst/>
@@ -5528,20 +6319,883 @@
               <a:rPr lang="en-CA" sz="2400" dirty="0"/>
               <a:t>Colony 41 (Choice) </a:t>
             </a:r>
-            <a:br>
-              <a:rPr lang="en-CA" sz="2400" dirty="0"/>
-            </a:br>
-            <a:r>
-              <a:rPr lang="en-CA" sz="2400" dirty="0"/>
-              <a:t>Node size and edge width = out-strength</a:t>
-            </a:r>
           </a:p>
         </p:txBody>
       </p:sp>
+      <p:grpSp>
+        <p:nvGrpSpPr>
+          <p:cNvPr id="11" name="Group 10">
+            <a:extLst>
+              <a:ext uri="{FF2B5EF4-FFF2-40B4-BE49-F238E27FC236}">
+                <a16:creationId xmlns:a16="http://schemas.microsoft.com/office/drawing/2014/main" id="{20DD217F-FEC2-857F-1906-1AA1F1CE2F85}"/>
+              </a:ext>
+            </a:extLst>
+          </p:cNvPr>
+          <p:cNvGrpSpPr/>
+          <p:nvPr/>
+        </p:nvGrpSpPr>
+        <p:grpSpPr>
+          <a:xfrm>
+            <a:off x="287781" y="4539013"/>
+            <a:ext cx="11772154" cy="1793181"/>
+            <a:chOff x="120768" y="4896023"/>
+            <a:chExt cx="11772154" cy="1793181"/>
+          </a:xfrm>
+        </p:grpSpPr>
+        <p:grpSp>
+          <p:nvGrpSpPr>
+            <p:cNvPr id="12" name="Group 11">
+              <a:extLst>
+                <a:ext uri="{FF2B5EF4-FFF2-40B4-BE49-F238E27FC236}">
+                  <a16:creationId xmlns:a16="http://schemas.microsoft.com/office/drawing/2014/main" id="{A049AECE-2964-DA82-611F-6381C29A1E46}"/>
+                </a:ext>
+              </a:extLst>
+            </p:cNvPr>
+            <p:cNvGrpSpPr/>
+            <p:nvPr/>
+          </p:nvGrpSpPr>
+          <p:grpSpPr>
+            <a:xfrm>
+              <a:off x="5293712" y="5213675"/>
+              <a:ext cx="6599210" cy="697040"/>
+              <a:chOff x="3657598" y="5555443"/>
+              <a:chExt cx="6599210" cy="697040"/>
+            </a:xfrm>
+          </p:grpSpPr>
+          <p:cxnSp>
+            <p:nvCxnSpPr>
+              <p:cNvPr id="24" name="Straight Arrow Connector 23">
+                <a:extLst>
+                  <a:ext uri="{FF2B5EF4-FFF2-40B4-BE49-F238E27FC236}">
+                    <a16:creationId xmlns:a16="http://schemas.microsoft.com/office/drawing/2014/main" id="{4E90FC9F-917F-5E58-5906-689875E47E39}"/>
+                  </a:ext>
+                </a:extLst>
+              </p:cNvPr>
+              <p:cNvCxnSpPr/>
+              <p:nvPr/>
+            </p:nvCxnSpPr>
+            <p:spPr>
+              <a:xfrm flipH="1">
+                <a:off x="3657598" y="5755788"/>
+                <a:ext cx="646981" cy="0"/>
+              </a:xfrm>
+              <a:prstGeom prst="straightConnector1">
+                <a:avLst/>
+              </a:prstGeom>
+              <a:ln w="38100" cap="flat" cmpd="sng" algn="ctr">
+                <a:solidFill>
+                  <a:schemeClr val="tx1"/>
+                </a:solidFill>
+                <a:prstDash val="dash"/>
+                <a:round/>
+                <a:headEnd type="none" w="med" len="med"/>
+                <a:tailEnd type="none" w="med" len="med"/>
+              </a:ln>
+            </p:spPr>
+            <p:style>
+              <a:lnRef idx="0">
+                <a:scrgbClr r="0" g="0" b="0"/>
+              </a:lnRef>
+              <a:fillRef idx="0">
+                <a:scrgbClr r="0" g="0" b="0"/>
+              </a:fillRef>
+              <a:effectRef idx="0">
+                <a:scrgbClr r="0" g="0" b="0"/>
+              </a:effectRef>
+              <a:fontRef idx="minor">
+                <a:schemeClr val="tx1"/>
+              </a:fontRef>
+            </p:style>
+          </p:cxnSp>
+          <p:cxnSp>
+            <p:nvCxnSpPr>
+              <p:cNvPr id="25" name="Straight Arrow Connector 24">
+                <a:extLst>
+                  <a:ext uri="{FF2B5EF4-FFF2-40B4-BE49-F238E27FC236}">
+                    <a16:creationId xmlns:a16="http://schemas.microsoft.com/office/drawing/2014/main" id="{142EC4BA-1C18-A0E8-22BD-86EDA5329632}"/>
+                  </a:ext>
+                </a:extLst>
+              </p:cNvPr>
+              <p:cNvCxnSpPr/>
+              <p:nvPr/>
+            </p:nvCxnSpPr>
+            <p:spPr>
+              <a:xfrm flipH="1">
+                <a:off x="3657598" y="6106596"/>
+                <a:ext cx="646981" cy="0"/>
+              </a:xfrm>
+              <a:prstGeom prst="straightConnector1">
+                <a:avLst/>
+              </a:prstGeom>
+              <a:ln w="28575">
+                <a:headEnd type="none" w="med" len="med"/>
+                <a:tailEnd type="none" w="med" len="med"/>
+              </a:ln>
+            </p:spPr>
+            <p:style>
+              <a:lnRef idx="1">
+                <a:schemeClr val="dk1"/>
+              </a:lnRef>
+              <a:fillRef idx="0">
+                <a:schemeClr val="dk1"/>
+              </a:fillRef>
+              <a:effectRef idx="0">
+                <a:schemeClr val="dk1"/>
+              </a:effectRef>
+              <a:fontRef idx="minor">
+                <a:schemeClr val="tx1"/>
+              </a:fontRef>
+            </p:style>
+          </p:cxnSp>
+          <p:sp>
+            <p:nvSpPr>
+              <p:cNvPr id="26" name="TextBox 25">
+                <a:extLst>
+                  <a:ext uri="{FF2B5EF4-FFF2-40B4-BE49-F238E27FC236}">
+                    <a16:creationId xmlns:a16="http://schemas.microsoft.com/office/drawing/2014/main" id="{EF8B0E49-1CC2-24BC-9338-DD1B4D86FB23}"/>
+                  </a:ext>
+                </a:extLst>
+              </p:cNvPr>
+              <p:cNvSpPr txBox="1"/>
+              <p:nvPr/>
+            </p:nvSpPr>
+            <p:spPr>
+              <a:xfrm>
+                <a:off x="4346256" y="5555443"/>
+                <a:ext cx="5910552" cy="369332"/>
+              </a:xfrm>
+              <a:prstGeom prst="rect">
+                <a:avLst/>
+              </a:prstGeom>
+              <a:noFill/>
+            </p:spPr>
+            <p:txBody>
+              <a:bodyPr wrap="square">
+                <a:spAutoFit/>
+              </a:bodyPr>
+              <a:lstStyle/>
+              <a:p>
+                <a:r>
+                  <a:rPr lang="en-CA" dirty="0"/>
+                  <a:t>Tandem run (blue = to dark nest, yellow = to light nest)</a:t>
+                </a:r>
+              </a:p>
+            </p:txBody>
+          </p:sp>
+          <p:sp>
+            <p:nvSpPr>
+              <p:cNvPr id="27" name="TextBox 26">
+                <a:extLst>
+                  <a:ext uri="{FF2B5EF4-FFF2-40B4-BE49-F238E27FC236}">
+                    <a16:creationId xmlns:a16="http://schemas.microsoft.com/office/drawing/2014/main" id="{7DC9CEF5-531E-EC29-94F1-8C78A0B2007E}"/>
+                  </a:ext>
+                </a:extLst>
+              </p:cNvPr>
+              <p:cNvSpPr txBox="1"/>
+              <p:nvPr/>
+            </p:nvSpPr>
+            <p:spPr>
+              <a:xfrm>
+                <a:off x="4346256" y="5883151"/>
+                <a:ext cx="5617253" cy="369332"/>
+              </a:xfrm>
+              <a:prstGeom prst="rect">
+                <a:avLst/>
+              </a:prstGeom>
+              <a:noFill/>
+            </p:spPr>
+            <p:txBody>
+              <a:bodyPr wrap="square">
+                <a:spAutoFit/>
+              </a:bodyPr>
+              <a:lstStyle/>
+              <a:p>
+                <a:r>
+                  <a:rPr lang="en-CA" dirty="0"/>
+                  <a:t>Transport (blue = to dark nest, yellow = to light nest)</a:t>
+                </a:r>
+              </a:p>
+            </p:txBody>
+          </p:sp>
+        </p:grpSp>
+        <p:sp>
+          <p:nvSpPr>
+            <p:cNvPr id="13" name="TextBox 12">
+              <a:extLst>
+                <a:ext uri="{FF2B5EF4-FFF2-40B4-BE49-F238E27FC236}">
+                  <a16:creationId xmlns:a16="http://schemas.microsoft.com/office/drawing/2014/main" id="{53FFD5B2-AB3A-94EC-867A-993D63C7F689}"/>
+                </a:ext>
+              </a:extLst>
+            </p:cNvPr>
+            <p:cNvSpPr txBox="1"/>
+            <p:nvPr/>
+          </p:nvSpPr>
+          <p:spPr>
+            <a:xfrm>
+              <a:off x="120768" y="6319872"/>
+              <a:ext cx="4531743" cy="369332"/>
+            </a:xfrm>
+            <a:prstGeom prst="rect">
+              <a:avLst/>
+            </a:prstGeom>
+            <a:noFill/>
+          </p:spPr>
+          <p:txBody>
+            <a:bodyPr wrap="square">
+              <a:spAutoFit/>
+            </a:bodyPr>
+            <a:lstStyle/>
+            <a:p>
+              <a:r>
+                <a:rPr lang="en-CA" dirty="0"/>
+                <a:t>Node size and edge width = out-strength</a:t>
+              </a:r>
+            </a:p>
+          </p:txBody>
+        </p:sp>
+        <p:grpSp>
+          <p:nvGrpSpPr>
+            <p:cNvPr id="14" name="Group 13">
+              <a:extLst>
+                <a:ext uri="{FF2B5EF4-FFF2-40B4-BE49-F238E27FC236}">
+                  <a16:creationId xmlns:a16="http://schemas.microsoft.com/office/drawing/2014/main" id="{84A6B146-E120-D615-E91B-D92E7F654EE2}"/>
+                </a:ext>
+              </a:extLst>
+            </p:cNvPr>
+            <p:cNvGrpSpPr/>
+            <p:nvPr/>
+          </p:nvGrpSpPr>
+          <p:grpSpPr>
+            <a:xfrm>
+              <a:off x="204158" y="4896023"/>
+              <a:ext cx="4687019" cy="1406023"/>
+              <a:chOff x="212785" y="4700108"/>
+              <a:chExt cx="4687019" cy="1406023"/>
+            </a:xfrm>
+          </p:grpSpPr>
+          <p:grpSp>
+            <p:nvGrpSpPr>
+              <p:cNvPr id="15" name="Group 14">
+                <a:extLst>
+                  <a:ext uri="{FF2B5EF4-FFF2-40B4-BE49-F238E27FC236}">
+                    <a16:creationId xmlns:a16="http://schemas.microsoft.com/office/drawing/2014/main" id="{B73645BA-48E9-A5E3-C4BD-B7FDBAE2D7BE}"/>
+                  </a:ext>
+                </a:extLst>
+              </p:cNvPr>
+              <p:cNvGrpSpPr/>
+              <p:nvPr/>
+            </p:nvGrpSpPr>
+            <p:grpSpPr>
+              <a:xfrm>
+                <a:off x="212785" y="4700108"/>
+                <a:ext cx="3048001" cy="1044130"/>
+                <a:chOff x="204159" y="5406760"/>
+                <a:chExt cx="3146713" cy="1044130"/>
+              </a:xfrm>
+            </p:grpSpPr>
+            <p:sp>
+              <p:nvSpPr>
+                <p:cNvPr id="18" name="Oval 17">
+                  <a:extLst>
+                    <a:ext uri="{FF2B5EF4-FFF2-40B4-BE49-F238E27FC236}">
+                      <a16:creationId xmlns:a16="http://schemas.microsoft.com/office/drawing/2014/main" id="{4BA4457A-7B86-72D6-A039-32BEE524E732}"/>
+                    </a:ext>
+                  </a:extLst>
+                </p:cNvPr>
+                <p:cNvSpPr/>
+                <p:nvPr/>
+              </p:nvSpPr>
+              <p:spPr>
+                <a:xfrm>
+                  <a:off x="204159" y="5479251"/>
+                  <a:ext cx="276045" cy="267419"/>
+                </a:xfrm>
+                <a:prstGeom prst="ellipse">
+                  <a:avLst/>
+                </a:prstGeom>
+                <a:solidFill>
+                  <a:srgbClr val="E9C46A"/>
+                </a:solidFill>
+                <a:ln>
+                  <a:solidFill>
+                    <a:schemeClr val="tx1"/>
+                  </a:solidFill>
+                </a:ln>
+              </p:spPr>
+              <p:style>
+                <a:lnRef idx="2">
+                  <a:schemeClr val="accent1">
+                    <a:shade val="50000"/>
+                  </a:schemeClr>
+                </a:lnRef>
+                <a:fillRef idx="1">
+                  <a:schemeClr val="accent1"/>
+                </a:fillRef>
+                <a:effectRef idx="0">
+                  <a:schemeClr val="accent1"/>
+                </a:effectRef>
+                <a:fontRef idx="minor">
+                  <a:schemeClr val="lt1"/>
+                </a:fontRef>
+              </p:style>
+              <p:txBody>
+                <a:bodyPr rtlCol="0" anchor="ctr"/>
+                <a:lstStyle/>
+                <a:p>
+                  <a:pPr algn="ctr"/>
+                  <a:endParaRPr lang="en-CA"/>
+                </a:p>
+              </p:txBody>
+            </p:sp>
+            <p:sp>
+              <p:nvSpPr>
+                <p:cNvPr id="19" name="Oval 18">
+                  <a:extLst>
+                    <a:ext uri="{FF2B5EF4-FFF2-40B4-BE49-F238E27FC236}">
+                      <a16:creationId xmlns:a16="http://schemas.microsoft.com/office/drawing/2014/main" id="{5DA50CEA-9823-6D0E-D655-911E72051D25}"/>
+                    </a:ext>
+                  </a:extLst>
+                </p:cNvPr>
+                <p:cNvSpPr/>
+                <p:nvPr/>
+              </p:nvSpPr>
+              <p:spPr>
+                <a:xfrm>
+                  <a:off x="204159" y="5805513"/>
+                  <a:ext cx="276045" cy="267419"/>
+                </a:xfrm>
+                <a:prstGeom prst="ellipse">
+                  <a:avLst/>
+                </a:prstGeom>
+                <a:solidFill>
+                  <a:srgbClr val="108AB2"/>
+                </a:solidFill>
+                <a:ln>
+                  <a:solidFill>
+                    <a:schemeClr val="tx1"/>
+                  </a:solidFill>
+                </a:ln>
+              </p:spPr>
+              <p:style>
+                <a:lnRef idx="2">
+                  <a:schemeClr val="accent1">
+                    <a:shade val="50000"/>
+                  </a:schemeClr>
+                </a:lnRef>
+                <a:fillRef idx="1">
+                  <a:schemeClr val="accent1"/>
+                </a:fillRef>
+                <a:effectRef idx="0">
+                  <a:schemeClr val="accent1"/>
+                </a:effectRef>
+                <a:fontRef idx="minor">
+                  <a:schemeClr val="lt1"/>
+                </a:fontRef>
+              </p:style>
+              <p:txBody>
+                <a:bodyPr rtlCol="0" anchor="ctr"/>
+                <a:lstStyle/>
+                <a:p>
+                  <a:pPr algn="ctr"/>
+                  <a:endParaRPr lang="en-CA" dirty="0"/>
+                </a:p>
+              </p:txBody>
+            </p:sp>
+            <p:sp>
+              <p:nvSpPr>
+                <p:cNvPr id="20" name="Oval 19">
+                  <a:extLst>
+                    <a:ext uri="{FF2B5EF4-FFF2-40B4-BE49-F238E27FC236}">
+                      <a16:creationId xmlns:a16="http://schemas.microsoft.com/office/drawing/2014/main" id="{1FE95CD7-198C-1735-4654-38C08DE5BD09}"/>
+                    </a:ext>
+                  </a:extLst>
+                </p:cNvPr>
+                <p:cNvSpPr/>
+                <p:nvPr/>
+              </p:nvSpPr>
+              <p:spPr>
+                <a:xfrm>
+                  <a:off x="204159" y="6140401"/>
+                  <a:ext cx="276046" cy="267419"/>
+                </a:xfrm>
+                <a:prstGeom prst="ellipse">
+                  <a:avLst/>
+                </a:prstGeom>
+                <a:solidFill>
+                  <a:srgbClr val="A6C48A"/>
+                </a:solidFill>
+                <a:ln>
+                  <a:solidFill>
+                    <a:schemeClr val="tx1"/>
+                  </a:solidFill>
+                </a:ln>
+              </p:spPr>
+              <p:style>
+                <a:lnRef idx="2">
+                  <a:schemeClr val="accent1">
+                    <a:shade val="50000"/>
+                  </a:schemeClr>
+                </a:lnRef>
+                <a:fillRef idx="1">
+                  <a:schemeClr val="accent1"/>
+                </a:fillRef>
+                <a:effectRef idx="0">
+                  <a:schemeClr val="accent1"/>
+                </a:effectRef>
+                <a:fontRef idx="minor">
+                  <a:schemeClr val="lt1"/>
+                </a:fontRef>
+              </p:style>
+              <p:txBody>
+                <a:bodyPr rtlCol="0" anchor="ctr"/>
+                <a:lstStyle/>
+                <a:p>
+                  <a:pPr algn="ctr"/>
+                  <a:endParaRPr lang="en-CA"/>
+                </a:p>
+              </p:txBody>
+            </p:sp>
+            <p:sp>
+              <p:nvSpPr>
+                <p:cNvPr id="21" name="TextBox 20">
+                  <a:extLst>
+                    <a:ext uri="{FF2B5EF4-FFF2-40B4-BE49-F238E27FC236}">
+                      <a16:creationId xmlns:a16="http://schemas.microsoft.com/office/drawing/2014/main" id="{AE9C8E9C-9042-F37F-6EDF-432CB89C2CA7}"/>
+                    </a:ext>
+                  </a:extLst>
+                </p:cNvPr>
+                <p:cNvSpPr txBox="1"/>
+                <p:nvPr/>
+              </p:nvSpPr>
+              <p:spPr>
+                <a:xfrm>
+                  <a:off x="480204" y="5406760"/>
+                  <a:ext cx="2870668" cy="369332"/>
+                </a:xfrm>
+                <a:prstGeom prst="rect">
+                  <a:avLst/>
+                </a:prstGeom>
+                <a:noFill/>
+              </p:spPr>
+              <p:txBody>
+                <a:bodyPr wrap="square">
+                  <a:spAutoFit/>
+                </a:bodyPr>
+                <a:lstStyle/>
+                <a:p>
+                  <a:r>
+                    <a:rPr lang="en-CA" dirty="0"/>
+                    <a:t>Interacted with light nest</a:t>
+                  </a:r>
+                </a:p>
+              </p:txBody>
+            </p:sp>
+            <p:sp>
+              <p:nvSpPr>
+                <p:cNvPr id="22" name="TextBox 21">
+                  <a:extLst>
+                    <a:ext uri="{FF2B5EF4-FFF2-40B4-BE49-F238E27FC236}">
+                      <a16:creationId xmlns:a16="http://schemas.microsoft.com/office/drawing/2014/main" id="{33B4E8B0-CD99-E7E7-6981-AD78E4CB8E04}"/>
+                    </a:ext>
+                  </a:extLst>
+                </p:cNvPr>
+                <p:cNvSpPr txBox="1"/>
+                <p:nvPr/>
+              </p:nvSpPr>
+              <p:spPr>
+                <a:xfrm>
+                  <a:off x="480204" y="5746670"/>
+                  <a:ext cx="2665834" cy="369332"/>
+                </a:xfrm>
+                <a:prstGeom prst="rect">
+                  <a:avLst/>
+                </a:prstGeom>
+                <a:noFill/>
+              </p:spPr>
+              <p:txBody>
+                <a:bodyPr wrap="square">
+                  <a:spAutoFit/>
+                </a:bodyPr>
+                <a:lstStyle/>
+                <a:p>
+                  <a:r>
+                    <a:rPr lang="en-CA" dirty="0"/>
+                    <a:t>Interacted with dark nest</a:t>
+                  </a:r>
+                </a:p>
+              </p:txBody>
+            </p:sp>
+            <p:sp>
+              <p:nvSpPr>
+                <p:cNvPr id="23" name="TextBox 22">
+                  <a:extLst>
+                    <a:ext uri="{FF2B5EF4-FFF2-40B4-BE49-F238E27FC236}">
+                      <a16:creationId xmlns:a16="http://schemas.microsoft.com/office/drawing/2014/main" id="{7F11FE76-527A-7817-BCA0-127752A8AFE8}"/>
+                    </a:ext>
+                  </a:extLst>
+                </p:cNvPr>
+                <p:cNvSpPr txBox="1"/>
+                <p:nvPr/>
+              </p:nvSpPr>
+              <p:spPr>
+                <a:xfrm>
+                  <a:off x="480205" y="6081558"/>
+                  <a:ext cx="2870667" cy="369332"/>
+                </a:xfrm>
+                <a:prstGeom prst="rect">
+                  <a:avLst/>
+                </a:prstGeom>
+                <a:noFill/>
+              </p:spPr>
+              <p:txBody>
+                <a:bodyPr wrap="square">
+                  <a:spAutoFit/>
+                </a:bodyPr>
+                <a:lstStyle/>
+                <a:p>
+                  <a:r>
+                    <a:rPr lang="en-CA" dirty="0"/>
+                    <a:t>Interacted with both nests</a:t>
+                  </a:r>
+                </a:p>
+              </p:txBody>
+            </p:sp>
+          </p:grpSp>
+          <p:sp>
+            <p:nvSpPr>
+              <p:cNvPr id="16" name="Oval 15">
+                <a:extLst>
+                  <a:ext uri="{FF2B5EF4-FFF2-40B4-BE49-F238E27FC236}">
+                    <a16:creationId xmlns:a16="http://schemas.microsoft.com/office/drawing/2014/main" id="{C9835EA6-9A36-7BB2-9C3A-5948731F5A5F}"/>
+                  </a:ext>
+                </a:extLst>
+              </p:cNvPr>
+              <p:cNvSpPr/>
+              <p:nvPr/>
+            </p:nvSpPr>
+            <p:spPr>
+              <a:xfrm>
+                <a:off x="212785" y="5777845"/>
+                <a:ext cx="267386" cy="267419"/>
+              </a:xfrm>
+              <a:prstGeom prst="ellipse">
+                <a:avLst/>
+              </a:prstGeom>
+              <a:solidFill>
+                <a:srgbClr val="D9DCD6"/>
+              </a:solidFill>
+              <a:ln>
+                <a:solidFill>
+                  <a:schemeClr val="tx1"/>
+                </a:solidFill>
+              </a:ln>
+            </p:spPr>
+            <p:style>
+              <a:lnRef idx="2">
+                <a:schemeClr val="accent1">
+                  <a:shade val="50000"/>
+                </a:schemeClr>
+              </a:lnRef>
+              <a:fillRef idx="1">
+                <a:schemeClr val="accent1"/>
+              </a:fillRef>
+              <a:effectRef idx="0">
+                <a:schemeClr val="accent1"/>
+              </a:effectRef>
+              <a:fontRef idx="minor">
+                <a:schemeClr val="lt1"/>
+              </a:fontRef>
+            </p:style>
+            <p:txBody>
+              <a:bodyPr rtlCol="0" anchor="ctr"/>
+              <a:lstStyle/>
+              <a:p>
+                <a:pPr algn="ctr"/>
+                <a:endParaRPr lang="en-CA"/>
+              </a:p>
+            </p:txBody>
+          </p:sp>
+          <p:sp>
+            <p:nvSpPr>
+              <p:cNvPr id="17" name="TextBox 16">
+                <a:extLst>
+                  <a:ext uri="{FF2B5EF4-FFF2-40B4-BE49-F238E27FC236}">
+                    <a16:creationId xmlns:a16="http://schemas.microsoft.com/office/drawing/2014/main" id="{FB8041D6-F8EE-476E-17AD-48B64F8C977B}"/>
+                  </a:ext>
+                </a:extLst>
+              </p:cNvPr>
+              <p:cNvSpPr txBox="1"/>
+              <p:nvPr/>
+            </p:nvSpPr>
+            <p:spPr>
+              <a:xfrm>
+                <a:off x="480171" y="5736799"/>
+                <a:ext cx="4419633" cy="369332"/>
+              </a:xfrm>
+              <a:prstGeom prst="rect">
+                <a:avLst/>
+              </a:prstGeom>
+              <a:noFill/>
+            </p:spPr>
+            <p:txBody>
+              <a:bodyPr wrap="square">
+                <a:spAutoFit/>
+              </a:bodyPr>
+              <a:lstStyle/>
+              <a:p>
+                <a:r>
+                  <a:rPr lang="en-CA" dirty="0"/>
+                  <a:t>Not involved in tandem runs or transports</a:t>
+                </a:r>
+              </a:p>
+            </p:txBody>
+          </p:sp>
+        </p:grpSp>
+      </p:grpSp>
+      <p:grpSp>
+        <p:nvGrpSpPr>
+          <p:cNvPr id="30" name="Group 29">
+            <a:extLst>
+              <a:ext uri="{FF2B5EF4-FFF2-40B4-BE49-F238E27FC236}">
+                <a16:creationId xmlns:a16="http://schemas.microsoft.com/office/drawing/2014/main" id="{DF76D027-DEE5-F90D-23F7-2B61C639D724}"/>
+              </a:ext>
+            </a:extLst>
+          </p:cNvPr>
+          <p:cNvGrpSpPr/>
+          <p:nvPr/>
+        </p:nvGrpSpPr>
+        <p:grpSpPr>
+          <a:xfrm>
+            <a:off x="287781" y="996251"/>
+            <a:ext cx="3504192" cy="3273826"/>
+            <a:chOff x="287781" y="1263675"/>
+            <a:chExt cx="3504192" cy="3273826"/>
+          </a:xfrm>
+        </p:grpSpPr>
+        <p:pic>
+          <p:nvPicPr>
+            <p:cNvPr id="3" name="Picture 2">
+              <a:extLst>
+                <a:ext uri="{FF2B5EF4-FFF2-40B4-BE49-F238E27FC236}">
+                  <a16:creationId xmlns:a16="http://schemas.microsoft.com/office/drawing/2014/main" id="{8A14519B-77A8-5CBD-CC62-5505505CF6E6}"/>
+                </a:ext>
+              </a:extLst>
+            </p:cNvPr>
+            <p:cNvPicPr>
+              <a:picLocks noChangeAspect="1"/>
+            </p:cNvPicPr>
+            <p:nvPr/>
+          </p:nvPicPr>
+          <p:blipFill rotWithShape="1">
+            <a:blip r:embed="rId2"/>
+            <a:srcRect r="16977"/>
+            <a:stretch/>
+          </p:blipFill>
+          <p:spPr>
+            <a:xfrm>
+              <a:off x="287781" y="1263675"/>
+              <a:ext cx="3085147" cy="3273826"/>
+            </a:xfrm>
+            <a:prstGeom prst="rect">
+              <a:avLst/>
+            </a:prstGeom>
+          </p:spPr>
+        </p:pic>
+        <p:pic>
+          <p:nvPicPr>
+            <p:cNvPr id="29" name="Picture 28">
+              <a:extLst>
+                <a:ext uri="{FF2B5EF4-FFF2-40B4-BE49-F238E27FC236}">
+                  <a16:creationId xmlns:a16="http://schemas.microsoft.com/office/drawing/2014/main" id="{C76D11D5-967A-B1C2-EF17-ECBF0CD31699}"/>
+                </a:ext>
+              </a:extLst>
+            </p:cNvPr>
+            <p:cNvPicPr>
+              <a:picLocks noChangeAspect="1"/>
+            </p:cNvPicPr>
+            <p:nvPr/>
+          </p:nvPicPr>
+          <p:blipFill>
+            <a:blip r:embed="rId3"/>
+            <a:stretch>
+              <a:fillRect/>
+            </a:stretch>
+          </p:blipFill>
+          <p:spPr>
+            <a:xfrm>
+              <a:off x="3106789" y="2388214"/>
+              <a:ext cx="685184" cy="2081572"/>
+            </a:xfrm>
+            <a:prstGeom prst="rect">
+              <a:avLst/>
+            </a:prstGeom>
+          </p:spPr>
+        </p:pic>
+      </p:grpSp>
+      <p:grpSp>
+        <p:nvGrpSpPr>
+          <p:cNvPr id="34" name="Group 33">
+            <a:extLst>
+              <a:ext uri="{FF2B5EF4-FFF2-40B4-BE49-F238E27FC236}">
+                <a16:creationId xmlns:a16="http://schemas.microsoft.com/office/drawing/2014/main" id="{48EA52CE-3C9A-35D3-DB4D-C6FE2C4DF903}"/>
+              </a:ext>
+            </a:extLst>
+          </p:cNvPr>
+          <p:cNvGrpSpPr/>
+          <p:nvPr/>
+        </p:nvGrpSpPr>
+        <p:grpSpPr>
+          <a:xfrm>
+            <a:off x="4280029" y="996251"/>
+            <a:ext cx="3483322" cy="3273826"/>
+            <a:chOff x="4211019" y="1263675"/>
+            <a:chExt cx="3483322" cy="3273826"/>
+          </a:xfrm>
+        </p:grpSpPr>
+        <p:pic>
+          <p:nvPicPr>
+            <p:cNvPr id="10" name="Picture 9">
+              <a:extLst>
+                <a:ext uri="{FF2B5EF4-FFF2-40B4-BE49-F238E27FC236}">
+                  <a16:creationId xmlns:a16="http://schemas.microsoft.com/office/drawing/2014/main" id="{BB08A3CF-DCFB-302A-24B1-4A67D204CF42}"/>
+                </a:ext>
+              </a:extLst>
+            </p:cNvPr>
+            <p:cNvPicPr>
+              <a:picLocks noChangeAspect="1"/>
+            </p:cNvPicPr>
+            <p:nvPr/>
+          </p:nvPicPr>
+          <p:blipFill rotWithShape="1">
+            <a:blip r:embed="rId4"/>
+            <a:srcRect r="19339"/>
+            <a:stretch/>
+          </p:blipFill>
+          <p:spPr>
+            <a:xfrm>
+              <a:off x="4211019" y="1263675"/>
+              <a:ext cx="3017917" cy="3273826"/>
+            </a:xfrm>
+            <a:prstGeom prst="rect">
+              <a:avLst/>
+            </a:prstGeom>
+          </p:spPr>
+        </p:pic>
+        <p:pic>
+          <p:nvPicPr>
+            <p:cNvPr id="32" name="Picture 31">
+              <a:extLst>
+                <a:ext uri="{FF2B5EF4-FFF2-40B4-BE49-F238E27FC236}">
+                  <a16:creationId xmlns:a16="http://schemas.microsoft.com/office/drawing/2014/main" id="{EF93E831-C867-C91A-AFDF-41F23646F2E9}"/>
+                </a:ext>
+              </a:extLst>
+            </p:cNvPr>
+            <p:cNvPicPr>
+              <a:picLocks noChangeAspect="1"/>
+            </p:cNvPicPr>
+            <p:nvPr/>
+          </p:nvPicPr>
+          <p:blipFill>
+            <a:blip r:embed="rId5"/>
+            <a:stretch>
+              <a:fillRect/>
+            </a:stretch>
+          </p:blipFill>
+          <p:spPr>
+            <a:xfrm>
+              <a:off x="6943462" y="2281463"/>
+              <a:ext cx="750879" cy="2199633"/>
+            </a:xfrm>
+            <a:prstGeom prst="rect">
+              <a:avLst/>
+            </a:prstGeom>
+          </p:spPr>
+        </p:pic>
+      </p:grpSp>
+      <p:grpSp>
+        <p:nvGrpSpPr>
+          <p:cNvPr id="35" name="Group 34">
+            <a:extLst>
+              <a:ext uri="{FF2B5EF4-FFF2-40B4-BE49-F238E27FC236}">
+                <a16:creationId xmlns:a16="http://schemas.microsoft.com/office/drawing/2014/main" id="{2A498465-F8F6-78A9-FEF9-F920F7E19F84}"/>
+              </a:ext>
+            </a:extLst>
+          </p:cNvPr>
+          <p:cNvGrpSpPr/>
+          <p:nvPr/>
+        </p:nvGrpSpPr>
+        <p:grpSpPr>
+          <a:xfrm>
+            <a:off x="8159748" y="996251"/>
+            <a:ext cx="3508752" cy="3273826"/>
+            <a:chOff x="8159748" y="1263675"/>
+            <a:chExt cx="3508752" cy="3273826"/>
+          </a:xfrm>
+        </p:grpSpPr>
+        <p:pic>
+          <p:nvPicPr>
+            <p:cNvPr id="8" name="Picture 7">
+              <a:extLst>
+                <a:ext uri="{FF2B5EF4-FFF2-40B4-BE49-F238E27FC236}">
+                  <a16:creationId xmlns:a16="http://schemas.microsoft.com/office/drawing/2014/main" id="{0C32AFF1-6FD6-2187-EFC9-692E8CBBDD53}"/>
+                </a:ext>
+              </a:extLst>
+            </p:cNvPr>
+            <p:cNvPicPr>
+              <a:picLocks noChangeAspect="1"/>
+            </p:cNvPicPr>
+            <p:nvPr/>
+          </p:nvPicPr>
+          <p:blipFill rotWithShape="1">
+            <a:blip r:embed="rId6"/>
+            <a:srcRect r="25335"/>
+            <a:stretch/>
+          </p:blipFill>
+          <p:spPr>
+            <a:xfrm>
+              <a:off x="8159748" y="1263675"/>
+              <a:ext cx="2795799" cy="3273826"/>
+            </a:xfrm>
+            <a:prstGeom prst="rect">
+              <a:avLst/>
+            </a:prstGeom>
+          </p:spPr>
+        </p:pic>
+        <p:pic>
+          <p:nvPicPr>
+            <p:cNvPr id="33" name="Picture 32">
+              <a:extLst>
+                <a:ext uri="{FF2B5EF4-FFF2-40B4-BE49-F238E27FC236}">
+                  <a16:creationId xmlns:a16="http://schemas.microsoft.com/office/drawing/2014/main" id="{464F6333-B0B3-8C82-3E67-AD41F4BDB381}"/>
+                </a:ext>
+              </a:extLst>
+            </p:cNvPr>
+            <p:cNvPicPr>
+              <a:picLocks noChangeAspect="1"/>
+            </p:cNvPicPr>
+            <p:nvPr/>
+          </p:nvPicPr>
+          <p:blipFill>
+            <a:blip r:embed="rId5"/>
+            <a:stretch>
+              <a:fillRect/>
+            </a:stretch>
+          </p:blipFill>
+          <p:spPr>
+            <a:xfrm>
+              <a:off x="10917621" y="2337868"/>
+              <a:ext cx="750879" cy="2199633"/>
+            </a:xfrm>
+            <a:prstGeom prst="rect">
+              <a:avLst/>
+            </a:prstGeom>
+          </p:spPr>
+        </p:pic>
+      </p:grpSp>
     </p:spTree>
     <p:extLst>
       <p:ext uri="{BB962C8B-B14F-4D97-AF65-F5344CB8AC3E}">
-        <p14:creationId xmlns:p14="http://schemas.microsoft.com/office/powerpoint/2010/main" val="894331755"/>
+        <p14:creationId xmlns:p14="http://schemas.microsoft.com/office/powerpoint/2010/main" val="3174047095"/>
       </p:ext>
     </p:extLst>
   </p:cSld>
@@ -5551,7 +7205,7 @@
 </p:sld>
 </file>
 
-<file path=ppt/slides/slide7.xml><?xml version="1.0" encoding="utf-8"?>
+<file path=ppt/slides/slide6.xml><?xml version="1.0" encoding="utf-8"?>
 <p:sld xmlns:a="http://schemas.openxmlformats.org/drawingml/2006/main" xmlns:r="http://schemas.openxmlformats.org/officeDocument/2006/relationships" xmlns:p="http://schemas.openxmlformats.org/presentationml/2006/main">
   <p:cSld>
     <p:spTree>
@@ -5706,7 +7360,7 @@
 </p:sld>
 </file>
 
-<file path=ppt/slides/slide8.xml><?xml version="1.0" encoding="utf-8"?>
+<file path=ppt/slides/slide7.xml><?xml version="1.0" encoding="utf-8"?>
 <p:sld xmlns:a="http://schemas.openxmlformats.org/drawingml/2006/main" xmlns:r="http://schemas.openxmlformats.org/officeDocument/2006/relationships" xmlns:p="http://schemas.openxmlformats.org/presentationml/2006/main">
   <p:cSld>
     <p:spTree>
@@ -5728,7 +7382,7 @@
           <p:cNvPr id="3" name="Picture 2">
             <a:extLst>
               <a:ext uri="{FF2B5EF4-FFF2-40B4-BE49-F238E27FC236}">
-                <a16:creationId xmlns:a16="http://schemas.microsoft.com/office/drawing/2014/main" id="{8EB5A6EB-5D11-4975-B469-D9C55D199FAA}"/>
+                <a16:creationId xmlns:a16="http://schemas.microsoft.com/office/drawing/2014/main" id="{5FC76B53-9C71-E4DB-5A45-D345F856B7FF}"/>
               </a:ext>
             </a:extLst>
           </p:cNvPr>
@@ -5745,20 +7399,55 @@
         </p:blipFill>
         <p:spPr>
           <a:xfrm>
-            <a:off x="1161792" y="1844753"/>
-            <a:ext cx="3247949" cy="3233252"/>
+            <a:off x="371171" y="803204"/>
+            <a:ext cx="3783922" cy="3668435"/>
           </a:xfrm>
           <a:prstGeom prst="rect">
             <a:avLst/>
           </a:prstGeom>
         </p:spPr>
       </p:pic>
+      <p:sp>
+        <p:nvSpPr>
+          <p:cNvPr id="4" name="TextBox 3">
+            <a:extLst>
+              <a:ext uri="{FF2B5EF4-FFF2-40B4-BE49-F238E27FC236}">
+                <a16:creationId xmlns:a16="http://schemas.microsoft.com/office/drawing/2014/main" id="{C535AAD3-CBD7-A3AF-6463-BC5511707171}"/>
+              </a:ext>
+            </a:extLst>
+          </p:cNvPr>
+          <p:cNvSpPr txBox="1"/>
+          <p:nvPr/>
+        </p:nvSpPr>
+        <p:spPr>
+          <a:xfrm>
+            <a:off x="97720" y="257478"/>
+            <a:ext cx="5819955" cy="461665"/>
+          </a:xfrm>
+          <a:prstGeom prst="rect">
+            <a:avLst/>
+          </a:prstGeom>
+          <a:noFill/>
+        </p:spPr>
+        <p:txBody>
+          <a:bodyPr wrap="square" rtlCol="0">
+            <a:spAutoFit/>
+          </a:bodyPr>
+          <a:lstStyle/>
+          <a:p>
+            <a:r>
+              <a:rPr lang="en-CA" sz="2400" dirty="0"/>
+              <a:t>Colony 53 (Choice) </a:t>
+            </a:r>
+          </a:p>
+        </p:txBody>
+      </p:sp>
       <p:pic>
         <p:nvPicPr>
-          <p:cNvPr id="5" name="Picture 4">
-            <a:extLst>
-              <a:ext uri="{FF2B5EF4-FFF2-40B4-BE49-F238E27FC236}">
-                <a16:creationId xmlns:a16="http://schemas.microsoft.com/office/drawing/2014/main" id="{1C6674CB-0805-427F-B2AE-84AEAEC3BE33}"/>
+          <p:cNvPr id="6" name="Picture 5">
+            <a:extLst>
+              <a:ext uri="{FF2B5EF4-FFF2-40B4-BE49-F238E27FC236}">
+                <a16:creationId xmlns:a16="http://schemas.microsoft.com/office/drawing/2014/main" id="{25FF8A97-9853-CD6B-428D-F4D183182AA8}"/>
               </a:ext>
             </a:extLst>
           </p:cNvPr>
@@ -5775,20 +7464,650 @@
         </p:blipFill>
         <p:spPr>
           <a:xfrm>
-            <a:off x="4515394" y="1844752"/>
-            <a:ext cx="3161212" cy="3168495"/>
+            <a:off x="4300643" y="938253"/>
+            <a:ext cx="3697480" cy="3498958"/>
           </a:xfrm>
           <a:prstGeom prst="rect">
             <a:avLst/>
           </a:prstGeom>
         </p:spPr>
       </p:pic>
+      <p:grpSp>
+        <p:nvGrpSpPr>
+          <p:cNvPr id="7" name="Group 6">
+            <a:extLst>
+              <a:ext uri="{FF2B5EF4-FFF2-40B4-BE49-F238E27FC236}">
+                <a16:creationId xmlns:a16="http://schemas.microsoft.com/office/drawing/2014/main" id="{F31BADEB-B067-A66B-759D-EDDF38E4DD79}"/>
+              </a:ext>
+            </a:extLst>
+          </p:cNvPr>
+          <p:cNvGrpSpPr/>
+          <p:nvPr/>
+        </p:nvGrpSpPr>
+        <p:grpSpPr>
+          <a:xfrm>
+            <a:off x="263306" y="4807341"/>
+            <a:ext cx="11772154" cy="1793181"/>
+            <a:chOff x="120768" y="4896023"/>
+            <a:chExt cx="11772154" cy="1793181"/>
+          </a:xfrm>
+        </p:grpSpPr>
+        <p:grpSp>
+          <p:nvGrpSpPr>
+            <p:cNvPr id="8" name="Group 7">
+              <a:extLst>
+                <a:ext uri="{FF2B5EF4-FFF2-40B4-BE49-F238E27FC236}">
+                  <a16:creationId xmlns:a16="http://schemas.microsoft.com/office/drawing/2014/main" id="{45FBCAAD-B733-97FA-89AD-6CACC3094916}"/>
+                </a:ext>
+              </a:extLst>
+            </p:cNvPr>
+            <p:cNvGrpSpPr/>
+            <p:nvPr/>
+          </p:nvGrpSpPr>
+          <p:grpSpPr>
+            <a:xfrm>
+              <a:off x="5293712" y="5213675"/>
+              <a:ext cx="6599210" cy="697040"/>
+              <a:chOff x="3657598" y="5555443"/>
+              <a:chExt cx="6599210" cy="697040"/>
+            </a:xfrm>
+          </p:grpSpPr>
+          <p:cxnSp>
+            <p:nvCxnSpPr>
+              <p:cNvPr id="20" name="Straight Arrow Connector 19">
+                <a:extLst>
+                  <a:ext uri="{FF2B5EF4-FFF2-40B4-BE49-F238E27FC236}">
+                    <a16:creationId xmlns:a16="http://schemas.microsoft.com/office/drawing/2014/main" id="{A38D27DC-E4FC-7F47-9EFF-16D7DC25B210}"/>
+                  </a:ext>
+                </a:extLst>
+              </p:cNvPr>
+              <p:cNvCxnSpPr/>
+              <p:nvPr/>
+            </p:nvCxnSpPr>
+            <p:spPr>
+              <a:xfrm flipH="1">
+                <a:off x="3657598" y="5755788"/>
+                <a:ext cx="646981" cy="0"/>
+              </a:xfrm>
+              <a:prstGeom prst="straightConnector1">
+                <a:avLst/>
+              </a:prstGeom>
+              <a:ln w="38100" cap="flat" cmpd="sng" algn="ctr">
+                <a:solidFill>
+                  <a:schemeClr val="tx1"/>
+                </a:solidFill>
+                <a:prstDash val="dash"/>
+                <a:round/>
+                <a:headEnd type="none" w="med" len="med"/>
+                <a:tailEnd type="none" w="med" len="med"/>
+              </a:ln>
+            </p:spPr>
+            <p:style>
+              <a:lnRef idx="0">
+                <a:scrgbClr r="0" g="0" b="0"/>
+              </a:lnRef>
+              <a:fillRef idx="0">
+                <a:scrgbClr r="0" g="0" b="0"/>
+              </a:fillRef>
+              <a:effectRef idx="0">
+                <a:scrgbClr r="0" g="0" b="0"/>
+              </a:effectRef>
+              <a:fontRef idx="minor">
+                <a:schemeClr val="tx1"/>
+              </a:fontRef>
+            </p:style>
+          </p:cxnSp>
+          <p:cxnSp>
+            <p:nvCxnSpPr>
+              <p:cNvPr id="21" name="Straight Arrow Connector 20">
+                <a:extLst>
+                  <a:ext uri="{FF2B5EF4-FFF2-40B4-BE49-F238E27FC236}">
+                    <a16:creationId xmlns:a16="http://schemas.microsoft.com/office/drawing/2014/main" id="{B098CA4F-0686-C6A2-C353-62F859295D69}"/>
+                  </a:ext>
+                </a:extLst>
+              </p:cNvPr>
+              <p:cNvCxnSpPr/>
+              <p:nvPr/>
+            </p:nvCxnSpPr>
+            <p:spPr>
+              <a:xfrm flipH="1">
+                <a:off x="3657598" y="6106596"/>
+                <a:ext cx="646981" cy="0"/>
+              </a:xfrm>
+              <a:prstGeom prst="straightConnector1">
+                <a:avLst/>
+              </a:prstGeom>
+              <a:ln w="28575">
+                <a:headEnd type="none" w="med" len="med"/>
+                <a:tailEnd type="none" w="med" len="med"/>
+              </a:ln>
+            </p:spPr>
+            <p:style>
+              <a:lnRef idx="1">
+                <a:schemeClr val="dk1"/>
+              </a:lnRef>
+              <a:fillRef idx="0">
+                <a:schemeClr val="dk1"/>
+              </a:fillRef>
+              <a:effectRef idx="0">
+                <a:schemeClr val="dk1"/>
+              </a:effectRef>
+              <a:fontRef idx="minor">
+                <a:schemeClr val="tx1"/>
+              </a:fontRef>
+            </p:style>
+          </p:cxnSp>
+          <p:sp>
+            <p:nvSpPr>
+              <p:cNvPr id="22" name="TextBox 21">
+                <a:extLst>
+                  <a:ext uri="{FF2B5EF4-FFF2-40B4-BE49-F238E27FC236}">
+                    <a16:creationId xmlns:a16="http://schemas.microsoft.com/office/drawing/2014/main" id="{58D84EF8-D458-84F2-31DD-21ADD3A2C87A}"/>
+                  </a:ext>
+                </a:extLst>
+              </p:cNvPr>
+              <p:cNvSpPr txBox="1"/>
+              <p:nvPr/>
+            </p:nvSpPr>
+            <p:spPr>
+              <a:xfrm>
+                <a:off x="4346256" y="5555443"/>
+                <a:ext cx="5910552" cy="369332"/>
+              </a:xfrm>
+              <a:prstGeom prst="rect">
+                <a:avLst/>
+              </a:prstGeom>
+              <a:noFill/>
+            </p:spPr>
+            <p:txBody>
+              <a:bodyPr wrap="square">
+                <a:spAutoFit/>
+              </a:bodyPr>
+              <a:lstStyle/>
+              <a:p>
+                <a:r>
+                  <a:rPr lang="en-CA" dirty="0"/>
+                  <a:t>Tandem run (blue = to dark nest, yellow = to light nest)</a:t>
+                </a:r>
+              </a:p>
+            </p:txBody>
+          </p:sp>
+          <p:sp>
+            <p:nvSpPr>
+              <p:cNvPr id="23" name="TextBox 22">
+                <a:extLst>
+                  <a:ext uri="{FF2B5EF4-FFF2-40B4-BE49-F238E27FC236}">
+                    <a16:creationId xmlns:a16="http://schemas.microsoft.com/office/drawing/2014/main" id="{02CD98B2-2051-B95E-FA6F-1FDBA26FCBDE}"/>
+                  </a:ext>
+                </a:extLst>
+              </p:cNvPr>
+              <p:cNvSpPr txBox="1"/>
+              <p:nvPr/>
+            </p:nvSpPr>
+            <p:spPr>
+              <a:xfrm>
+                <a:off x="4346256" y="5883151"/>
+                <a:ext cx="5617253" cy="369332"/>
+              </a:xfrm>
+              <a:prstGeom prst="rect">
+                <a:avLst/>
+              </a:prstGeom>
+              <a:noFill/>
+            </p:spPr>
+            <p:txBody>
+              <a:bodyPr wrap="square">
+                <a:spAutoFit/>
+              </a:bodyPr>
+              <a:lstStyle/>
+              <a:p>
+                <a:r>
+                  <a:rPr lang="en-CA" dirty="0"/>
+                  <a:t>Transport (blue = to dark nest, yellow = to light nest)</a:t>
+                </a:r>
+              </a:p>
+            </p:txBody>
+          </p:sp>
+        </p:grpSp>
+        <p:sp>
+          <p:nvSpPr>
+            <p:cNvPr id="9" name="TextBox 8">
+              <a:extLst>
+                <a:ext uri="{FF2B5EF4-FFF2-40B4-BE49-F238E27FC236}">
+                  <a16:creationId xmlns:a16="http://schemas.microsoft.com/office/drawing/2014/main" id="{56F95335-8EEC-DD52-0212-8322E8F76A94}"/>
+                </a:ext>
+              </a:extLst>
+            </p:cNvPr>
+            <p:cNvSpPr txBox="1"/>
+            <p:nvPr/>
+          </p:nvSpPr>
+          <p:spPr>
+            <a:xfrm>
+              <a:off x="120768" y="6319872"/>
+              <a:ext cx="4531743" cy="369332"/>
+            </a:xfrm>
+            <a:prstGeom prst="rect">
+              <a:avLst/>
+            </a:prstGeom>
+            <a:noFill/>
+          </p:spPr>
+          <p:txBody>
+            <a:bodyPr wrap="square">
+              <a:spAutoFit/>
+            </a:bodyPr>
+            <a:lstStyle/>
+            <a:p>
+              <a:r>
+                <a:rPr lang="en-CA" dirty="0"/>
+                <a:t>Node size and edge width = out-strength</a:t>
+              </a:r>
+            </a:p>
+          </p:txBody>
+        </p:sp>
+        <p:grpSp>
+          <p:nvGrpSpPr>
+            <p:cNvPr id="10" name="Group 9">
+              <a:extLst>
+                <a:ext uri="{FF2B5EF4-FFF2-40B4-BE49-F238E27FC236}">
+                  <a16:creationId xmlns:a16="http://schemas.microsoft.com/office/drawing/2014/main" id="{B0272DB5-6019-F017-0717-D5F6FB4CF3B3}"/>
+                </a:ext>
+              </a:extLst>
+            </p:cNvPr>
+            <p:cNvGrpSpPr/>
+            <p:nvPr/>
+          </p:nvGrpSpPr>
+          <p:grpSpPr>
+            <a:xfrm>
+              <a:off x="204158" y="4896023"/>
+              <a:ext cx="4687019" cy="1406023"/>
+              <a:chOff x="212785" y="4700108"/>
+              <a:chExt cx="4687019" cy="1406023"/>
+            </a:xfrm>
+          </p:grpSpPr>
+          <p:grpSp>
+            <p:nvGrpSpPr>
+              <p:cNvPr id="11" name="Group 10">
+                <a:extLst>
+                  <a:ext uri="{FF2B5EF4-FFF2-40B4-BE49-F238E27FC236}">
+                    <a16:creationId xmlns:a16="http://schemas.microsoft.com/office/drawing/2014/main" id="{804EB838-B58A-75EC-EDD5-53C3C2A5B388}"/>
+                  </a:ext>
+                </a:extLst>
+              </p:cNvPr>
+              <p:cNvGrpSpPr/>
+              <p:nvPr/>
+            </p:nvGrpSpPr>
+            <p:grpSpPr>
+              <a:xfrm>
+                <a:off x="212785" y="4700108"/>
+                <a:ext cx="3048001" cy="1044130"/>
+                <a:chOff x="204159" y="5406760"/>
+                <a:chExt cx="3146713" cy="1044130"/>
+              </a:xfrm>
+            </p:grpSpPr>
+            <p:sp>
+              <p:nvSpPr>
+                <p:cNvPr id="14" name="Oval 13">
+                  <a:extLst>
+                    <a:ext uri="{FF2B5EF4-FFF2-40B4-BE49-F238E27FC236}">
+                      <a16:creationId xmlns:a16="http://schemas.microsoft.com/office/drawing/2014/main" id="{6B00E164-3319-3AE1-06A9-0571439382C5}"/>
+                    </a:ext>
+                  </a:extLst>
+                </p:cNvPr>
+                <p:cNvSpPr/>
+                <p:nvPr/>
+              </p:nvSpPr>
+              <p:spPr>
+                <a:xfrm>
+                  <a:off x="204159" y="5479251"/>
+                  <a:ext cx="276045" cy="267419"/>
+                </a:xfrm>
+                <a:prstGeom prst="ellipse">
+                  <a:avLst/>
+                </a:prstGeom>
+                <a:solidFill>
+                  <a:srgbClr val="E9C46A"/>
+                </a:solidFill>
+                <a:ln>
+                  <a:solidFill>
+                    <a:schemeClr val="tx1"/>
+                  </a:solidFill>
+                </a:ln>
+              </p:spPr>
+              <p:style>
+                <a:lnRef idx="2">
+                  <a:schemeClr val="accent1">
+                    <a:shade val="50000"/>
+                  </a:schemeClr>
+                </a:lnRef>
+                <a:fillRef idx="1">
+                  <a:schemeClr val="accent1"/>
+                </a:fillRef>
+                <a:effectRef idx="0">
+                  <a:schemeClr val="accent1"/>
+                </a:effectRef>
+                <a:fontRef idx="minor">
+                  <a:schemeClr val="lt1"/>
+                </a:fontRef>
+              </p:style>
+              <p:txBody>
+                <a:bodyPr rtlCol="0" anchor="ctr"/>
+                <a:lstStyle/>
+                <a:p>
+                  <a:pPr algn="ctr"/>
+                  <a:endParaRPr lang="en-CA"/>
+                </a:p>
+              </p:txBody>
+            </p:sp>
+            <p:sp>
+              <p:nvSpPr>
+                <p:cNvPr id="15" name="Oval 14">
+                  <a:extLst>
+                    <a:ext uri="{FF2B5EF4-FFF2-40B4-BE49-F238E27FC236}">
+                      <a16:creationId xmlns:a16="http://schemas.microsoft.com/office/drawing/2014/main" id="{3948C92F-1EE7-6146-E329-E238D4437154}"/>
+                    </a:ext>
+                  </a:extLst>
+                </p:cNvPr>
+                <p:cNvSpPr/>
+                <p:nvPr/>
+              </p:nvSpPr>
+              <p:spPr>
+                <a:xfrm>
+                  <a:off x="204159" y="5805513"/>
+                  <a:ext cx="276045" cy="267419"/>
+                </a:xfrm>
+                <a:prstGeom prst="ellipse">
+                  <a:avLst/>
+                </a:prstGeom>
+                <a:solidFill>
+                  <a:srgbClr val="108AB2"/>
+                </a:solidFill>
+                <a:ln>
+                  <a:solidFill>
+                    <a:schemeClr val="tx1"/>
+                  </a:solidFill>
+                </a:ln>
+              </p:spPr>
+              <p:style>
+                <a:lnRef idx="2">
+                  <a:schemeClr val="accent1">
+                    <a:shade val="50000"/>
+                  </a:schemeClr>
+                </a:lnRef>
+                <a:fillRef idx="1">
+                  <a:schemeClr val="accent1"/>
+                </a:fillRef>
+                <a:effectRef idx="0">
+                  <a:schemeClr val="accent1"/>
+                </a:effectRef>
+                <a:fontRef idx="minor">
+                  <a:schemeClr val="lt1"/>
+                </a:fontRef>
+              </p:style>
+              <p:txBody>
+                <a:bodyPr rtlCol="0" anchor="ctr"/>
+                <a:lstStyle/>
+                <a:p>
+                  <a:pPr algn="ctr"/>
+                  <a:endParaRPr lang="en-CA" dirty="0"/>
+                </a:p>
+              </p:txBody>
+            </p:sp>
+            <p:sp>
+              <p:nvSpPr>
+                <p:cNvPr id="16" name="Oval 15">
+                  <a:extLst>
+                    <a:ext uri="{FF2B5EF4-FFF2-40B4-BE49-F238E27FC236}">
+                      <a16:creationId xmlns:a16="http://schemas.microsoft.com/office/drawing/2014/main" id="{8C2B049D-6A1A-6939-F62F-5FE5809D45DB}"/>
+                    </a:ext>
+                  </a:extLst>
+                </p:cNvPr>
+                <p:cNvSpPr/>
+                <p:nvPr/>
+              </p:nvSpPr>
+              <p:spPr>
+                <a:xfrm>
+                  <a:off x="204159" y="6140401"/>
+                  <a:ext cx="276046" cy="267419"/>
+                </a:xfrm>
+                <a:prstGeom prst="ellipse">
+                  <a:avLst/>
+                </a:prstGeom>
+                <a:solidFill>
+                  <a:srgbClr val="A6C48A"/>
+                </a:solidFill>
+                <a:ln>
+                  <a:solidFill>
+                    <a:schemeClr val="tx1"/>
+                  </a:solidFill>
+                </a:ln>
+              </p:spPr>
+              <p:style>
+                <a:lnRef idx="2">
+                  <a:schemeClr val="accent1">
+                    <a:shade val="50000"/>
+                  </a:schemeClr>
+                </a:lnRef>
+                <a:fillRef idx="1">
+                  <a:schemeClr val="accent1"/>
+                </a:fillRef>
+                <a:effectRef idx="0">
+                  <a:schemeClr val="accent1"/>
+                </a:effectRef>
+                <a:fontRef idx="minor">
+                  <a:schemeClr val="lt1"/>
+                </a:fontRef>
+              </p:style>
+              <p:txBody>
+                <a:bodyPr rtlCol="0" anchor="ctr"/>
+                <a:lstStyle/>
+                <a:p>
+                  <a:pPr algn="ctr"/>
+                  <a:endParaRPr lang="en-CA"/>
+                </a:p>
+              </p:txBody>
+            </p:sp>
+            <p:sp>
+              <p:nvSpPr>
+                <p:cNvPr id="17" name="TextBox 16">
+                  <a:extLst>
+                    <a:ext uri="{FF2B5EF4-FFF2-40B4-BE49-F238E27FC236}">
+                      <a16:creationId xmlns:a16="http://schemas.microsoft.com/office/drawing/2014/main" id="{71867FB3-86BF-AA66-E56F-24F83680EE8E}"/>
+                    </a:ext>
+                  </a:extLst>
+                </p:cNvPr>
+                <p:cNvSpPr txBox="1"/>
+                <p:nvPr/>
+              </p:nvSpPr>
+              <p:spPr>
+                <a:xfrm>
+                  <a:off x="480204" y="5406760"/>
+                  <a:ext cx="2870668" cy="369332"/>
+                </a:xfrm>
+                <a:prstGeom prst="rect">
+                  <a:avLst/>
+                </a:prstGeom>
+                <a:noFill/>
+              </p:spPr>
+              <p:txBody>
+                <a:bodyPr wrap="square">
+                  <a:spAutoFit/>
+                </a:bodyPr>
+                <a:lstStyle/>
+                <a:p>
+                  <a:r>
+                    <a:rPr lang="en-CA" dirty="0"/>
+                    <a:t>Interacted with light nest</a:t>
+                  </a:r>
+                </a:p>
+              </p:txBody>
+            </p:sp>
+            <p:sp>
+              <p:nvSpPr>
+                <p:cNvPr id="18" name="TextBox 17">
+                  <a:extLst>
+                    <a:ext uri="{FF2B5EF4-FFF2-40B4-BE49-F238E27FC236}">
+                      <a16:creationId xmlns:a16="http://schemas.microsoft.com/office/drawing/2014/main" id="{0C0F19B9-F77D-C85B-F63F-08100B3387F2}"/>
+                    </a:ext>
+                  </a:extLst>
+                </p:cNvPr>
+                <p:cNvSpPr txBox="1"/>
+                <p:nvPr/>
+              </p:nvSpPr>
+              <p:spPr>
+                <a:xfrm>
+                  <a:off x="480204" y="5746670"/>
+                  <a:ext cx="2665834" cy="369332"/>
+                </a:xfrm>
+                <a:prstGeom prst="rect">
+                  <a:avLst/>
+                </a:prstGeom>
+                <a:noFill/>
+              </p:spPr>
+              <p:txBody>
+                <a:bodyPr wrap="square">
+                  <a:spAutoFit/>
+                </a:bodyPr>
+                <a:lstStyle/>
+                <a:p>
+                  <a:r>
+                    <a:rPr lang="en-CA" dirty="0"/>
+                    <a:t>Interacted with dark nest</a:t>
+                  </a:r>
+                </a:p>
+              </p:txBody>
+            </p:sp>
+            <p:sp>
+              <p:nvSpPr>
+                <p:cNvPr id="19" name="TextBox 18">
+                  <a:extLst>
+                    <a:ext uri="{FF2B5EF4-FFF2-40B4-BE49-F238E27FC236}">
+                      <a16:creationId xmlns:a16="http://schemas.microsoft.com/office/drawing/2014/main" id="{910639C0-EA43-4015-5C6A-14D16C2D609B}"/>
+                    </a:ext>
+                  </a:extLst>
+                </p:cNvPr>
+                <p:cNvSpPr txBox="1"/>
+                <p:nvPr/>
+              </p:nvSpPr>
+              <p:spPr>
+                <a:xfrm>
+                  <a:off x="480205" y="6081558"/>
+                  <a:ext cx="2870667" cy="369332"/>
+                </a:xfrm>
+                <a:prstGeom prst="rect">
+                  <a:avLst/>
+                </a:prstGeom>
+                <a:noFill/>
+              </p:spPr>
+              <p:txBody>
+                <a:bodyPr wrap="square">
+                  <a:spAutoFit/>
+                </a:bodyPr>
+                <a:lstStyle/>
+                <a:p>
+                  <a:r>
+                    <a:rPr lang="en-CA" dirty="0"/>
+                    <a:t>Interacted with both nests</a:t>
+                  </a:r>
+                </a:p>
+              </p:txBody>
+            </p:sp>
+          </p:grpSp>
+          <p:sp>
+            <p:nvSpPr>
+              <p:cNvPr id="12" name="Oval 11">
+                <a:extLst>
+                  <a:ext uri="{FF2B5EF4-FFF2-40B4-BE49-F238E27FC236}">
+                    <a16:creationId xmlns:a16="http://schemas.microsoft.com/office/drawing/2014/main" id="{AE4E4A15-8769-D798-FD5C-CAC8F072D6C1}"/>
+                  </a:ext>
+                </a:extLst>
+              </p:cNvPr>
+              <p:cNvSpPr/>
+              <p:nvPr/>
+            </p:nvSpPr>
+            <p:spPr>
+              <a:xfrm>
+                <a:off x="212785" y="5777845"/>
+                <a:ext cx="267386" cy="267419"/>
+              </a:xfrm>
+              <a:prstGeom prst="ellipse">
+                <a:avLst/>
+              </a:prstGeom>
+              <a:solidFill>
+                <a:srgbClr val="D9DCD6"/>
+              </a:solidFill>
+              <a:ln>
+                <a:solidFill>
+                  <a:schemeClr val="tx1"/>
+                </a:solidFill>
+              </a:ln>
+            </p:spPr>
+            <p:style>
+              <a:lnRef idx="2">
+                <a:schemeClr val="accent1">
+                  <a:shade val="50000"/>
+                </a:schemeClr>
+              </a:lnRef>
+              <a:fillRef idx="1">
+                <a:schemeClr val="accent1"/>
+              </a:fillRef>
+              <a:effectRef idx="0">
+                <a:schemeClr val="accent1"/>
+              </a:effectRef>
+              <a:fontRef idx="minor">
+                <a:schemeClr val="lt1"/>
+              </a:fontRef>
+            </p:style>
+            <p:txBody>
+              <a:bodyPr rtlCol="0" anchor="ctr"/>
+              <a:lstStyle/>
+              <a:p>
+                <a:pPr algn="ctr"/>
+                <a:endParaRPr lang="en-CA"/>
+              </a:p>
+            </p:txBody>
+          </p:sp>
+          <p:sp>
+            <p:nvSpPr>
+              <p:cNvPr id="13" name="TextBox 12">
+                <a:extLst>
+                  <a:ext uri="{FF2B5EF4-FFF2-40B4-BE49-F238E27FC236}">
+                    <a16:creationId xmlns:a16="http://schemas.microsoft.com/office/drawing/2014/main" id="{968208FF-376F-9204-4CD2-F1550400A136}"/>
+                  </a:ext>
+                </a:extLst>
+              </p:cNvPr>
+              <p:cNvSpPr txBox="1"/>
+              <p:nvPr/>
+            </p:nvSpPr>
+            <p:spPr>
+              <a:xfrm>
+                <a:off x="480171" y="5736799"/>
+                <a:ext cx="4419633" cy="369332"/>
+              </a:xfrm>
+              <a:prstGeom prst="rect">
+                <a:avLst/>
+              </a:prstGeom>
+              <a:noFill/>
+            </p:spPr>
+            <p:txBody>
+              <a:bodyPr wrap="square">
+                <a:spAutoFit/>
+              </a:bodyPr>
+              <a:lstStyle/>
+              <a:p>
+                <a:r>
+                  <a:rPr lang="en-CA" dirty="0"/>
+                  <a:t>Not involved in tandem runs or transports</a:t>
+                </a:r>
+              </a:p>
+            </p:txBody>
+          </p:sp>
+        </p:grpSp>
+      </p:grpSp>
       <p:pic>
         <p:nvPicPr>
-          <p:cNvPr id="7" name="Picture 6">
-            <a:extLst>
-              <a:ext uri="{FF2B5EF4-FFF2-40B4-BE49-F238E27FC236}">
-                <a16:creationId xmlns:a16="http://schemas.microsoft.com/office/drawing/2014/main" id="{AEF3B082-E494-414C-89D4-7C65646EDAA8}"/>
+          <p:cNvPr id="25" name="Picture 24">
+            <a:extLst>
+              <a:ext uri="{FF2B5EF4-FFF2-40B4-BE49-F238E27FC236}">
+                <a16:creationId xmlns:a16="http://schemas.microsoft.com/office/drawing/2014/main" id="{9C55283E-EA6A-A687-1115-8AF0C2098171}"/>
               </a:ext>
             </a:extLst>
           </p:cNvPr>
@@ -5805,20 +8124,50 @@
         </p:blipFill>
         <p:spPr>
           <a:xfrm>
-            <a:off x="7782259" y="1844752"/>
-            <a:ext cx="3204748" cy="3168495"/>
+            <a:off x="8268129" y="994913"/>
+            <a:ext cx="3647530" cy="3433709"/>
           </a:xfrm>
           <a:prstGeom prst="rect">
             <a:avLst/>
           </a:prstGeom>
         </p:spPr>
       </p:pic>
+    </p:spTree>
+    <p:extLst>
+      <p:ext uri="{BB962C8B-B14F-4D97-AF65-F5344CB8AC3E}">
+        <p14:creationId xmlns:p14="http://schemas.microsoft.com/office/powerpoint/2010/main" val="4037846183"/>
+      </p:ext>
+    </p:extLst>
+  </p:cSld>
+  <p:clrMapOvr>
+    <a:masterClrMapping/>
+  </p:clrMapOvr>
+</p:sld>
+</file>
+
+<file path=ppt/slides/slide8.xml><?xml version="1.0" encoding="utf-8"?>
+<p:sld xmlns:a="http://schemas.openxmlformats.org/drawingml/2006/main" xmlns:r="http://schemas.openxmlformats.org/officeDocument/2006/relationships" xmlns:p="http://schemas.openxmlformats.org/presentationml/2006/main">
+  <p:cSld>
+    <p:spTree>
+      <p:nvGrpSpPr>
+        <p:cNvPr id="1" name=""/>
+        <p:cNvGrpSpPr/>
+        <p:nvPr/>
+      </p:nvGrpSpPr>
+      <p:grpSpPr>
+        <a:xfrm>
+          <a:off x="0" y="0"/>
+          <a:ext cx="0" cy="0"/>
+          <a:chOff x="0" y="0"/>
+          <a:chExt cx="0" cy="0"/>
+        </a:xfrm>
+      </p:grpSpPr>
       <p:sp>
         <p:nvSpPr>
-          <p:cNvPr id="8" name="TextBox 7">
-            <a:extLst>
-              <a:ext uri="{FF2B5EF4-FFF2-40B4-BE49-F238E27FC236}">
-                <a16:creationId xmlns:a16="http://schemas.microsoft.com/office/drawing/2014/main" id="{154644AB-A9E6-44F6-BDB0-D0C431C80D7E}"/>
+          <p:cNvPr id="2" name="TextBox 1">
+            <a:extLst>
+              <a:ext uri="{FF2B5EF4-FFF2-40B4-BE49-F238E27FC236}">
+                <a16:creationId xmlns:a16="http://schemas.microsoft.com/office/drawing/2014/main" id="{15472C81-D789-4592-AEF6-7B747860E6F3}"/>
               </a:ext>
             </a:extLst>
           </p:cNvPr>
@@ -5827,8 +8176,8 @@
         </p:nvSpPr>
         <p:spPr>
           <a:xfrm>
-            <a:off x="97720" y="257478"/>
-            <a:ext cx="5819955" cy="830997"/>
+            <a:off x="276045" y="396815"/>
+            <a:ext cx="5819955" cy="461665"/>
           </a:xfrm>
           <a:prstGeom prst="rect">
             <a:avLst/>
@@ -5843,22 +8192,103 @@
           <a:p>
             <a:r>
               <a:rPr lang="en-CA" sz="2400" dirty="0"/>
-              <a:t>Colony 53 (Choice) </a:t>
-            </a:r>
-            <a:br>
-              <a:rPr lang="en-CA" sz="2400" dirty="0"/>
-            </a:br>
-            <a:r>
-              <a:rPr lang="en-CA" sz="2400" dirty="0"/>
-              <a:t>Node size and edge width = out-strength</a:t>
+              <a:t>Colony 53 (Choice) Out-strength distributions</a:t>
             </a:r>
           </a:p>
         </p:txBody>
       </p:sp>
+      <p:pic>
+        <p:nvPicPr>
+          <p:cNvPr id="4" name="Picture 3">
+            <a:extLst>
+              <a:ext uri="{FF2B5EF4-FFF2-40B4-BE49-F238E27FC236}">
+                <a16:creationId xmlns:a16="http://schemas.microsoft.com/office/drawing/2014/main" id="{41B3C44E-EE41-49A6-9FEF-DC5F980D1515}"/>
+              </a:ext>
+            </a:extLst>
+          </p:cNvPr>
+          <p:cNvPicPr>
+            <a:picLocks noChangeAspect="1"/>
+          </p:cNvPicPr>
+          <p:nvPr/>
+        </p:nvPicPr>
+        <p:blipFill rotWithShape="1">
+          <a:blip r:embed="rId2"/>
+          <a:srcRect r="27424"/>
+          <a:stretch/>
+        </p:blipFill>
+        <p:spPr>
+          <a:xfrm>
+            <a:off x="543749" y="1688633"/>
+            <a:ext cx="3513680" cy="3510169"/>
+          </a:xfrm>
+          <a:prstGeom prst="rect">
+            <a:avLst/>
+          </a:prstGeom>
+        </p:spPr>
+      </p:pic>
+      <p:pic>
+        <p:nvPicPr>
+          <p:cNvPr id="6" name="Picture 5">
+            <a:extLst>
+              <a:ext uri="{FF2B5EF4-FFF2-40B4-BE49-F238E27FC236}">
+                <a16:creationId xmlns:a16="http://schemas.microsoft.com/office/drawing/2014/main" id="{CC7F1287-1257-414F-8080-2CE52D1352E4}"/>
+              </a:ext>
+            </a:extLst>
+          </p:cNvPr>
+          <p:cNvPicPr>
+            <a:picLocks noChangeAspect="1"/>
+          </p:cNvPicPr>
+          <p:nvPr/>
+        </p:nvPicPr>
+        <p:blipFill rotWithShape="1">
+          <a:blip r:embed="rId3"/>
+          <a:srcRect r="14791"/>
+          <a:stretch/>
+        </p:blipFill>
+        <p:spPr>
+          <a:xfrm>
+            <a:off x="4314524" y="1595016"/>
+            <a:ext cx="3342685" cy="3667966"/>
+          </a:xfrm>
+          <a:prstGeom prst="rect">
+            <a:avLst/>
+          </a:prstGeom>
+        </p:spPr>
+      </p:pic>
+      <p:pic>
+        <p:nvPicPr>
+          <p:cNvPr id="8" name="Picture 7">
+            <a:extLst>
+              <a:ext uri="{FF2B5EF4-FFF2-40B4-BE49-F238E27FC236}">
+                <a16:creationId xmlns:a16="http://schemas.microsoft.com/office/drawing/2014/main" id="{80EAB107-8CF6-4CB0-B26A-43725C29DA3B}"/>
+              </a:ext>
+            </a:extLst>
+          </p:cNvPr>
+          <p:cNvPicPr>
+            <a:picLocks noChangeAspect="1"/>
+          </p:cNvPicPr>
+          <p:nvPr/>
+        </p:nvPicPr>
+        <p:blipFill>
+          <a:blip r:embed="rId4"/>
+          <a:stretch>
+            <a:fillRect/>
+          </a:stretch>
+        </p:blipFill>
+        <p:spPr>
+          <a:xfrm>
+            <a:off x="7689112" y="1595016"/>
+            <a:ext cx="3537259" cy="3667966"/>
+          </a:xfrm>
+          <a:prstGeom prst="rect">
+            <a:avLst/>
+          </a:prstGeom>
+        </p:spPr>
+      </p:pic>
     </p:spTree>
     <p:extLst>
       <p:ext uri="{BB962C8B-B14F-4D97-AF65-F5344CB8AC3E}">
-        <p14:creationId xmlns:p14="http://schemas.microsoft.com/office/powerpoint/2010/main" val="1390489208"/>
+        <p14:creationId xmlns:p14="http://schemas.microsoft.com/office/powerpoint/2010/main" val="2586672540"/>
       </p:ext>
     </p:extLst>
   </p:cSld>
@@ -5890,7 +8320,7 @@
           <p:cNvPr id="2" name="TextBox 1">
             <a:extLst>
               <a:ext uri="{FF2B5EF4-FFF2-40B4-BE49-F238E27FC236}">
-                <a16:creationId xmlns:a16="http://schemas.microsoft.com/office/drawing/2014/main" id="{15472C81-D789-4592-AEF6-7B747860E6F3}"/>
+                <a16:creationId xmlns:a16="http://schemas.microsoft.com/office/drawing/2014/main" id="{D5009020-4898-8144-C27C-03D7E4A75349}"/>
               </a:ext>
             </a:extLst>
           </p:cNvPr>
@@ -5899,7 +8329,7 @@
         </p:nvSpPr>
         <p:spPr>
           <a:xfrm>
-            <a:off x="276045" y="396815"/>
+            <a:off x="97720" y="257478"/>
             <a:ext cx="5819955" cy="461665"/>
           </a:xfrm>
           <a:prstGeom prst="rect">
@@ -5915,7 +8345,7 @@
           <a:p>
             <a:r>
               <a:rPr lang="en-CA" sz="2400" dirty="0"/>
-              <a:t>Colony 53 (Choice) Out-strength distributions</a:t>
+              <a:t>Colony 60 (No-Choice) </a:t>
             </a:r>
           </a:p>
         </p:txBody>
@@ -5925,7 +8355,7 @@
           <p:cNvPr id="4" name="Picture 3">
             <a:extLst>
               <a:ext uri="{FF2B5EF4-FFF2-40B4-BE49-F238E27FC236}">
-                <a16:creationId xmlns:a16="http://schemas.microsoft.com/office/drawing/2014/main" id="{41B3C44E-EE41-49A6-9FEF-DC5F980D1515}"/>
+                <a16:creationId xmlns:a16="http://schemas.microsoft.com/office/drawing/2014/main" id="{721153A5-F57B-C184-1718-63F2F730A8E9}"/>
               </a:ext>
             </a:extLst>
           </p:cNvPr>
@@ -5934,15 +8364,16 @@
           </p:cNvPicPr>
           <p:nvPr/>
         </p:nvPicPr>
-        <p:blipFill rotWithShape="1">
+        <p:blipFill>
           <a:blip r:embed="rId2"/>
-          <a:srcRect r="27424"/>
-          <a:stretch/>
+          <a:stretch>
+            <a:fillRect/>
+          </a:stretch>
         </p:blipFill>
         <p:spPr>
           <a:xfrm>
-            <a:off x="543749" y="1688633"/>
-            <a:ext cx="3513680" cy="3510169"/>
+            <a:off x="129663" y="764065"/>
+            <a:ext cx="3912636" cy="3718126"/>
           </a:xfrm>
           <a:prstGeom prst="rect">
             <a:avLst/>
@@ -5954,7 +8385,7 @@
           <p:cNvPr id="6" name="Picture 5">
             <a:extLst>
               <a:ext uri="{FF2B5EF4-FFF2-40B4-BE49-F238E27FC236}">
-                <a16:creationId xmlns:a16="http://schemas.microsoft.com/office/drawing/2014/main" id="{CC7F1287-1257-414F-8080-2CE52D1352E4}"/>
+                <a16:creationId xmlns:a16="http://schemas.microsoft.com/office/drawing/2014/main" id="{2A4D52F9-CCC2-035F-2FC5-174B2F62129E}"/>
               </a:ext>
             </a:extLst>
           </p:cNvPr>
@@ -5963,15 +8394,16 @@
           </p:cNvPicPr>
           <p:nvPr/>
         </p:nvPicPr>
-        <p:blipFill rotWithShape="1">
+        <p:blipFill>
           <a:blip r:embed="rId3"/>
-          <a:srcRect r="14791"/>
-          <a:stretch/>
+          <a:stretch>
+            <a:fillRect/>
+          </a:stretch>
         </p:blipFill>
         <p:spPr>
           <a:xfrm>
-            <a:off x="4314524" y="1595016"/>
-            <a:ext cx="3342685" cy="3667966"/>
+            <a:off x="4155361" y="754915"/>
+            <a:ext cx="3850732" cy="3747058"/>
           </a:xfrm>
           <a:prstGeom prst="rect">
             <a:avLst/>
@@ -5983,7 +8415,7 @@
           <p:cNvPr id="8" name="Picture 7">
             <a:extLst>
               <a:ext uri="{FF2B5EF4-FFF2-40B4-BE49-F238E27FC236}">
-                <a16:creationId xmlns:a16="http://schemas.microsoft.com/office/drawing/2014/main" id="{80EAB107-8CF6-4CB0-B26A-43725C29DA3B}"/>
+                <a16:creationId xmlns:a16="http://schemas.microsoft.com/office/drawing/2014/main" id="{5FF34DA0-4FAF-E27D-DF41-B8F335E6F294}"/>
               </a:ext>
             </a:extLst>
           </p:cNvPr>
@@ -6000,18 +8432,648 @@
         </p:blipFill>
         <p:spPr>
           <a:xfrm>
-            <a:off x="7689112" y="1595016"/>
-            <a:ext cx="3537259" cy="3667966"/>
+            <a:off x="8220268" y="821059"/>
+            <a:ext cx="3826121" cy="3718126"/>
           </a:xfrm>
           <a:prstGeom prst="rect">
             <a:avLst/>
           </a:prstGeom>
         </p:spPr>
       </p:pic>
+      <p:grpSp>
+        <p:nvGrpSpPr>
+          <p:cNvPr id="9" name="Group 8">
+            <a:extLst>
+              <a:ext uri="{FF2B5EF4-FFF2-40B4-BE49-F238E27FC236}">
+                <a16:creationId xmlns:a16="http://schemas.microsoft.com/office/drawing/2014/main" id="{440E3393-36CF-BB75-FA97-8E9566AD7BB0}"/>
+              </a:ext>
+            </a:extLst>
+          </p:cNvPr>
+          <p:cNvGrpSpPr/>
+          <p:nvPr/>
+        </p:nvGrpSpPr>
+        <p:grpSpPr>
+          <a:xfrm>
+            <a:off x="258287" y="4738230"/>
+            <a:ext cx="11772154" cy="1793181"/>
+            <a:chOff x="120768" y="4896023"/>
+            <a:chExt cx="11772154" cy="1793181"/>
+          </a:xfrm>
+        </p:grpSpPr>
+        <p:grpSp>
+          <p:nvGrpSpPr>
+            <p:cNvPr id="10" name="Group 9">
+              <a:extLst>
+                <a:ext uri="{FF2B5EF4-FFF2-40B4-BE49-F238E27FC236}">
+                  <a16:creationId xmlns:a16="http://schemas.microsoft.com/office/drawing/2014/main" id="{C3E13F06-948A-9C56-3784-CAE689CB6903}"/>
+                </a:ext>
+              </a:extLst>
+            </p:cNvPr>
+            <p:cNvGrpSpPr/>
+            <p:nvPr/>
+          </p:nvGrpSpPr>
+          <p:grpSpPr>
+            <a:xfrm>
+              <a:off x="5293712" y="5213675"/>
+              <a:ext cx="6599210" cy="697040"/>
+              <a:chOff x="3657598" y="5555443"/>
+              <a:chExt cx="6599210" cy="697040"/>
+            </a:xfrm>
+          </p:grpSpPr>
+          <p:cxnSp>
+            <p:nvCxnSpPr>
+              <p:cNvPr id="22" name="Straight Arrow Connector 21">
+                <a:extLst>
+                  <a:ext uri="{FF2B5EF4-FFF2-40B4-BE49-F238E27FC236}">
+                    <a16:creationId xmlns:a16="http://schemas.microsoft.com/office/drawing/2014/main" id="{B9A8692A-3A2B-190A-AEFD-A86DDB6223B2}"/>
+                  </a:ext>
+                </a:extLst>
+              </p:cNvPr>
+              <p:cNvCxnSpPr/>
+              <p:nvPr/>
+            </p:nvCxnSpPr>
+            <p:spPr>
+              <a:xfrm flipH="1">
+                <a:off x="3657598" y="5755788"/>
+                <a:ext cx="646981" cy="0"/>
+              </a:xfrm>
+              <a:prstGeom prst="straightConnector1">
+                <a:avLst/>
+              </a:prstGeom>
+              <a:ln w="38100" cap="flat" cmpd="sng" algn="ctr">
+                <a:solidFill>
+                  <a:schemeClr val="tx1"/>
+                </a:solidFill>
+                <a:prstDash val="dash"/>
+                <a:round/>
+                <a:headEnd type="none" w="med" len="med"/>
+                <a:tailEnd type="none" w="med" len="med"/>
+              </a:ln>
+            </p:spPr>
+            <p:style>
+              <a:lnRef idx="0">
+                <a:scrgbClr r="0" g="0" b="0"/>
+              </a:lnRef>
+              <a:fillRef idx="0">
+                <a:scrgbClr r="0" g="0" b="0"/>
+              </a:fillRef>
+              <a:effectRef idx="0">
+                <a:scrgbClr r="0" g="0" b="0"/>
+              </a:effectRef>
+              <a:fontRef idx="minor">
+                <a:schemeClr val="tx1"/>
+              </a:fontRef>
+            </p:style>
+          </p:cxnSp>
+          <p:cxnSp>
+            <p:nvCxnSpPr>
+              <p:cNvPr id="23" name="Straight Arrow Connector 22">
+                <a:extLst>
+                  <a:ext uri="{FF2B5EF4-FFF2-40B4-BE49-F238E27FC236}">
+                    <a16:creationId xmlns:a16="http://schemas.microsoft.com/office/drawing/2014/main" id="{8C2F53FF-2E38-A2C3-A2BA-700A4791C2F5}"/>
+                  </a:ext>
+                </a:extLst>
+              </p:cNvPr>
+              <p:cNvCxnSpPr/>
+              <p:nvPr/>
+            </p:nvCxnSpPr>
+            <p:spPr>
+              <a:xfrm flipH="1">
+                <a:off x="3657598" y="6106596"/>
+                <a:ext cx="646981" cy="0"/>
+              </a:xfrm>
+              <a:prstGeom prst="straightConnector1">
+                <a:avLst/>
+              </a:prstGeom>
+              <a:ln w="28575">
+                <a:headEnd type="none" w="med" len="med"/>
+                <a:tailEnd type="none" w="med" len="med"/>
+              </a:ln>
+            </p:spPr>
+            <p:style>
+              <a:lnRef idx="1">
+                <a:schemeClr val="dk1"/>
+              </a:lnRef>
+              <a:fillRef idx="0">
+                <a:schemeClr val="dk1"/>
+              </a:fillRef>
+              <a:effectRef idx="0">
+                <a:schemeClr val="dk1"/>
+              </a:effectRef>
+              <a:fontRef idx="minor">
+                <a:schemeClr val="tx1"/>
+              </a:fontRef>
+            </p:style>
+          </p:cxnSp>
+          <p:sp>
+            <p:nvSpPr>
+              <p:cNvPr id="24" name="TextBox 23">
+                <a:extLst>
+                  <a:ext uri="{FF2B5EF4-FFF2-40B4-BE49-F238E27FC236}">
+                    <a16:creationId xmlns:a16="http://schemas.microsoft.com/office/drawing/2014/main" id="{CEDDCFDA-A19F-8E2F-81DC-E80857DA69AE}"/>
+                  </a:ext>
+                </a:extLst>
+              </p:cNvPr>
+              <p:cNvSpPr txBox="1"/>
+              <p:nvPr/>
+            </p:nvSpPr>
+            <p:spPr>
+              <a:xfrm>
+                <a:off x="4346256" y="5555443"/>
+                <a:ext cx="5910552" cy="369332"/>
+              </a:xfrm>
+              <a:prstGeom prst="rect">
+                <a:avLst/>
+              </a:prstGeom>
+              <a:noFill/>
+            </p:spPr>
+            <p:txBody>
+              <a:bodyPr wrap="square">
+                <a:spAutoFit/>
+              </a:bodyPr>
+              <a:lstStyle/>
+              <a:p>
+                <a:r>
+                  <a:rPr lang="en-CA" dirty="0"/>
+                  <a:t>Tandem run (blue = to dark nest, yellow = to light nest)</a:t>
+                </a:r>
+              </a:p>
+            </p:txBody>
+          </p:sp>
+          <p:sp>
+            <p:nvSpPr>
+              <p:cNvPr id="25" name="TextBox 24">
+                <a:extLst>
+                  <a:ext uri="{FF2B5EF4-FFF2-40B4-BE49-F238E27FC236}">
+                    <a16:creationId xmlns:a16="http://schemas.microsoft.com/office/drawing/2014/main" id="{F33333F0-FD5B-EE36-078B-BDBF1971CAC3}"/>
+                  </a:ext>
+                </a:extLst>
+              </p:cNvPr>
+              <p:cNvSpPr txBox="1"/>
+              <p:nvPr/>
+            </p:nvSpPr>
+            <p:spPr>
+              <a:xfrm>
+                <a:off x="4346256" y="5883151"/>
+                <a:ext cx="5617253" cy="369332"/>
+              </a:xfrm>
+              <a:prstGeom prst="rect">
+                <a:avLst/>
+              </a:prstGeom>
+              <a:noFill/>
+            </p:spPr>
+            <p:txBody>
+              <a:bodyPr wrap="square">
+                <a:spAutoFit/>
+              </a:bodyPr>
+              <a:lstStyle/>
+              <a:p>
+                <a:r>
+                  <a:rPr lang="en-CA" dirty="0"/>
+                  <a:t>Transport (blue = to dark nest, yellow = to light nest)</a:t>
+                </a:r>
+              </a:p>
+            </p:txBody>
+          </p:sp>
+        </p:grpSp>
+        <p:sp>
+          <p:nvSpPr>
+            <p:cNvPr id="11" name="TextBox 10">
+              <a:extLst>
+                <a:ext uri="{FF2B5EF4-FFF2-40B4-BE49-F238E27FC236}">
+                  <a16:creationId xmlns:a16="http://schemas.microsoft.com/office/drawing/2014/main" id="{F7075048-BB0A-2450-CF44-35905DF86474}"/>
+                </a:ext>
+              </a:extLst>
+            </p:cNvPr>
+            <p:cNvSpPr txBox="1"/>
+            <p:nvPr/>
+          </p:nvSpPr>
+          <p:spPr>
+            <a:xfrm>
+              <a:off x="120768" y="6319872"/>
+              <a:ext cx="4531743" cy="369332"/>
+            </a:xfrm>
+            <a:prstGeom prst="rect">
+              <a:avLst/>
+            </a:prstGeom>
+            <a:noFill/>
+          </p:spPr>
+          <p:txBody>
+            <a:bodyPr wrap="square">
+              <a:spAutoFit/>
+            </a:bodyPr>
+            <a:lstStyle/>
+            <a:p>
+              <a:r>
+                <a:rPr lang="en-CA" dirty="0"/>
+                <a:t>Node size and edge width = out-strength</a:t>
+              </a:r>
+            </a:p>
+          </p:txBody>
+        </p:sp>
+        <p:grpSp>
+          <p:nvGrpSpPr>
+            <p:cNvPr id="12" name="Group 11">
+              <a:extLst>
+                <a:ext uri="{FF2B5EF4-FFF2-40B4-BE49-F238E27FC236}">
+                  <a16:creationId xmlns:a16="http://schemas.microsoft.com/office/drawing/2014/main" id="{C28989EB-5C56-A6CB-1B11-89FE68C38C64}"/>
+                </a:ext>
+              </a:extLst>
+            </p:cNvPr>
+            <p:cNvGrpSpPr/>
+            <p:nvPr/>
+          </p:nvGrpSpPr>
+          <p:grpSpPr>
+            <a:xfrm>
+              <a:off x="204158" y="4896023"/>
+              <a:ext cx="4687019" cy="1406023"/>
+              <a:chOff x="212785" y="4700108"/>
+              <a:chExt cx="4687019" cy="1406023"/>
+            </a:xfrm>
+          </p:grpSpPr>
+          <p:grpSp>
+            <p:nvGrpSpPr>
+              <p:cNvPr id="13" name="Group 12">
+                <a:extLst>
+                  <a:ext uri="{FF2B5EF4-FFF2-40B4-BE49-F238E27FC236}">
+                    <a16:creationId xmlns:a16="http://schemas.microsoft.com/office/drawing/2014/main" id="{C6216E09-7C0F-3526-F7AF-9EBA95952221}"/>
+                  </a:ext>
+                </a:extLst>
+              </p:cNvPr>
+              <p:cNvGrpSpPr/>
+              <p:nvPr/>
+            </p:nvGrpSpPr>
+            <p:grpSpPr>
+              <a:xfrm>
+                <a:off x="212785" y="4700108"/>
+                <a:ext cx="3048001" cy="1044130"/>
+                <a:chOff x="204159" y="5406760"/>
+                <a:chExt cx="3146713" cy="1044130"/>
+              </a:xfrm>
+            </p:grpSpPr>
+            <p:sp>
+              <p:nvSpPr>
+                <p:cNvPr id="16" name="Oval 15">
+                  <a:extLst>
+                    <a:ext uri="{FF2B5EF4-FFF2-40B4-BE49-F238E27FC236}">
+                      <a16:creationId xmlns:a16="http://schemas.microsoft.com/office/drawing/2014/main" id="{653690EC-F552-9FEB-843D-3D58C4A49B2E}"/>
+                    </a:ext>
+                  </a:extLst>
+                </p:cNvPr>
+                <p:cNvSpPr/>
+                <p:nvPr/>
+              </p:nvSpPr>
+              <p:spPr>
+                <a:xfrm>
+                  <a:off x="204159" y="5479251"/>
+                  <a:ext cx="276045" cy="267419"/>
+                </a:xfrm>
+                <a:prstGeom prst="ellipse">
+                  <a:avLst/>
+                </a:prstGeom>
+                <a:solidFill>
+                  <a:srgbClr val="E9C46A"/>
+                </a:solidFill>
+                <a:ln>
+                  <a:solidFill>
+                    <a:schemeClr val="tx1"/>
+                  </a:solidFill>
+                </a:ln>
+              </p:spPr>
+              <p:style>
+                <a:lnRef idx="2">
+                  <a:schemeClr val="accent1">
+                    <a:shade val="50000"/>
+                  </a:schemeClr>
+                </a:lnRef>
+                <a:fillRef idx="1">
+                  <a:schemeClr val="accent1"/>
+                </a:fillRef>
+                <a:effectRef idx="0">
+                  <a:schemeClr val="accent1"/>
+                </a:effectRef>
+                <a:fontRef idx="minor">
+                  <a:schemeClr val="lt1"/>
+                </a:fontRef>
+              </p:style>
+              <p:txBody>
+                <a:bodyPr rtlCol="0" anchor="ctr"/>
+                <a:lstStyle/>
+                <a:p>
+                  <a:pPr algn="ctr"/>
+                  <a:endParaRPr lang="en-CA"/>
+                </a:p>
+              </p:txBody>
+            </p:sp>
+            <p:sp>
+              <p:nvSpPr>
+                <p:cNvPr id="17" name="Oval 16">
+                  <a:extLst>
+                    <a:ext uri="{FF2B5EF4-FFF2-40B4-BE49-F238E27FC236}">
+                      <a16:creationId xmlns:a16="http://schemas.microsoft.com/office/drawing/2014/main" id="{63645FD8-B923-55F9-294B-226C84C6A97C}"/>
+                    </a:ext>
+                  </a:extLst>
+                </p:cNvPr>
+                <p:cNvSpPr/>
+                <p:nvPr/>
+              </p:nvSpPr>
+              <p:spPr>
+                <a:xfrm>
+                  <a:off x="204159" y="5805513"/>
+                  <a:ext cx="276045" cy="267419"/>
+                </a:xfrm>
+                <a:prstGeom prst="ellipse">
+                  <a:avLst/>
+                </a:prstGeom>
+                <a:solidFill>
+                  <a:srgbClr val="108AB2"/>
+                </a:solidFill>
+                <a:ln>
+                  <a:solidFill>
+                    <a:schemeClr val="tx1"/>
+                  </a:solidFill>
+                </a:ln>
+              </p:spPr>
+              <p:style>
+                <a:lnRef idx="2">
+                  <a:schemeClr val="accent1">
+                    <a:shade val="50000"/>
+                  </a:schemeClr>
+                </a:lnRef>
+                <a:fillRef idx="1">
+                  <a:schemeClr val="accent1"/>
+                </a:fillRef>
+                <a:effectRef idx="0">
+                  <a:schemeClr val="accent1"/>
+                </a:effectRef>
+                <a:fontRef idx="minor">
+                  <a:schemeClr val="lt1"/>
+                </a:fontRef>
+              </p:style>
+              <p:txBody>
+                <a:bodyPr rtlCol="0" anchor="ctr"/>
+                <a:lstStyle/>
+                <a:p>
+                  <a:pPr algn="ctr"/>
+                  <a:endParaRPr lang="en-CA" dirty="0"/>
+                </a:p>
+              </p:txBody>
+            </p:sp>
+            <p:sp>
+              <p:nvSpPr>
+                <p:cNvPr id="18" name="Oval 17">
+                  <a:extLst>
+                    <a:ext uri="{FF2B5EF4-FFF2-40B4-BE49-F238E27FC236}">
+                      <a16:creationId xmlns:a16="http://schemas.microsoft.com/office/drawing/2014/main" id="{3ADC8EED-1867-71A5-E92F-F061C32541E2}"/>
+                    </a:ext>
+                  </a:extLst>
+                </p:cNvPr>
+                <p:cNvSpPr/>
+                <p:nvPr/>
+              </p:nvSpPr>
+              <p:spPr>
+                <a:xfrm>
+                  <a:off x="204159" y="6140401"/>
+                  <a:ext cx="276046" cy="267419"/>
+                </a:xfrm>
+                <a:prstGeom prst="ellipse">
+                  <a:avLst/>
+                </a:prstGeom>
+                <a:solidFill>
+                  <a:srgbClr val="A6C48A"/>
+                </a:solidFill>
+                <a:ln>
+                  <a:solidFill>
+                    <a:schemeClr val="tx1"/>
+                  </a:solidFill>
+                </a:ln>
+              </p:spPr>
+              <p:style>
+                <a:lnRef idx="2">
+                  <a:schemeClr val="accent1">
+                    <a:shade val="50000"/>
+                  </a:schemeClr>
+                </a:lnRef>
+                <a:fillRef idx="1">
+                  <a:schemeClr val="accent1"/>
+                </a:fillRef>
+                <a:effectRef idx="0">
+                  <a:schemeClr val="accent1"/>
+                </a:effectRef>
+                <a:fontRef idx="minor">
+                  <a:schemeClr val="lt1"/>
+                </a:fontRef>
+              </p:style>
+              <p:txBody>
+                <a:bodyPr rtlCol="0" anchor="ctr"/>
+                <a:lstStyle/>
+                <a:p>
+                  <a:pPr algn="ctr"/>
+                  <a:endParaRPr lang="en-CA"/>
+                </a:p>
+              </p:txBody>
+            </p:sp>
+            <p:sp>
+              <p:nvSpPr>
+                <p:cNvPr id="19" name="TextBox 18">
+                  <a:extLst>
+                    <a:ext uri="{FF2B5EF4-FFF2-40B4-BE49-F238E27FC236}">
+                      <a16:creationId xmlns:a16="http://schemas.microsoft.com/office/drawing/2014/main" id="{2CEF3078-EB0E-0EF4-1A1D-BEC05946A99E}"/>
+                    </a:ext>
+                  </a:extLst>
+                </p:cNvPr>
+                <p:cNvSpPr txBox="1"/>
+                <p:nvPr/>
+              </p:nvSpPr>
+              <p:spPr>
+                <a:xfrm>
+                  <a:off x="480204" y="5406760"/>
+                  <a:ext cx="2870668" cy="369332"/>
+                </a:xfrm>
+                <a:prstGeom prst="rect">
+                  <a:avLst/>
+                </a:prstGeom>
+                <a:noFill/>
+              </p:spPr>
+              <p:txBody>
+                <a:bodyPr wrap="square">
+                  <a:spAutoFit/>
+                </a:bodyPr>
+                <a:lstStyle/>
+                <a:p>
+                  <a:r>
+                    <a:rPr lang="en-CA" dirty="0"/>
+                    <a:t>Interacted with light nest</a:t>
+                  </a:r>
+                </a:p>
+              </p:txBody>
+            </p:sp>
+            <p:sp>
+              <p:nvSpPr>
+                <p:cNvPr id="20" name="TextBox 19">
+                  <a:extLst>
+                    <a:ext uri="{FF2B5EF4-FFF2-40B4-BE49-F238E27FC236}">
+                      <a16:creationId xmlns:a16="http://schemas.microsoft.com/office/drawing/2014/main" id="{2C16084A-F288-0F6D-E7B4-D880278A52F9}"/>
+                    </a:ext>
+                  </a:extLst>
+                </p:cNvPr>
+                <p:cNvSpPr txBox="1"/>
+                <p:nvPr/>
+              </p:nvSpPr>
+              <p:spPr>
+                <a:xfrm>
+                  <a:off x="480204" y="5746670"/>
+                  <a:ext cx="2665834" cy="369332"/>
+                </a:xfrm>
+                <a:prstGeom prst="rect">
+                  <a:avLst/>
+                </a:prstGeom>
+                <a:noFill/>
+              </p:spPr>
+              <p:txBody>
+                <a:bodyPr wrap="square">
+                  <a:spAutoFit/>
+                </a:bodyPr>
+                <a:lstStyle/>
+                <a:p>
+                  <a:r>
+                    <a:rPr lang="en-CA" dirty="0"/>
+                    <a:t>Interacted with dark nest</a:t>
+                  </a:r>
+                </a:p>
+              </p:txBody>
+            </p:sp>
+            <p:sp>
+              <p:nvSpPr>
+                <p:cNvPr id="21" name="TextBox 20">
+                  <a:extLst>
+                    <a:ext uri="{FF2B5EF4-FFF2-40B4-BE49-F238E27FC236}">
+                      <a16:creationId xmlns:a16="http://schemas.microsoft.com/office/drawing/2014/main" id="{D1CC14E5-9597-A468-A057-036100210108}"/>
+                    </a:ext>
+                  </a:extLst>
+                </p:cNvPr>
+                <p:cNvSpPr txBox="1"/>
+                <p:nvPr/>
+              </p:nvSpPr>
+              <p:spPr>
+                <a:xfrm>
+                  <a:off x="480205" y="6081558"/>
+                  <a:ext cx="2870667" cy="369332"/>
+                </a:xfrm>
+                <a:prstGeom prst="rect">
+                  <a:avLst/>
+                </a:prstGeom>
+                <a:noFill/>
+              </p:spPr>
+              <p:txBody>
+                <a:bodyPr wrap="square">
+                  <a:spAutoFit/>
+                </a:bodyPr>
+                <a:lstStyle/>
+                <a:p>
+                  <a:r>
+                    <a:rPr lang="en-CA" dirty="0"/>
+                    <a:t>Interacted with both nests</a:t>
+                  </a:r>
+                </a:p>
+              </p:txBody>
+            </p:sp>
+          </p:grpSp>
+          <p:sp>
+            <p:nvSpPr>
+              <p:cNvPr id="14" name="Oval 13">
+                <a:extLst>
+                  <a:ext uri="{FF2B5EF4-FFF2-40B4-BE49-F238E27FC236}">
+                    <a16:creationId xmlns:a16="http://schemas.microsoft.com/office/drawing/2014/main" id="{B92812BD-8B15-CCFC-3FAD-537A6A947AEE}"/>
+                  </a:ext>
+                </a:extLst>
+              </p:cNvPr>
+              <p:cNvSpPr/>
+              <p:nvPr/>
+            </p:nvSpPr>
+            <p:spPr>
+              <a:xfrm>
+                <a:off x="212785" y="5777845"/>
+                <a:ext cx="267386" cy="267419"/>
+              </a:xfrm>
+              <a:prstGeom prst="ellipse">
+                <a:avLst/>
+              </a:prstGeom>
+              <a:solidFill>
+                <a:srgbClr val="D9DCD6"/>
+              </a:solidFill>
+              <a:ln>
+                <a:solidFill>
+                  <a:schemeClr val="tx1"/>
+                </a:solidFill>
+              </a:ln>
+            </p:spPr>
+            <p:style>
+              <a:lnRef idx="2">
+                <a:schemeClr val="accent1">
+                  <a:shade val="50000"/>
+                </a:schemeClr>
+              </a:lnRef>
+              <a:fillRef idx="1">
+                <a:schemeClr val="accent1"/>
+              </a:fillRef>
+              <a:effectRef idx="0">
+                <a:schemeClr val="accent1"/>
+              </a:effectRef>
+              <a:fontRef idx="minor">
+                <a:schemeClr val="lt1"/>
+              </a:fontRef>
+            </p:style>
+            <p:txBody>
+              <a:bodyPr rtlCol="0" anchor="ctr"/>
+              <a:lstStyle/>
+              <a:p>
+                <a:pPr algn="ctr"/>
+                <a:endParaRPr lang="en-CA"/>
+              </a:p>
+            </p:txBody>
+          </p:sp>
+          <p:sp>
+            <p:nvSpPr>
+              <p:cNvPr id="15" name="TextBox 14">
+                <a:extLst>
+                  <a:ext uri="{FF2B5EF4-FFF2-40B4-BE49-F238E27FC236}">
+                    <a16:creationId xmlns:a16="http://schemas.microsoft.com/office/drawing/2014/main" id="{9F24C5D4-A7F2-79FD-30F5-F2D9843652A8}"/>
+                  </a:ext>
+                </a:extLst>
+              </p:cNvPr>
+              <p:cNvSpPr txBox="1"/>
+              <p:nvPr/>
+            </p:nvSpPr>
+            <p:spPr>
+              <a:xfrm>
+                <a:off x="480171" y="5736799"/>
+                <a:ext cx="4419633" cy="369332"/>
+              </a:xfrm>
+              <a:prstGeom prst="rect">
+                <a:avLst/>
+              </a:prstGeom>
+              <a:noFill/>
+            </p:spPr>
+            <p:txBody>
+              <a:bodyPr wrap="square">
+                <a:spAutoFit/>
+              </a:bodyPr>
+              <a:lstStyle/>
+              <a:p>
+                <a:r>
+                  <a:rPr lang="en-CA" dirty="0"/>
+                  <a:t>Not involved in tandem runs or transports</a:t>
+                </a:r>
+              </a:p>
+            </p:txBody>
+          </p:sp>
+        </p:grpSp>
+      </p:grpSp>
     </p:spTree>
     <p:extLst>
       <p:ext uri="{BB962C8B-B14F-4D97-AF65-F5344CB8AC3E}">
-        <p14:creationId xmlns:p14="http://schemas.microsoft.com/office/powerpoint/2010/main" val="2586672540"/>
+        <p14:creationId xmlns:p14="http://schemas.microsoft.com/office/powerpoint/2010/main" val="896399847"/>
       </p:ext>
     </p:extLst>
   </p:cSld>

--- a/ant_sna_network_diagrams.pptx
+++ b/ant_sna_network_diagrams.pptx
@@ -15,12 +15,15 @@
     <p:sldId id="266" r:id="rId9"/>
     <p:sldId id="282" r:id="rId10"/>
     <p:sldId id="268" r:id="rId11"/>
-    <p:sldId id="271" r:id="rId12"/>
+    <p:sldId id="288" r:id="rId12"/>
     <p:sldId id="272" r:id="rId13"/>
-    <p:sldId id="273" r:id="rId14"/>
+    <p:sldId id="287" r:id="rId14"/>
     <p:sldId id="274" r:id="rId15"/>
-    <p:sldId id="275" r:id="rId16"/>
+    <p:sldId id="286" r:id="rId16"/>
     <p:sldId id="276" r:id="rId17"/>
+    <p:sldId id="283" r:id="rId18"/>
+    <p:sldId id="284" r:id="rId19"/>
+    <p:sldId id="285" r:id="rId20"/>
   </p:sldIdLst>
   <p:sldSz cx="12192000" cy="6858000"/>
   <p:notesSz cx="6858000" cy="9144000"/>
@@ -276,7 +279,7 @@
           <a:p>
             <a:fld id="{860C609C-6F01-41DE-9C81-127E5EFAB8EE}" type="datetimeFigureOut">
               <a:rPr lang="en-CA" smtClean="0"/>
-              <a:t>2022-08-13</a:t>
+              <a:t>2022-09-02</a:t>
             </a:fld>
             <a:endParaRPr lang="en-CA"/>
           </a:p>
@@ -476,7 +479,7 @@
           <a:p>
             <a:fld id="{860C609C-6F01-41DE-9C81-127E5EFAB8EE}" type="datetimeFigureOut">
               <a:rPr lang="en-CA" smtClean="0"/>
-              <a:t>2022-08-13</a:t>
+              <a:t>2022-09-02</a:t>
             </a:fld>
             <a:endParaRPr lang="en-CA"/>
           </a:p>
@@ -686,7 +689,7 @@
           <a:p>
             <a:fld id="{860C609C-6F01-41DE-9C81-127E5EFAB8EE}" type="datetimeFigureOut">
               <a:rPr lang="en-CA" smtClean="0"/>
-              <a:t>2022-08-13</a:t>
+              <a:t>2022-09-02</a:t>
             </a:fld>
             <a:endParaRPr lang="en-CA"/>
           </a:p>
@@ -886,7 +889,7 @@
           <a:p>
             <a:fld id="{860C609C-6F01-41DE-9C81-127E5EFAB8EE}" type="datetimeFigureOut">
               <a:rPr lang="en-CA" smtClean="0"/>
-              <a:t>2022-08-13</a:t>
+              <a:t>2022-09-02</a:t>
             </a:fld>
             <a:endParaRPr lang="en-CA"/>
           </a:p>
@@ -1162,7 +1165,7 @@
           <a:p>
             <a:fld id="{860C609C-6F01-41DE-9C81-127E5EFAB8EE}" type="datetimeFigureOut">
               <a:rPr lang="en-CA" smtClean="0"/>
-              <a:t>2022-08-13</a:t>
+              <a:t>2022-09-02</a:t>
             </a:fld>
             <a:endParaRPr lang="en-CA"/>
           </a:p>
@@ -1430,7 +1433,7 @@
           <a:p>
             <a:fld id="{860C609C-6F01-41DE-9C81-127E5EFAB8EE}" type="datetimeFigureOut">
               <a:rPr lang="en-CA" smtClean="0"/>
-              <a:t>2022-08-13</a:t>
+              <a:t>2022-09-02</a:t>
             </a:fld>
             <a:endParaRPr lang="en-CA"/>
           </a:p>
@@ -1845,7 +1848,7 @@
           <a:p>
             <a:fld id="{860C609C-6F01-41DE-9C81-127E5EFAB8EE}" type="datetimeFigureOut">
               <a:rPr lang="en-CA" smtClean="0"/>
-              <a:t>2022-08-13</a:t>
+              <a:t>2022-09-02</a:t>
             </a:fld>
             <a:endParaRPr lang="en-CA"/>
           </a:p>
@@ -1987,7 +1990,7 @@
           <a:p>
             <a:fld id="{860C609C-6F01-41DE-9C81-127E5EFAB8EE}" type="datetimeFigureOut">
               <a:rPr lang="en-CA" smtClean="0"/>
-              <a:t>2022-08-13</a:t>
+              <a:t>2022-09-02</a:t>
             </a:fld>
             <a:endParaRPr lang="en-CA"/>
           </a:p>
@@ -2100,7 +2103,7 @@
           <a:p>
             <a:fld id="{860C609C-6F01-41DE-9C81-127E5EFAB8EE}" type="datetimeFigureOut">
               <a:rPr lang="en-CA" smtClean="0"/>
-              <a:t>2022-08-13</a:t>
+              <a:t>2022-09-02</a:t>
             </a:fld>
             <a:endParaRPr lang="en-CA"/>
           </a:p>
@@ -2413,7 +2416,7 @@
           <a:p>
             <a:fld id="{860C609C-6F01-41DE-9C81-127E5EFAB8EE}" type="datetimeFigureOut">
               <a:rPr lang="en-CA" smtClean="0"/>
-              <a:t>2022-08-13</a:t>
+              <a:t>2022-09-02</a:t>
             </a:fld>
             <a:endParaRPr lang="en-CA"/>
           </a:p>
@@ -2702,7 +2705,7 @@
           <a:p>
             <a:fld id="{860C609C-6F01-41DE-9C81-127E5EFAB8EE}" type="datetimeFigureOut">
               <a:rPr lang="en-CA" smtClean="0"/>
-              <a:t>2022-08-13</a:t>
+              <a:t>2022-09-02</a:t>
             </a:fld>
             <a:endParaRPr lang="en-CA"/>
           </a:p>
@@ -2945,7 +2948,7 @@
           <a:p>
             <a:fld id="{860C609C-6F01-41DE-9C81-127E5EFAB8EE}" type="datetimeFigureOut">
               <a:rPr lang="en-CA" smtClean="0"/>
-              <a:t>2022-08-13</a:t>
+              <a:t>2022-09-02</a:t>
             </a:fld>
             <a:endParaRPr lang="en-CA"/>
           </a:p>
@@ -4282,10 +4285,10 @@
       </p:grpSpPr>
       <p:sp>
         <p:nvSpPr>
-          <p:cNvPr id="2" name="TextBox 1">
-            <a:extLst>
-              <a:ext uri="{FF2B5EF4-FFF2-40B4-BE49-F238E27FC236}">
-                <a16:creationId xmlns:a16="http://schemas.microsoft.com/office/drawing/2014/main" id="{3F85D553-D8C2-48EC-A2F9-303B64EEA259}"/>
+          <p:cNvPr id="9" name="TextBox 8">
+            <a:extLst>
+              <a:ext uri="{FF2B5EF4-FFF2-40B4-BE49-F238E27FC236}">
+                <a16:creationId xmlns:a16="http://schemas.microsoft.com/office/drawing/2014/main" id="{A77FEA62-4CC4-EB5C-11E8-FEB2FA8D1BB0}"/>
               </a:ext>
             </a:extLst>
           </p:cNvPr>
@@ -4322,100 +4325,90 @@
           </a:p>
         </p:txBody>
       </p:sp>
-      <p:pic>
-        <p:nvPicPr>
-          <p:cNvPr id="4" name="Picture 3">
-            <a:extLst>
-              <a:ext uri="{FF2B5EF4-FFF2-40B4-BE49-F238E27FC236}">
-                <a16:creationId xmlns:a16="http://schemas.microsoft.com/office/drawing/2014/main" id="{8855A9EA-DAE4-4DD5-8165-6F800722BFA2}"/>
-              </a:ext>
-            </a:extLst>
-          </p:cNvPr>
-          <p:cNvPicPr>
-            <a:picLocks noChangeAspect="1"/>
-          </p:cNvPicPr>
+      <p:grpSp>
+        <p:nvGrpSpPr>
+          <p:cNvPr id="17" name="Group 16">
+            <a:extLst>
+              <a:ext uri="{FF2B5EF4-FFF2-40B4-BE49-F238E27FC236}">
+                <a16:creationId xmlns:a16="http://schemas.microsoft.com/office/drawing/2014/main" id="{E2D52990-132B-F2A2-C30D-053F9AAAF8AC}"/>
+              </a:ext>
+            </a:extLst>
+          </p:cNvPr>
+          <p:cNvGrpSpPr/>
           <p:nvPr/>
-        </p:nvPicPr>
-        <p:blipFill>
-          <a:blip r:embed="rId2"/>
-          <a:stretch>
-            <a:fillRect/>
-          </a:stretch>
-        </p:blipFill>
-        <p:spPr>
-          <a:xfrm>
-            <a:off x="115138" y="1767491"/>
-            <a:ext cx="3732243" cy="3740687"/>
-          </a:xfrm>
-          <a:prstGeom prst="rect">
-            <a:avLst/>
-          </a:prstGeom>
-        </p:spPr>
-      </p:pic>
-      <p:pic>
-        <p:nvPicPr>
-          <p:cNvPr id="6" name="Picture 5">
-            <a:extLst>
-              <a:ext uri="{FF2B5EF4-FFF2-40B4-BE49-F238E27FC236}">
-                <a16:creationId xmlns:a16="http://schemas.microsoft.com/office/drawing/2014/main" id="{EDDD6532-839B-4212-8F42-A969A2611586}"/>
-              </a:ext>
-            </a:extLst>
-          </p:cNvPr>
-          <p:cNvPicPr>
-            <a:picLocks noChangeAspect="1"/>
-          </p:cNvPicPr>
-          <p:nvPr/>
-        </p:nvPicPr>
-        <p:blipFill>
-          <a:blip r:embed="rId3"/>
-          <a:stretch>
-            <a:fillRect/>
-          </a:stretch>
-        </p:blipFill>
-        <p:spPr>
-          <a:xfrm>
-            <a:off x="3937587" y="1757965"/>
-            <a:ext cx="3753826" cy="3745353"/>
-          </a:xfrm>
-          <a:prstGeom prst="rect">
-            <a:avLst/>
-          </a:prstGeom>
-        </p:spPr>
-      </p:pic>
-      <p:pic>
-        <p:nvPicPr>
-          <p:cNvPr id="8" name="Picture 7">
-            <a:extLst>
-              <a:ext uri="{FF2B5EF4-FFF2-40B4-BE49-F238E27FC236}">
-                <a16:creationId xmlns:a16="http://schemas.microsoft.com/office/drawing/2014/main" id="{05317A3B-4968-4497-8664-62D6567FFE10}"/>
-              </a:ext>
-            </a:extLst>
-          </p:cNvPr>
-          <p:cNvPicPr>
-            <a:picLocks noChangeAspect="1"/>
-          </p:cNvPicPr>
-          <p:nvPr/>
-        </p:nvPicPr>
-        <p:blipFill>
-          <a:blip r:embed="rId4"/>
-          <a:stretch>
-            <a:fillRect/>
-          </a:stretch>
-        </p:blipFill>
-        <p:spPr>
-          <a:xfrm>
-            <a:off x="7866224" y="1757965"/>
-            <a:ext cx="3753846" cy="3745353"/>
-          </a:xfrm>
-          <a:prstGeom prst="rect">
-            <a:avLst/>
-          </a:prstGeom>
-        </p:spPr>
-      </p:pic>
+        </p:nvGrpSpPr>
+        <p:grpSpPr>
+          <a:xfrm>
+            <a:off x="0" y="1383660"/>
+            <a:ext cx="12192000" cy="4090679"/>
+            <a:chOff x="0" y="1383660"/>
+            <a:chExt cx="12192000" cy="4090679"/>
+          </a:xfrm>
+        </p:grpSpPr>
+        <p:pic>
+          <p:nvPicPr>
+            <p:cNvPr id="7" name="Picture 6">
+              <a:extLst>
+                <a:ext uri="{FF2B5EF4-FFF2-40B4-BE49-F238E27FC236}">
+                  <a16:creationId xmlns:a16="http://schemas.microsoft.com/office/drawing/2014/main" id="{5BAE2417-8D43-21A9-ED12-81BAD59DB7B5}"/>
+                </a:ext>
+              </a:extLst>
+            </p:cNvPr>
+            <p:cNvPicPr>
+              <a:picLocks noChangeAspect="1"/>
+            </p:cNvPicPr>
+            <p:nvPr/>
+          </p:nvPicPr>
+          <p:blipFill>
+            <a:blip r:embed="rId2"/>
+            <a:stretch>
+              <a:fillRect/>
+            </a:stretch>
+          </p:blipFill>
+          <p:spPr>
+            <a:xfrm>
+              <a:off x="0" y="1383660"/>
+              <a:ext cx="12192000" cy="4090679"/>
+            </a:xfrm>
+            <a:prstGeom prst="rect">
+              <a:avLst/>
+            </a:prstGeom>
+          </p:spPr>
+        </p:pic>
+        <p:pic>
+          <p:nvPicPr>
+            <p:cNvPr id="16" name="Picture 15">
+              <a:extLst>
+                <a:ext uri="{FF2B5EF4-FFF2-40B4-BE49-F238E27FC236}">
+                  <a16:creationId xmlns:a16="http://schemas.microsoft.com/office/drawing/2014/main" id="{5B1C958B-3CAF-63CC-CB84-B29E02956F72}"/>
+                </a:ext>
+              </a:extLst>
+            </p:cNvPr>
+            <p:cNvPicPr>
+              <a:picLocks noChangeAspect="1"/>
+            </p:cNvPicPr>
+            <p:nvPr/>
+          </p:nvPicPr>
+          <p:blipFill rotWithShape="1">
+            <a:blip r:embed="rId3"/>
+            <a:srcRect l="28913" t="32604"/>
+            <a:stretch/>
+          </p:blipFill>
+          <p:spPr>
+            <a:xfrm rot="1911740">
+              <a:off x="1259957" y="3591181"/>
+              <a:ext cx="74494" cy="67909"/>
+            </a:xfrm>
+            <a:prstGeom prst="rect">
+              <a:avLst/>
+            </a:prstGeom>
+          </p:spPr>
+        </p:pic>
+      </p:grpSp>
     </p:spTree>
     <p:extLst>
       <p:ext uri="{BB962C8B-B14F-4D97-AF65-F5344CB8AC3E}">
-        <p14:creationId xmlns:p14="http://schemas.microsoft.com/office/powerpoint/2010/main" val="1818028940"/>
+        <p14:creationId xmlns:p14="http://schemas.microsoft.com/office/powerpoint/2010/main" val="4077881005"/>
       </p:ext>
     </p:extLst>
   </p:cSld>
@@ -4599,10 +4592,10 @@
       </p:grpSpPr>
       <p:pic>
         <p:nvPicPr>
-          <p:cNvPr id="3" name="Picture 2">
-            <a:extLst>
-              <a:ext uri="{FF2B5EF4-FFF2-40B4-BE49-F238E27FC236}">
-                <a16:creationId xmlns:a16="http://schemas.microsoft.com/office/drawing/2014/main" id="{A186DC00-3AD8-B050-AD43-00D3AECD6DFD}"/>
+          <p:cNvPr id="4" name="Picture 3">
+            <a:extLst>
+              <a:ext uri="{FF2B5EF4-FFF2-40B4-BE49-F238E27FC236}">
+                <a16:creationId xmlns:a16="http://schemas.microsoft.com/office/drawing/2014/main" id="{BAF13DF5-E34F-AAEB-401A-6E2C12ACD9B6}"/>
               </a:ext>
             </a:extLst>
           </p:cNvPr>
@@ -4611,76 +4604,15 @@
           </p:cNvPicPr>
           <p:nvPr/>
         </p:nvPicPr>
-        <p:blipFill>
+        <p:blipFill rotWithShape="1">
           <a:blip r:embed="rId2"/>
-          <a:stretch>
-            <a:fillRect/>
-          </a:stretch>
+          <a:srcRect r="1368"/>
+          <a:stretch/>
         </p:blipFill>
         <p:spPr>
           <a:xfrm>
-            <a:off x="460436" y="1592213"/>
-            <a:ext cx="3690307" cy="3690307"/>
-          </a:xfrm>
-          <a:prstGeom prst="rect">
-            <a:avLst/>
-          </a:prstGeom>
-        </p:spPr>
-      </p:pic>
-      <p:pic>
-        <p:nvPicPr>
-          <p:cNvPr id="5" name="Picture 4">
-            <a:extLst>
-              <a:ext uri="{FF2B5EF4-FFF2-40B4-BE49-F238E27FC236}">
-                <a16:creationId xmlns:a16="http://schemas.microsoft.com/office/drawing/2014/main" id="{567E9BD1-7184-18FA-31AB-72249B8D2AA6}"/>
-              </a:ext>
-            </a:extLst>
-          </p:cNvPr>
-          <p:cNvPicPr>
-            <a:picLocks noChangeAspect="1"/>
-          </p:cNvPicPr>
-          <p:nvPr/>
-        </p:nvPicPr>
-        <p:blipFill>
-          <a:blip r:embed="rId3"/>
-          <a:stretch>
-            <a:fillRect/>
-          </a:stretch>
-        </p:blipFill>
-        <p:spPr>
-          <a:xfrm>
-            <a:off x="4310909" y="1592213"/>
-            <a:ext cx="3690307" cy="3657211"/>
-          </a:xfrm>
-          <a:prstGeom prst="rect">
-            <a:avLst/>
-          </a:prstGeom>
-        </p:spPr>
-      </p:pic>
-      <p:pic>
-        <p:nvPicPr>
-          <p:cNvPr id="7" name="Picture 6">
-            <a:extLst>
-              <a:ext uri="{FF2B5EF4-FFF2-40B4-BE49-F238E27FC236}">
-                <a16:creationId xmlns:a16="http://schemas.microsoft.com/office/drawing/2014/main" id="{22CF92A5-0498-9629-4963-81B24B786145}"/>
-              </a:ext>
-            </a:extLst>
-          </p:cNvPr>
-          <p:cNvPicPr>
-            <a:picLocks noChangeAspect="1"/>
-          </p:cNvPicPr>
-          <p:nvPr/>
-        </p:nvPicPr>
-        <p:blipFill>
-          <a:blip r:embed="rId4"/>
-          <a:stretch>
-            <a:fillRect/>
-          </a:stretch>
-        </p:blipFill>
-        <p:spPr>
-          <a:xfrm>
-            <a:off x="8096901" y="1592214"/>
-            <a:ext cx="3690307" cy="3673572"/>
+            <a:off x="83388" y="1484576"/>
+            <a:ext cx="12025223" cy="4268410"/>
           </a:xfrm>
           <a:prstGeom prst="rect">
             <a:avLst/>
@@ -4689,10 +4621,10 @@
       </p:pic>
       <p:sp>
         <p:nvSpPr>
-          <p:cNvPr id="8" name="TextBox 7">
-            <a:extLst>
-              <a:ext uri="{FF2B5EF4-FFF2-40B4-BE49-F238E27FC236}">
-                <a16:creationId xmlns:a16="http://schemas.microsoft.com/office/drawing/2014/main" id="{F4675F2C-10A0-8681-AE19-67AC8F443F2F}"/>
+          <p:cNvPr id="6" name="TextBox 5">
+            <a:extLst>
+              <a:ext uri="{FF2B5EF4-FFF2-40B4-BE49-F238E27FC236}">
+                <a16:creationId xmlns:a16="http://schemas.microsoft.com/office/drawing/2014/main" id="{DE908B0B-584D-8EE3-7458-93427665B074}"/>
               </a:ext>
             </a:extLst>
           </p:cNvPr>
@@ -4732,7 +4664,7 @@
     </p:spTree>
     <p:extLst>
       <p:ext uri="{BB962C8B-B14F-4D97-AF65-F5344CB8AC3E}">
-        <p14:creationId xmlns:p14="http://schemas.microsoft.com/office/powerpoint/2010/main" val="873420916"/>
+        <p14:creationId xmlns:p14="http://schemas.microsoft.com/office/powerpoint/2010/main" val="1431714773"/>
       </p:ext>
     </p:extLst>
   </p:cSld>
@@ -4914,72 +4846,12 @@
           <a:chExt cx="0" cy="0"/>
         </a:xfrm>
       </p:grpSpPr>
-      <p:pic>
-        <p:nvPicPr>
-          <p:cNvPr id="3" name="Picture 2">
-            <a:extLst>
-              <a:ext uri="{FF2B5EF4-FFF2-40B4-BE49-F238E27FC236}">
-                <a16:creationId xmlns:a16="http://schemas.microsoft.com/office/drawing/2014/main" id="{7C642770-CAC4-1590-36EB-4A98458D7BFA}"/>
-              </a:ext>
-            </a:extLst>
-          </p:cNvPr>
-          <p:cNvPicPr>
-            <a:picLocks noChangeAspect="1"/>
-          </p:cNvPicPr>
-          <p:nvPr/>
-        </p:nvPicPr>
-        <p:blipFill>
-          <a:blip r:embed="rId2"/>
-          <a:stretch>
-            <a:fillRect/>
-          </a:stretch>
-        </p:blipFill>
-        <p:spPr>
-          <a:xfrm>
-            <a:off x="3897854" y="1673524"/>
-            <a:ext cx="3926574" cy="3891437"/>
-          </a:xfrm>
-          <a:prstGeom prst="rect">
-            <a:avLst/>
-          </a:prstGeom>
-        </p:spPr>
-      </p:pic>
-      <p:pic>
-        <p:nvPicPr>
-          <p:cNvPr id="5" name="Picture 4">
-            <a:extLst>
-              <a:ext uri="{FF2B5EF4-FFF2-40B4-BE49-F238E27FC236}">
-                <a16:creationId xmlns:a16="http://schemas.microsoft.com/office/drawing/2014/main" id="{F8D7FCB3-3F7D-112D-3AB2-B91A82B37B24}"/>
-              </a:ext>
-            </a:extLst>
-          </p:cNvPr>
-          <p:cNvPicPr>
-            <a:picLocks noChangeAspect="1"/>
-          </p:cNvPicPr>
-          <p:nvPr/>
-        </p:nvPicPr>
-        <p:blipFill>
-          <a:blip r:embed="rId3"/>
-          <a:stretch>
-            <a:fillRect/>
-          </a:stretch>
-        </p:blipFill>
-        <p:spPr>
-          <a:xfrm>
-            <a:off x="8022836" y="1673524"/>
-            <a:ext cx="3926574" cy="3891437"/>
-          </a:xfrm>
-          <a:prstGeom prst="rect">
-            <a:avLst/>
-          </a:prstGeom>
-        </p:spPr>
-      </p:pic>
       <p:sp>
         <p:nvSpPr>
-          <p:cNvPr id="6" name="TextBox 5">
-            <a:extLst>
-              <a:ext uri="{FF2B5EF4-FFF2-40B4-BE49-F238E27FC236}">
-                <a16:creationId xmlns:a16="http://schemas.microsoft.com/office/drawing/2014/main" id="{ADF34DA6-E682-AFFD-CB70-1A04E58BA44B}"/>
+          <p:cNvPr id="5" name="TextBox 4">
+            <a:extLst>
+              <a:ext uri="{FF2B5EF4-FFF2-40B4-BE49-F238E27FC236}">
+                <a16:creationId xmlns:a16="http://schemas.microsoft.com/office/drawing/2014/main" id="{105A11C2-8676-E2D3-1BAD-F8CF8B9089EC}"/>
               </a:ext>
             </a:extLst>
           </p:cNvPr>
@@ -5027,10 +4899,39 @@
           </a:p>
         </p:txBody>
       </p:sp>
+      <p:pic>
+        <p:nvPicPr>
+          <p:cNvPr id="7" name="Picture 6">
+            <a:extLst>
+              <a:ext uri="{FF2B5EF4-FFF2-40B4-BE49-F238E27FC236}">
+                <a16:creationId xmlns:a16="http://schemas.microsoft.com/office/drawing/2014/main" id="{1C0E2557-3491-54A9-CD45-07EF4F7ED29A}"/>
+              </a:ext>
+            </a:extLst>
+          </p:cNvPr>
+          <p:cNvPicPr>
+            <a:picLocks noChangeAspect="1"/>
+          </p:cNvPicPr>
+          <p:nvPr/>
+        </p:nvPicPr>
+        <p:blipFill rotWithShape="1">
+          <a:blip r:embed="rId2"/>
+          <a:srcRect t="2133"/>
+          <a:stretch/>
+        </p:blipFill>
+        <p:spPr>
+          <a:xfrm>
+            <a:off x="3745550" y="1837426"/>
+            <a:ext cx="8030696" cy="3747905"/>
+          </a:xfrm>
+          <a:prstGeom prst="rect">
+            <a:avLst/>
+          </a:prstGeom>
+        </p:spPr>
+      </p:pic>
     </p:spTree>
     <p:extLst>
       <p:ext uri="{BB962C8B-B14F-4D97-AF65-F5344CB8AC3E}">
-        <p14:creationId xmlns:p14="http://schemas.microsoft.com/office/powerpoint/2010/main" val="2143164178"/>
+        <p14:creationId xmlns:p14="http://schemas.microsoft.com/office/powerpoint/2010/main" val="2162408745"/>
       </p:ext>
     </p:extLst>
   </p:cSld>
@@ -5168,6 +5069,473 @@
     <p:extLst>
       <p:ext uri="{BB962C8B-B14F-4D97-AF65-F5344CB8AC3E}">
         <p14:creationId xmlns:p14="http://schemas.microsoft.com/office/powerpoint/2010/main" val="2959445256"/>
+      </p:ext>
+    </p:extLst>
+  </p:cSld>
+  <p:clrMapOvr>
+    <a:masterClrMapping/>
+  </p:clrMapOvr>
+</p:sld>
+</file>
+
+<file path=ppt/slides/slide17.xml><?xml version="1.0" encoding="utf-8"?>
+<p:sld xmlns:a="http://schemas.openxmlformats.org/drawingml/2006/main" xmlns:r="http://schemas.openxmlformats.org/officeDocument/2006/relationships" xmlns:p="http://schemas.openxmlformats.org/presentationml/2006/main">
+  <p:cSld>
+    <p:spTree>
+      <p:nvGrpSpPr>
+        <p:cNvPr id="1" name=""/>
+        <p:cNvGrpSpPr/>
+        <p:nvPr/>
+      </p:nvGrpSpPr>
+      <p:grpSpPr>
+        <a:xfrm>
+          <a:off x="0" y="0"/>
+          <a:ext cx="0" cy="0"/>
+          <a:chOff x="0" y="0"/>
+          <a:chExt cx="0" cy="0"/>
+        </a:xfrm>
+      </p:grpSpPr>
+      <p:pic>
+        <p:nvPicPr>
+          <p:cNvPr id="5" name="Picture 4">
+            <a:extLst>
+              <a:ext uri="{FF2B5EF4-FFF2-40B4-BE49-F238E27FC236}">
+                <a16:creationId xmlns:a16="http://schemas.microsoft.com/office/drawing/2014/main" id="{24EDAF8A-7646-9E61-E39C-148240ECAAC8}"/>
+              </a:ext>
+            </a:extLst>
+          </p:cNvPr>
+          <p:cNvPicPr>
+            <a:picLocks noChangeAspect="1"/>
+          </p:cNvPicPr>
+          <p:nvPr/>
+        </p:nvPicPr>
+        <p:blipFill>
+          <a:blip r:embed="rId2"/>
+          <a:stretch>
+            <a:fillRect/>
+          </a:stretch>
+        </p:blipFill>
+        <p:spPr>
+          <a:xfrm>
+            <a:off x="4575617" y="1701963"/>
+            <a:ext cx="3659926" cy="3551644"/>
+          </a:xfrm>
+          <a:prstGeom prst="rect">
+            <a:avLst/>
+          </a:prstGeom>
+        </p:spPr>
+      </p:pic>
+      <p:pic>
+        <p:nvPicPr>
+          <p:cNvPr id="7" name="Picture 6">
+            <a:extLst>
+              <a:ext uri="{FF2B5EF4-FFF2-40B4-BE49-F238E27FC236}">
+                <a16:creationId xmlns:a16="http://schemas.microsoft.com/office/drawing/2014/main" id="{199BC6B7-40F1-6F9D-EBA6-13B95ED319A6}"/>
+              </a:ext>
+            </a:extLst>
+          </p:cNvPr>
+          <p:cNvPicPr>
+            <a:picLocks noChangeAspect="1"/>
+          </p:cNvPicPr>
+          <p:nvPr/>
+        </p:nvPicPr>
+        <p:blipFill>
+          <a:blip r:embed="rId3"/>
+          <a:stretch>
+            <a:fillRect/>
+          </a:stretch>
+        </p:blipFill>
+        <p:spPr>
+          <a:xfrm>
+            <a:off x="8410755" y="1999907"/>
+            <a:ext cx="3331867" cy="3253700"/>
+          </a:xfrm>
+          <a:prstGeom prst="rect">
+            <a:avLst/>
+          </a:prstGeom>
+        </p:spPr>
+      </p:pic>
+      <p:pic>
+        <p:nvPicPr>
+          <p:cNvPr id="9" name="Picture 8">
+            <a:extLst>
+              <a:ext uri="{FF2B5EF4-FFF2-40B4-BE49-F238E27FC236}">
+                <a16:creationId xmlns:a16="http://schemas.microsoft.com/office/drawing/2014/main" id="{46F6977F-8245-9F68-238F-1401122600B9}"/>
+              </a:ext>
+            </a:extLst>
+          </p:cNvPr>
+          <p:cNvPicPr>
+            <a:picLocks noChangeAspect="1"/>
+          </p:cNvPicPr>
+          <p:nvPr/>
+        </p:nvPicPr>
+        <p:blipFill>
+          <a:blip r:embed="rId4"/>
+          <a:stretch>
+            <a:fillRect/>
+          </a:stretch>
+        </p:blipFill>
+        <p:spPr>
+          <a:xfrm>
+            <a:off x="297100" y="1517352"/>
+            <a:ext cx="4103305" cy="4019686"/>
+          </a:xfrm>
+          <a:prstGeom prst="rect">
+            <a:avLst/>
+          </a:prstGeom>
+        </p:spPr>
+      </p:pic>
+      <p:sp>
+        <p:nvSpPr>
+          <p:cNvPr id="11" name="TextBox 10">
+            <a:extLst>
+              <a:ext uri="{FF2B5EF4-FFF2-40B4-BE49-F238E27FC236}">
+                <a16:creationId xmlns:a16="http://schemas.microsoft.com/office/drawing/2014/main" id="{0084FD53-DB06-6244-112B-59964520BD42}"/>
+              </a:ext>
+            </a:extLst>
+          </p:cNvPr>
+          <p:cNvSpPr txBox="1"/>
+          <p:nvPr/>
+        </p:nvSpPr>
+        <p:spPr>
+          <a:xfrm>
+            <a:off x="115138" y="301021"/>
+            <a:ext cx="5819955" cy="830997"/>
+          </a:xfrm>
+          <a:prstGeom prst="rect">
+            <a:avLst/>
+          </a:prstGeom>
+          <a:noFill/>
+        </p:spPr>
+        <p:txBody>
+          <a:bodyPr wrap="square" rtlCol="0">
+            <a:spAutoFit/>
+          </a:bodyPr>
+          <a:lstStyle/>
+          <a:p>
+            <a:r>
+              <a:rPr lang="en-CA" sz="2400" dirty="0"/>
+              <a:t>Colony 59 (No-Choice) </a:t>
+            </a:r>
+            <a:br>
+              <a:rPr lang="en-CA" sz="2400" dirty="0"/>
+            </a:br>
+            <a:r>
+              <a:rPr lang="en-CA" sz="2400" dirty="0"/>
+              <a:t>Node size and edge width = out-strength</a:t>
+            </a:r>
+          </a:p>
+        </p:txBody>
+      </p:sp>
+    </p:spTree>
+    <p:extLst>
+      <p:ext uri="{BB962C8B-B14F-4D97-AF65-F5344CB8AC3E}">
+        <p14:creationId xmlns:p14="http://schemas.microsoft.com/office/powerpoint/2010/main" val="1560927437"/>
+      </p:ext>
+    </p:extLst>
+  </p:cSld>
+  <p:clrMapOvr>
+    <a:masterClrMapping/>
+  </p:clrMapOvr>
+</p:sld>
+</file>
+
+<file path=ppt/slides/slide18.xml><?xml version="1.0" encoding="utf-8"?>
+<p:sld xmlns:a="http://schemas.openxmlformats.org/drawingml/2006/main" xmlns:r="http://schemas.openxmlformats.org/officeDocument/2006/relationships" xmlns:p="http://schemas.openxmlformats.org/presentationml/2006/main">
+  <p:cSld>
+    <p:spTree>
+      <p:nvGrpSpPr>
+        <p:cNvPr id="1" name=""/>
+        <p:cNvGrpSpPr/>
+        <p:nvPr/>
+      </p:nvGrpSpPr>
+      <p:grpSpPr>
+        <a:xfrm>
+          <a:off x="0" y="0"/>
+          <a:ext cx="0" cy="0"/>
+          <a:chOff x="0" y="0"/>
+          <a:chExt cx="0" cy="0"/>
+        </a:xfrm>
+      </p:grpSpPr>
+      <p:pic>
+        <p:nvPicPr>
+          <p:cNvPr id="3" name="Picture 2">
+            <a:extLst>
+              <a:ext uri="{FF2B5EF4-FFF2-40B4-BE49-F238E27FC236}">
+                <a16:creationId xmlns:a16="http://schemas.microsoft.com/office/drawing/2014/main" id="{65EB0067-9C58-22FC-EC8C-8845C21C9EFF}"/>
+              </a:ext>
+            </a:extLst>
+          </p:cNvPr>
+          <p:cNvPicPr>
+            <a:picLocks noChangeAspect="1"/>
+          </p:cNvPicPr>
+          <p:nvPr/>
+        </p:nvPicPr>
+        <p:blipFill>
+          <a:blip r:embed="rId2"/>
+          <a:stretch>
+            <a:fillRect/>
+          </a:stretch>
+        </p:blipFill>
+        <p:spPr>
+          <a:xfrm>
+            <a:off x="115138" y="1132018"/>
+            <a:ext cx="4133863" cy="4013342"/>
+          </a:xfrm>
+          <a:prstGeom prst="rect">
+            <a:avLst/>
+          </a:prstGeom>
+        </p:spPr>
+      </p:pic>
+      <p:pic>
+        <p:nvPicPr>
+          <p:cNvPr id="5" name="Picture 4">
+            <a:extLst>
+              <a:ext uri="{FF2B5EF4-FFF2-40B4-BE49-F238E27FC236}">
+                <a16:creationId xmlns:a16="http://schemas.microsoft.com/office/drawing/2014/main" id="{F70E23BF-0252-A8AF-7533-DF2CD38CCB10}"/>
+              </a:ext>
+            </a:extLst>
+          </p:cNvPr>
+          <p:cNvPicPr>
+            <a:picLocks noChangeAspect="1"/>
+          </p:cNvPicPr>
+          <p:nvPr/>
+        </p:nvPicPr>
+        <p:blipFill>
+          <a:blip r:embed="rId3"/>
+          <a:stretch>
+            <a:fillRect/>
+          </a:stretch>
+        </p:blipFill>
+        <p:spPr>
+          <a:xfrm>
+            <a:off x="4249001" y="1316915"/>
+            <a:ext cx="3729658" cy="3643548"/>
+          </a:xfrm>
+          <a:prstGeom prst="rect">
+            <a:avLst/>
+          </a:prstGeom>
+        </p:spPr>
+      </p:pic>
+      <p:pic>
+        <p:nvPicPr>
+          <p:cNvPr id="7" name="Picture 6">
+            <a:extLst>
+              <a:ext uri="{FF2B5EF4-FFF2-40B4-BE49-F238E27FC236}">
+                <a16:creationId xmlns:a16="http://schemas.microsoft.com/office/drawing/2014/main" id="{E76BB279-7E67-8A75-B05B-447088C30665}"/>
+              </a:ext>
+            </a:extLst>
+          </p:cNvPr>
+          <p:cNvPicPr>
+            <a:picLocks noChangeAspect="1"/>
+          </p:cNvPicPr>
+          <p:nvPr/>
+        </p:nvPicPr>
+        <p:blipFill>
+          <a:blip r:embed="rId4"/>
+          <a:stretch>
+            <a:fillRect/>
+          </a:stretch>
+        </p:blipFill>
+        <p:spPr>
+          <a:xfrm>
+            <a:off x="7978659" y="1257607"/>
+            <a:ext cx="3869493" cy="3762164"/>
+          </a:xfrm>
+          <a:prstGeom prst="rect">
+            <a:avLst/>
+          </a:prstGeom>
+        </p:spPr>
+      </p:pic>
+      <p:sp>
+        <p:nvSpPr>
+          <p:cNvPr id="9" name="TextBox 8">
+            <a:extLst>
+              <a:ext uri="{FF2B5EF4-FFF2-40B4-BE49-F238E27FC236}">
+                <a16:creationId xmlns:a16="http://schemas.microsoft.com/office/drawing/2014/main" id="{096AC97E-9D27-81AF-55F3-45BB39001A4D}"/>
+              </a:ext>
+            </a:extLst>
+          </p:cNvPr>
+          <p:cNvSpPr txBox="1"/>
+          <p:nvPr/>
+        </p:nvSpPr>
+        <p:spPr>
+          <a:xfrm>
+            <a:off x="115138" y="301021"/>
+            <a:ext cx="5819955" cy="830997"/>
+          </a:xfrm>
+          <a:prstGeom prst="rect">
+            <a:avLst/>
+          </a:prstGeom>
+          <a:noFill/>
+        </p:spPr>
+        <p:txBody>
+          <a:bodyPr wrap="square" rtlCol="0">
+            <a:spAutoFit/>
+          </a:bodyPr>
+          <a:lstStyle/>
+          <a:p>
+            <a:r>
+              <a:rPr lang="en-CA" sz="2400" dirty="0"/>
+              <a:t>Colony 45 (No-Choice) </a:t>
+            </a:r>
+            <a:br>
+              <a:rPr lang="en-CA" sz="2400" dirty="0"/>
+            </a:br>
+            <a:r>
+              <a:rPr lang="en-CA" sz="2400" dirty="0"/>
+              <a:t>Node size and edge width = out-strength</a:t>
+            </a:r>
+          </a:p>
+        </p:txBody>
+      </p:sp>
+    </p:spTree>
+    <p:extLst>
+      <p:ext uri="{BB962C8B-B14F-4D97-AF65-F5344CB8AC3E}">
+        <p14:creationId xmlns:p14="http://schemas.microsoft.com/office/powerpoint/2010/main" val="1843938562"/>
+      </p:ext>
+    </p:extLst>
+  </p:cSld>
+  <p:clrMapOvr>
+    <a:masterClrMapping/>
+  </p:clrMapOvr>
+</p:sld>
+</file>
+
+<file path=ppt/slides/slide19.xml><?xml version="1.0" encoding="utf-8"?>
+<p:sld xmlns:a="http://schemas.openxmlformats.org/drawingml/2006/main" xmlns:r="http://schemas.openxmlformats.org/officeDocument/2006/relationships" xmlns:p="http://schemas.openxmlformats.org/presentationml/2006/main">
+  <p:cSld>
+    <p:spTree>
+      <p:nvGrpSpPr>
+        <p:cNvPr id="1" name=""/>
+        <p:cNvGrpSpPr/>
+        <p:nvPr/>
+      </p:nvGrpSpPr>
+      <p:grpSpPr>
+        <a:xfrm>
+          <a:off x="0" y="0"/>
+          <a:ext cx="0" cy="0"/>
+          <a:chOff x="0" y="0"/>
+          <a:chExt cx="0" cy="0"/>
+        </a:xfrm>
+      </p:grpSpPr>
+      <p:pic>
+        <p:nvPicPr>
+          <p:cNvPr id="3" name="Picture 2">
+            <a:extLst>
+              <a:ext uri="{FF2B5EF4-FFF2-40B4-BE49-F238E27FC236}">
+                <a16:creationId xmlns:a16="http://schemas.microsoft.com/office/drawing/2014/main" id="{34ED567B-B527-68B9-2282-D8666F344020}"/>
+              </a:ext>
+            </a:extLst>
+          </p:cNvPr>
+          <p:cNvPicPr>
+            <a:picLocks noChangeAspect="1"/>
+          </p:cNvPicPr>
+          <p:nvPr/>
+        </p:nvPicPr>
+        <p:blipFill>
+          <a:blip r:embed="rId2"/>
+          <a:stretch>
+            <a:fillRect/>
+          </a:stretch>
+        </p:blipFill>
+        <p:spPr>
+          <a:xfrm>
+            <a:off x="2246946" y="1661203"/>
+            <a:ext cx="4665690" cy="4371139"/>
+          </a:xfrm>
+          <a:prstGeom prst="rect">
+            <a:avLst/>
+          </a:prstGeom>
+        </p:spPr>
+      </p:pic>
+      <p:pic>
+        <p:nvPicPr>
+          <p:cNvPr id="5" name="Picture 4">
+            <a:extLst>
+              <a:ext uri="{FF2B5EF4-FFF2-40B4-BE49-F238E27FC236}">
+                <a16:creationId xmlns:a16="http://schemas.microsoft.com/office/drawing/2014/main" id="{7CF6FC86-7515-C2DD-9AD0-9B748AA3FE0E}"/>
+              </a:ext>
+            </a:extLst>
+          </p:cNvPr>
+          <p:cNvPicPr>
+            <a:picLocks noChangeAspect="1"/>
+          </p:cNvPicPr>
+          <p:nvPr/>
+        </p:nvPicPr>
+        <p:blipFill>
+          <a:blip r:embed="rId3"/>
+          <a:stretch>
+            <a:fillRect/>
+          </a:stretch>
+        </p:blipFill>
+        <p:spPr>
+          <a:xfrm>
+            <a:off x="7151298" y="1738841"/>
+            <a:ext cx="4665689" cy="4383663"/>
+          </a:xfrm>
+          <a:prstGeom prst="rect">
+            <a:avLst/>
+          </a:prstGeom>
+        </p:spPr>
+      </p:pic>
+      <p:sp>
+        <p:nvSpPr>
+          <p:cNvPr id="7" name="TextBox 6">
+            <a:extLst>
+              <a:ext uri="{FF2B5EF4-FFF2-40B4-BE49-F238E27FC236}">
+                <a16:creationId xmlns:a16="http://schemas.microsoft.com/office/drawing/2014/main" id="{A6BBEAE8-D25F-C607-6221-9441A0477983}"/>
+              </a:ext>
+            </a:extLst>
+          </p:cNvPr>
+          <p:cNvSpPr txBox="1"/>
+          <p:nvPr/>
+        </p:nvSpPr>
+        <p:spPr>
+          <a:xfrm>
+            <a:off x="115138" y="301021"/>
+            <a:ext cx="9865624" cy="1200329"/>
+          </a:xfrm>
+          <a:prstGeom prst="rect">
+            <a:avLst/>
+          </a:prstGeom>
+          <a:noFill/>
+        </p:spPr>
+        <p:txBody>
+          <a:bodyPr wrap="square" rtlCol="0">
+            <a:spAutoFit/>
+          </a:bodyPr>
+          <a:lstStyle/>
+          <a:p>
+            <a:r>
+              <a:rPr lang="en-CA" sz="2400" dirty="0"/>
+              <a:t>Colony 47 (No-Choice) </a:t>
+            </a:r>
+            <a:br>
+              <a:rPr lang="en-CA" sz="2400" dirty="0"/>
+            </a:br>
+            <a:r>
+              <a:rPr lang="en-CA" sz="2400" dirty="0"/>
+              <a:t>Node size and edge width = out-strength</a:t>
+            </a:r>
+            <a:br>
+              <a:rPr lang="en-CA" sz="2400" dirty="0"/>
+            </a:br>
+            <a:r>
+              <a:rPr lang="en-CA" sz="2400" dirty="0">
+                <a:highlight>
+                  <a:srgbClr val="FFFF00"/>
+                </a:highlight>
+              </a:rPr>
+              <a:t>Data from Trial #1 not recoverable due to missing videos</a:t>
+            </a:r>
+          </a:p>
+        </p:txBody>
+      </p:sp>
+    </p:spTree>
+    <p:extLst>
+      <p:ext uri="{BB962C8B-B14F-4D97-AF65-F5344CB8AC3E}">
+        <p14:creationId xmlns:p14="http://schemas.microsoft.com/office/powerpoint/2010/main" val="1441160976"/>
       </p:ext>
     </p:extLst>
   </p:cSld>
@@ -8432,7 +8800,7 @@
         </p:blipFill>
         <p:spPr>
           <a:xfrm>
-            <a:off x="8220268" y="821059"/>
+            <a:off x="8365879" y="783847"/>
             <a:ext cx="3826121" cy="3718126"/>
           </a:xfrm>
           <a:prstGeom prst="rect">
